--- a/Lecture slides/ADAP B05 - Error and Exception Handling.pptx
+++ b/Lecture slides/ADAP B05 - Error and Exception Handling.pptx
@@ -57,11 +57,6 @@
     <p:sldId id="302" r:id="rId53"/>
     <p:sldId id="303" r:id="rId54"/>
     <p:sldId id="304" r:id="rId55"/>
-    <p:sldId id="305" r:id="rId56"/>
-    <p:sldId id="306" r:id="rId57"/>
-    <p:sldId id="307" r:id="rId58"/>
-    <p:sldId id="308" r:id="rId59"/>
-    <p:sldId id="309" r:id="rId60"/>
   </p:sldIdLst>
   <p:sldSz cy="5143500" cx="9144000"/>
   <p:notesSz cx="6858000" cy="9144000"/>
@@ -843,7 +838,7 @@
   <p:cSld>
     <p:spTree>
       <p:nvGrpSpPr>
-        <p:cNvPr id="108" name="Shape 108"/>
+        <p:cNvPr id="107" name="Shape 107"/>
         <p:cNvGrpSpPr/>
         <p:nvPr/>
       </p:nvGrpSpPr>
@@ -857,7 +852,7 @@
       </p:grpSpPr>
       <p:sp>
         <p:nvSpPr>
-          <p:cNvPr id="109" name="Google Shape;109;g30adfe1e135_0_17:notes"/>
+          <p:cNvPr id="108" name="Google Shape;108;g30adfe1e135_0_17:notes"/>
           <p:cNvSpPr/>
           <p:nvPr>
             <p:ph idx="2" type="sldImg"/>
@@ -892,7 +887,7 @@
       </p:sp>
       <p:sp>
         <p:nvSpPr>
-          <p:cNvPr id="110" name="Google Shape;110;g30adfe1e135_0_17:notes"/>
+          <p:cNvPr id="109" name="Google Shape;109;g30adfe1e135_0_17:notes"/>
           <p:cNvSpPr txBox="1"/>
           <p:nvPr>
             <p:ph idx="1" type="body"/>
@@ -942,7 +937,7 @@
   <p:cSld>
     <p:spTree>
       <p:nvGrpSpPr>
-        <p:cNvPr id="115" name="Shape 115"/>
+        <p:cNvPr id="114" name="Shape 114"/>
         <p:cNvGrpSpPr/>
         <p:nvPr/>
       </p:nvGrpSpPr>
@@ -956,7 +951,7 @@
       </p:grpSpPr>
       <p:sp>
         <p:nvSpPr>
-          <p:cNvPr id="116" name="Google Shape;116;g30b020d8c4c_0_0:notes"/>
+          <p:cNvPr id="115" name="Google Shape;115;g30b020d8c4c_0_6:notes"/>
           <p:cNvSpPr/>
           <p:nvPr>
             <p:ph idx="2" type="sldImg"/>
@@ -991,7 +986,7 @@
       </p:sp>
       <p:sp>
         <p:nvSpPr>
-          <p:cNvPr id="117" name="Google Shape;117;g30b020d8c4c_0_0:notes"/>
+          <p:cNvPr id="116" name="Google Shape;116;g30b020d8c4c_0_6:notes"/>
           <p:cNvSpPr txBox="1"/>
           <p:nvPr>
             <p:ph idx="1" type="body"/>
@@ -1041,7 +1036,7 @@
   <p:cSld>
     <p:spTree>
       <p:nvGrpSpPr>
-        <p:cNvPr id="123" name="Shape 123"/>
+        <p:cNvPr id="121" name="Shape 121"/>
         <p:cNvGrpSpPr/>
         <p:nvPr/>
       </p:nvGrpSpPr>
@@ -1055,7 +1050,7 @@
       </p:grpSpPr>
       <p:sp>
         <p:nvSpPr>
-          <p:cNvPr id="124" name="Google Shape;124;g30b020d8c4c_0_6:notes"/>
+          <p:cNvPr id="122" name="Google Shape;122;g30adfe1e135_0_104:notes"/>
           <p:cNvSpPr/>
           <p:nvPr>
             <p:ph idx="2" type="sldImg"/>
@@ -1090,7 +1085,7 @@
       </p:sp>
       <p:sp>
         <p:nvSpPr>
-          <p:cNvPr id="125" name="Google Shape;125;g30b020d8c4c_0_6:notes"/>
+          <p:cNvPr id="123" name="Google Shape;123;g30adfe1e135_0_104:notes"/>
           <p:cNvSpPr txBox="1"/>
           <p:nvPr>
             <p:ph idx="1" type="body"/>
@@ -1140,7 +1135,7 @@
   <p:cSld>
     <p:spTree>
       <p:nvGrpSpPr>
-        <p:cNvPr id="130" name="Shape 130"/>
+        <p:cNvPr id="128" name="Shape 128"/>
         <p:cNvGrpSpPr/>
         <p:nvPr/>
       </p:nvGrpSpPr>
@@ -1154,7 +1149,7 @@
       </p:grpSpPr>
       <p:sp>
         <p:nvSpPr>
-          <p:cNvPr id="131" name="Google Shape;131;g30adfe1e135_0_104:notes"/>
+          <p:cNvPr id="129" name="Google Shape;129;g30adfe1e135_0_114:notes"/>
           <p:cNvSpPr/>
           <p:nvPr>
             <p:ph idx="2" type="sldImg"/>
@@ -1189,7 +1184,7 @@
       </p:sp>
       <p:sp>
         <p:nvSpPr>
-          <p:cNvPr id="132" name="Google Shape;132;g30adfe1e135_0_104:notes"/>
+          <p:cNvPr id="130" name="Google Shape;130;g30adfe1e135_0_114:notes"/>
           <p:cNvSpPr txBox="1"/>
           <p:nvPr>
             <p:ph idx="1" type="body"/>
@@ -1239,7 +1234,7 @@
   <p:cSld>
     <p:spTree>
       <p:nvGrpSpPr>
-        <p:cNvPr id="137" name="Shape 137"/>
+        <p:cNvPr id="139" name="Shape 139"/>
         <p:cNvGrpSpPr/>
         <p:nvPr/>
       </p:nvGrpSpPr>
@@ -1253,7 +1248,7 @@
       </p:grpSpPr>
       <p:sp>
         <p:nvSpPr>
-          <p:cNvPr id="138" name="Google Shape;138;g30adfe1e135_0_114:notes"/>
+          <p:cNvPr id="140" name="Google Shape;140;g30adfe1e135_0_124:notes"/>
           <p:cNvSpPr/>
           <p:nvPr>
             <p:ph idx="2" type="sldImg"/>
@@ -1288,7 +1283,7 @@
       </p:sp>
       <p:sp>
         <p:nvSpPr>
-          <p:cNvPr id="139" name="Google Shape;139;g30adfe1e135_0_114:notes"/>
+          <p:cNvPr id="141" name="Google Shape;141;g30adfe1e135_0_124:notes"/>
           <p:cNvSpPr txBox="1"/>
           <p:nvPr>
             <p:ph idx="1" type="body"/>
@@ -1338,7 +1333,7 @@
   <p:cSld>
     <p:spTree>
       <p:nvGrpSpPr>
-        <p:cNvPr id="148" name="Shape 148"/>
+        <p:cNvPr id="147" name="Shape 147"/>
         <p:cNvGrpSpPr/>
         <p:nvPr/>
       </p:nvGrpSpPr>
@@ -1352,7 +1347,7 @@
       </p:grpSpPr>
       <p:sp>
         <p:nvSpPr>
-          <p:cNvPr id="149" name="Google Shape;149;g30adfe1e135_0_124:notes"/>
+          <p:cNvPr id="148" name="Google Shape;148;g30adfe1e135_0_131:notes"/>
           <p:cNvSpPr/>
           <p:nvPr>
             <p:ph idx="2" type="sldImg"/>
@@ -1387,7 +1382,7 @@
       </p:sp>
       <p:sp>
         <p:nvSpPr>
-          <p:cNvPr id="150" name="Google Shape;150;g30adfe1e135_0_124:notes"/>
+          <p:cNvPr id="149" name="Google Shape;149;g30adfe1e135_0_131:notes"/>
           <p:cNvSpPr txBox="1"/>
           <p:nvPr>
             <p:ph idx="1" type="body"/>
@@ -1437,7 +1432,7 @@
   <p:cSld>
     <p:spTree>
       <p:nvGrpSpPr>
-        <p:cNvPr id="156" name="Shape 156"/>
+        <p:cNvPr id="154" name="Shape 154"/>
         <p:cNvGrpSpPr/>
         <p:nvPr/>
       </p:nvGrpSpPr>
@@ -1451,7 +1446,7 @@
       </p:grpSpPr>
       <p:sp>
         <p:nvSpPr>
-          <p:cNvPr id="157" name="Google Shape;157;g30adfe1e135_0_131:notes"/>
+          <p:cNvPr id="155" name="Google Shape;155;g30adfe1e135_0_137:notes"/>
           <p:cNvSpPr/>
           <p:nvPr>
             <p:ph idx="2" type="sldImg"/>
@@ -1486,7 +1481,7 @@
       </p:sp>
       <p:sp>
         <p:nvSpPr>
-          <p:cNvPr id="158" name="Google Shape;158;g30adfe1e135_0_131:notes"/>
+          <p:cNvPr id="156" name="Google Shape;156;g30adfe1e135_0_137:notes"/>
           <p:cNvSpPr txBox="1"/>
           <p:nvPr>
             <p:ph idx="1" type="body"/>
@@ -1536,7 +1531,7 @@
   <p:cSld>
     <p:spTree>
       <p:nvGrpSpPr>
-        <p:cNvPr id="163" name="Shape 163"/>
+        <p:cNvPr id="161" name="Shape 161"/>
         <p:cNvGrpSpPr/>
         <p:nvPr/>
       </p:nvGrpSpPr>
@@ -1550,7 +1545,7 @@
       </p:grpSpPr>
       <p:sp>
         <p:nvSpPr>
-          <p:cNvPr id="164" name="Google Shape;164;g30adfe1e135_0_137:notes"/>
+          <p:cNvPr id="162" name="Google Shape;162;g3185bc3a9c6_0_14:notes"/>
           <p:cNvSpPr/>
           <p:nvPr>
             <p:ph idx="2" type="sldImg"/>
@@ -1585,7 +1580,7 @@
       </p:sp>
       <p:sp>
         <p:nvSpPr>
-          <p:cNvPr id="165" name="Google Shape;165;g30adfe1e135_0_137:notes"/>
+          <p:cNvPr id="163" name="Google Shape;163;g3185bc3a9c6_0_14:notes"/>
           <p:cNvSpPr txBox="1"/>
           <p:nvPr>
             <p:ph idx="1" type="body"/>
@@ -1635,7 +1630,7 @@
   <p:cSld>
     <p:spTree>
       <p:nvGrpSpPr>
-        <p:cNvPr id="170" name="Shape 170"/>
+        <p:cNvPr id="168" name="Shape 168"/>
         <p:cNvGrpSpPr/>
         <p:nvPr/>
       </p:nvGrpSpPr>
@@ -1649,7 +1644,7 @@
       </p:grpSpPr>
       <p:sp>
         <p:nvSpPr>
-          <p:cNvPr id="171" name="Google Shape;171;g3185bc3a9c6_0_14:notes"/>
+          <p:cNvPr id="169" name="Google Shape;169;g30adfe1e135_0_143:notes"/>
           <p:cNvSpPr/>
           <p:nvPr>
             <p:ph idx="2" type="sldImg"/>
@@ -1684,7 +1679,7 @@
       </p:sp>
       <p:sp>
         <p:nvSpPr>
-          <p:cNvPr id="172" name="Google Shape;172;g3185bc3a9c6_0_14:notes"/>
+          <p:cNvPr id="170" name="Google Shape;170;g30adfe1e135_0_143:notes"/>
           <p:cNvSpPr txBox="1"/>
           <p:nvPr>
             <p:ph idx="1" type="body"/>
@@ -1734,7 +1729,7 @@
   <p:cSld>
     <p:spTree>
       <p:nvGrpSpPr>
-        <p:cNvPr id="177" name="Shape 177"/>
+        <p:cNvPr id="175" name="Shape 175"/>
         <p:cNvGrpSpPr/>
         <p:nvPr/>
       </p:nvGrpSpPr>
@@ -1748,7 +1743,7 @@
       </p:grpSpPr>
       <p:sp>
         <p:nvSpPr>
-          <p:cNvPr id="178" name="Google Shape;178;g3185bc3a9c6_0_21:notes"/>
+          <p:cNvPr id="176" name="Google Shape;176;g30adfe1e135_0_151:notes"/>
           <p:cNvSpPr/>
           <p:nvPr>
             <p:ph idx="2" type="sldImg"/>
@@ -1783,7 +1778,7 @@
       </p:sp>
       <p:sp>
         <p:nvSpPr>
-          <p:cNvPr id="179" name="Google Shape;179;g3185bc3a9c6_0_21:notes"/>
+          <p:cNvPr id="177" name="Google Shape;177;g30adfe1e135_0_151:notes"/>
           <p:cNvSpPr txBox="1"/>
           <p:nvPr>
             <p:ph idx="1" type="body"/>
@@ -1932,7 +1927,7 @@
   <p:cSld>
     <p:spTree>
       <p:nvGrpSpPr>
-        <p:cNvPr id="185" name="Shape 185"/>
+        <p:cNvPr id="182" name="Shape 182"/>
         <p:cNvGrpSpPr/>
         <p:nvPr/>
       </p:nvGrpSpPr>
@@ -1946,7 +1941,7 @@
       </p:grpSpPr>
       <p:sp>
         <p:nvSpPr>
-          <p:cNvPr id="186" name="Google Shape;186;g30adfe1e135_0_143:notes"/>
+          <p:cNvPr id="183" name="Google Shape;183;g30bebb828f4_0_0:notes"/>
           <p:cNvSpPr/>
           <p:nvPr>
             <p:ph idx="2" type="sldImg"/>
@@ -1981,7 +1976,7 @@
       </p:sp>
       <p:sp>
         <p:nvSpPr>
-          <p:cNvPr id="187" name="Google Shape;187;g30adfe1e135_0_143:notes"/>
+          <p:cNvPr id="184" name="Google Shape;184;g30bebb828f4_0_0:notes"/>
           <p:cNvSpPr txBox="1"/>
           <p:nvPr>
             <p:ph idx="1" type="body"/>
@@ -2031,7 +2026,7 @@
   <p:cSld>
     <p:spTree>
       <p:nvGrpSpPr>
-        <p:cNvPr id="192" name="Shape 192"/>
+        <p:cNvPr id="189" name="Shape 189"/>
         <p:cNvGrpSpPr/>
         <p:nvPr/>
       </p:nvGrpSpPr>
@@ -2045,7 +2040,7 @@
       </p:grpSpPr>
       <p:sp>
         <p:nvSpPr>
-          <p:cNvPr id="193" name="Google Shape;193;g30adfe1e135_0_151:notes"/>
+          <p:cNvPr id="190" name="Google Shape;190;g3185bc3a9c6_0_36:notes"/>
           <p:cNvSpPr/>
           <p:nvPr>
             <p:ph idx="2" type="sldImg"/>
@@ -2080,7 +2075,7 @@
       </p:sp>
       <p:sp>
         <p:nvSpPr>
-          <p:cNvPr id="194" name="Google Shape;194;g30adfe1e135_0_151:notes"/>
+          <p:cNvPr id="191" name="Google Shape;191;g3185bc3a9c6_0_36:notes"/>
           <p:cNvSpPr txBox="1"/>
           <p:nvPr>
             <p:ph idx="1" type="body"/>
@@ -2130,7 +2125,7 @@
   <p:cSld>
     <p:spTree>
       <p:nvGrpSpPr>
-        <p:cNvPr id="199" name="Shape 199"/>
+        <p:cNvPr id="196" name="Shape 196"/>
         <p:cNvGrpSpPr/>
         <p:nvPr/>
       </p:nvGrpSpPr>
@@ -2144,7 +2139,7 @@
       </p:grpSpPr>
       <p:sp>
         <p:nvSpPr>
-          <p:cNvPr id="200" name="Google Shape;200;g30bebb828f4_0_0:notes"/>
+          <p:cNvPr id="197" name="Google Shape;197;g30adfe1e135_0_23:notes"/>
           <p:cNvSpPr/>
           <p:nvPr>
             <p:ph idx="2" type="sldImg"/>
@@ -2179,7 +2174,7 @@
       </p:sp>
       <p:sp>
         <p:nvSpPr>
-          <p:cNvPr id="201" name="Google Shape;201;g30bebb828f4_0_0:notes"/>
+          <p:cNvPr id="198" name="Google Shape;198;g30adfe1e135_0_23:notes"/>
           <p:cNvSpPr txBox="1"/>
           <p:nvPr>
             <p:ph idx="1" type="body"/>
@@ -2229,7 +2224,7 @@
   <p:cSld>
     <p:spTree>
       <p:nvGrpSpPr>
-        <p:cNvPr id="206" name="Shape 206"/>
+        <p:cNvPr id="201" name="Shape 201"/>
         <p:cNvGrpSpPr/>
         <p:nvPr/>
       </p:nvGrpSpPr>
@@ -2243,7 +2238,7 @@
       </p:grpSpPr>
       <p:sp>
         <p:nvSpPr>
-          <p:cNvPr id="207" name="Google Shape;207;g3185bc3a9c6_0_36:notes"/>
+          <p:cNvPr id="202" name="Google Shape;202;g30adfe1e135_0_27:notes"/>
           <p:cNvSpPr/>
           <p:nvPr>
             <p:ph idx="2" type="sldImg"/>
@@ -2278,7 +2273,7 @@
       </p:sp>
       <p:sp>
         <p:nvSpPr>
-          <p:cNvPr id="208" name="Google Shape;208;g3185bc3a9c6_0_36:notes"/>
+          <p:cNvPr id="203" name="Google Shape;203;g30adfe1e135_0_27:notes"/>
           <p:cNvSpPr txBox="1"/>
           <p:nvPr>
             <p:ph idx="1" type="body"/>
@@ -2328,7 +2323,7 @@
   <p:cSld>
     <p:spTree>
       <p:nvGrpSpPr>
-        <p:cNvPr id="213" name="Shape 213"/>
+        <p:cNvPr id="208" name="Shape 208"/>
         <p:cNvGrpSpPr/>
         <p:nvPr/>
       </p:nvGrpSpPr>
@@ -2342,7 +2337,7 @@
       </p:grpSpPr>
       <p:sp>
         <p:nvSpPr>
-          <p:cNvPr id="214" name="Google Shape;214;g30adfe1e135_0_23:notes"/>
+          <p:cNvPr id="209" name="Google Shape;209;g3185bc3a9c6_0_44:notes"/>
           <p:cNvSpPr/>
           <p:nvPr>
             <p:ph idx="2" type="sldImg"/>
@@ -2377,7 +2372,7 @@
       </p:sp>
       <p:sp>
         <p:nvSpPr>
-          <p:cNvPr id="215" name="Google Shape;215;g30adfe1e135_0_23:notes"/>
+          <p:cNvPr id="210" name="Google Shape;210;g3185bc3a9c6_0_44:notes"/>
           <p:cNvSpPr txBox="1"/>
           <p:nvPr>
             <p:ph idx="1" type="body"/>
@@ -2427,7 +2422,7 @@
   <p:cSld>
     <p:spTree>
       <p:nvGrpSpPr>
-        <p:cNvPr id="218" name="Shape 218"/>
+        <p:cNvPr id="215" name="Shape 215"/>
         <p:cNvGrpSpPr/>
         <p:nvPr/>
       </p:nvGrpSpPr>
@@ -2441,7 +2436,7 @@
       </p:grpSpPr>
       <p:sp>
         <p:nvSpPr>
-          <p:cNvPr id="219" name="Google Shape;219;g30adfe1e135_0_27:notes"/>
+          <p:cNvPr id="216" name="Google Shape;216;g30bebb828f4_0_6:notes"/>
           <p:cNvSpPr/>
           <p:nvPr>
             <p:ph idx="2" type="sldImg"/>
@@ -2476,7 +2471,7 @@
       </p:sp>
       <p:sp>
         <p:nvSpPr>
-          <p:cNvPr id="220" name="Google Shape;220;g30adfe1e135_0_27:notes"/>
+          <p:cNvPr id="217" name="Google Shape;217;g30bebb828f4_0_6:notes"/>
           <p:cNvSpPr txBox="1"/>
           <p:nvPr>
             <p:ph idx="1" type="body"/>
@@ -2526,7 +2521,7 @@
   <p:cSld>
     <p:spTree>
       <p:nvGrpSpPr>
-        <p:cNvPr id="225" name="Shape 225"/>
+        <p:cNvPr id="222" name="Shape 222"/>
         <p:cNvGrpSpPr/>
         <p:nvPr/>
       </p:nvGrpSpPr>
@@ -2540,7 +2535,7 @@
       </p:grpSpPr>
       <p:sp>
         <p:nvSpPr>
-          <p:cNvPr id="226" name="Google Shape;226;g3185bc3a9c6_0_44:notes"/>
+          <p:cNvPr id="223" name="Google Shape;223;g30bebb828f4_0_13:notes"/>
           <p:cNvSpPr/>
           <p:nvPr>
             <p:ph idx="2" type="sldImg"/>
@@ -2575,7 +2570,7 @@
       </p:sp>
       <p:sp>
         <p:nvSpPr>
-          <p:cNvPr id="227" name="Google Shape;227;g3185bc3a9c6_0_44:notes"/>
+          <p:cNvPr id="224" name="Google Shape;224;g30bebb828f4_0_13:notes"/>
           <p:cNvSpPr txBox="1"/>
           <p:nvPr>
             <p:ph idx="1" type="body"/>
@@ -2625,7 +2620,7 @@
   <p:cSld>
     <p:spTree>
       <p:nvGrpSpPr>
-        <p:cNvPr id="232" name="Shape 232"/>
+        <p:cNvPr id="229" name="Shape 229"/>
         <p:cNvGrpSpPr/>
         <p:nvPr/>
       </p:nvGrpSpPr>
@@ -2639,7 +2634,7 @@
       </p:grpSpPr>
       <p:sp>
         <p:nvSpPr>
-          <p:cNvPr id="233" name="Google Shape;233;g30bebb828f4_0_6:notes"/>
+          <p:cNvPr id="230" name="Google Shape;230;g30adfe1e135_0_33:notes"/>
           <p:cNvSpPr/>
           <p:nvPr>
             <p:ph idx="2" type="sldImg"/>
@@ -2674,7 +2669,7 @@
       </p:sp>
       <p:sp>
         <p:nvSpPr>
-          <p:cNvPr id="234" name="Google Shape;234;g30bebb828f4_0_6:notes"/>
+          <p:cNvPr id="231" name="Google Shape;231;g30adfe1e135_0_33:notes"/>
           <p:cNvSpPr txBox="1"/>
           <p:nvPr>
             <p:ph idx="1" type="body"/>
@@ -2724,7 +2719,7 @@
   <p:cSld>
     <p:spTree>
       <p:nvGrpSpPr>
-        <p:cNvPr id="239" name="Shape 239"/>
+        <p:cNvPr id="234" name="Shape 234"/>
         <p:cNvGrpSpPr/>
         <p:nvPr/>
       </p:nvGrpSpPr>
@@ -2738,7 +2733,7 @@
       </p:grpSpPr>
       <p:sp>
         <p:nvSpPr>
-          <p:cNvPr id="240" name="Google Shape;240;g30bebb828f4_0_13:notes"/>
+          <p:cNvPr id="235" name="Google Shape;235;g30adfe1e135_0_37:notes"/>
           <p:cNvSpPr/>
           <p:nvPr>
             <p:ph idx="2" type="sldImg"/>
@@ -2773,7 +2768,7 @@
       </p:sp>
       <p:sp>
         <p:nvSpPr>
-          <p:cNvPr id="241" name="Google Shape;241;g30bebb828f4_0_13:notes"/>
+          <p:cNvPr id="236" name="Google Shape;236;g30adfe1e135_0_37:notes"/>
           <p:cNvSpPr txBox="1"/>
           <p:nvPr>
             <p:ph idx="1" type="body"/>
@@ -2823,7 +2818,7 @@
   <p:cSld>
     <p:spTree>
       <p:nvGrpSpPr>
-        <p:cNvPr id="246" name="Shape 246"/>
+        <p:cNvPr id="241" name="Shape 241"/>
         <p:cNvGrpSpPr/>
         <p:nvPr/>
       </p:nvGrpSpPr>
@@ -2837,7 +2832,7 @@
       </p:grpSpPr>
       <p:sp>
         <p:nvSpPr>
-          <p:cNvPr id="247" name="Google Shape;247;g30adfe1e135_0_33:notes"/>
+          <p:cNvPr id="242" name="Google Shape;242;g3185bc3a9c6_0_51:notes"/>
           <p:cNvSpPr/>
           <p:nvPr>
             <p:ph idx="2" type="sldImg"/>
@@ -2872,7 +2867,7 @@
       </p:sp>
       <p:sp>
         <p:nvSpPr>
-          <p:cNvPr id="248" name="Google Shape;248;g30adfe1e135_0_33:notes"/>
+          <p:cNvPr id="243" name="Google Shape;243;g3185bc3a9c6_0_51:notes"/>
           <p:cNvSpPr txBox="1"/>
           <p:nvPr>
             <p:ph idx="1" type="body"/>
@@ -2922,7 +2917,7 @@
   <p:cSld>
     <p:spTree>
       <p:nvGrpSpPr>
-        <p:cNvPr id="61" name="Shape 61"/>
+        <p:cNvPr id="60" name="Shape 60"/>
         <p:cNvGrpSpPr/>
         <p:nvPr/>
       </p:nvGrpSpPr>
@@ -2936,7 +2931,7 @@
       </p:grpSpPr>
       <p:sp>
         <p:nvSpPr>
-          <p:cNvPr id="62" name="Google Shape;62;g30adfe1e135_0_73:notes"/>
+          <p:cNvPr id="61" name="Google Shape;61;g30adfe1e135_0_73:notes"/>
           <p:cNvSpPr/>
           <p:nvPr>
             <p:ph idx="2" type="sldImg"/>
@@ -2971,7 +2966,7 @@
       </p:sp>
       <p:sp>
         <p:nvSpPr>
-          <p:cNvPr id="63" name="Google Shape;63;g30adfe1e135_0_73:notes"/>
+          <p:cNvPr id="62" name="Google Shape;62;g30adfe1e135_0_73:notes"/>
           <p:cNvSpPr txBox="1"/>
           <p:nvPr>
             <p:ph idx="1" type="body"/>
@@ -3021,7 +3016,7 @@
   <p:cSld>
     <p:spTree>
       <p:nvGrpSpPr>
-        <p:cNvPr id="251" name="Shape 251"/>
+        <p:cNvPr id="248" name="Shape 248"/>
         <p:cNvGrpSpPr/>
         <p:nvPr/>
       </p:nvGrpSpPr>
@@ -3035,7 +3030,7 @@
       </p:grpSpPr>
       <p:sp>
         <p:nvSpPr>
-          <p:cNvPr id="252" name="Google Shape;252;g30adfe1e135_0_37:notes"/>
+          <p:cNvPr id="249" name="Google Shape;249;g3185bc3a9c6_0_57:notes"/>
           <p:cNvSpPr/>
           <p:nvPr>
             <p:ph idx="2" type="sldImg"/>
@@ -3070,7 +3065,7 @@
       </p:sp>
       <p:sp>
         <p:nvSpPr>
-          <p:cNvPr id="253" name="Google Shape;253;g30adfe1e135_0_37:notes"/>
+          <p:cNvPr id="250" name="Google Shape;250;g3185bc3a9c6_0_57:notes"/>
           <p:cNvSpPr txBox="1"/>
           <p:nvPr>
             <p:ph idx="1" type="body"/>
@@ -3120,7 +3115,7 @@
   <p:cSld>
     <p:spTree>
       <p:nvGrpSpPr>
-        <p:cNvPr id="258" name="Shape 258"/>
+        <p:cNvPr id="255" name="Shape 255"/>
         <p:cNvGrpSpPr/>
         <p:nvPr/>
       </p:nvGrpSpPr>
@@ -3134,7 +3129,7 @@
       </p:grpSpPr>
       <p:sp>
         <p:nvSpPr>
-          <p:cNvPr id="259" name="Google Shape;259;g3185bc3a9c6_0_51:notes"/>
+          <p:cNvPr id="256" name="Google Shape;256;g3185bc3a9c6_0_63:notes"/>
           <p:cNvSpPr/>
           <p:nvPr>
             <p:ph idx="2" type="sldImg"/>
@@ -3169,7 +3164,7 @@
       </p:sp>
       <p:sp>
         <p:nvSpPr>
-          <p:cNvPr id="260" name="Google Shape;260;g3185bc3a9c6_0_51:notes"/>
+          <p:cNvPr id="257" name="Google Shape;257;g3185bc3a9c6_0_63:notes"/>
           <p:cNvSpPr txBox="1"/>
           <p:nvPr>
             <p:ph idx="1" type="body"/>
@@ -3219,7 +3214,7 @@
   <p:cSld>
     <p:spTree>
       <p:nvGrpSpPr>
-        <p:cNvPr id="265" name="Shape 265"/>
+        <p:cNvPr id="262" name="Shape 262"/>
         <p:cNvGrpSpPr/>
         <p:nvPr/>
       </p:nvGrpSpPr>
@@ -3233,7 +3228,7 @@
       </p:grpSpPr>
       <p:sp>
         <p:nvSpPr>
-          <p:cNvPr id="266" name="Google Shape;266;g3185bc3a9c6_0_57:notes"/>
+          <p:cNvPr id="263" name="Google Shape;263;g3185bc3a9c6_0_84:notes"/>
           <p:cNvSpPr/>
           <p:nvPr>
             <p:ph idx="2" type="sldImg"/>
@@ -3268,7 +3263,7 @@
       </p:sp>
       <p:sp>
         <p:nvSpPr>
-          <p:cNvPr id="267" name="Google Shape;267;g3185bc3a9c6_0_57:notes"/>
+          <p:cNvPr id="264" name="Google Shape;264;g3185bc3a9c6_0_84:notes"/>
           <p:cNvSpPr txBox="1"/>
           <p:nvPr>
             <p:ph idx="1" type="body"/>
@@ -3318,7 +3313,7 @@
   <p:cSld>
     <p:spTree>
       <p:nvGrpSpPr>
-        <p:cNvPr id="272" name="Shape 272"/>
+        <p:cNvPr id="269" name="Shape 269"/>
         <p:cNvGrpSpPr/>
         <p:nvPr/>
       </p:nvGrpSpPr>
@@ -3332,7 +3327,7 @@
       </p:grpSpPr>
       <p:sp>
         <p:nvSpPr>
-          <p:cNvPr id="273" name="Google Shape;273;g3185bc3a9c6_0_63:notes"/>
+          <p:cNvPr id="270" name="Google Shape;270;g3185bc3a9c6_0_69:notes"/>
           <p:cNvSpPr/>
           <p:nvPr>
             <p:ph idx="2" type="sldImg"/>
@@ -3367,7 +3362,7 @@
       </p:sp>
       <p:sp>
         <p:nvSpPr>
-          <p:cNvPr id="274" name="Google Shape;274;g3185bc3a9c6_0_63:notes"/>
+          <p:cNvPr id="271" name="Google Shape;271;g3185bc3a9c6_0_69:notes"/>
           <p:cNvSpPr txBox="1"/>
           <p:nvPr>
             <p:ph idx="1" type="body"/>
@@ -3417,7 +3412,7 @@
   <p:cSld>
     <p:spTree>
       <p:nvGrpSpPr>
-        <p:cNvPr id="279" name="Shape 279"/>
+        <p:cNvPr id="276" name="Shape 276"/>
         <p:cNvGrpSpPr/>
         <p:nvPr/>
       </p:nvGrpSpPr>
@@ -3431,7 +3426,7 @@
       </p:grpSpPr>
       <p:sp>
         <p:nvSpPr>
-          <p:cNvPr id="280" name="Google Shape;280;g3185bc3a9c6_0_84:notes"/>
+          <p:cNvPr id="277" name="Google Shape;277;g30adfe1e135_0_43:notes"/>
           <p:cNvSpPr/>
           <p:nvPr>
             <p:ph idx="2" type="sldImg"/>
@@ -3466,7 +3461,7 @@
       </p:sp>
       <p:sp>
         <p:nvSpPr>
-          <p:cNvPr id="281" name="Google Shape;281;g3185bc3a9c6_0_84:notes"/>
+          <p:cNvPr id="278" name="Google Shape;278;g30adfe1e135_0_43:notes"/>
           <p:cNvSpPr txBox="1"/>
           <p:nvPr>
             <p:ph idx="1" type="body"/>
@@ -3516,7 +3511,7 @@
   <p:cSld>
     <p:spTree>
       <p:nvGrpSpPr>
-        <p:cNvPr id="286" name="Shape 286"/>
+        <p:cNvPr id="281" name="Shape 281"/>
         <p:cNvGrpSpPr/>
         <p:nvPr/>
       </p:nvGrpSpPr>
@@ -3530,7 +3525,7 @@
       </p:grpSpPr>
       <p:sp>
         <p:nvSpPr>
-          <p:cNvPr id="287" name="Google Shape;287;g3185bc3a9c6_0_69:notes"/>
+          <p:cNvPr id="282" name="Google Shape;282;g3185bc3a9c6_0_75:notes"/>
           <p:cNvSpPr/>
           <p:nvPr>
             <p:ph idx="2" type="sldImg"/>
@@ -3565,7 +3560,7 @@
       </p:sp>
       <p:sp>
         <p:nvSpPr>
-          <p:cNvPr id="288" name="Google Shape;288;g3185bc3a9c6_0_69:notes"/>
+          <p:cNvPr id="283" name="Google Shape;283;g3185bc3a9c6_0_75:notes"/>
           <p:cNvSpPr txBox="1"/>
           <p:nvPr>
             <p:ph idx="1" type="body"/>
@@ -3615,7 +3610,7 @@
   <p:cSld>
     <p:spTree>
       <p:nvGrpSpPr>
-        <p:cNvPr id="293" name="Shape 293"/>
+        <p:cNvPr id="288" name="Shape 288"/>
         <p:cNvGrpSpPr/>
         <p:nvPr/>
       </p:nvGrpSpPr>
@@ -3629,7 +3624,7 @@
       </p:grpSpPr>
       <p:sp>
         <p:nvSpPr>
-          <p:cNvPr id="294" name="Google Shape;294;g30adfe1e135_0_43:notes"/>
+          <p:cNvPr id="289" name="Google Shape;289;g30adfe1e135_0_47:notes"/>
           <p:cNvSpPr/>
           <p:nvPr>
             <p:ph idx="2" type="sldImg"/>
@@ -3664,7 +3659,7 @@
       </p:sp>
       <p:sp>
         <p:nvSpPr>
-          <p:cNvPr id="295" name="Google Shape;295;g30adfe1e135_0_43:notes"/>
+          <p:cNvPr id="290" name="Google Shape;290;g30adfe1e135_0_47:notes"/>
           <p:cNvSpPr txBox="1"/>
           <p:nvPr>
             <p:ph idx="1" type="body"/>
@@ -3714,7 +3709,7 @@
   <p:cSld>
     <p:spTree>
       <p:nvGrpSpPr>
-        <p:cNvPr id="298" name="Shape 298"/>
+        <p:cNvPr id="295" name="Shape 295"/>
         <p:cNvGrpSpPr/>
         <p:nvPr/>
       </p:nvGrpSpPr>
@@ -3728,7 +3723,7 @@
       </p:grpSpPr>
       <p:sp>
         <p:nvSpPr>
-          <p:cNvPr id="299" name="Google Shape;299;g3185bc3a9c6_0_75:notes"/>
+          <p:cNvPr id="296" name="Google Shape;296;g3185bc3a9c6_0_90:notes"/>
           <p:cNvSpPr/>
           <p:nvPr>
             <p:ph idx="2" type="sldImg"/>
@@ -3763,7 +3758,7 @@
       </p:sp>
       <p:sp>
         <p:nvSpPr>
-          <p:cNvPr id="300" name="Google Shape;300;g3185bc3a9c6_0_75:notes"/>
+          <p:cNvPr id="297" name="Google Shape;297;g3185bc3a9c6_0_90:notes"/>
           <p:cNvSpPr txBox="1"/>
           <p:nvPr>
             <p:ph idx="1" type="body"/>
@@ -3813,7 +3808,7 @@
   <p:cSld>
     <p:spTree>
       <p:nvGrpSpPr>
-        <p:cNvPr id="305" name="Shape 305"/>
+        <p:cNvPr id="311" name="Shape 311"/>
         <p:cNvGrpSpPr/>
         <p:nvPr/>
       </p:nvGrpSpPr>
@@ -3827,7 +3822,7 @@
       </p:grpSpPr>
       <p:sp>
         <p:nvSpPr>
-          <p:cNvPr id="306" name="Google Shape;306;g30adfe1e135_0_47:notes"/>
+          <p:cNvPr id="312" name="Google Shape;312;g3185bc3a9c6_0_102:notes"/>
           <p:cNvSpPr/>
           <p:nvPr>
             <p:ph idx="2" type="sldImg"/>
@@ -3862,7 +3857,7 @@
       </p:sp>
       <p:sp>
         <p:nvSpPr>
-          <p:cNvPr id="307" name="Google Shape;307;g30adfe1e135_0_47:notes"/>
+          <p:cNvPr id="313" name="Google Shape;313;g3185bc3a9c6_0_102:notes"/>
           <p:cNvSpPr txBox="1"/>
           <p:nvPr>
             <p:ph idx="1" type="body"/>
@@ -3912,7 +3907,7 @@
   <p:cSld>
     <p:spTree>
       <p:nvGrpSpPr>
-        <p:cNvPr id="312" name="Shape 312"/>
+        <p:cNvPr id="318" name="Shape 318"/>
         <p:cNvGrpSpPr/>
         <p:nvPr/>
       </p:nvGrpSpPr>
@@ -3926,7 +3921,7 @@
       </p:grpSpPr>
       <p:sp>
         <p:nvSpPr>
-          <p:cNvPr id="313" name="Google Shape;313;g3185bc3a9c6_0_90:notes"/>
+          <p:cNvPr id="319" name="Google Shape;319;g3185bc3a9c6_0_108:notes"/>
           <p:cNvSpPr/>
           <p:nvPr>
             <p:ph idx="2" type="sldImg"/>
@@ -3961,7 +3956,7 @@
       </p:sp>
       <p:sp>
         <p:nvSpPr>
-          <p:cNvPr id="314" name="Google Shape;314;g3185bc3a9c6_0_90:notes"/>
+          <p:cNvPr id="320" name="Google Shape;320;g3185bc3a9c6_0_108:notes"/>
           <p:cNvSpPr txBox="1"/>
           <p:nvPr>
             <p:ph idx="1" type="body"/>
@@ -4011,7 +4006,7 @@
   <p:cSld>
     <p:spTree>
       <p:nvGrpSpPr>
-        <p:cNvPr id="69" name="Shape 69"/>
+        <p:cNvPr id="68" name="Shape 68"/>
         <p:cNvGrpSpPr/>
         <p:nvPr/>
       </p:nvGrpSpPr>
@@ -4025,7 +4020,7 @@
       </p:grpSpPr>
       <p:sp>
         <p:nvSpPr>
-          <p:cNvPr id="70" name="Google Shape;70;g2fe02fb2832_0_0:notes"/>
+          <p:cNvPr id="69" name="Google Shape;69;g2fe02fb2832_0_0:notes"/>
           <p:cNvSpPr/>
           <p:nvPr>
             <p:ph idx="2" type="sldImg"/>
@@ -4060,7 +4055,7 @@
       </p:sp>
       <p:sp>
         <p:nvSpPr>
-          <p:cNvPr id="71" name="Google Shape;71;g2fe02fb2832_0_0:notes"/>
+          <p:cNvPr id="70" name="Google Shape;70;g2fe02fb2832_0_0:notes"/>
           <p:cNvSpPr txBox="1"/>
           <p:nvPr>
             <p:ph idx="1" type="body"/>
@@ -4110,7 +4105,7 @@
   <p:cSld>
     <p:spTree>
       <p:nvGrpSpPr>
-        <p:cNvPr id="328" name="Shape 328"/>
+        <p:cNvPr id="325" name="Shape 325"/>
         <p:cNvGrpSpPr/>
         <p:nvPr/>
       </p:nvGrpSpPr>
@@ -4124,7 +4119,7 @@
       </p:grpSpPr>
       <p:sp>
         <p:nvSpPr>
-          <p:cNvPr id="329" name="Google Shape;329;g3185bc3a9c6_0_96:notes"/>
+          <p:cNvPr id="326" name="Google Shape;326;g30adfe1e135_0_53:notes"/>
           <p:cNvSpPr/>
           <p:nvPr>
             <p:ph idx="2" type="sldImg"/>
@@ -4159,7 +4154,7 @@
       </p:sp>
       <p:sp>
         <p:nvSpPr>
-          <p:cNvPr id="330" name="Google Shape;330;g3185bc3a9c6_0_96:notes"/>
+          <p:cNvPr id="327" name="Google Shape;327;g30adfe1e135_0_53:notes"/>
           <p:cNvSpPr txBox="1"/>
           <p:nvPr>
             <p:ph idx="1" type="body"/>
@@ -4209,7 +4204,7 @@
   <p:cSld>
     <p:spTree>
       <p:nvGrpSpPr>
-        <p:cNvPr id="336" name="Shape 336"/>
+        <p:cNvPr id="330" name="Shape 330"/>
         <p:cNvGrpSpPr/>
         <p:nvPr/>
       </p:nvGrpSpPr>
@@ -4223,7 +4218,7 @@
       </p:grpSpPr>
       <p:sp>
         <p:nvSpPr>
-          <p:cNvPr id="337" name="Google Shape;337;g3185bc3a9c6_0_102:notes"/>
+          <p:cNvPr id="331" name="Google Shape;331;g3185bc3a9c6_0_114:notes"/>
           <p:cNvSpPr/>
           <p:nvPr>
             <p:ph idx="2" type="sldImg"/>
@@ -4258,7 +4253,7 @@
       </p:sp>
       <p:sp>
         <p:nvSpPr>
-          <p:cNvPr id="338" name="Google Shape;338;g3185bc3a9c6_0_102:notes"/>
+          <p:cNvPr id="332" name="Google Shape;332;g3185bc3a9c6_0_114:notes"/>
           <p:cNvSpPr txBox="1"/>
           <p:nvPr>
             <p:ph idx="1" type="body"/>
@@ -4308,7 +4303,7 @@
   <p:cSld>
     <p:spTree>
       <p:nvGrpSpPr>
-        <p:cNvPr id="343" name="Shape 343"/>
+        <p:cNvPr id="337" name="Shape 337"/>
         <p:cNvGrpSpPr/>
         <p:nvPr/>
       </p:nvGrpSpPr>
@@ -4322,7 +4317,7 @@
       </p:grpSpPr>
       <p:sp>
         <p:nvSpPr>
-          <p:cNvPr id="344" name="Google Shape;344;g3185bc3a9c6_0_108:notes"/>
+          <p:cNvPr id="338" name="Google Shape;338;g3185bc3a9c6_0_145:notes"/>
           <p:cNvSpPr/>
           <p:nvPr>
             <p:ph idx="2" type="sldImg"/>
@@ -4357,7 +4352,7 @@
       </p:sp>
       <p:sp>
         <p:nvSpPr>
-          <p:cNvPr id="345" name="Google Shape;345;g3185bc3a9c6_0_108:notes"/>
+          <p:cNvPr id="339" name="Google Shape;339;g3185bc3a9c6_0_145:notes"/>
           <p:cNvSpPr txBox="1"/>
           <p:nvPr>
             <p:ph idx="1" type="body"/>
@@ -4407,7 +4402,7 @@
   <p:cSld>
     <p:spTree>
       <p:nvGrpSpPr>
-        <p:cNvPr id="350" name="Shape 350"/>
+        <p:cNvPr id="344" name="Shape 344"/>
         <p:cNvGrpSpPr/>
         <p:nvPr/>
       </p:nvGrpSpPr>
@@ -4421,7 +4416,7 @@
       </p:grpSpPr>
       <p:sp>
         <p:nvSpPr>
-          <p:cNvPr id="351" name="Google Shape;351;g30adfe1e135_0_53:notes"/>
+          <p:cNvPr id="345" name="Google Shape;345;g3189ae385d8_0_2:notes"/>
           <p:cNvSpPr/>
           <p:nvPr>
             <p:ph idx="2" type="sldImg"/>
@@ -4456,7 +4451,7 @@
       </p:sp>
       <p:sp>
         <p:nvSpPr>
-          <p:cNvPr id="352" name="Google Shape;352;g30adfe1e135_0_53:notes"/>
+          <p:cNvPr id="346" name="Google Shape;346;g3189ae385d8_0_2:notes"/>
           <p:cNvSpPr txBox="1"/>
           <p:nvPr>
             <p:ph idx="1" type="body"/>
@@ -4506,7 +4501,7 @@
   <p:cSld>
     <p:spTree>
       <p:nvGrpSpPr>
-        <p:cNvPr id="355" name="Shape 355"/>
+        <p:cNvPr id="352" name="Shape 352"/>
         <p:cNvGrpSpPr/>
         <p:nvPr/>
       </p:nvGrpSpPr>
@@ -4520,7 +4515,7 @@
       </p:grpSpPr>
       <p:sp>
         <p:nvSpPr>
-          <p:cNvPr id="356" name="Google Shape;356;g3185bc3a9c6_0_114:notes"/>
+          <p:cNvPr id="353" name="Google Shape;353;g30adfe1e135_0_57:notes"/>
           <p:cNvSpPr/>
           <p:nvPr>
             <p:ph idx="2" type="sldImg"/>
@@ -4555,7 +4550,7 @@
       </p:sp>
       <p:sp>
         <p:nvSpPr>
-          <p:cNvPr id="357" name="Google Shape;357;g3185bc3a9c6_0_114:notes"/>
+          <p:cNvPr id="354" name="Google Shape;354;g30adfe1e135_0_57:notes"/>
           <p:cNvSpPr txBox="1"/>
           <p:nvPr>
             <p:ph idx="1" type="body"/>
@@ -4605,7 +4600,7 @@
   <p:cSld>
     <p:spTree>
       <p:nvGrpSpPr>
-        <p:cNvPr id="362" name="Shape 362"/>
+        <p:cNvPr id="359" name="Shape 359"/>
         <p:cNvGrpSpPr/>
         <p:nvPr/>
       </p:nvGrpSpPr>
@@ -4619,7 +4614,7 @@
       </p:grpSpPr>
       <p:sp>
         <p:nvSpPr>
-          <p:cNvPr id="363" name="Google Shape;363;g3185bc3a9c6_0_145:notes"/>
+          <p:cNvPr id="360" name="Google Shape;360;g3185bc3a9c6_0_152:notes"/>
           <p:cNvSpPr/>
           <p:nvPr>
             <p:ph idx="2" type="sldImg"/>
@@ -4654,7 +4649,7 @@
       </p:sp>
       <p:sp>
         <p:nvSpPr>
-          <p:cNvPr id="364" name="Google Shape;364;g3185bc3a9c6_0_145:notes"/>
+          <p:cNvPr id="361" name="Google Shape;361;g3185bc3a9c6_0_152:notes"/>
           <p:cNvSpPr txBox="1"/>
           <p:nvPr>
             <p:ph idx="1" type="body"/>
@@ -4704,7 +4699,7 @@
   <p:cSld>
     <p:spTree>
       <p:nvGrpSpPr>
-        <p:cNvPr id="369" name="Shape 369"/>
+        <p:cNvPr id="367" name="Shape 367"/>
         <p:cNvGrpSpPr/>
         <p:nvPr/>
       </p:nvGrpSpPr>
@@ -4718,7 +4713,7 @@
       </p:grpSpPr>
       <p:sp>
         <p:nvSpPr>
-          <p:cNvPr id="370" name="Google Shape;370;g3189ae385d8_0_2:notes"/>
+          <p:cNvPr id="368" name="Google Shape;368;g3185bc3a9c6_0_159:notes"/>
           <p:cNvSpPr/>
           <p:nvPr>
             <p:ph idx="2" type="sldImg"/>
@@ -4753,7 +4748,7 @@
       </p:sp>
       <p:sp>
         <p:nvSpPr>
-          <p:cNvPr id="371" name="Google Shape;371;g3189ae385d8_0_2:notes"/>
+          <p:cNvPr id="369" name="Google Shape;369;g3185bc3a9c6_0_159:notes"/>
           <p:cNvSpPr txBox="1"/>
           <p:nvPr>
             <p:ph idx="1" type="body"/>
@@ -4803,7 +4798,7 @@
   <p:cSld>
     <p:spTree>
       <p:nvGrpSpPr>
-        <p:cNvPr id="377" name="Shape 377"/>
+        <p:cNvPr id="374" name="Shape 374"/>
         <p:cNvGrpSpPr/>
         <p:nvPr/>
       </p:nvGrpSpPr>
@@ -4817,7 +4812,7 @@
       </p:grpSpPr>
       <p:sp>
         <p:nvSpPr>
-          <p:cNvPr id="378" name="Google Shape;378;g30adfe1e135_0_57:notes"/>
+          <p:cNvPr id="375" name="Google Shape;375;g30adfe1e135_0_7:notes"/>
           <p:cNvSpPr/>
           <p:nvPr>
             <p:ph idx="2" type="sldImg"/>
@@ -4852,7 +4847,7 @@
       </p:sp>
       <p:sp>
         <p:nvSpPr>
-          <p:cNvPr id="379" name="Google Shape;379;g30adfe1e135_0_57:notes"/>
+          <p:cNvPr id="376" name="Google Shape;376;g30adfe1e135_0_7:notes"/>
           <p:cNvSpPr txBox="1"/>
           <p:nvPr>
             <p:ph idx="1" type="body"/>
@@ -4902,7 +4897,7 @@
   <p:cSld>
     <p:spTree>
       <p:nvGrpSpPr>
-        <p:cNvPr id="384" name="Shape 384"/>
+        <p:cNvPr id="381" name="Shape 381"/>
         <p:cNvGrpSpPr/>
         <p:nvPr/>
       </p:nvGrpSpPr>
@@ -4916,7 +4911,7 @@
       </p:grpSpPr>
       <p:sp>
         <p:nvSpPr>
-          <p:cNvPr id="385" name="Google Shape;385;g3185bc3a9c6_0_152:notes"/>
+          <p:cNvPr id="382" name="Google Shape;382;g239609b2c0c_0_42:notes"/>
           <p:cNvSpPr/>
           <p:nvPr>
             <p:ph idx="2" type="sldImg"/>
@@ -4951,7 +4946,7 @@
       </p:sp>
       <p:sp>
         <p:nvSpPr>
-          <p:cNvPr id="386" name="Google Shape;386;g3185bc3a9c6_0_152:notes"/>
+          <p:cNvPr id="383" name="Google Shape;383;g239609b2c0c_0_42:notes"/>
           <p:cNvSpPr txBox="1"/>
           <p:nvPr>
             <p:ph idx="1" type="body"/>
@@ -5001,7 +4996,7 @@
   <p:cSld>
     <p:spTree>
       <p:nvGrpSpPr>
-        <p:cNvPr id="392" name="Shape 392"/>
+        <p:cNvPr id="387" name="Shape 387"/>
         <p:cNvGrpSpPr/>
         <p:nvPr/>
       </p:nvGrpSpPr>
@@ -5015,7 +5010,7 @@
       </p:grpSpPr>
       <p:sp>
         <p:nvSpPr>
-          <p:cNvPr id="393" name="Google Shape;393;g30adfe1e135_0_63:notes"/>
+          <p:cNvPr id="388" name="Google Shape;388;g239609b2c0c_0_47:notes"/>
           <p:cNvSpPr/>
           <p:nvPr>
             <p:ph idx="2" type="sldImg"/>
@@ -5050,7 +5045,7 @@
       </p:sp>
       <p:sp>
         <p:nvSpPr>
-          <p:cNvPr id="394" name="Google Shape;394;g30adfe1e135_0_63:notes"/>
+          <p:cNvPr id="389" name="Google Shape;389;g239609b2c0c_0_47:notes"/>
           <p:cNvSpPr txBox="1"/>
           <p:nvPr>
             <p:ph idx="1" type="body"/>
@@ -5100,7 +5095,7 @@
   <p:cSld>
     <p:spTree>
       <p:nvGrpSpPr>
-        <p:cNvPr id="74" name="Shape 74"/>
+        <p:cNvPr id="73" name="Shape 73"/>
         <p:cNvGrpSpPr/>
         <p:nvPr/>
       </p:nvGrpSpPr>
@@ -5114,7 +5109,7 @@
       </p:grpSpPr>
       <p:sp>
         <p:nvSpPr>
-          <p:cNvPr id="75" name="Google Shape;75;g30adfe1e135_0_1:notes"/>
+          <p:cNvPr id="74" name="Google Shape;74;g30adfe1e135_0_1:notes"/>
           <p:cNvSpPr/>
           <p:nvPr>
             <p:ph idx="2" type="sldImg"/>
@@ -5149,7 +5144,7 @@
       </p:sp>
       <p:sp>
         <p:nvSpPr>
-          <p:cNvPr id="76" name="Google Shape;76;g30adfe1e135_0_1:notes"/>
+          <p:cNvPr id="75" name="Google Shape;75;g30adfe1e135_0_1:notes"/>
           <p:cNvSpPr txBox="1"/>
           <p:nvPr>
             <p:ph idx="1" type="body"/>
@@ -5194,12 +5189,12 @@
 </p:notes>
 </file>
 
-<file path=ppt/notesSlides/notesSlide50.xml><?xml version="1.0" encoding="utf-8"?>
+<file path=ppt/notesSlides/notesSlide6.xml><?xml version="1.0" encoding="utf-8"?>
 <p:notes xmlns:a="http://schemas.openxmlformats.org/drawingml/2006/main" xmlns:r="http://schemas.openxmlformats.org/officeDocument/2006/relationships" xmlns:mc="http://schemas.openxmlformats.org/markup-compatibility/2006" xmlns:mv="urn:schemas-microsoft-com:mac:vml" xmlns:p="http://schemas.openxmlformats.org/presentationml/2006/main" xmlns:c="http://schemas.openxmlformats.org/drawingml/2006/chart" xmlns:dgm="http://schemas.openxmlformats.org/drawingml/2006/diagram" xmlns:o="urn:schemas-microsoft-com:office:office" xmlns:v="urn:schemas-microsoft-com:vml" xmlns:pvml="urn:schemas-microsoft-com:office:powerpoint" xmlns:com="http://schemas.openxmlformats.org/drawingml/2006/compatibility" xmlns:p14="http://schemas.microsoft.com/office/powerpoint/2010/main" xmlns:p15="http://schemas.microsoft.com/office/powerpoint/2012/main" xmlns:ahyp="http://schemas.microsoft.com/office/drawing/2018/hyperlinkcolor" showMasterPhAnim="0" showMasterSp="0">
   <p:cSld>
     <p:spTree>
       <p:nvGrpSpPr>
-        <p:cNvPr id="397" name="Shape 397"/>
+        <p:cNvPr id="80" name="Shape 80"/>
         <p:cNvGrpSpPr/>
         <p:nvPr/>
       </p:nvGrpSpPr>
@@ -5213,7 +5208,7 @@
       </p:grpSpPr>
       <p:sp>
         <p:nvSpPr>
-          <p:cNvPr id="398" name="Google Shape;398;g30adfe1e135_0_67:notes"/>
+          <p:cNvPr id="81" name="Google Shape;81;g30adfe1e135_0_80:notes"/>
           <p:cNvSpPr/>
           <p:nvPr>
             <p:ph idx="2" type="sldImg"/>
@@ -5248,7 +5243,7 @@
       </p:sp>
       <p:sp>
         <p:nvSpPr>
-          <p:cNvPr id="399" name="Google Shape;399;g30adfe1e135_0_67:notes"/>
+          <p:cNvPr id="82" name="Google Shape;82;g30adfe1e135_0_80:notes"/>
           <p:cNvSpPr txBox="1"/>
           <p:nvPr>
             <p:ph idx="1" type="body"/>
@@ -5293,12 +5288,12 @@
 </p:notes>
 </file>
 
-<file path=ppt/notesSlides/notesSlide51.xml><?xml version="1.0" encoding="utf-8"?>
+<file path=ppt/notesSlides/notesSlide7.xml><?xml version="1.0" encoding="utf-8"?>
 <p:notes xmlns:a="http://schemas.openxmlformats.org/drawingml/2006/main" xmlns:r="http://schemas.openxmlformats.org/officeDocument/2006/relationships" xmlns:mc="http://schemas.openxmlformats.org/markup-compatibility/2006" xmlns:mv="urn:schemas-microsoft-com:mac:vml" xmlns:p="http://schemas.openxmlformats.org/presentationml/2006/main" xmlns:c="http://schemas.openxmlformats.org/drawingml/2006/chart" xmlns:dgm="http://schemas.openxmlformats.org/drawingml/2006/diagram" xmlns:o="urn:schemas-microsoft-com:office:office" xmlns:v="urn:schemas-microsoft-com:vml" xmlns:pvml="urn:schemas-microsoft-com:office:powerpoint" xmlns:com="http://schemas.openxmlformats.org/drawingml/2006/compatibility" xmlns:p14="http://schemas.microsoft.com/office/powerpoint/2010/main" xmlns:p15="http://schemas.microsoft.com/office/powerpoint/2012/main" xmlns:ahyp="http://schemas.microsoft.com/office/drawing/2018/hyperlinkcolor" showMasterPhAnim="0" showMasterSp="0">
   <p:cSld>
     <p:spTree>
       <p:nvGrpSpPr>
-        <p:cNvPr id="404" name="Shape 404"/>
+        <p:cNvPr id="88" name="Shape 88"/>
         <p:cNvGrpSpPr/>
         <p:nvPr/>
       </p:nvGrpSpPr>
@@ -5312,7 +5307,7 @@
       </p:grpSpPr>
       <p:sp>
         <p:nvSpPr>
-          <p:cNvPr id="405" name="Google Shape;405;g3185bc3a9c6_0_159:notes"/>
+          <p:cNvPr id="89" name="Google Shape;89;g30adfe1e135_0_91:notes"/>
           <p:cNvSpPr/>
           <p:nvPr>
             <p:ph idx="2" type="sldImg"/>
@@ -5347,7 +5342,7 @@
       </p:sp>
       <p:sp>
         <p:nvSpPr>
-          <p:cNvPr id="406" name="Google Shape;406;g3185bc3a9c6_0_159:notes"/>
+          <p:cNvPr id="90" name="Google Shape;90;g30adfe1e135_0_91:notes"/>
           <p:cNvSpPr txBox="1"/>
           <p:nvPr>
             <p:ph idx="1" type="body"/>
@@ -5392,12 +5387,12 @@
 </p:notes>
 </file>
 
-<file path=ppt/notesSlides/notesSlide52.xml><?xml version="1.0" encoding="utf-8"?>
+<file path=ppt/notesSlides/notesSlide8.xml><?xml version="1.0" encoding="utf-8"?>
 <p:notes xmlns:a="http://schemas.openxmlformats.org/drawingml/2006/main" xmlns:r="http://schemas.openxmlformats.org/officeDocument/2006/relationships" xmlns:mc="http://schemas.openxmlformats.org/markup-compatibility/2006" xmlns:mv="urn:schemas-microsoft-com:mac:vml" xmlns:p="http://schemas.openxmlformats.org/presentationml/2006/main" xmlns:c="http://schemas.openxmlformats.org/drawingml/2006/chart" xmlns:dgm="http://schemas.openxmlformats.org/drawingml/2006/diagram" xmlns:o="urn:schemas-microsoft-com:office:office" xmlns:v="urn:schemas-microsoft-com:vml" xmlns:pvml="urn:schemas-microsoft-com:office:powerpoint" xmlns:com="http://schemas.openxmlformats.org/drawingml/2006/compatibility" xmlns:p14="http://schemas.microsoft.com/office/powerpoint/2010/main" xmlns:p15="http://schemas.microsoft.com/office/powerpoint/2012/main" xmlns:ahyp="http://schemas.microsoft.com/office/drawing/2018/hyperlinkcolor" showMasterPhAnim="0" showMasterSp="0">
   <p:cSld>
     <p:spTree>
       <p:nvGrpSpPr>
-        <p:cNvPr id="411" name="Shape 411"/>
+        <p:cNvPr id="95" name="Shape 95"/>
         <p:cNvGrpSpPr/>
         <p:nvPr/>
       </p:nvGrpSpPr>
@@ -5411,7 +5406,7 @@
       </p:grpSpPr>
       <p:sp>
         <p:nvSpPr>
-          <p:cNvPr id="412" name="Google Shape;412;g30adfe1e135_0_7:notes"/>
+          <p:cNvPr id="96" name="Google Shape;96;g30adfe1e135_0_98:notes"/>
           <p:cNvSpPr/>
           <p:nvPr>
             <p:ph idx="2" type="sldImg"/>
@@ -5446,7 +5441,7 @@
       </p:sp>
       <p:sp>
         <p:nvSpPr>
-          <p:cNvPr id="413" name="Google Shape;413;g30adfe1e135_0_7:notes"/>
+          <p:cNvPr id="97" name="Google Shape;97;g30adfe1e135_0_98:notes"/>
           <p:cNvSpPr txBox="1"/>
           <p:nvPr>
             <p:ph idx="1" type="body"/>
@@ -5491,12 +5486,12 @@
 </p:notes>
 </file>
 
-<file path=ppt/notesSlides/notesSlide53.xml><?xml version="1.0" encoding="utf-8"?>
+<file path=ppt/notesSlides/notesSlide9.xml><?xml version="1.0" encoding="utf-8"?>
 <p:notes xmlns:a="http://schemas.openxmlformats.org/drawingml/2006/main" xmlns:r="http://schemas.openxmlformats.org/officeDocument/2006/relationships" xmlns:mc="http://schemas.openxmlformats.org/markup-compatibility/2006" xmlns:mv="urn:schemas-microsoft-com:mac:vml" xmlns:p="http://schemas.openxmlformats.org/presentationml/2006/main" xmlns:c="http://schemas.openxmlformats.org/drawingml/2006/chart" xmlns:dgm="http://schemas.openxmlformats.org/drawingml/2006/diagram" xmlns:o="urn:schemas-microsoft-com:office:office" xmlns:v="urn:schemas-microsoft-com:vml" xmlns:pvml="urn:schemas-microsoft-com:office:powerpoint" xmlns:com="http://schemas.openxmlformats.org/drawingml/2006/compatibility" xmlns:p14="http://schemas.microsoft.com/office/powerpoint/2010/main" xmlns:p15="http://schemas.microsoft.com/office/powerpoint/2012/main" xmlns:ahyp="http://schemas.microsoft.com/office/drawing/2018/hyperlinkcolor" showMasterPhAnim="0" showMasterSp="0">
   <p:cSld>
     <p:spTree>
       <p:nvGrpSpPr>
-        <p:cNvPr id="418" name="Shape 418"/>
+        <p:cNvPr id="102" name="Shape 102"/>
         <p:cNvGrpSpPr/>
         <p:nvPr/>
       </p:nvGrpSpPr>
@@ -5510,7 +5505,7 @@
       </p:grpSpPr>
       <p:sp>
         <p:nvSpPr>
-          <p:cNvPr id="419" name="Google Shape;419;g239609b2c0c_0_42:notes"/>
+          <p:cNvPr id="103" name="Google Shape;103;g30adfe1e135_0_13:notes"/>
           <p:cNvSpPr/>
           <p:nvPr>
             <p:ph idx="2" type="sldImg"/>
@@ -5545,502 +5540,7 @@
       </p:sp>
       <p:sp>
         <p:nvSpPr>
-          <p:cNvPr id="420" name="Google Shape;420;g239609b2c0c_0_42:notes"/>
-          <p:cNvSpPr txBox="1"/>
-          <p:nvPr>
-            <p:ph idx="1" type="body"/>
-          </p:nvPr>
-        </p:nvSpPr>
-        <p:spPr>
-          <a:xfrm>
-            <a:off x="685800" y="4343400"/>
-            <a:ext cx="5486400" cy="4114800"/>
-          </a:xfrm>
-          <a:prstGeom prst="rect">
-            <a:avLst/>
-          </a:prstGeom>
-        </p:spPr>
-        <p:txBody>
-          <a:bodyPr anchorCtr="0" anchor="t" bIns="91425" lIns="91425" spcFirstLastPara="1" rIns="91425" wrap="square" tIns="91425">
-            <a:noAutofit/>
-          </a:bodyPr>
-          <a:lstStyle/>
-          <a:p>
-            <a:pPr indent="0" lvl="0" marL="0" rtl="0" algn="l">
-              <a:spcBef>
-                <a:spcPts val="0"/>
-              </a:spcBef>
-              <a:spcAft>
-                <a:spcPts val="0"/>
-              </a:spcAft>
-              <a:buNone/>
-            </a:pPr>
-            <a:r>
-              <a:t/>
-            </a:r>
-            <a:endParaRPr/>
-          </a:p>
-        </p:txBody>
-      </p:sp>
-    </p:spTree>
-  </p:cSld>
-  <p:clrMapOvr>
-    <a:masterClrMapping/>
-  </p:clrMapOvr>
-</p:notes>
-</file>
-
-<file path=ppt/notesSlides/notesSlide54.xml><?xml version="1.0" encoding="utf-8"?>
-<p:notes xmlns:a="http://schemas.openxmlformats.org/drawingml/2006/main" xmlns:r="http://schemas.openxmlformats.org/officeDocument/2006/relationships" xmlns:mc="http://schemas.openxmlformats.org/markup-compatibility/2006" xmlns:mv="urn:schemas-microsoft-com:mac:vml" xmlns:p="http://schemas.openxmlformats.org/presentationml/2006/main" xmlns:c="http://schemas.openxmlformats.org/drawingml/2006/chart" xmlns:dgm="http://schemas.openxmlformats.org/drawingml/2006/diagram" xmlns:o="urn:schemas-microsoft-com:office:office" xmlns:v="urn:schemas-microsoft-com:vml" xmlns:pvml="urn:schemas-microsoft-com:office:powerpoint" xmlns:com="http://schemas.openxmlformats.org/drawingml/2006/compatibility" xmlns:p14="http://schemas.microsoft.com/office/powerpoint/2010/main" xmlns:p15="http://schemas.microsoft.com/office/powerpoint/2012/main" xmlns:ahyp="http://schemas.microsoft.com/office/drawing/2018/hyperlinkcolor" showMasterPhAnim="0" showMasterSp="0">
-  <p:cSld>
-    <p:spTree>
-      <p:nvGrpSpPr>
-        <p:cNvPr id="424" name="Shape 424"/>
-        <p:cNvGrpSpPr/>
-        <p:nvPr/>
-      </p:nvGrpSpPr>
-      <p:grpSpPr>
-        <a:xfrm>
-          <a:off x="0" y="0"/>
-          <a:ext cx="0" cy="0"/>
-          <a:chOff x="0" y="0"/>
-          <a:chExt cx="0" cy="0"/>
-        </a:xfrm>
-      </p:grpSpPr>
-      <p:sp>
-        <p:nvSpPr>
-          <p:cNvPr id="425" name="Google Shape;425;g239609b2c0c_0_47:notes"/>
-          <p:cNvSpPr/>
-          <p:nvPr>
-            <p:ph idx="2" type="sldImg"/>
-          </p:nvPr>
-        </p:nvSpPr>
-        <p:spPr>
-          <a:xfrm>
-            <a:off x="381300" y="685800"/>
-            <a:ext cx="6096000" cy="3429000"/>
-          </a:xfrm>
-          <a:custGeom>
-            <a:rect b="b" l="l" r="r" t="t"/>
-            <a:pathLst>
-              <a:path extrusionOk="0" h="120000" w="120000">
-                <a:moveTo>
-                  <a:pt x="0" y="0"/>
-                </a:moveTo>
-                <a:lnTo>
-                  <a:pt x="120000" y="0"/>
-                </a:lnTo>
-                <a:lnTo>
-                  <a:pt x="120000" y="120000"/>
-                </a:lnTo>
-                <a:lnTo>
-                  <a:pt x="0" y="120000"/>
-                </a:lnTo>
-                <a:close/>
-              </a:path>
-            </a:pathLst>
-          </a:custGeom>
-        </p:spPr>
-      </p:sp>
-      <p:sp>
-        <p:nvSpPr>
-          <p:cNvPr id="426" name="Google Shape;426;g239609b2c0c_0_47:notes"/>
-          <p:cNvSpPr txBox="1"/>
-          <p:nvPr>
-            <p:ph idx="1" type="body"/>
-          </p:nvPr>
-        </p:nvSpPr>
-        <p:spPr>
-          <a:xfrm>
-            <a:off x="685800" y="4343400"/>
-            <a:ext cx="5486400" cy="4114800"/>
-          </a:xfrm>
-          <a:prstGeom prst="rect">
-            <a:avLst/>
-          </a:prstGeom>
-        </p:spPr>
-        <p:txBody>
-          <a:bodyPr anchorCtr="0" anchor="t" bIns="91425" lIns="91425" spcFirstLastPara="1" rIns="91425" wrap="square" tIns="91425">
-            <a:noAutofit/>
-          </a:bodyPr>
-          <a:lstStyle/>
-          <a:p>
-            <a:pPr indent="0" lvl="0" marL="0" rtl="0" algn="l">
-              <a:spcBef>
-                <a:spcPts val="0"/>
-              </a:spcBef>
-              <a:spcAft>
-                <a:spcPts val="0"/>
-              </a:spcAft>
-              <a:buNone/>
-            </a:pPr>
-            <a:r>
-              <a:t/>
-            </a:r>
-            <a:endParaRPr/>
-          </a:p>
-        </p:txBody>
-      </p:sp>
-    </p:spTree>
-  </p:cSld>
-  <p:clrMapOvr>
-    <a:masterClrMapping/>
-  </p:clrMapOvr>
-</p:notes>
-</file>
-
-<file path=ppt/notesSlides/notesSlide6.xml><?xml version="1.0" encoding="utf-8"?>
-<p:notes xmlns:a="http://schemas.openxmlformats.org/drawingml/2006/main" xmlns:r="http://schemas.openxmlformats.org/officeDocument/2006/relationships" xmlns:mc="http://schemas.openxmlformats.org/markup-compatibility/2006" xmlns:mv="urn:schemas-microsoft-com:mac:vml" xmlns:p="http://schemas.openxmlformats.org/presentationml/2006/main" xmlns:c="http://schemas.openxmlformats.org/drawingml/2006/chart" xmlns:dgm="http://schemas.openxmlformats.org/drawingml/2006/diagram" xmlns:o="urn:schemas-microsoft-com:office:office" xmlns:v="urn:schemas-microsoft-com:vml" xmlns:pvml="urn:schemas-microsoft-com:office:powerpoint" xmlns:com="http://schemas.openxmlformats.org/drawingml/2006/compatibility" xmlns:p14="http://schemas.microsoft.com/office/powerpoint/2010/main" xmlns:p15="http://schemas.microsoft.com/office/powerpoint/2012/main" xmlns:ahyp="http://schemas.microsoft.com/office/drawing/2018/hyperlinkcolor" showMasterPhAnim="0" showMasterSp="0">
-  <p:cSld>
-    <p:spTree>
-      <p:nvGrpSpPr>
-        <p:cNvPr id="81" name="Shape 81"/>
-        <p:cNvGrpSpPr/>
-        <p:nvPr/>
-      </p:nvGrpSpPr>
-      <p:grpSpPr>
-        <a:xfrm>
-          <a:off x="0" y="0"/>
-          <a:ext cx="0" cy="0"/>
-          <a:chOff x="0" y="0"/>
-          <a:chExt cx="0" cy="0"/>
-        </a:xfrm>
-      </p:grpSpPr>
-      <p:sp>
-        <p:nvSpPr>
-          <p:cNvPr id="82" name="Google Shape;82;g30adfe1e135_0_80:notes"/>
-          <p:cNvSpPr/>
-          <p:nvPr>
-            <p:ph idx="2" type="sldImg"/>
-          </p:nvPr>
-        </p:nvSpPr>
-        <p:spPr>
-          <a:xfrm>
-            <a:off x="381300" y="685800"/>
-            <a:ext cx="6096000" cy="3429000"/>
-          </a:xfrm>
-          <a:custGeom>
-            <a:rect b="b" l="l" r="r" t="t"/>
-            <a:pathLst>
-              <a:path extrusionOk="0" h="120000" w="120000">
-                <a:moveTo>
-                  <a:pt x="0" y="0"/>
-                </a:moveTo>
-                <a:lnTo>
-                  <a:pt x="120000" y="0"/>
-                </a:lnTo>
-                <a:lnTo>
-                  <a:pt x="120000" y="120000"/>
-                </a:lnTo>
-                <a:lnTo>
-                  <a:pt x="0" y="120000"/>
-                </a:lnTo>
-                <a:close/>
-              </a:path>
-            </a:pathLst>
-          </a:custGeom>
-        </p:spPr>
-      </p:sp>
-      <p:sp>
-        <p:nvSpPr>
-          <p:cNvPr id="83" name="Google Shape;83;g30adfe1e135_0_80:notes"/>
-          <p:cNvSpPr txBox="1"/>
-          <p:nvPr>
-            <p:ph idx="1" type="body"/>
-          </p:nvPr>
-        </p:nvSpPr>
-        <p:spPr>
-          <a:xfrm>
-            <a:off x="685800" y="4343400"/>
-            <a:ext cx="5486400" cy="4114800"/>
-          </a:xfrm>
-          <a:prstGeom prst="rect">
-            <a:avLst/>
-          </a:prstGeom>
-        </p:spPr>
-        <p:txBody>
-          <a:bodyPr anchorCtr="0" anchor="t" bIns="91425" lIns="91425" spcFirstLastPara="1" rIns="91425" wrap="square" tIns="91425">
-            <a:noAutofit/>
-          </a:bodyPr>
-          <a:lstStyle/>
-          <a:p>
-            <a:pPr indent="0" lvl="0" marL="0" rtl="0" algn="l">
-              <a:spcBef>
-                <a:spcPts val="0"/>
-              </a:spcBef>
-              <a:spcAft>
-                <a:spcPts val="0"/>
-              </a:spcAft>
-              <a:buNone/>
-            </a:pPr>
-            <a:r>
-              <a:t/>
-            </a:r>
-            <a:endParaRPr/>
-          </a:p>
-        </p:txBody>
-      </p:sp>
-    </p:spTree>
-  </p:cSld>
-  <p:clrMapOvr>
-    <a:masterClrMapping/>
-  </p:clrMapOvr>
-</p:notes>
-</file>
-
-<file path=ppt/notesSlides/notesSlide7.xml><?xml version="1.0" encoding="utf-8"?>
-<p:notes xmlns:a="http://schemas.openxmlformats.org/drawingml/2006/main" xmlns:r="http://schemas.openxmlformats.org/officeDocument/2006/relationships" xmlns:mc="http://schemas.openxmlformats.org/markup-compatibility/2006" xmlns:mv="urn:schemas-microsoft-com:mac:vml" xmlns:p="http://schemas.openxmlformats.org/presentationml/2006/main" xmlns:c="http://schemas.openxmlformats.org/drawingml/2006/chart" xmlns:dgm="http://schemas.openxmlformats.org/drawingml/2006/diagram" xmlns:o="urn:schemas-microsoft-com:office:office" xmlns:v="urn:schemas-microsoft-com:vml" xmlns:pvml="urn:schemas-microsoft-com:office:powerpoint" xmlns:com="http://schemas.openxmlformats.org/drawingml/2006/compatibility" xmlns:p14="http://schemas.microsoft.com/office/powerpoint/2010/main" xmlns:p15="http://schemas.microsoft.com/office/powerpoint/2012/main" xmlns:ahyp="http://schemas.microsoft.com/office/drawing/2018/hyperlinkcolor" showMasterPhAnim="0" showMasterSp="0">
-  <p:cSld>
-    <p:spTree>
-      <p:nvGrpSpPr>
-        <p:cNvPr id="89" name="Shape 89"/>
-        <p:cNvGrpSpPr/>
-        <p:nvPr/>
-      </p:nvGrpSpPr>
-      <p:grpSpPr>
-        <a:xfrm>
-          <a:off x="0" y="0"/>
-          <a:ext cx="0" cy="0"/>
-          <a:chOff x="0" y="0"/>
-          <a:chExt cx="0" cy="0"/>
-        </a:xfrm>
-      </p:grpSpPr>
-      <p:sp>
-        <p:nvSpPr>
-          <p:cNvPr id="90" name="Google Shape;90;g30adfe1e135_0_91:notes"/>
-          <p:cNvSpPr/>
-          <p:nvPr>
-            <p:ph idx="2" type="sldImg"/>
-          </p:nvPr>
-        </p:nvSpPr>
-        <p:spPr>
-          <a:xfrm>
-            <a:off x="381300" y="685800"/>
-            <a:ext cx="6096000" cy="3429000"/>
-          </a:xfrm>
-          <a:custGeom>
-            <a:rect b="b" l="l" r="r" t="t"/>
-            <a:pathLst>
-              <a:path extrusionOk="0" h="120000" w="120000">
-                <a:moveTo>
-                  <a:pt x="0" y="0"/>
-                </a:moveTo>
-                <a:lnTo>
-                  <a:pt x="120000" y="0"/>
-                </a:lnTo>
-                <a:lnTo>
-                  <a:pt x="120000" y="120000"/>
-                </a:lnTo>
-                <a:lnTo>
-                  <a:pt x="0" y="120000"/>
-                </a:lnTo>
-                <a:close/>
-              </a:path>
-            </a:pathLst>
-          </a:custGeom>
-        </p:spPr>
-      </p:sp>
-      <p:sp>
-        <p:nvSpPr>
-          <p:cNvPr id="91" name="Google Shape;91;g30adfe1e135_0_91:notes"/>
-          <p:cNvSpPr txBox="1"/>
-          <p:nvPr>
-            <p:ph idx="1" type="body"/>
-          </p:nvPr>
-        </p:nvSpPr>
-        <p:spPr>
-          <a:xfrm>
-            <a:off x="685800" y="4343400"/>
-            <a:ext cx="5486400" cy="4114800"/>
-          </a:xfrm>
-          <a:prstGeom prst="rect">
-            <a:avLst/>
-          </a:prstGeom>
-        </p:spPr>
-        <p:txBody>
-          <a:bodyPr anchorCtr="0" anchor="t" bIns="91425" lIns="91425" spcFirstLastPara="1" rIns="91425" wrap="square" tIns="91425">
-            <a:noAutofit/>
-          </a:bodyPr>
-          <a:lstStyle/>
-          <a:p>
-            <a:pPr indent="0" lvl="0" marL="0" rtl="0" algn="l">
-              <a:spcBef>
-                <a:spcPts val="0"/>
-              </a:spcBef>
-              <a:spcAft>
-                <a:spcPts val="0"/>
-              </a:spcAft>
-              <a:buNone/>
-            </a:pPr>
-            <a:r>
-              <a:t/>
-            </a:r>
-            <a:endParaRPr/>
-          </a:p>
-        </p:txBody>
-      </p:sp>
-    </p:spTree>
-  </p:cSld>
-  <p:clrMapOvr>
-    <a:masterClrMapping/>
-  </p:clrMapOvr>
-</p:notes>
-</file>
-
-<file path=ppt/notesSlides/notesSlide8.xml><?xml version="1.0" encoding="utf-8"?>
-<p:notes xmlns:a="http://schemas.openxmlformats.org/drawingml/2006/main" xmlns:r="http://schemas.openxmlformats.org/officeDocument/2006/relationships" xmlns:mc="http://schemas.openxmlformats.org/markup-compatibility/2006" xmlns:mv="urn:schemas-microsoft-com:mac:vml" xmlns:p="http://schemas.openxmlformats.org/presentationml/2006/main" xmlns:c="http://schemas.openxmlformats.org/drawingml/2006/chart" xmlns:dgm="http://schemas.openxmlformats.org/drawingml/2006/diagram" xmlns:o="urn:schemas-microsoft-com:office:office" xmlns:v="urn:schemas-microsoft-com:vml" xmlns:pvml="urn:schemas-microsoft-com:office:powerpoint" xmlns:com="http://schemas.openxmlformats.org/drawingml/2006/compatibility" xmlns:p14="http://schemas.microsoft.com/office/powerpoint/2010/main" xmlns:p15="http://schemas.microsoft.com/office/powerpoint/2012/main" xmlns:ahyp="http://schemas.microsoft.com/office/drawing/2018/hyperlinkcolor" showMasterPhAnim="0" showMasterSp="0">
-  <p:cSld>
-    <p:spTree>
-      <p:nvGrpSpPr>
-        <p:cNvPr id="96" name="Shape 96"/>
-        <p:cNvGrpSpPr/>
-        <p:nvPr/>
-      </p:nvGrpSpPr>
-      <p:grpSpPr>
-        <a:xfrm>
-          <a:off x="0" y="0"/>
-          <a:ext cx="0" cy="0"/>
-          <a:chOff x="0" y="0"/>
-          <a:chExt cx="0" cy="0"/>
-        </a:xfrm>
-      </p:grpSpPr>
-      <p:sp>
-        <p:nvSpPr>
-          <p:cNvPr id="97" name="Google Shape;97;g30adfe1e135_0_98:notes"/>
-          <p:cNvSpPr/>
-          <p:nvPr>
-            <p:ph idx="2" type="sldImg"/>
-          </p:nvPr>
-        </p:nvSpPr>
-        <p:spPr>
-          <a:xfrm>
-            <a:off x="381300" y="685800"/>
-            <a:ext cx="6096000" cy="3429000"/>
-          </a:xfrm>
-          <a:custGeom>
-            <a:rect b="b" l="l" r="r" t="t"/>
-            <a:pathLst>
-              <a:path extrusionOk="0" h="120000" w="120000">
-                <a:moveTo>
-                  <a:pt x="0" y="0"/>
-                </a:moveTo>
-                <a:lnTo>
-                  <a:pt x="120000" y="0"/>
-                </a:lnTo>
-                <a:lnTo>
-                  <a:pt x="120000" y="120000"/>
-                </a:lnTo>
-                <a:lnTo>
-                  <a:pt x="0" y="120000"/>
-                </a:lnTo>
-                <a:close/>
-              </a:path>
-            </a:pathLst>
-          </a:custGeom>
-        </p:spPr>
-      </p:sp>
-      <p:sp>
-        <p:nvSpPr>
-          <p:cNvPr id="98" name="Google Shape;98;g30adfe1e135_0_98:notes"/>
-          <p:cNvSpPr txBox="1"/>
-          <p:nvPr>
-            <p:ph idx="1" type="body"/>
-          </p:nvPr>
-        </p:nvSpPr>
-        <p:spPr>
-          <a:xfrm>
-            <a:off x="685800" y="4343400"/>
-            <a:ext cx="5486400" cy="4114800"/>
-          </a:xfrm>
-          <a:prstGeom prst="rect">
-            <a:avLst/>
-          </a:prstGeom>
-        </p:spPr>
-        <p:txBody>
-          <a:bodyPr anchorCtr="0" anchor="t" bIns="91425" lIns="91425" spcFirstLastPara="1" rIns="91425" wrap="square" tIns="91425">
-            <a:noAutofit/>
-          </a:bodyPr>
-          <a:lstStyle/>
-          <a:p>
-            <a:pPr indent="0" lvl="0" marL="0" rtl="0" algn="l">
-              <a:spcBef>
-                <a:spcPts val="0"/>
-              </a:spcBef>
-              <a:spcAft>
-                <a:spcPts val="0"/>
-              </a:spcAft>
-              <a:buNone/>
-            </a:pPr>
-            <a:r>
-              <a:t/>
-            </a:r>
-            <a:endParaRPr/>
-          </a:p>
-        </p:txBody>
-      </p:sp>
-    </p:spTree>
-  </p:cSld>
-  <p:clrMapOvr>
-    <a:masterClrMapping/>
-  </p:clrMapOvr>
-</p:notes>
-</file>
-
-<file path=ppt/notesSlides/notesSlide9.xml><?xml version="1.0" encoding="utf-8"?>
-<p:notes xmlns:a="http://schemas.openxmlformats.org/drawingml/2006/main" xmlns:r="http://schemas.openxmlformats.org/officeDocument/2006/relationships" xmlns:mc="http://schemas.openxmlformats.org/markup-compatibility/2006" xmlns:mv="urn:schemas-microsoft-com:mac:vml" xmlns:p="http://schemas.openxmlformats.org/presentationml/2006/main" xmlns:c="http://schemas.openxmlformats.org/drawingml/2006/chart" xmlns:dgm="http://schemas.openxmlformats.org/drawingml/2006/diagram" xmlns:o="urn:schemas-microsoft-com:office:office" xmlns:v="urn:schemas-microsoft-com:vml" xmlns:pvml="urn:schemas-microsoft-com:office:powerpoint" xmlns:com="http://schemas.openxmlformats.org/drawingml/2006/compatibility" xmlns:p14="http://schemas.microsoft.com/office/powerpoint/2010/main" xmlns:p15="http://schemas.microsoft.com/office/powerpoint/2012/main" xmlns:ahyp="http://schemas.microsoft.com/office/drawing/2018/hyperlinkcolor" showMasterPhAnim="0" showMasterSp="0">
-  <p:cSld>
-    <p:spTree>
-      <p:nvGrpSpPr>
-        <p:cNvPr id="103" name="Shape 103"/>
-        <p:cNvGrpSpPr/>
-        <p:nvPr/>
-      </p:nvGrpSpPr>
-      <p:grpSpPr>
-        <a:xfrm>
-          <a:off x="0" y="0"/>
-          <a:ext cx="0" cy="0"/>
-          <a:chOff x="0" y="0"/>
-          <a:chExt cx="0" cy="0"/>
-        </a:xfrm>
-      </p:grpSpPr>
-      <p:sp>
-        <p:nvSpPr>
           <p:cNvPr id="104" name="Google Shape;104;g30adfe1e135_0_13:notes"/>
-          <p:cNvSpPr/>
-          <p:nvPr>
-            <p:ph idx="2" type="sldImg"/>
-          </p:nvPr>
-        </p:nvSpPr>
-        <p:spPr>
-          <a:xfrm>
-            <a:off x="381300" y="685800"/>
-            <a:ext cx="6096000" cy="3429000"/>
-          </a:xfrm>
-          <a:custGeom>
-            <a:rect b="b" l="l" r="r" t="t"/>
-            <a:pathLst>
-              <a:path extrusionOk="0" h="120000" w="120000">
-                <a:moveTo>
-                  <a:pt x="0" y="0"/>
-                </a:moveTo>
-                <a:lnTo>
-                  <a:pt x="120000" y="0"/>
-                </a:lnTo>
-                <a:lnTo>
-                  <a:pt x="120000" y="120000"/>
-                </a:lnTo>
-                <a:lnTo>
-                  <a:pt x="0" y="120000"/>
-                </a:lnTo>
-                <a:close/>
-              </a:path>
-            </a:pathLst>
-          </a:custGeom>
-        </p:spPr>
-      </p:sp>
-      <p:sp>
-        <p:nvSpPr>
-          <p:cNvPr id="105" name="Google Shape;105;g30adfe1e135_0_13:notes"/>
           <p:cNvSpPr txBox="1"/>
           <p:nvPr>
             <p:ph idx="1" type="body"/>
@@ -10000,7 +9500,7 @@
   <p:cSld>
     <p:spTree>
       <p:nvGrpSpPr>
-        <p:cNvPr id="111" name="Shape 111"/>
+        <p:cNvPr id="110" name="Shape 110"/>
         <p:cNvGrpSpPr/>
         <p:nvPr/>
       </p:nvGrpSpPr>
@@ -10014,7 +9514,7 @@
       </p:grpSpPr>
       <p:sp>
         <p:nvSpPr>
-          <p:cNvPr id="112" name="Google Shape;112;p17"/>
+          <p:cNvPr id="111" name="Google Shape;111;p17"/>
           <p:cNvSpPr txBox="1"/>
           <p:nvPr>
             <p:ph type="title"/>
@@ -10054,7 +9554,7 @@
       </p:sp>
       <p:sp>
         <p:nvSpPr>
-          <p:cNvPr id="113" name="Google Shape;113;p17"/>
+          <p:cNvPr id="112" name="Google Shape;112;p17"/>
           <p:cNvSpPr txBox="1"/>
           <p:nvPr>
             <p:ph idx="12" type="sldNum"/>
@@ -10127,7 +9627,7 @@
       </p:sp>
       <p:pic>
         <p:nvPicPr>
-          <p:cNvPr id="114" name="Google Shape;114;p17"/>
+          <p:cNvPr id="113" name="Google Shape;113;p17"/>
           <p:cNvPicPr preferRelativeResize="0"/>
           <p:nvPr/>
         </p:nvPicPr>
@@ -10166,7 +9666,7 @@
   <p:cSld>
     <p:spTree>
       <p:nvGrpSpPr>
-        <p:cNvPr id="118" name="Shape 118"/>
+        <p:cNvPr id="117" name="Shape 117"/>
         <p:cNvGrpSpPr/>
         <p:nvPr/>
       </p:nvGrpSpPr>
@@ -10180,7 +9680,7 @@
       </p:grpSpPr>
       <p:sp>
         <p:nvSpPr>
-          <p:cNvPr id="119" name="Google Shape;119;p18"/>
+          <p:cNvPr id="118" name="Google Shape;118;p18"/>
           <p:cNvSpPr txBox="1"/>
           <p:nvPr>
             <p:ph type="title"/>
@@ -10212,7 +9712,7 @@
             </a:pPr>
             <a:r>
               <a:rPr lang="en"/>
-              <a:t>How Many Objects at Runtime? [1]</a:t>
+              <a:t>Runtime Objects</a:t>
             </a:r>
             <a:endParaRPr/>
           </a:p>
@@ -10220,7 +9720,7 @@
       </p:sp>
       <p:sp>
         <p:nvSpPr>
-          <p:cNvPr id="120" name="Google Shape;120;p18"/>
+          <p:cNvPr id="119" name="Google Shape;119;p18"/>
           <p:cNvSpPr txBox="1"/>
           <p:nvPr>
             <p:ph idx="12" type="sldNum"/>
@@ -10291,69 +9791,14 @@
           </a:p>
         </p:txBody>
       </p:sp>
-      <p:sp>
-        <p:nvSpPr>
-          <p:cNvPr id="121" name="Google Shape;121;p18"/>
-          <p:cNvSpPr txBox="1"/>
-          <p:nvPr/>
-        </p:nvSpPr>
-        <p:spPr>
-          <a:xfrm>
-            <a:off x="0" y="4233672"/>
-            <a:ext cx="7315200" cy="914400"/>
-          </a:xfrm>
-          <a:prstGeom prst="rect">
-            <a:avLst/>
-          </a:prstGeom>
-          <a:noFill/>
-          <a:ln>
-            <a:noFill/>
-          </a:ln>
-        </p:spPr>
-        <p:txBody>
-          <a:bodyPr anchorCtr="0" anchor="b" bIns="91425" lIns="91425" spcFirstLastPara="1" rIns="91425" wrap="square" tIns="91425">
-            <a:noAutofit/>
-          </a:bodyPr>
-          <a:lstStyle/>
-          <a:p>
-            <a:pPr indent="0" lvl="0" marL="0" rtl="0" algn="l">
-              <a:spcBef>
-                <a:spcPts val="0"/>
-              </a:spcBef>
-              <a:spcAft>
-                <a:spcPts val="0"/>
-              </a:spcAft>
-              <a:buNone/>
-            </a:pPr>
-            <a:r>
-              <a:rPr lang="en"/>
-              <a:t>[1] Also </a:t>
-            </a:r>
-            <a:r>
-              <a:rPr lang="en" u="sng">
-                <a:solidFill>
-                  <a:schemeClr val="hlink"/>
-                </a:solidFill>
-                <a:hlinkClick r:id="rId4"/>
-              </a:rPr>
-              <a:t>https://forms.gle/aV3yF6KTM1odzJRFA</a:t>
-            </a:r>
-            <a:r>
-              <a:rPr lang="en"/>
-              <a:t> </a:t>
-            </a:r>
-            <a:endParaRPr/>
-          </a:p>
-        </p:txBody>
-      </p:sp>
       <p:pic>
         <p:nvPicPr>
-          <p:cNvPr id="122" name="Google Shape;122;p18"/>
+          <p:cNvPr id="120" name="Google Shape;120;p18"/>
           <p:cNvPicPr preferRelativeResize="0"/>
           <p:nvPr/>
         </p:nvPicPr>
         <p:blipFill>
-          <a:blip r:embed="rId5">
+          <a:blip r:embed="rId4">
             <a:alphaModFix/>
           </a:blip>
           <a:stretch>
@@ -10363,7 +9808,7 @@
         <p:spPr>
           <a:xfrm>
             <a:off x="274320" y="914400"/>
-            <a:ext cx="3657600" cy="3657600"/>
+            <a:ext cx="8595360" cy="3502840"/>
           </a:xfrm>
           <a:prstGeom prst="rect">
             <a:avLst/>
@@ -10387,7 +9832,7 @@
   <p:cSld>
     <p:spTree>
       <p:nvGrpSpPr>
-        <p:cNvPr id="126" name="Shape 126"/>
+        <p:cNvPr id="124" name="Shape 124"/>
         <p:cNvGrpSpPr/>
         <p:nvPr/>
       </p:nvGrpSpPr>
@@ -10401,7 +9846,7 @@
       </p:grpSpPr>
       <p:sp>
         <p:nvSpPr>
-          <p:cNvPr id="127" name="Google Shape;127;p19"/>
+          <p:cNvPr id="125" name="Google Shape;125;p19"/>
           <p:cNvSpPr txBox="1"/>
           <p:nvPr>
             <p:ph type="title"/>
@@ -10433,7 +9878,7 @@
             </a:pPr>
             <a:r>
               <a:rPr lang="en"/>
-              <a:t>Runtime Objects</a:t>
+              <a:t>Code Layers</a:t>
             </a:r>
             <a:endParaRPr/>
           </a:p>
@@ -10441,7 +9886,7 @@
       </p:sp>
       <p:sp>
         <p:nvSpPr>
-          <p:cNvPr id="128" name="Google Shape;128;p19"/>
+          <p:cNvPr id="126" name="Google Shape;126;p19"/>
           <p:cNvSpPr txBox="1"/>
           <p:nvPr>
             <p:ph idx="12" type="sldNum"/>
@@ -10514,7 +9959,7 @@
       </p:sp>
       <p:pic>
         <p:nvPicPr>
-          <p:cNvPr id="129" name="Google Shape;129;p19"/>
+          <p:cNvPr id="127" name="Google Shape;127;p19"/>
           <p:cNvPicPr preferRelativeResize="0"/>
           <p:nvPr/>
         </p:nvPicPr>
@@ -10553,173 +9998,7 @@
   <p:cSld>
     <p:spTree>
       <p:nvGrpSpPr>
-        <p:cNvPr id="133" name="Shape 133"/>
-        <p:cNvGrpSpPr/>
-        <p:nvPr/>
-      </p:nvGrpSpPr>
-      <p:grpSpPr>
-        <a:xfrm>
-          <a:off x="0" y="0"/>
-          <a:ext cx="0" cy="0"/>
-          <a:chOff x="0" y="0"/>
-          <a:chExt cx="0" cy="0"/>
-        </a:xfrm>
-      </p:grpSpPr>
-      <p:sp>
-        <p:nvSpPr>
-          <p:cNvPr id="134" name="Google Shape;134;p20"/>
-          <p:cNvSpPr txBox="1"/>
-          <p:nvPr>
-            <p:ph type="title"/>
-          </p:nvPr>
-        </p:nvSpPr>
-        <p:spPr>
-          <a:xfrm>
-            <a:off x="0" y="0"/>
-            <a:ext cx="9144000" cy="685800"/>
-          </a:xfrm>
-          <a:prstGeom prst="rect">
-            <a:avLst/>
-          </a:prstGeom>
-        </p:spPr>
-        <p:txBody>
-          <a:bodyPr anchorCtr="0" anchor="ctr" bIns="91425" lIns="274300" spcFirstLastPara="1" rIns="91425" wrap="square" tIns="91425">
-            <a:noAutofit/>
-          </a:bodyPr>
-          <a:lstStyle/>
-          <a:p>
-            <a:pPr indent="0" lvl="0" marL="0" rtl="0" algn="l">
-              <a:spcBef>
-                <a:spcPts val="0"/>
-              </a:spcBef>
-              <a:spcAft>
-                <a:spcPts val="0"/>
-              </a:spcAft>
-              <a:buNone/>
-            </a:pPr>
-            <a:r>
-              <a:rPr lang="en"/>
-              <a:t>Code Layers</a:t>
-            </a:r>
-            <a:endParaRPr/>
-          </a:p>
-        </p:txBody>
-      </p:sp>
-      <p:sp>
-        <p:nvSpPr>
-          <p:cNvPr id="135" name="Google Shape;135;p20"/>
-          <p:cNvSpPr txBox="1"/>
-          <p:nvPr>
-            <p:ph idx="12" type="sldNum"/>
-          </p:nvPr>
-        </p:nvSpPr>
-        <p:spPr>
-          <a:xfrm>
-            <a:off x="7315202" y="4416550"/>
-            <a:ext cx="1828800" cy="731400"/>
-          </a:xfrm>
-          <a:prstGeom prst="rect">
-            <a:avLst/>
-          </a:prstGeom>
-        </p:spPr>
-        <p:txBody>
-          <a:bodyPr anchorCtr="0" anchor="b" bIns="91425" lIns="91425" spcFirstLastPara="1" rIns="91425" wrap="square" tIns="91425">
-            <a:noAutofit/>
-          </a:bodyPr>
-          <a:lstStyle/>
-          <a:p>
-            <a:pPr indent="0" lvl="0" marL="0" rtl="0" algn="r">
-              <a:spcBef>
-                <a:spcPts val="0"/>
-              </a:spcBef>
-              <a:spcAft>
-                <a:spcPts val="0"/>
-              </a:spcAft>
-              <a:buNone/>
-            </a:pPr>
-            <a:fld id="{00000000-1234-1234-1234-123412341234}" type="slidenum">
-              <a:rPr lang="en"/>
-              <a:t>‹#›</a:t>
-            </a:fld>
-            <a:endParaRPr/>
-          </a:p>
-          <a:p>
-            <a:pPr indent="0" lvl="0" marL="0" rtl="0" algn="r">
-              <a:spcBef>
-                <a:spcPts val="0"/>
-              </a:spcBef>
-              <a:spcAft>
-                <a:spcPts val="0"/>
-              </a:spcAft>
-              <a:buNone/>
-            </a:pPr>
-            <a:r>
-              <a:rPr b="0" lang="en" sz="900" u="sng">
-                <a:solidFill>
-                  <a:schemeClr val="hlink"/>
-                </a:solidFill>
-                <a:hlinkClick r:id="rId3"/>
-              </a:rPr>
-              <a:t>https://oss.cs.fau.de</a:t>
-            </a:r>
-            <a:r>
-              <a:rPr b="0" lang="en" sz="900">
-                <a:solidFill>
-                  <a:schemeClr val="dk2"/>
-                </a:solidFill>
-              </a:rPr>
-              <a:t> </a:t>
-            </a:r>
-            <a:endParaRPr b="0" sz="900">
-              <a:solidFill>
-                <a:schemeClr val="dk2"/>
-              </a:solidFill>
-            </a:endParaRPr>
-          </a:p>
-        </p:txBody>
-      </p:sp>
-      <p:pic>
-        <p:nvPicPr>
-          <p:cNvPr id="136" name="Google Shape;136;p20"/>
-          <p:cNvPicPr preferRelativeResize="0"/>
-          <p:nvPr/>
-        </p:nvPicPr>
-        <p:blipFill>
-          <a:blip r:embed="rId4">
-            <a:alphaModFix/>
-          </a:blip>
-          <a:stretch>
-            <a:fillRect/>
-          </a:stretch>
-        </p:blipFill>
-        <p:spPr>
-          <a:xfrm>
-            <a:off x="274320" y="914400"/>
-            <a:ext cx="8595360" cy="3502840"/>
-          </a:xfrm>
-          <a:prstGeom prst="rect">
-            <a:avLst/>
-          </a:prstGeom>
-          <a:noFill/>
-          <a:ln>
-            <a:noFill/>
-          </a:ln>
-        </p:spPr>
-      </p:pic>
-    </p:spTree>
-  </p:cSld>
-  <p:clrMapOvr>
-    <a:masterClrMapping/>
-  </p:clrMapOvr>
-</p:sld>
-</file>
-
-<file path=ppt/slides/slide14.xml><?xml version="1.0" encoding="utf-8"?>
-<p:sld xmlns:a="http://schemas.openxmlformats.org/drawingml/2006/main" xmlns:r="http://schemas.openxmlformats.org/officeDocument/2006/relationships" xmlns:mc="http://schemas.openxmlformats.org/markup-compatibility/2006" xmlns:mv="urn:schemas-microsoft-com:mac:vml" xmlns:p="http://schemas.openxmlformats.org/presentationml/2006/main" xmlns:c="http://schemas.openxmlformats.org/drawingml/2006/chart" xmlns:dgm="http://schemas.openxmlformats.org/drawingml/2006/diagram" xmlns:o="urn:schemas-microsoft-com:office:office" xmlns:v="urn:schemas-microsoft-com:vml" xmlns:pvml="urn:schemas-microsoft-com:office:powerpoint" xmlns:com="http://schemas.openxmlformats.org/drawingml/2006/compatibility" xmlns:p14="http://schemas.microsoft.com/office/powerpoint/2010/main" xmlns:p15="http://schemas.microsoft.com/office/powerpoint/2012/main" xmlns:ahyp="http://schemas.microsoft.com/office/drawing/2018/hyperlinkcolor">
-  <p:cSld>
-    <p:spTree>
-      <p:nvGrpSpPr>
-        <p:cNvPr id="140" name="Shape 140"/>
+        <p:cNvPr id="131" name="Shape 131"/>
         <p:cNvGrpSpPr/>
         <p:nvPr/>
       </p:nvGrpSpPr>
@@ -10733,7 +10012,7 @@
       </p:grpSpPr>
       <p:pic>
         <p:nvPicPr>
-          <p:cNvPr id="141" name="Google Shape;141;p21"/>
+          <p:cNvPr id="132" name="Google Shape;132;p20"/>
           <p:cNvPicPr preferRelativeResize="0"/>
           <p:nvPr/>
         </p:nvPicPr>
@@ -10761,7 +10040,7 @@
       </p:pic>
       <p:sp>
         <p:nvSpPr>
-          <p:cNvPr id="142" name="Google Shape;142;p21"/>
+          <p:cNvPr id="133" name="Google Shape;133;p20"/>
           <p:cNvSpPr txBox="1"/>
           <p:nvPr>
             <p:ph type="title"/>
@@ -10801,7 +10080,7 @@
       </p:sp>
       <p:sp>
         <p:nvSpPr>
-          <p:cNvPr id="143" name="Google Shape;143;p21"/>
+          <p:cNvPr id="134" name="Google Shape;134;p20"/>
           <p:cNvSpPr txBox="1"/>
           <p:nvPr>
             <p:ph idx="12" type="sldNum"/>
@@ -10874,7 +10153,7 @@
       </p:sp>
       <p:sp>
         <p:nvSpPr>
-          <p:cNvPr id="144" name="Google Shape;144;p21"/>
+          <p:cNvPr id="135" name="Google Shape;135;p20"/>
           <p:cNvSpPr/>
           <p:nvPr/>
         </p:nvSpPr>
@@ -10930,7 +10209,7 @@
       </p:sp>
       <p:sp>
         <p:nvSpPr>
-          <p:cNvPr id="145" name="Google Shape;145;p21"/>
+          <p:cNvPr id="136" name="Google Shape;136;p20"/>
           <p:cNvSpPr/>
           <p:nvPr/>
         </p:nvSpPr>
@@ -11001,7 +10280,7 @@
       </p:sp>
       <p:sp>
         <p:nvSpPr>
-          <p:cNvPr id="146" name="Google Shape;146;p21"/>
+          <p:cNvPr id="137" name="Google Shape;137;p20"/>
           <p:cNvSpPr/>
           <p:nvPr/>
         </p:nvSpPr>
@@ -11081,7 +10360,7 @@
       </p:sp>
       <p:sp>
         <p:nvSpPr>
-          <p:cNvPr id="147" name="Google Shape;147;p21"/>
+          <p:cNvPr id="138" name="Google Shape;138;p20"/>
           <p:cNvSpPr/>
           <p:nvPr/>
         </p:nvSpPr>
@@ -11167,12 +10446,12 @@
 </p:sld>
 </file>
 
-<file path=ppt/slides/slide15.xml><?xml version="1.0" encoding="utf-8"?>
+<file path=ppt/slides/slide14.xml><?xml version="1.0" encoding="utf-8"?>
 <p:sld xmlns:a="http://schemas.openxmlformats.org/drawingml/2006/main" xmlns:r="http://schemas.openxmlformats.org/officeDocument/2006/relationships" xmlns:mc="http://schemas.openxmlformats.org/markup-compatibility/2006" xmlns:mv="urn:schemas-microsoft-com:mac:vml" xmlns:p="http://schemas.openxmlformats.org/presentationml/2006/main" xmlns:c="http://schemas.openxmlformats.org/drawingml/2006/chart" xmlns:dgm="http://schemas.openxmlformats.org/drawingml/2006/diagram" xmlns:o="urn:schemas-microsoft-com:office:office" xmlns:v="urn:schemas-microsoft-com:vml" xmlns:pvml="urn:schemas-microsoft-com:office:powerpoint" xmlns:com="http://schemas.openxmlformats.org/drawingml/2006/compatibility" xmlns:p14="http://schemas.microsoft.com/office/powerpoint/2010/main" xmlns:p15="http://schemas.microsoft.com/office/powerpoint/2012/main" xmlns:ahyp="http://schemas.microsoft.com/office/drawing/2018/hyperlinkcolor">
   <p:cSld>
     <p:spTree>
       <p:nvGrpSpPr>
-        <p:cNvPr id="151" name="Shape 151"/>
+        <p:cNvPr id="142" name="Shape 142"/>
         <p:cNvGrpSpPr/>
         <p:nvPr/>
       </p:nvGrpSpPr>
@@ -11186,7 +10465,7 @@
       </p:grpSpPr>
       <p:sp>
         <p:nvSpPr>
-          <p:cNvPr id="152" name="Google Shape;152;p22"/>
+          <p:cNvPr id="143" name="Google Shape;143;p21"/>
           <p:cNvSpPr txBox="1"/>
           <p:nvPr>
             <p:ph type="title"/>
@@ -11226,7 +10505,7 @@
       </p:sp>
       <p:sp>
         <p:nvSpPr>
-          <p:cNvPr id="153" name="Google Shape;153;p22"/>
+          <p:cNvPr id="144" name="Google Shape;144;p21"/>
           <p:cNvSpPr txBox="1"/>
           <p:nvPr>
             <p:ph idx="12" type="sldNum"/>
@@ -11299,7 +10578,7 @@
       </p:sp>
       <p:sp>
         <p:nvSpPr>
-          <p:cNvPr id="154" name="Google Shape;154;p22"/>
+          <p:cNvPr id="145" name="Google Shape;145;p21"/>
           <p:cNvSpPr txBox="1"/>
           <p:nvPr/>
         </p:nvSpPr>
@@ -11345,7 +10624,7 @@
       </p:sp>
       <p:pic>
         <p:nvPicPr>
-          <p:cNvPr id="155" name="Google Shape;155;p22"/>
+          <p:cNvPr id="146" name="Google Shape;146;p21"/>
           <p:cNvPicPr preferRelativeResize="0"/>
           <p:nvPr/>
         </p:nvPicPr>
@@ -11379,12 +10658,12 @@
 </p:sld>
 </file>
 
-<file path=ppt/slides/slide16.xml><?xml version="1.0" encoding="utf-8"?>
+<file path=ppt/slides/slide15.xml><?xml version="1.0" encoding="utf-8"?>
 <p:sld xmlns:a="http://schemas.openxmlformats.org/drawingml/2006/main" xmlns:r="http://schemas.openxmlformats.org/officeDocument/2006/relationships" xmlns:mc="http://schemas.openxmlformats.org/markup-compatibility/2006" xmlns:mv="urn:schemas-microsoft-com:mac:vml" xmlns:p="http://schemas.openxmlformats.org/presentationml/2006/main" xmlns:c="http://schemas.openxmlformats.org/drawingml/2006/chart" xmlns:dgm="http://schemas.openxmlformats.org/drawingml/2006/diagram" xmlns:o="urn:schemas-microsoft-com:office:office" xmlns:v="urn:schemas-microsoft-com:vml" xmlns:pvml="urn:schemas-microsoft-com:office:powerpoint" xmlns:com="http://schemas.openxmlformats.org/drawingml/2006/compatibility" xmlns:p14="http://schemas.microsoft.com/office/powerpoint/2010/main" xmlns:p15="http://schemas.microsoft.com/office/powerpoint/2012/main" xmlns:ahyp="http://schemas.microsoft.com/office/drawing/2018/hyperlinkcolor">
   <p:cSld>
     <p:spTree>
       <p:nvGrpSpPr>
-        <p:cNvPr id="159" name="Shape 159"/>
+        <p:cNvPr id="150" name="Shape 150"/>
         <p:cNvGrpSpPr/>
         <p:nvPr/>
       </p:nvGrpSpPr>
@@ -11398,7 +10677,7 @@
       </p:grpSpPr>
       <p:sp>
         <p:nvSpPr>
-          <p:cNvPr id="160" name="Google Shape;160;p23"/>
+          <p:cNvPr id="151" name="Google Shape;151;p22"/>
           <p:cNvSpPr txBox="1"/>
           <p:nvPr>
             <p:ph type="title"/>
@@ -11438,7 +10717,7 @@
       </p:sp>
       <p:sp>
         <p:nvSpPr>
-          <p:cNvPr id="161" name="Google Shape;161;p23"/>
+          <p:cNvPr id="152" name="Google Shape;152;p22"/>
           <p:cNvSpPr txBox="1"/>
           <p:nvPr>
             <p:ph idx="1" type="body"/>
@@ -11647,7 +10926,7 @@
       </p:sp>
       <p:sp>
         <p:nvSpPr>
-          <p:cNvPr id="162" name="Google Shape;162;p23"/>
+          <p:cNvPr id="153" name="Google Shape;153;p22"/>
           <p:cNvSpPr txBox="1"/>
           <p:nvPr>
             <p:ph idx="12" type="sldNum"/>
@@ -11726,12 +11005,12 @@
 </p:sld>
 </file>
 
-<file path=ppt/slides/slide17.xml><?xml version="1.0" encoding="utf-8"?>
+<file path=ppt/slides/slide16.xml><?xml version="1.0" encoding="utf-8"?>
 <p:sld xmlns:a="http://schemas.openxmlformats.org/drawingml/2006/main" xmlns:r="http://schemas.openxmlformats.org/officeDocument/2006/relationships" xmlns:mc="http://schemas.openxmlformats.org/markup-compatibility/2006" xmlns:mv="urn:schemas-microsoft-com:mac:vml" xmlns:p="http://schemas.openxmlformats.org/presentationml/2006/main" xmlns:c="http://schemas.openxmlformats.org/drawingml/2006/chart" xmlns:dgm="http://schemas.openxmlformats.org/drawingml/2006/diagram" xmlns:o="urn:schemas-microsoft-com:office:office" xmlns:v="urn:schemas-microsoft-com:vml" xmlns:pvml="urn:schemas-microsoft-com:office:powerpoint" xmlns:com="http://schemas.openxmlformats.org/drawingml/2006/compatibility" xmlns:p14="http://schemas.microsoft.com/office/powerpoint/2010/main" xmlns:p15="http://schemas.microsoft.com/office/powerpoint/2012/main" xmlns:ahyp="http://schemas.microsoft.com/office/drawing/2018/hyperlinkcolor">
   <p:cSld>
     <p:spTree>
       <p:nvGrpSpPr>
-        <p:cNvPr id="166" name="Shape 166"/>
+        <p:cNvPr id="157" name="Shape 157"/>
         <p:cNvGrpSpPr/>
         <p:nvPr/>
       </p:nvGrpSpPr>
@@ -11745,7 +11024,7 @@
       </p:grpSpPr>
       <p:sp>
         <p:nvSpPr>
-          <p:cNvPr id="167" name="Google Shape;167;p24"/>
+          <p:cNvPr id="158" name="Google Shape;158;p23"/>
           <p:cNvSpPr txBox="1"/>
           <p:nvPr>
             <p:ph type="title"/>
@@ -11785,7 +11064,7 @@
       </p:sp>
       <p:sp>
         <p:nvSpPr>
-          <p:cNvPr id="168" name="Google Shape;168;p24"/>
+          <p:cNvPr id="159" name="Google Shape;159;p23"/>
           <p:cNvSpPr txBox="1"/>
           <p:nvPr>
             <p:ph idx="12" type="sldNum"/>
@@ -11858,7 +11137,7 @@
       </p:sp>
       <p:sp>
         <p:nvSpPr>
-          <p:cNvPr id="169" name="Google Shape;169;p24"/>
+          <p:cNvPr id="160" name="Google Shape;160;p23"/>
           <p:cNvSpPr txBox="1"/>
           <p:nvPr>
             <p:ph idx="1" type="body"/>
@@ -12019,12 +11298,12 @@
 </p:sld>
 </file>
 
-<file path=ppt/slides/slide18.xml><?xml version="1.0" encoding="utf-8"?>
+<file path=ppt/slides/slide17.xml><?xml version="1.0" encoding="utf-8"?>
 <p:sld xmlns:a="http://schemas.openxmlformats.org/drawingml/2006/main" xmlns:r="http://schemas.openxmlformats.org/officeDocument/2006/relationships" xmlns:mc="http://schemas.openxmlformats.org/markup-compatibility/2006" xmlns:mv="urn:schemas-microsoft-com:mac:vml" xmlns:p="http://schemas.openxmlformats.org/presentationml/2006/main" xmlns:c="http://schemas.openxmlformats.org/drawingml/2006/chart" xmlns:dgm="http://schemas.openxmlformats.org/drawingml/2006/diagram" xmlns:o="urn:schemas-microsoft-com:office:office" xmlns:v="urn:schemas-microsoft-com:vml" xmlns:pvml="urn:schemas-microsoft-com:office:powerpoint" xmlns:com="http://schemas.openxmlformats.org/drawingml/2006/compatibility" xmlns:p14="http://schemas.microsoft.com/office/powerpoint/2010/main" xmlns:p15="http://schemas.microsoft.com/office/powerpoint/2012/main" xmlns:ahyp="http://schemas.microsoft.com/office/drawing/2018/hyperlinkcolor">
   <p:cSld>
     <p:spTree>
       <p:nvGrpSpPr>
-        <p:cNvPr id="173" name="Shape 173"/>
+        <p:cNvPr id="164" name="Shape 164"/>
         <p:cNvGrpSpPr/>
         <p:nvPr/>
       </p:nvGrpSpPr>
@@ -12038,7 +11317,7 @@
       </p:grpSpPr>
       <p:sp>
         <p:nvSpPr>
-          <p:cNvPr id="174" name="Google Shape;174;p25"/>
+          <p:cNvPr id="165" name="Google Shape;165;p24"/>
           <p:cNvSpPr txBox="1"/>
           <p:nvPr>
             <p:ph type="title"/>
@@ -12078,7 +11357,7 @@
       </p:sp>
       <p:sp>
         <p:nvSpPr>
-          <p:cNvPr id="175" name="Google Shape;175;p25"/>
+          <p:cNvPr id="166" name="Google Shape;166;p24"/>
           <p:cNvSpPr txBox="1"/>
           <p:nvPr>
             <p:ph idx="12" type="sldNum"/>
@@ -12151,7 +11430,7 @@
       </p:sp>
       <p:graphicFrame>
         <p:nvGraphicFramePr>
-          <p:cNvPr id="176" name="Google Shape;176;p25"/>
+          <p:cNvPr id="167" name="Google Shape;167;p24"/>
           <p:cNvGraphicFramePr/>
           <p:nvPr/>
         </p:nvGraphicFramePr>
@@ -12164,7 +11443,7 @@
             <a:tbl>
               <a:tblPr>
                 <a:noFill/>
-                <a:tableStyleId>{A91D5953-4B23-41B2-98CA-6C26CF92C9B1}</a:tableStyleId>
+                <a:tableStyleId>{0A3D7DEB-E554-408A-9E8B-F5EF3EEBE83F}</a:tableStyleId>
               </a:tblPr>
               <a:tblGrid>
                 <a:gridCol w="2865125"/>
@@ -13996,12 +13275,12 @@
 </p:sld>
 </file>
 
-<file path=ppt/slides/slide19.xml><?xml version="1.0" encoding="utf-8"?>
+<file path=ppt/slides/slide18.xml><?xml version="1.0" encoding="utf-8"?>
 <p:sld xmlns:a="http://schemas.openxmlformats.org/drawingml/2006/main" xmlns:r="http://schemas.openxmlformats.org/officeDocument/2006/relationships" xmlns:mc="http://schemas.openxmlformats.org/markup-compatibility/2006" xmlns:mv="urn:schemas-microsoft-com:mac:vml" xmlns:p="http://schemas.openxmlformats.org/presentationml/2006/main" xmlns:c="http://schemas.openxmlformats.org/drawingml/2006/chart" xmlns:dgm="http://schemas.openxmlformats.org/drawingml/2006/diagram" xmlns:o="urn:schemas-microsoft-com:office:office" xmlns:v="urn:schemas-microsoft-com:vml" xmlns:pvml="urn:schemas-microsoft-com:office:powerpoint" xmlns:com="http://schemas.openxmlformats.org/drawingml/2006/compatibility" xmlns:p14="http://schemas.microsoft.com/office/powerpoint/2010/main" xmlns:p15="http://schemas.microsoft.com/office/powerpoint/2012/main" xmlns:ahyp="http://schemas.microsoft.com/office/drawing/2018/hyperlinkcolor">
   <p:cSld>
     <p:spTree>
       <p:nvGrpSpPr>
-        <p:cNvPr id="180" name="Shape 180"/>
+        <p:cNvPr id="171" name="Shape 171"/>
         <p:cNvGrpSpPr/>
         <p:nvPr/>
       </p:nvGrpSpPr>
@@ -14015,7 +13294,171 @@
       </p:grpSpPr>
       <p:sp>
         <p:nvSpPr>
-          <p:cNvPr id="181" name="Google Shape;181;p26"/>
+          <p:cNvPr id="172" name="Google Shape;172;p25"/>
+          <p:cNvSpPr txBox="1"/>
+          <p:nvPr>
+            <p:ph idx="1" type="body"/>
+          </p:nvPr>
+        </p:nvSpPr>
+        <p:spPr>
+          <a:xfrm>
+            <a:off x="274320" y="914400"/>
+            <a:ext cx="8595300" cy="4114800"/>
+          </a:xfrm>
+          <a:prstGeom prst="rect">
+            <a:avLst/>
+          </a:prstGeom>
+        </p:spPr>
+        <p:txBody>
+          <a:bodyPr anchorCtr="0" anchor="t" bIns="0" lIns="0" spcFirstLastPara="1" rIns="0" wrap="square" tIns="0">
+            <a:noAutofit/>
+          </a:bodyPr>
+          <a:lstStyle/>
+          <a:p>
+            <a:pPr indent="0" lvl="0" marL="0" rtl="0" algn="l">
+              <a:spcBef>
+                <a:spcPts val="0"/>
+              </a:spcBef>
+              <a:spcAft>
+                <a:spcPts val="0"/>
+              </a:spcAft>
+              <a:buClr>
+                <a:schemeClr val="dk1"/>
+              </a:buClr>
+              <a:buSzPts val="1100"/>
+              <a:buFont typeface="Arial"/>
+              <a:buNone/>
+            </a:pPr>
+            <a:r>
+              <a:rPr lang="en"/>
+              <a:t>An error is</a:t>
+            </a:r>
+            <a:endParaRPr/>
+          </a:p>
+          <a:p>
+            <a:pPr indent="-342900" lvl="0" marL="457200" rtl="0" algn="l">
+              <a:spcBef>
+                <a:spcPts val="1200"/>
+              </a:spcBef>
+              <a:spcAft>
+                <a:spcPts val="0"/>
+              </a:spcAft>
+              <a:buSzPts val="1800"/>
+              <a:buChar char="●"/>
+            </a:pPr>
+            <a:r>
+              <a:rPr lang="en"/>
+              <a:t>A state of the system that may lead to a failure</a:t>
+            </a:r>
+            <a:endParaRPr/>
+          </a:p>
+          <a:p>
+            <a:pPr indent="-317500" lvl="1" marL="914400" rtl="0" algn="l">
+              <a:spcBef>
+                <a:spcPts val="0"/>
+              </a:spcBef>
+              <a:spcAft>
+                <a:spcPts val="0"/>
+              </a:spcAft>
+              <a:buSzPts val="1400"/>
+              <a:buChar char="○"/>
+            </a:pPr>
+            <a:r>
+              <a:rPr lang="en"/>
+              <a:t>An error is </a:t>
+            </a:r>
+            <a:r>
+              <a:rPr b="1" lang="en"/>
+              <a:t>latent,</a:t>
+            </a:r>
+            <a:r>
+              <a:rPr lang="en"/>
+              <a:t> if it has not been detected</a:t>
+            </a:r>
+            <a:endParaRPr/>
+          </a:p>
+          <a:p>
+            <a:pPr indent="-317500" lvl="1" marL="914400" rtl="0" algn="l">
+              <a:spcBef>
+                <a:spcPts val="0"/>
+              </a:spcBef>
+              <a:spcAft>
+                <a:spcPts val="0"/>
+              </a:spcAft>
+              <a:buSzPts val="1400"/>
+              <a:buChar char="○"/>
+            </a:pPr>
+            <a:r>
+              <a:rPr lang="en"/>
+              <a:t>An error has been </a:t>
+            </a:r>
+            <a:r>
+              <a:rPr b="1" lang="en"/>
+              <a:t>detected,</a:t>
+            </a:r>
+            <a:r>
+              <a:rPr lang="en"/>
+              <a:t> if regular code identifies an erroneous state</a:t>
+            </a:r>
+            <a:endParaRPr/>
+          </a:p>
+          <a:p>
+            <a:pPr indent="0" lvl="0" marL="0" rtl="0" algn="l">
+              <a:spcBef>
+                <a:spcPts val="1200"/>
+              </a:spcBef>
+              <a:spcAft>
+                <a:spcPts val="0"/>
+              </a:spcAft>
+              <a:buNone/>
+            </a:pPr>
+            <a:r>
+              <a:rPr lang="en"/>
+              <a:t>An error</a:t>
+            </a:r>
+            <a:endParaRPr/>
+          </a:p>
+          <a:p>
+            <a:pPr indent="-342900" lvl="0" marL="457200" rtl="0" algn="l">
+              <a:spcBef>
+                <a:spcPts val="1200"/>
+              </a:spcBef>
+              <a:spcAft>
+                <a:spcPts val="0"/>
+              </a:spcAft>
+              <a:buSzPts val="1800"/>
+              <a:buChar char="●"/>
+            </a:pPr>
+            <a:r>
+              <a:rPr lang="en"/>
+              <a:t>Ca</a:t>
+            </a:r>
+            <a:r>
+              <a:rPr lang="en"/>
+              <a:t>n be categorized by the failures it may cause</a:t>
+            </a:r>
+            <a:endParaRPr/>
+          </a:p>
+          <a:p>
+            <a:pPr indent="0" lvl="0" marL="0" rtl="0" algn="l">
+              <a:spcBef>
+                <a:spcPts val="1200"/>
+              </a:spcBef>
+              <a:spcAft>
+                <a:spcPts val="1200"/>
+              </a:spcAft>
+              <a:buNone/>
+            </a:pPr>
+            <a:r>
+              <a:t/>
+            </a:r>
+            <a:endParaRPr/>
+          </a:p>
+        </p:txBody>
+      </p:sp>
+      <p:sp>
+        <p:nvSpPr>
+          <p:cNvPr id="173" name="Google Shape;173;p25"/>
           <p:cNvSpPr txBox="1"/>
           <p:nvPr>
             <p:ph type="title"/>
@@ -14047,7 +13490,7 @@
             </a:pPr>
             <a:r>
               <a:rPr lang="en"/>
-              <a:t>How to Classify the Common Bug? [1]</a:t>
+              <a:t>Error</a:t>
             </a:r>
             <a:endParaRPr/>
           </a:p>
@@ -14055,7 +13498,7 @@
       </p:sp>
       <p:sp>
         <p:nvSpPr>
-          <p:cNvPr id="182" name="Google Shape;182;p26"/>
+          <p:cNvPr id="174" name="Google Shape;174;p25"/>
           <p:cNvSpPr txBox="1"/>
           <p:nvPr>
             <p:ph idx="12" type="sldNum"/>
@@ -14126,24 +13569,299 @@
           </a:p>
         </p:txBody>
       </p:sp>
+    </p:spTree>
+  </p:cSld>
+  <p:clrMapOvr>
+    <a:masterClrMapping/>
+  </p:clrMapOvr>
+</p:sld>
+</file>
+
+<file path=ppt/slides/slide19.xml><?xml version="1.0" encoding="utf-8"?>
+<p:sld xmlns:a="http://schemas.openxmlformats.org/drawingml/2006/main" xmlns:r="http://schemas.openxmlformats.org/officeDocument/2006/relationships" xmlns:mc="http://schemas.openxmlformats.org/markup-compatibility/2006" xmlns:mv="urn:schemas-microsoft-com:mac:vml" xmlns:p="http://schemas.openxmlformats.org/presentationml/2006/main" xmlns:c="http://schemas.openxmlformats.org/drawingml/2006/chart" xmlns:dgm="http://schemas.openxmlformats.org/drawingml/2006/diagram" xmlns:o="urn:schemas-microsoft-com:office:office" xmlns:v="urn:schemas-microsoft-com:vml" xmlns:pvml="urn:schemas-microsoft-com:office:powerpoint" xmlns:com="http://schemas.openxmlformats.org/drawingml/2006/compatibility" xmlns:p14="http://schemas.microsoft.com/office/powerpoint/2010/main" xmlns:p15="http://schemas.microsoft.com/office/powerpoint/2012/main" xmlns:ahyp="http://schemas.microsoft.com/office/drawing/2018/hyperlinkcolor">
+  <p:cSld>
+    <p:spTree>
+      <p:nvGrpSpPr>
+        <p:cNvPr id="178" name="Shape 178"/>
+        <p:cNvGrpSpPr/>
+        <p:nvPr/>
+      </p:nvGrpSpPr>
+      <p:grpSpPr>
+        <a:xfrm>
+          <a:off x="0" y="0"/>
+          <a:ext cx="0" cy="0"/>
+          <a:chOff x="0" y="0"/>
+          <a:chExt cx="0" cy="0"/>
+        </a:xfrm>
+      </p:grpSpPr>
       <p:sp>
         <p:nvSpPr>
-          <p:cNvPr id="183" name="Google Shape;183;p26"/>
+          <p:cNvPr id="179" name="Google Shape;179;p26"/>
           <p:cNvSpPr txBox="1"/>
-          <p:nvPr/>
+          <p:nvPr>
+            <p:ph type="title"/>
+          </p:nvPr>
         </p:nvSpPr>
         <p:spPr>
           <a:xfrm>
-            <a:off x="0" y="4233672"/>
-            <a:ext cx="7315200" cy="914400"/>
+            <a:off x="0" y="0"/>
+            <a:ext cx="9144000" cy="685800"/>
           </a:xfrm>
           <a:prstGeom prst="rect">
             <a:avLst/>
           </a:prstGeom>
-          <a:noFill/>
-          <a:ln>
-            <a:noFill/>
-          </a:ln>
+        </p:spPr>
+        <p:txBody>
+          <a:bodyPr anchorCtr="0" anchor="ctr" bIns="91425" lIns="274300" spcFirstLastPara="1" rIns="91425" wrap="square" tIns="91425">
+            <a:noAutofit/>
+          </a:bodyPr>
+          <a:lstStyle/>
+          <a:p>
+            <a:pPr indent="0" lvl="0" marL="0" rtl="0" algn="l">
+              <a:spcBef>
+                <a:spcPts val="0"/>
+              </a:spcBef>
+              <a:spcAft>
+                <a:spcPts val="0"/>
+              </a:spcAft>
+              <a:buNone/>
+            </a:pPr>
+            <a:r>
+              <a:rPr lang="en"/>
+              <a:t>Failure</a:t>
+            </a:r>
+            <a:endParaRPr/>
+          </a:p>
+        </p:txBody>
+      </p:sp>
+      <p:sp>
+        <p:nvSpPr>
+          <p:cNvPr id="180" name="Google Shape;180;p26"/>
+          <p:cNvSpPr txBox="1"/>
+          <p:nvPr>
+            <p:ph idx="1" type="body"/>
+          </p:nvPr>
+        </p:nvSpPr>
+        <p:spPr>
+          <a:xfrm>
+            <a:off x="274320" y="914400"/>
+            <a:ext cx="8595300" cy="4114800"/>
+          </a:xfrm>
+          <a:prstGeom prst="rect">
+            <a:avLst/>
+          </a:prstGeom>
+        </p:spPr>
+        <p:txBody>
+          <a:bodyPr anchorCtr="0" anchor="t" bIns="0" lIns="0" spcFirstLastPara="1" rIns="0" wrap="square" tIns="0">
+            <a:noAutofit/>
+          </a:bodyPr>
+          <a:lstStyle/>
+          <a:p>
+            <a:pPr indent="0" lvl="0" marL="0" rtl="0" algn="l">
+              <a:spcBef>
+                <a:spcPts val="0"/>
+              </a:spcBef>
+              <a:spcAft>
+                <a:spcPts val="0"/>
+              </a:spcAft>
+              <a:buClr>
+                <a:schemeClr val="dk1"/>
+              </a:buClr>
+              <a:buSzPts val="1100"/>
+              <a:buFont typeface="Arial"/>
+              <a:buNone/>
+            </a:pPr>
+            <a:r>
+              <a:rPr lang="en"/>
+              <a:t>A failure is</a:t>
+            </a:r>
+            <a:endParaRPr/>
+          </a:p>
+          <a:p>
+            <a:pPr indent="-342900" lvl="0" marL="457200" rtl="0" algn="l">
+              <a:spcBef>
+                <a:spcPts val="1200"/>
+              </a:spcBef>
+              <a:spcAft>
+                <a:spcPts val="0"/>
+              </a:spcAft>
+              <a:buSzPts val="1800"/>
+              <a:buChar char="●"/>
+            </a:pPr>
+            <a:r>
+              <a:rPr lang="en"/>
+              <a:t>An event that transitions the system from correct to incorrect service</a:t>
+            </a:r>
+            <a:endParaRPr/>
+          </a:p>
+          <a:p>
+            <a:pPr indent="0" lvl="0" marL="0" rtl="0" algn="l">
+              <a:spcBef>
+                <a:spcPts val="1200"/>
+              </a:spcBef>
+              <a:spcAft>
+                <a:spcPts val="0"/>
+              </a:spcAft>
+              <a:buNone/>
+            </a:pPr>
+            <a:r>
+              <a:rPr lang="en"/>
+              <a:t>A failure</a:t>
+            </a:r>
+            <a:endParaRPr/>
+          </a:p>
+          <a:p>
+            <a:pPr indent="-342900" lvl="0" marL="457200" rtl="0" algn="l">
+              <a:spcBef>
+                <a:spcPts val="1200"/>
+              </a:spcBef>
+              <a:spcAft>
+                <a:spcPts val="0"/>
+              </a:spcAft>
+              <a:buSzPts val="1800"/>
+              <a:buChar char="●"/>
+            </a:pPr>
+            <a:r>
+              <a:rPr lang="en"/>
+              <a:t>Has a (failure) mode</a:t>
+            </a:r>
+            <a:endParaRPr/>
+          </a:p>
+          <a:p>
+            <a:pPr indent="-342900" lvl="0" marL="457200" rtl="0" algn="l">
+              <a:spcBef>
+                <a:spcPts val="0"/>
+              </a:spcBef>
+              <a:spcAft>
+                <a:spcPts val="0"/>
+              </a:spcAft>
+              <a:buSzPts val="1800"/>
+              <a:buChar char="●"/>
+            </a:pPr>
+            <a:r>
+              <a:rPr lang="en"/>
+              <a:t>Can be categorized by four independent dimensions</a:t>
+            </a:r>
+            <a:endParaRPr/>
+          </a:p>
+          <a:p>
+            <a:pPr indent="-317500" lvl="1" marL="914400" rtl="0" algn="l">
+              <a:spcBef>
+                <a:spcPts val="0"/>
+              </a:spcBef>
+              <a:spcAft>
+                <a:spcPts val="0"/>
+              </a:spcAft>
+              <a:buSzPts val="1400"/>
+              <a:buChar char="○"/>
+            </a:pPr>
+            <a:r>
+              <a:rPr lang="en"/>
+              <a:t>Domain (content, early timing, late timing, halt, and erratic failures)</a:t>
+            </a:r>
+            <a:endParaRPr/>
+          </a:p>
+          <a:p>
+            <a:pPr indent="-317500" lvl="1" marL="914400" rtl="0" algn="l">
+              <a:spcBef>
+                <a:spcPts val="0"/>
+              </a:spcBef>
+              <a:spcAft>
+                <a:spcPts val="0"/>
+              </a:spcAft>
+              <a:buSzPts val="1400"/>
+              <a:buChar char="○"/>
+            </a:pPr>
+            <a:r>
+              <a:rPr lang="en"/>
+              <a:t>Detectability (signaled and unsignaled failures)</a:t>
+            </a:r>
+            <a:endParaRPr/>
+          </a:p>
+          <a:p>
+            <a:pPr indent="-317500" lvl="1" marL="914400" rtl="0" algn="l">
+              <a:spcBef>
+                <a:spcPts val="0"/>
+              </a:spcBef>
+              <a:spcAft>
+                <a:spcPts val="0"/>
+              </a:spcAft>
+              <a:buSzPts val="1400"/>
+              <a:buChar char="○"/>
+            </a:pPr>
+            <a:r>
+              <a:rPr lang="en"/>
+              <a:t>Consistency (consistent and inconsistent failures)</a:t>
+            </a:r>
+            <a:endParaRPr/>
+          </a:p>
+          <a:p>
+            <a:pPr indent="-317500" lvl="1" marL="914400" rtl="0" algn="l">
+              <a:spcBef>
+                <a:spcPts val="0"/>
+              </a:spcBef>
+              <a:spcAft>
+                <a:spcPts val="0"/>
+              </a:spcAft>
+              <a:buSzPts val="1400"/>
+              <a:buChar char="○"/>
+            </a:pPr>
+            <a:r>
+              <a:rPr lang="en"/>
+              <a:t>Consequences (minor to catastrophic failures)</a:t>
+            </a:r>
+            <a:endParaRPr/>
+          </a:p>
+          <a:p>
+            <a:pPr indent="-342900" lvl="0" marL="457200" rtl="0" algn="l">
+              <a:spcBef>
+                <a:spcPts val="1000"/>
+              </a:spcBef>
+              <a:spcAft>
+                <a:spcPts val="0"/>
+              </a:spcAft>
+              <a:buSzPts val="1800"/>
+              <a:buChar char="●"/>
+            </a:pPr>
+            <a:r>
+              <a:rPr lang="en"/>
+              <a:t>Can be ranked by severity (consequences)</a:t>
+            </a:r>
+            <a:endParaRPr/>
+          </a:p>
+          <a:p>
+            <a:pPr indent="0" lvl="0" marL="0" rtl="0" algn="l">
+              <a:spcBef>
+                <a:spcPts val="1200"/>
+              </a:spcBef>
+              <a:spcAft>
+                <a:spcPts val="1200"/>
+              </a:spcAft>
+              <a:buNone/>
+            </a:pPr>
+            <a:r>
+              <a:t/>
+            </a:r>
+            <a:endParaRPr/>
+          </a:p>
+        </p:txBody>
+      </p:sp>
+      <p:sp>
+        <p:nvSpPr>
+          <p:cNvPr id="181" name="Google Shape;181;p26"/>
+          <p:cNvSpPr txBox="1"/>
+          <p:nvPr>
+            <p:ph idx="12" type="sldNum"/>
+          </p:nvPr>
+        </p:nvSpPr>
+        <p:spPr>
+          <a:xfrm>
+            <a:off x="7315202" y="4416550"/>
+            <a:ext cx="1828800" cy="731400"/>
+          </a:xfrm>
+          <a:prstGeom prst="rect">
+            <a:avLst/>
+          </a:prstGeom>
         </p:spPr>
         <p:txBody>
           <a:bodyPr anchorCtr="0" anchor="b" bIns="91425" lIns="91425" spcFirstLastPara="1" rIns="91425" wrap="square" tIns="91425">
@@ -14151,64 +13869,56 @@
           </a:bodyPr>
           <a:lstStyle/>
           <a:p>
-            <a:pPr indent="0" lvl="0" marL="0" rtl="0" algn="l">
-              <a:spcBef>
-                <a:spcPts val="0"/>
-              </a:spcBef>
-              <a:spcAft>
-                <a:spcPts val="0"/>
-              </a:spcAft>
-              <a:buNone/>
-            </a:pPr>
-            <a:r>
+            <a:pPr indent="0" lvl="0" marL="0" rtl="0" algn="r">
+              <a:spcBef>
+                <a:spcPts val="0"/>
+              </a:spcBef>
+              <a:spcAft>
+                <a:spcPts val="0"/>
+              </a:spcAft>
+              <a:buNone/>
+            </a:pPr>
+            <a:fld id="{00000000-1234-1234-1234-123412341234}" type="slidenum">
               <a:rPr lang="en"/>
-              <a:t>[1] Also </a:t>
-            </a:r>
-            <a:r>
-              <a:rPr lang="en" u="sng">
+              <a:t>‹#›</a:t>
+            </a:fld>
+            <a:endParaRPr/>
+          </a:p>
+          <a:p>
+            <a:pPr indent="0" lvl="0" marL="0" rtl="0" algn="r">
+              <a:spcBef>
+                <a:spcPts val="0"/>
+              </a:spcBef>
+              <a:spcAft>
+                <a:spcPts val="0"/>
+              </a:spcAft>
+              <a:buNone/>
+            </a:pPr>
+            <a:r>
+              <a:rPr b="0" lang="en" sz="900" u="sng">
                 <a:solidFill>
                   <a:schemeClr val="hlink"/>
                 </a:solidFill>
-                <a:hlinkClick r:id="rId4"/>
-              </a:rPr>
-              <a:t>https://forms.gle/DuNNXR2VghcaRHK48</a:t>
-            </a:r>
-            <a:r>
-              <a:rPr lang="en"/>
+                <a:hlinkClick r:id="rId3"/>
+              </a:rPr>
+              <a:t>https://oss.cs.fau.de</a:t>
+            </a:r>
+            <a:r>
+              <a:rPr b="0" lang="en" sz="900">
+                <a:solidFill>
+                  <a:schemeClr val="dk2"/>
+                </a:solidFill>
+              </a:rPr>
               <a:t> </a:t>
             </a:r>
-            <a:endParaRPr/>
+            <a:endParaRPr b="0" sz="900">
+              <a:solidFill>
+                <a:schemeClr val="dk2"/>
+              </a:solidFill>
+            </a:endParaRPr>
           </a:p>
         </p:txBody>
       </p:sp>
-      <p:pic>
-        <p:nvPicPr>
-          <p:cNvPr id="184" name="Google Shape;184;p26"/>
-          <p:cNvPicPr preferRelativeResize="0"/>
-          <p:nvPr/>
-        </p:nvPicPr>
-        <p:blipFill>
-          <a:blip r:embed="rId5">
-            <a:alphaModFix/>
-          </a:blip>
-          <a:stretch>
-            <a:fillRect/>
-          </a:stretch>
-        </p:blipFill>
-        <p:spPr>
-          <a:xfrm>
-            <a:off x="274320" y="914400"/>
-            <a:ext cx="3657600" cy="3657600"/>
-          </a:xfrm>
-          <a:prstGeom prst="rect">
-            <a:avLst/>
-          </a:prstGeom>
-          <a:noFill/>
-          <a:ln>
-            <a:noFill/>
-          </a:ln>
-        </p:spPr>
-      </p:pic>
     </p:spTree>
   </p:cSld>
   <p:clrMapOvr>
@@ -14252,7 +13962,7 @@
           </a:prstGeom>
         </p:spPr>
         <p:txBody>
-          <a:bodyPr anchorCtr="0" anchor="ctr" bIns="0" lIns="274300" spcFirstLastPara="1" rIns="0" wrap="square" tIns="0">
+          <a:bodyPr anchorCtr="0" anchor="ctr" bIns="91425" lIns="274300" spcFirstLastPara="1" rIns="91425" wrap="square" tIns="91425">
             <a:noAutofit/>
           </a:bodyPr>
           <a:lstStyle/>
@@ -14285,14 +13995,14 @@
         <p:spPr>
           <a:xfrm>
             <a:off x="274320" y="914400"/>
-            <a:ext cx="4114800" cy="4114800"/>
+            <a:ext cx="8595300" cy="4114800"/>
           </a:xfrm>
           <a:prstGeom prst="rect">
             <a:avLst/>
           </a:prstGeom>
         </p:spPr>
         <p:txBody>
-          <a:bodyPr anchorCtr="0" anchor="t" bIns="91425" lIns="0" spcFirstLastPara="1" rIns="91425" wrap="square" tIns="0">
+          <a:bodyPr anchorCtr="0" anchor="t" bIns="0" lIns="0" spcFirstLastPara="1" rIns="0" wrap="square" tIns="0">
             <a:noAutofit/>
           </a:bodyPr>
           <a:lstStyle/>
@@ -14461,11 +14171,6 @@
               <a:spcAft>
                 <a:spcPts val="0"/>
               </a:spcAft>
-              <a:buClr>
-                <a:schemeClr val="dk1"/>
-              </a:buClr>
-              <a:buSzPts val="1100"/>
-              <a:buFont typeface="Arial"/>
               <a:buNone/>
             </a:pPr>
             <a:r>
@@ -14477,51 +14182,19 @@
               </a:rPr>
               <a:t>https://oss.cs.fau.de</a:t>
             </a:r>
-            <a:endParaRPr>
+            <a:r>
+              <a:rPr b="0" lang="en" sz="900">
+                <a:solidFill>
+                  <a:schemeClr val="dk2"/>
+                </a:solidFill>
+              </a:rPr>
+              <a:t> </a:t>
+            </a:r>
+            <a:endParaRPr b="0" sz="900">
               <a:solidFill>
                 <a:schemeClr val="dk2"/>
               </a:solidFill>
             </a:endParaRPr>
-          </a:p>
-        </p:txBody>
-      </p:sp>
-      <p:sp>
-        <p:nvSpPr>
-          <p:cNvPr id="60" name="Google Shape;60;p9"/>
-          <p:cNvSpPr txBox="1"/>
-          <p:nvPr>
-            <p:ph idx="2" type="body"/>
-          </p:nvPr>
-        </p:nvSpPr>
-        <p:spPr>
-          <a:xfrm>
-            <a:off x="4846320" y="914400"/>
-            <a:ext cx="4114800" cy="4114800"/>
-          </a:xfrm>
-          <a:prstGeom prst="rect">
-            <a:avLst/>
-          </a:prstGeom>
-        </p:spPr>
-        <p:txBody>
-          <a:bodyPr anchorCtr="0" anchor="t" bIns="0" lIns="0" spcFirstLastPara="1" rIns="0" wrap="square" tIns="0">
-            <a:noAutofit/>
-          </a:bodyPr>
-          <a:lstStyle/>
-          <a:p>
-            <a:pPr indent="0" lvl="0" marL="0" rtl="0" algn="l">
-              <a:spcBef>
-                <a:spcPts val="0"/>
-              </a:spcBef>
-              <a:spcAft>
-                <a:spcPts val="1200"/>
-              </a:spcAft>
-              <a:buNone/>
-            </a:pPr>
-            <a:r>
-              <a:rPr lang="en"/>
-              <a:t>Homework</a:t>
-            </a:r>
-            <a:endParaRPr/>
           </a:p>
         </p:txBody>
       </p:sp>
@@ -14538,7 +14211,7 @@
   <p:cSld>
     <p:spTree>
       <p:nvGrpSpPr>
-        <p:cNvPr id="188" name="Shape 188"/>
+        <p:cNvPr id="185" name="Shape 185"/>
         <p:cNvGrpSpPr/>
         <p:nvPr/>
       </p:nvGrpSpPr>
@@ -14552,171 +14225,7 @@
       </p:grpSpPr>
       <p:sp>
         <p:nvSpPr>
-          <p:cNvPr id="189" name="Google Shape;189;p27"/>
-          <p:cNvSpPr txBox="1"/>
-          <p:nvPr>
-            <p:ph idx="1" type="body"/>
-          </p:nvPr>
-        </p:nvSpPr>
-        <p:spPr>
-          <a:xfrm>
-            <a:off x="274320" y="914400"/>
-            <a:ext cx="8595300" cy="4114800"/>
-          </a:xfrm>
-          <a:prstGeom prst="rect">
-            <a:avLst/>
-          </a:prstGeom>
-        </p:spPr>
-        <p:txBody>
-          <a:bodyPr anchorCtr="0" anchor="t" bIns="0" lIns="0" spcFirstLastPara="1" rIns="0" wrap="square" tIns="0">
-            <a:noAutofit/>
-          </a:bodyPr>
-          <a:lstStyle/>
-          <a:p>
-            <a:pPr indent="0" lvl="0" marL="0" rtl="0" algn="l">
-              <a:spcBef>
-                <a:spcPts val="0"/>
-              </a:spcBef>
-              <a:spcAft>
-                <a:spcPts val="0"/>
-              </a:spcAft>
-              <a:buClr>
-                <a:schemeClr val="dk1"/>
-              </a:buClr>
-              <a:buSzPts val="1100"/>
-              <a:buFont typeface="Arial"/>
-              <a:buNone/>
-            </a:pPr>
-            <a:r>
-              <a:rPr lang="en"/>
-              <a:t>An error is</a:t>
-            </a:r>
-            <a:endParaRPr/>
-          </a:p>
-          <a:p>
-            <a:pPr indent="-342900" lvl="0" marL="457200" rtl="0" algn="l">
-              <a:spcBef>
-                <a:spcPts val="1200"/>
-              </a:spcBef>
-              <a:spcAft>
-                <a:spcPts val="0"/>
-              </a:spcAft>
-              <a:buSzPts val="1800"/>
-              <a:buChar char="●"/>
-            </a:pPr>
-            <a:r>
-              <a:rPr lang="en"/>
-              <a:t>A state of the system that may lead to a failure</a:t>
-            </a:r>
-            <a:endParaRPr/>
-          </a:p>
-          <a:p>
-            <a:pPr indent="-317500" lvl="1" marL="914400" rtl="0" algn="l">
-              <a:spcBef>
-                <a:spcPts val="0"/>
-              </a:spcBef>
-              <a:spcAft>
-                <a:spcPts val="0"/>
-              </a:spcAft>
-              <a:buSzPts val="1400"/>
-              <a:buChar char="○"/>
-            </a:pPr>
-            <a:r>
-              <a:rPr lang="en"/>
-              <a:t>An error is </a:t>
-            </a:r>
-            <a:r>
-              <a:rPr b="1" lang="en"/>
-              <a:t>latent,</a:t>
-            </a:r>
-            <a:r>
-              <a:rPr lang="en"/>
-              <a:t> if it has not been detected</a:t>
-            </a:r>
-            <a:endParaRPr/>
-          </a:p>
-          <a:p>
-            <a:pPr indent="-317500" lvl="1" marL="914400" rtl="0" algn="l">
-              <a:spcBef>
-                <a:spcPts val="0"/>
-              </a:spcBef>
-              <a:spcAft>
-                <a:spcPts val="0"/>
-              </a:spcAft>
-              <a:buSzPts val="1400"/>
-              <a:buChar char="○"/>
-            </a:pPr>
-            <a:r>
-              <a:rPr lang="en"/>
-              <a:t>An error has been </a:t>
-            </a:r>
-            <a:r>
-              <a:rPr b="1" lang="en"/>
-              <a:t>detected,</a:t>
-            </a:r>
-            <a:r>
-              <a:rPr lang="en"/>
-              <a:t> if regular code identifies an erroneous state</a:t>
-            </a:r>
-            <a:endParaRPr/>
-          </a:p>
-          <a:p>
-            <a:pPr indent="0" lvl="0" marL="0" rtl="0" algn="l">
-              <a:spcBef>
-                <a:spcPts val="1200"/>
-              </a:spcBef>
-              <a:spcAft>
-                <a:spcPts val="0"/>
-              </a:spcAft>
-              <a:buNone/>
-            </a:pPr>
-            <a:r>
-              <a:rPr lang="en"/>
-              <a:t>An error</a:t>
-            </a:r>
-            <a:endParaRPr/>
-          </a:p>
-          <a:p>
-            <a:pPr indent="-342900" lvl="0" marL="457200" rtl="0" algn="l">
-              <a:spcBef>
-                <a:spcPts val="1200"/>
-              </a:spcBef>
-              <a:spcAft>
-                <a:spcPts val="0"/>
-              </a:spcAft>
-              <a:buSzPts val="1800"/>
-              <a:buChar char="●"/>
-            </a:pPr>
-            <a:r>
-              <a:rPr lang="en"/>
-              <a:t>Ca</a:t>
-            </a:r>
-            <a:r>
-              <a:rPr lang="en"/>
-              <a:t>n be categorized by the failures it may cause</a:t>
-            </a:r>
-            <a:endParaRPr/>
-          </a:p>
-          <a:p>
-            <a:pPr indent="0" lvl="0" marL="0" rtl="0" algn="l">
-              <a:spcBef>
-                <a:spcPts val="1200"/>
-              </a:spcBef>
-              <a:spcAft>
-                <a:spcPts val="1200"/>
-              </a:spcAft>
-              <a:buNone/>
-            </a:pPr>
-            <a:r>
-              <a:t/>
-            </a:r>
-            <a:endParaRPr/>
-          </a:p>
-        </p:txBody>
-      </p:sp>
-      <p:sp>
-        <p:nvSpPr>
-          <p:cNvPr id="190" name="Google Shape;190;p27"/>
+          <p:cNvPr id="186" name="Google Shape;186;p27"/>
           <p:cNvSpPr txBox="1"/>
           <p:nvPr>
             <p:ph type="title"/>
@@ -14748,7 +14257,7 @@
             </a:pPr>
             <a:r>
               <a:rPr lang="en"/>
-              <a:t>Error</a:t>
+              <a:t>Illustration of Process that Leads to Service Failure</a:t>
             </a:r>
             <a:endParaRPr/>
           </a:p>
@@ -14756,7 +14265,7 @@
       </p:sp>
       <p:sp>
         <p:nvSpPr>
-          <p:cNvPr id="191" name="Google Shape;191;p27"/>
+          <p:cNvPr id="187" name="Google Shape;187;p27"/>
           <p:cNvSpPr txBox="1"/>
           <p:nvPr>
             <p:ph idx="12" type="sldNum"/>
@@ -14827,497 +14336,9 @@
           </a:p>
         </p:txBody>
       </p:sp>
-    </p:spTree>
-  </p:cSld>
-  <p:clrMapOvr>
-    <a:masterClrMapping/>
-  </p:clrMapOvr>
-</p:sld>
-</file>
-
-<file path=ppt/slides/slide21.xml><?xml version="1.0" encoding="utf-8"?>
-<p:sld xmlns:a="http://schemas.openxmlformats.org/drawingml/2006/main" xmlns:r="http://schemas.openxmlformats.org/officeDocument/2006/relationships" xmlns:mc="http://schemas.openxmlformats.org/markup-compatibility/2006" xmlns:mv="urn:schemas-microsoft-com:mac:vml" xmlns:p="http://schemas.openxmlformats.org/presentationml/2006/main" xmlns:c="http://schemas.openxmlformats.org/drawingml/2006/chart" xmlns:dgm="http://schemas.openxmlformats.org/drawingml/2006/diagram" xmlns:o="urn:schemas-microsoft-com:office:office" xmlns:v="urn:schemas-microsoft-com:vml" xmlns:pvml="urn:schemas-microsoft-com:office:powerpoint" xmlns:com="http://schemas.openxmlformats.org/drawingml/2006/compatibility" xmlns:p14="http://schemas.microsoft.com/office/powerpoint/2010/main" xmlns:p15="http://schemas.microsoft.com/office/powerpoint/2012/main" xmlns:ahyp="http://schemas.microsoft.com/office/drawing/2018/hyperlinkcolor">
-  <p:cSld>
-    <p:spTree>
-      <p:nvGrpSpPr>
-        <p:cNvPr id="195" name="Shape 195"/>
-        <p:cNvGrpSpPr/>
-        <p:nvPr/>
-      </p:nvGrpSpPr>
-      <p:grpSpPr>
-        <a:xfrm>
-          <a:off x="0" y="0"/>
-          <a:ext cx="0" cy="0"/>
-          <a:chOff x="0" y="0"/>
-          <a:chExt cx="0" cy="0"/>
-        </a:xfrm>
-      </p:grpSpPr>
-      <p:sp>
-        <p:nvSpPr>
-          <p:cNvPr id="196" name="Google Shape;196;p28"/>
-          <p:cNvSpPr txBox="1"/>
-          <p:nvPr>
-            <p:ph type="title"/>
-          </p:nvPr>
-        </p:nvSpPr>
-        <p:spPr>
-          <a:xfrm>
-            <a:off x="0" y="0"/>
-            <a:ext cx="9144000" cy="685800"/>
-          </a:xfrm>
-          <a:prstGeom prst="rect">
-            <a:avLst/>
-          </a:prstGeom>
-        </p:spPr>
-        <p:txBody>
-          <a:bodyPr anchorCtr="0" anchor="ctr" bIns="91425" lIns="274300" spcFirstLastPara="1" rIns="91425" wrap="square" tIns="91425">
-            <a:noAutofit/>
-          </a:bodyPr>
-          <a:lstStyle/>
-          <a:p>
-            <a:pPr indent="0" lvl="0" marL="0" rtl="0" algn="l">
-              <a:spcBef>
-                <a:spcPts val="0"/>
-              </a:spcBef>
-              <a:spcAft>
-                <a:spcPts val="0"/>
-              </a:spcAft>
-              <a:buNone/>
-            </a:pPr>
-            <a:r>
-              <a:rPr lang="en"/>
-              <a:t>Failure</a:t>
-            </a:r>
-            <a:endParaRPr/>
-          </a:p>
-        </p:txBody>
-      </p:sp>
-      <p:sp>
-        <p:nvSpPr>
-          <p:cNvPr id="197" name="Google Shape;197;p28"/>
-          <p:cNvSpPr txBox="1"/>
-          <p:nvPr>
-            <p:ph idx="1" type="body"/>
-          </p:nvPr>
-        </p:nvSpPr>
-        <p:spPr>
-          <a:xfrm>
-            <a:off x="274320" y="914400"/>
-            <a:ext cx="8595300" cy="4114800"/>
-          </a:xfrm>
-          <a:prstGeom prst="rect">
-            <a:avLst/>
-          </a:prstGeom>
-        </p:spPr>
-        <p:txBody>
-          <a:bodyPr anchorCtr="0" anchor="t" bIns="0" lIns="0" spcFirstLastPara="1" rIns="0" wrap="square" tIns="0">
-            <a:noAutofit/>
-          </a:bodyPr>
-          <a:lstStyle/>
-          <a:p>
-            <a:pPr indent="0" lvl="0" marL="0" rtl="0" algn="l">
-              <a:spcBef>
-                <a:spcPts val="0"/>
-              </a:spcBef>
-              <a:spcAft>
-                <a:spcPts val="0"/>
-              </a:spcAft>
-              <a:buClr>
-                <a:schemeClr val="dk1"/>
-              </a:buClr>
-              <a:buSzPts val="1100"/>
-              <a:buFont typeface="Arial"/>
-              <a:buNone/>
-            </a:pPr>
-            <a:r>
-              <a:rPr lang="en"/>
-              <a:t>A failure is</a:t>
-            </a:r>
-            <a:endParaRPr/>
-          </a:p>
-          <a:p>
-            <a:pPr indent="-342900" lvl="0" marL="457200" rtl="0" algn="l">
-              <a:spcBef>
-                <a:spcPts val="1200"/>
-              </a:spcBef>
-              <a:spcAft>
-                <a:spcPts val="0"/>
-              </a:spcAft>
-              <a:buSzPts val="1800"/>
-              <a:buChar char="●"/>
-            </a:pPr>
-            <a:r>
-              <a:rPr lang="en"/>
-              <a:t>An event that transitions the system from correct to incorrect service</a:t>
-            </a:r>
-            <a:endParaRPr/>
-          </a:p>
-          <a:p>
-            <a:pPr indent="0" lvl="0" marL="0" rtl="0" algn="l">
-              <a:spcBef>
-                <a:spcPts val="1200"/>
-              </a:spcBef>
-              <a:spcAft>
-                <a:spcPts val="0"/>
-              </a:spcAft>
-              <a:buNone/>
-            </a:pPr>
-            <a:r>
-              <a:rPr lang="en"/>
-              <a:t>A failure</a:t>
-            </a:r>
-            <a:endParaRPr/>
-          </a:p>
-          <a:p>
-            <a:pPr indent="-342900" lvl="0" marL="457200" rtl="0" algn="l">
-              <a:spcBef>
-                <a:spcPts val="1200"/>
-              </a:spcBef>
-              <a:spcAft>
-                <a:spcPts val="0"/>
-              </a:spcAft>
-              <a:buSzPts val="1800"/>
-              <a:buChar char="●"/>
-            </a:pPr>
-            <a:r>
-              <a:rPr lang="en"/>
-              <a:t>Has a (failure) mode</a:t>
-            </a:r>
-            <a:endParaRPr/>
-          </a:p>
-          <a:p>
-            <a:pPr indent="-342900" lvl="0" marL="457200" rtl="0" algn="l">
-              <a:spcBef>
-                <a:spcPts val="0"/>
-              </a:spcBef>
-              <a:spcAft>
-                <a:spcPts val="0"/>
-              </a:spcAft>
-              <a:buSzPts val="1800"/>
-              <a:buChar char="●"/>
-            </a:pPr>
-            <a:r>
-              <a:rPr lang="en"/>
-              <a:t>Can be categorized by four independent dimensions</a:t>
-            </a:r>
-            <a:endParaRPr/>
-          </a:p>
-          <a:p>
-            <a:pPr indent="-317500" lvl="1" marL="914400" rtl="0" algn="l">
-              <a:spcBef>
-                <a:spcPts val="0"/>
-              </a:spcBef>
-              <a:spcAft>
-                <a:spcPts val="0"/>
-              </a:spcAft>
-              <a:buSzPts val="1400"/>
-              <a:buChar char="○"/>
-            </a:pPr>
-            <a:r>
-              <a:rPr lang="en"/>
-              <a:t>Domain (content, early timing, late timing, halt, and erratic failures)</a:t>
-            </a:r>
-            <a:endParaRPr/>
-          </a:p>
-          <a:p>
-            <a:pPr indent="-317500" lvl="1" marL="914400" rtl="0" algn="l">
-              <a:spcBef>
-                <a:spcPts val="0"/>
-              </a:spcBef>
-              <a:spcAft>
-                <a:spcPts val="0"/>
-              </a:spcAft>
-              <a:buSzPts val="1400"/>
-              <a:buChar char="○"/>
-            </a:pPr>
-            <a:r>
-              <a:rPr lang="en"/>
-              <a:t>Detectability (signaled and unsignaled failures)</a:t>
-            </a:r>
-            <a:endParaRPr/>
-          </a:p>
-          <a:p>
-            <a:pPr indent="-317500" lvl="1" marL="914400" rtl="0" algn="l">
-              <a:spcBef>
-                <a:spcPts val="0"/>
-              </a:spcBef>
-              <a:spcAft>
-                <a:spcPts val="0"/>
-              </a:spcAft>
-              <a:buSzPts val="1400"/>
-              <a:buChar char="○"/>
-            </a:pPr>
-            <a:r>
-              <a:rPr lang="en"/>
-              <a:t>Consistency (consistent and inconsistent failures)</a:t>
-            </a:r>
-            <a:endParaRPr/>
-          </a:p>
-          <a:p>
-            <a:pPr indent="-317500" lvl="1" marL="914400" rtl="0" algn="l">
-              <a:spcBef>
-                <a:spcPts val="0"/>
-              </a:spcBef>
-              <a:spcAft>
-                <a:spcPts val="0"/>
-              </a:spcAft>
-              <a:buSzPts val="1400"/>
-              <a:buChar char="○"/>
-            </a:pPr>
-            <a:r>
-              <a:rPr lang="en"/>
-              <a:t>Consequences (minor to catastrophic failures)</a:t>
-            </a:r>
-            <a:endParaRPr/>
-          </a:p>
-          <a:p>
-            <a:pPr indent="-342900" lvl="0" marL="457200" rtl="0" algn="l">
-              <a:spcBef>
-                <a:spcPts val="1000"/>
-              </a:spcBef>
-              <a:spcAft>
-                <a:spcPts val="0"/>
-              </a:spcAft>
-              <a:buSzPts val="1800"/>
-              <a:buChar char="●"/>
-            </a:pPr>
-            <a:r>
-              <a:rPr lang="en"/>
-              <a:t>Can be ranked by severity (consequences)</a:t>
-            </a:r>
-            <a:endParaRPr/>
-          </a:p>
-          <a:p>
-            <a:pPr indent="0" lvl="0" marL="0" rtl="0" algn="l">
-              <a:spcBef>
-                <a:spcPts val="1200"/>
-              </a:spcBef>
-              <a:spcAft>
-                <a:spcPts val="1200"/>
-              </a:spcAft>
-              <a:buNone/>
-            </a:pPr>
-            <a:r>
-              <a:t/>
-            </a:r>
-            <a:endParaRPr/>
-          </a:p>
-        </p:txBody>
-      </p:sp>
-      <p:sp>
-        <p:nvSpPr>
-          <p:cNvPr id="198" name="Google Shape;198;p28"/>
-          <p:cNvSpPr txBox="1"/>
-          <p:nvPr>
-            <p:ph idx="12" type="sldNum"/>
-          </p:nvPr>
-        </p:nvSpPr>
-        <p:spPr>
-          <a:xfrm>
-            <a:off x="7315202" y="4416550"/>
-            <a:ext cx="1828800" cy="731400"/>
-          </a:xfrm>
-          <a:prstGeom prst="rect">
-            <a:avLst/>
-          </a:prstGeom>
-        </p:spPr>
-        <p:txBody>
-          <a:bodyPr anchorCtr="0" anchor="b" bIns="91425" lIns="91425" spcFirstLastPara="1" rIns="91425" wrap="square" tIns="91425">
-            <a:noAutofit/>
-          </a:bodyPr>
-          <a:lstStyle/>
-          <a:p>
-            <a:pPr indent="0" lvl="0" marL="0" rtl="0" algn="r">
-              <a:spcBef>
-                <a:spcPts val="0"/>
-              </a:spcBef>
-              <a:spcAft>
-                <a:spcPts val="0"/>
-              </a:spcAft>
-              <a:buNone/>
-            </a:pPr>
-            <a:fld id="{00000000-1234-1234-1234-123412341234}" type="slidenum">
-              <a:rPr lang="en"/>
-              <a:t>‹#›</a:t>
-            </a:fld>
-            <a:endParaRPr/>
-          </a:p>
-          <a:p>
-            <a:pPr indent="0" lvl="0" marL="0" rtl="0" algn="r">
-              <a:spcBef>
-                <a:spcPts val="0"/>
-              </a:spcBef>
-              <a:spcAft>
-                <a:spcPts val="0"/>
-              </a:spcAft>
-              <a:buNone/>
-            </a:pPr>
-            <a:r>
-              <a:rPr b="0" lang="en" sz="900" u="sng">
-                <a:solidFill>
-                  <a:schemeClr val="hlink"/>
-                </a:solidFill>
-                <a:hlinkClick r:id="rId3"/>
-              </a:rPr>
-              <a:t>https://oss.cs.fau.de</a:t>
-            </a:r>
-            <a:r>
-              <a:rPr b="0" lang="en" sz="900">
-                <a:solidFill>
-                  <a:schemeClr val="dk2"/>
-                </a:solidFill>
-              </a:rPr>
-              <a:t> </a:t>
-            </a:r>
-            <a:endParaRPr b="0" sz="900">
-              <a:solidFill>
-                <a:schemeClr val="dk2"/>
-              </a:solidFill>
-            </a:endParaRPr>
-          </a:p>
-        </p:txBody>
-      </p:sp>
-    </p:spTree>
-  </p:cSld>
-  <p:clrMapOvr>
-    <a:masterClrMapping/>
-  </p:clrMapOvr>
-</p:sld>
-</file>
-
-<file path=ppt/slides/slide22.xml><?xml version="1.0" encoding="utf-8"?>
-<p:sld xmlns:a="http://schemas.openxmlformats.org/drawingml/2006/main" xmlns:r="http://schemas.openxmlformats.org/officeDocument/2006/relationships" xmlns:mc="http://schemas.openxmlformats.org/markup-compatibility/2006" xmlns:mv="urn:schemas-microsoft-com:mac:vml" xmlns:p="http://schemas.openxmlformats.org/presentationml/2006/main" xmlns:c="http://schemas.openxmlformats.org/drawingml/2006/chart" xmlns:dgm="http://schemas.openxmlformats.org/drawingml/2006/diagram" xmlns:o="urn:schemas-microsoft-com:office:office" xmlns:v="urn:schemas-microsoft-com:vml" xmlns:pvml="urn:schemas-microsoft-com:office:powerpoint" xmlns:com="http://schemas.openxmlformats.org/drawingml/2006/compatibility" xmlns:p14="http://schemas.microsoft.com/office/powerpoint/2010/main" xmlns:p15="http://schemas.microsoft.com/office/powerpoint/2012/main" xmlns:ahyp="http://schemas.microsoft.com/office/drawing/2018/hyperlinkcolor">
-  <p:cSld>
-    <p:spTree>
-      <p:nvGrpSpPr>
-        <p:cNvPr id="202" name="Shape 202"/>
-        <p:cNvGrpSpPr/>
-        <p:nvPr/>
-      </p:nvGrpSpPr>
-      <p:grpSpPr>
-        <a:xfrm>
-          <a:off x="0" y="0"/>
-          <a:ext cx="0" cy="0"/>
-          <a:chOff x="0" y="0"/>
-          <a:chExt cx="0" cy="0"/>
-        </a:xfrm>
-      </p:grpSpPr>
-      <p:sp>
-        <p:nvSpPr>
-          <p:cNvPr id="203" name="Google Shape;203;p29"/>
-          <p:cNvSpPr txBox="1"/>
-          <p:nvPr>
-            <p:ph type="title"/>
-          </p:nvPr>
-        </p:nvSpPr>
-        <p:spPr>
-          <a:xfrm>
-            <a:off x="0" y="0"/>
-            <a:ext cx="9144000" cy="685800"/>
-          </a:xfrm>
-          <a:prstGeom prst="rect">
-            <a:avLst/>
-          </a:prstGeom>
-        </p:spPr>
-        <p:txBody>
-          <a:bodyPr anchorCtr="0" anchor="ctr" bIns="91425" lIns="274300" spcFirstLastPara="1" rIns="91425" wrap="square" tIns="91425">
-            <a:noAutofit/>
-          </a:bodyPr>
-          <a:lstStyle/>
-          <a:p>
-            <a:pPr indent="0" lvl="0" marL="0" rtl="0" algn="l">
-              <a:spcBef>
-                <a:spcPts val="0"/>
-              </a:spcBef>
-              <a:spcAft>
-                <a:spcPts val="0"/>
-              </a:spcAft>
-              <a:buNone/>
-            </a:pPr>
-            <a:r>
-              <a:rPr lang="en"/>
-              <a:t>Illustration of Process that Leads to Service Failure</a:t>
-            </a:r>
-            <a:endParaRPr/>
-          </a:p>
-        </p:txBody>
-      </p:sp>
-      <p:sp>
-        <p:nvSpPr>
-          <p:cNvPr id="204" name="Google Shape;204;p29"/>
-          <p:cNvSpPr txBox="1"/>
-          <p:nvPr>
-            <p:ph idx="12" type="sldNum"/>
-          </p:nvPr>
-        </p:nvSpPr>
-        <p:spPr>
-          <a:xfrm>
-            <a:off x="7315202" y="4416550"/>
-            <a:ext cx="1828800" cy="731400"/>
-          </a:xfrm>
-          <a:prstGeom prst="rect">
-            <a:avLst/>
-          </a:prstGeom>
-        </p:spPr>
-        <p:txBody>
-          <a:bodyPr anchorCtr="0" anchor="b" bIns="91425" lIns="91425" spcFirstLastPara="1" rIns="91425" wrap="square" tIns="91425">
-            <a:noAutofit/>
-          </a:bodyPr>
-          <a:lstStyle/>
-          <a:p>
-            <a:pPr indent="0" lvl="0" marL="0" rtl="0" algn="r">
-              <a:spcBef>
-                <a:spcPts val="0"/>
-              </a:spcBef>
-              <a:spcAft>
-                <a:spcPts val="0"/>
-              </a:spcAft>
-              <a:buNone/>
-            </a:pPr>
-            <a:fld id="{00000000-1234-1234-1234-123412341234}" type="slidenum">
-              <a:rPr lang="en"/>
-              <a:t>‹#›</a:t>
-            </a:fld>
-            <a:endParaRPr/>
-          </a:p>
-          <a:p>
-            <a:pPr indent="0" lvl="0" marL="0" rtl="0" algn="r">
-              <a:spcBef>
-                <a:spcPts val="0"/>
-              </a:spcBef>
-              <a:spcAft>
-                <a:spcPts val="0"/>
-              </a:spcAft>
-              <a:buNone/>
-            </a:pPr>
-            <a:r>
-              <a:rPr b="0" lang="en" sz="900" u="sng">
-                <a:solidFill>
-                  <a:schemeClr val="hlink"/>
-                </a:solidFill>
-                <a:hlinkClick r:id="rId3"/>
-              </a:rPr>
-              <a:t>https://oss.cs.fau.de</a:t>
-            </a:r>
-            <a:r>
-              <a:rPr b="0" lang="en" sz="900">
-                <a:solidFill>
-                  <a:schemeClr val="dk2"/>
-                </a:solidFill>
-              </a:rPr>
-              <a:t> </a:t>
-            </a:r>
-            <a:endParaRPr b="0" sz="900">
-              <a:solidFill>
-                <a:schemeClr val="dk2"/>
-              </a:solidFill>
-            </a:endParaRPr>
-          </a:p>
-        </p:txBody>
-      </p:sp>
       <p:pic>
         <p:nvPicPr>
-          <p:cNvPr id="205" name="Google Shape;205;p29"/>
+          <p:cNvPr id="188" name="Google Shape;188;p27"/>
           <p:cNvPicPr preferRelativeResize="0"/>
           <p:nvPr/>
         </p:nvPicPr>
@@ -15351,12 +14372,12 @@
 </p:sld>
 </file>
 
-<file path=ppt/slides/slide23.xml><?xml version="1.0" encoding="utf-8"?>
+<file path=ppt/slides/slide21.xml><?xml version="1.0" encoding="utf-8"?>
 <p:sld xmlns:a="http://schemas.openxmlformats.org/drawingml/2006/main" xmlns:r="http://schemas.openxmlformats.org/officeDocument/2006/relationships" xmlns:mc="http://schemas.openxmlformats.org/markup-compatibility/2006" xmlns:mv="urn:schemas-microsoft-com:mac:vml" xmlns:p="http://schemas.openxmlformats.org/presentationml/2006/main" xmlns:c="http://schemas.openxmlformats.org/drawingml/2006/chart" xmlns:dgm="http://schemas.openxmlformats.org/drawingml/2006/diagram" xmlns:o="urn:schemas-microsoft-com:office:office" xmlns:v="urn:schemas-microsoft-com:vml" xmlns:pvml="urn:schemas-microsoft-com:office:powerpoint" xmlns:com="http://schemas.openxmlformats.org/drawingml/2006/compatibility" xmlns:p14="http://schemas.microsoft.com/office/powerpoint/2010/main" xmlns:p15="http://schemas.microsoft.com/office/powerpoint/2012/main" xmlns:ahyp="http://schemas.microsoft.com/office/drawing/2018/hyperlinkcolor">
   <p:cSld>
     <p:spTree>
       <p:nvGrpSpPr>
-        <p:cNvPr id="209" name="Shape 209"/>
+        <p:cNvPr id="192" name="Shape 192"/>
         <p:cNvGrpSpPr/>
         <p:nvPr/>
       </p:nvGrpSpPr>
@@ -15370,7 +14391,7 @@
       </p:grpSpPr>
       <p:sp>
         <p:nvSpPr>
-          <p:cNvPr id="210" name="Google Shape;210;p30"/>
+          <p:cNvPr id="193" name="Google Shape;193;p28"/>
           <p:cNvSpPr txBox="1"/>
           <p:nvPr>
             <p:ph type="title"/>
@@ -15410,7 +14431,7 @@
       </p:sp>
       <p:sp>
         <p:nvSpPr>
-          <p:cNvPr id="211" name="Google Shape;211;p30"/>
+          <p:cNvPr id="194" name="Google Shape;194;p28"/>
           <p:cNvSpPr txBox="1"/>
           <p:nvPr>
             <p:ph idx="1" type="body"/>
@@ -15485,7 +14506,7 @@
       </p:sp>
       <p:sp>
         <p:nvSpPr>
-          <p:cNvPr id="212" name="Google Shape;212;p30"/>
+          <p:cNvPr id="195" name="Google Shape;195;p28"/>
           <p:cNvSpPr txBox="1"/>
           <p:nvPr>
             <p:ph idx="12" type="sldNum"/>
@@ -15564,12 +14585,12 @@
 </p:sld>
 </file>
 
-<file path=ppt/slides/slide24.xml><?xml version="1.0" encoding="utf-8"?>
+<file path=ppt/slides/slide22.xml><?xml version="1.0" encoding="utf-8"?>
 <p:sld xmlns:a="http://schemas.openxmlformats.org/drawingml/2006/main" xmlns:r="http://schemas.openxmlformats.org/officeDocument/2006/relationships" xmlns:mc="http://schemas.openxmlformats.org/markup-compatibility/2006" xmlns:mv="urn:schemas-microsoft-com:mac:vml" xmlns:p="http://schemas.openxmlformats.org/presentationml/2006/main" xmlns:c="http://schemas.openxmlformats.org/drawingml/2006/chart" xmlns:dgm="http://schemas.openxmlformats.org/drawingml/2006/diagram" xmlns:o="urn:schemas-microsoft-com:office:office" xmlns:v="urn:schemas-microsoft-com:vml" xmlns:pvml="urn:schemas-microsoft-com:office:powerpoint" xmlns:com="http://schemas.openxmlformats.org/drawingml/2006/compatibility" xmlns:p14="http://schemas.microsoft.com/office/powerpoint/2010/main" xmlns:p15="http://schemas.microsoft.com/office/powerpoint/2012/main" xmlns:ahyp="http://schemas.microsoft.com/office/drawing/2018/hyperlinkcolor">
   <p:cSld>
     <p:spTree>
       <p:nvGrpSpPr>
-        <p:cNvPr id="216" name="Shape 216"/>
+        <p:cNvPr id="199" name="Shape 199"/>
         <p:cNvGrpSpPr/>
         <p:nvPr/>
       </p:nvGrpSpPr>
@@ -15583,7 +14604,7 @@
       </p:grpSpPr>
       <p:sp>
         <p:nvSpPr>
-          <p:cNvPr id="217" name="Google Shape;217;p31"/>
+          <p:cNvPr id="200" name="Google Shape;200;p29"/>
           <p:cNvSpPr txBox="1"/>
           <p:nvPr>
             <p:ph type="title"/>
@@ -15629,12 +14650,12 @@
 </p:sld>
 </file>
 
-<file path=ppt/slides/slide25.xml><?xml version="1.0" encoding="utf-8"?>
+<file path=ppt/slides/slide23.xml><?xml version="1.0" encoding="utf-8"?>
 <p:sld xmlns:a="http://schemas.openxmlformats.org/drawingml/2006/main" xmlns:r="http://schemas.openxmlformats.org/officeDocument/2006/relationships" xmlns:mc="http://schemas.openxmlformats.org/markup-compatibility/2006" xmlns:mv="urn:schemas-microsoft-com:mac:vml" xmlns:p="http://schemas.openxmlformats.org/presentationml/2006/main" xmlns:c="http://schemas.openxmlformats.org/drawingml/2006/chart" xmlns:dgm="http://schemas.openxmlformats.org/drawingml/2006/diagram" xmlns:o="urn:schemas-microsoft-com:office:office" xmlns:v="urn:schemas-microsoft-com:vml" xmlns:pvml="urn:schemas-microsoft-com:office:powerpoint" xmlns:com="http://schemas.openxmlformats.org/drawingml/2006/compatibility" xmlns:p14="http://schemas.microsoft.com/office/powerpoint/2010/main" xmlns:p15="http://schemas.microsoft.com/office/powerpoint/2012/main" xmlns:ahyp="http://schemas.microsoft.com/office/drawing/2018/hyperlinkcolor">
   <p:cSld>
     <p:spTree>
       <p:nvGrpSpPr>
-        <p:cNvPr id="221" name="Shape 221"/>
+        <p:cNvPr id="204" name="Shape 204"/>
         <p:cNvGrpSpPr/>
         <p:nvPr/>
       </p:nvGrpSpPr>
@@ -15648,7 +14669,7 @@
       </p:grpSpPr>
       <p:sp>
         <p:nvSpPr>
-          <p:cNvPr id="222" name="Google Shape;222;p32"/>
+          <p:cNvPr id="205" name="Google Shape;205;p30"/>
           <p:cNvSpPr txBox="1"/>
           <p:nvPr>
             <p:ph type="title"/>
@@ -15688,7 +14709,7 @@
       </p:sp>
       <p:sp>
         <p:nvSpPr>
-          <p:cNvPr id="223" name="Google Shape;223;p32"/>
+          <p:cNvPr id="206" name="Google Shape;206;p30"/>
           <p:cNvSpPr txBox="1"/>
           <p:nvPr>
             <p:ph idx="1" type="body"/>
@@ -15798,7 +14819,7 @@
       </p:sp>
       <p:sp>
         <p:nvSpPr>
-          <p:cNvPr id="224" name="Google Shape;224;p32"/>
+          <p:cNvPr id="207" name="Google Shape;207;p30"/>
           <p:cNvSpPr txBox="1"/>
           <p:nvPr>
             <p:ph idx="12" type="sldNum"/>
@@ -15877,12 +14898,12 @@
 </p:sld>
 </file>
 
-<file path=ppt/slides/slide26.xml><?xml version="1.0" encoding="utf-8"?>
+<file path=ppt/slides/slide24.xml><?xml version="1.0" encoding="utf-8"?>
 <p:sld xmlns:a="http://schemas.openxmlformats.org/drawingml/2006/main" xmlns:r="http://schemas.openxmlformats.org/officeDocument/2006/relationships" xmlns:mc="http://schemas.openxmlformats.org/markup-compatibility/2006" xmlns:mv="urn:schemas-microsoft-com:mac:vml" xmlns:p="http://schemas.openxmlformats.org/presentationml/2006/main" xmlns:c="http://schemas.openxmlformats.org/drawingml/2006/chart" xmlns:dgm="http://schemas.openxmlformats.org/drawingml/2006/diagram" xmlns:o="urn:schemas-microsoft-com:office:office" xmlns:v="urn:schemas-microsoft-com:vml" xmlns:pvml="urn:schemas-microsoft-com:office:powerpoint" xmlns:com="http://schemas.openxmlformats.org/drawingml/2006/compatibility" xmlns:p14="http://schemas.microsoft.com/office/powerpoint/2010/main" xmlns:p15="http://schemas.microsoft.com/office/powerpoint/2012/main" xmlns:ahyp="http://schemas.microsoft.com/office/drawing/2018/hyperlinkcolor">
   <p:cSld>
     <p:spTree>
       <p:nvGrpSpPr>
-        <p:cNvPr id="228" name="Shape 228"/>
+        <p:cNvPr id="211" name="Shape 211"/>
         <p:cNvGrpSpPr/>
         <p:nvPr/>
       </p:nvGrpSpPr>
@@ -15896,7 +14917,7 @@
       </p:grpSpPr>
       <p:sp>
         <p:nvSpPr>
-          <p:cNvPr id="229" name="Google Shape;229;p33"/>
+          <p:cNvPr id="212" name="Google Shape;212;p31"/>
           <p:cNvSpPr txBox="1"/>
           <p:nvPr>
             <p:ph type="title"/>
@@ -15936,7 +14957,7 @@
       </p:sp>
       <p:sp>
         <p:nvSpPr>
-          <p:cNvPr id="230" name="Google Shape;230;p33"/>
+          <p:cNvPr id="213" name="Google Shape;213;p31"/>
           <p:cNvSpPr txBox="1"/>
           <p:nvPr>
             <p:ph idx="1" type="body"/>
@@ -17696,7 +16717,7 @@
       </p:sp>
       <p:sp>
         <p:nvSpPr>
-          <p:cNvPr id="231" name="Google Shape;231;p33"/>
+          <p:cNvPr id="214" name="Google Shape;214;p31"/>
           <p:cNvSpPr txBox="1"/>
           <p:nvPr>
             <p:ph idx="12" type="sldNum"/>
@@ -17775,12 +16796,12 @@
 </p:sld>
 </file>
 
-<file path=ppt/slides/slide27.xml><?xml version="1.0" encoding="utf-8"?>
+<file path=ppt/slides/slide25.xml><?xml version="1.0" encoding="utf-8"?>
 <p:sld xmlns:a="http://schemas.openxmlformats.org/drawingml/2006/main" xmlns:r="http://schemas.openxmlformats.org/officeDocument/2006/relationships" xmlns:mc="http://schemas.openxmlformats.org/markup-compatibility/2006" xmlns:mv="urn:schemas-microsoft-com:mac:vml" xmlns:p="http://schemas.openxmlformats.org/presentationml/2006/main" xmlns:c="http://schemas.openxmlformats.org/drawingml/2006/chart" xmlns:dgm="http://schemas.openxmlformats.org/drawingml/2006/diagram" xmlns:o="urn:schemas-microsoft-com:office:office" xmlns:v="urn:schemas-microsoft-com:vml" xmlns:pvml="urn:schemas-microsoft-com:office:powerpoint" xmlns:com="http://schemas.openxmlformats.org/drawingml/2006/compatibility" xmlns:p14="http://schemas.microsoft.com/office/powerpoint/2010/main" xmlns:p15="http://schemas.microsoft.com/office/powerpoint/2012/main" xmlns:ahyp="http://schemas.microsoft.com/office/drawing/2018/hyperlinkcolor">
   <p:cSld>
     <p:spTree>
       <p:nvGrpSpPr>
-        <p:cNvPr id="235" name="Shape 235"/>
+        <p:cNvPr id="218" name="Shape 218"/>
         <p:cNvGrpSpPr/>
         <p:nvPr/>
       </p:nvGrpSpPr>
@@ -17794,7 +16815,7 @@
       </p:grpSpPr>
       <p:sp>
         <p:nvSpPr>
-          <p:cNvPr id="236" name="Google Shape;236;p34"/>
+          <p:cNvPr id="219" name="Google Shape;219;p32"/>
           <p:cNvSpPr txBox="1"/>
           <p:nvPr>
             <p:ph type="title"/>
@@ -17838,7 +16859,7 @@
       </p:sp>
       <p:sp>
         <p:nvSpPr>
-          <p:cNvPr id="237" name="Google Shape;237;p34"/>
+          <p:cNvPr id="220" name="Google Shape;220;p32"/>
           <p:cNvSpPr txBox="1"/>
           <p:nvPr>
             <p:ph idx="1" type="body"/>
@@ -18011,7 +17032,7 @@
       </p:sp>
       <p:sp>
         <p:nvSpPr>
-          <p:cNvPr id="238" name="Google Shape;238;p34"/>
+          <p:cNvPr id="221" name="Google Shape;221;p32"/>
           <p:cNvSpPr txBox="1"/>
           <p:nvPr>
             <p:ph idx="12" type="sldNum"/>
@@ -18090,12 +17111,12 @@
 </p:sld>
 </file>
 
-<file path=ppt/slides/slide28.xml><?xml version="1.0" encoding="utf-8"?>
+<file path=ppt/slides/slide26.xml><?xml version="1.0" encoding="utf-8"?>
 <p:sld xmlns:a="http://schemas.openxmlformats.org/drawingml/2006/main" xmlns:r="http://schemas.openxmlformats.org/officeDocument/2006/relationships" xmlns:mc="http://schemas.openxmlformats.org/markup-compatibility/2006" xmlns:mv="urn:schemas-microsoft-com:mac:vml" xmlns:p="http://schemas.openxmlformats.org/presentationml/2006/main" xmlns:c="http://schemas.openxmlformats.org/drawingml/2006/chart" xmlns:dgm="http://schemas.openxmlformats.org/drawingml/2006/diagram" xmlns:o="urn:schemas-microsoft-com:office:office" xmlns:v="urn:schemas-microsoft-com:vml" xmlns:pvml="urn:schemas-microsoft-com:office:powerpoint" xmlns:com="http://schemas.openxmlformats.org/drawingml/2006/compatibility" xmlns:p14="http://schemas.microsoft.com/office/powerpoint/2010/main" xmlns:p15="http://schemas.microsoft.com/office/powerpoint/2012/main" xmlns:ahyp="http://schemas.microsoft.com/office/drawing/2018/hyperlinkcolor">
   <p:cSld>
     <p:spTree>
       <p:nvGrpSpPr>
-        <p:cNvPr id="242" name="Shape 242"/>
+        <p:cNvPr id="225" name="Shape 225"/>
         <p:cNvGrpSpPr/>
         <p:nvPr/>
       </p:nvGrpSpPr>
@@ -18109,7 +17130,7 @@
       </p:grpSpPr>
       <p:sp>
         <p:nvSpPr>
-          <p:cNvPr id="243" name="Google Shape;243;p35"/>
+          <p:cNvPr id="226" name="Google Shape;226;p33"/>
           <p:cNvSpPr txBox="1"/>
           <p:nvPr>
             <p:ph type="title"/>
@@ -18149,7 +17170,7 @@
       </p:sp>
       <p:sp>
         <p:nvSpPr>
-          <p:cNvPr id="244" name="Google Shape;244;p35"/>
+          <p:cNvPr id="227" name="Google Shape;227;p33"/>
           <p:cNvSpPr txBox="1"/>
           <p:nvPr>
             <p:ph idx="1" type="body"/>
@@ -18239,7 +17260,7 @@
       </p:sp>
       <p:sp>
         <p:nvSpPr>
-          <p:cNvPr id="245" name="Google Shape;245;p35"/>
+          <p:cNvPr id="228" name="Google Shape;228;p33"/>
           <p:cNvSpPr txBox="1"/>
           <p:nvPr>
             <p:ph idx="12" type="sldNum"/>
@@ -18318,12 +17339,12 @@
 </p:sld>
 </file>
 
-<file path=ppt/slides/slide29.xml><?xml version="1.0" encoding="utf-8"?>
+<file path=ppt/slides/slide27.xml><?xml version="1.0" encoding="utf-8"?>
 <p:sld xmlns:a="http://schemas.openxmlformats.org/drawingml/2006/main" xmlns:r="http://schemas.openxmlformats.org/officeDocument/2006/relationships" xmlns:mc="http://schemas.openxmlformats.org/markup-compatibility/2006" xmlns:mv="urn:schemas-microsoft-com:mac:vml" xmlns:p="http://schemas.openxmlformats.org/presentationml/2006/main" xmlns:c="http://schemas.openxmlformats.org/drawingml/2006/chart" xmlns:dgm="http://schemas.openxmlformats.org/drawingml/2006/diagram" xmlns:o="urn:schemas-microsoft-com:office:office" xmlns:v="urn:schemas-microsoft-com:vml" xmlns:pvml="urn:schemas-microsoft-com:office:powerpoint" xmlns:com="http://schemas.openxmlformats.org/drawingml/2006/compatibility" xmlns:p14="http://schemas.microsoft.com/office/powerpoint/2010/main" xmlns:p15="http://schemas.microsoft.com/office/powerpoint/2012/main" xmlns:ahyp="http://schemas.microsoft.com/office/drawing/2018/hyperlinkcolor">
   <p:cSld>
     <p:spTree>
       <p:nvGrpSpPr>
-        <p:cNvPr id="249" name="Shape 249"/>
+        <p:cNvPr id="232" name="Shape 232"/>
         <p:cNvGrpSpPr/>
         <p:nvPr/>
       </p:nvGrpSpPr>
@@ -18337,7 +17358,7 @@
       </p:grpSpPr>
       <p:sp>
         <p:nvSpPr>
-          <p:cNvPr id="250" name="Google Shape;250;p36"/>
+          <p:cNvPr id="233" name="Google Shape;233;p34"/>
           <p:cNvSpPr txBox="1"/>
           <p:nvPr>
             <p:ph type="title"/>
@@ -18383,12 +17404,12 @@
 </p:sld>
 </file>
 
-<file path=ppt/slides/slide3.xml><?xml version="1.0" encoding="utf-8"?>
+<file path=ppt/slides/slide28.xml><?xml version="1.0" encoding="utf-8"?>
 <p:sld xmlns:a="http://schemas.openxmlformats.org/drawingml/2006/main" xmlns:r="http://schemas.openxmlformats.org/officeDocument/2006/relationships" xmlns:mc="http://schemas.openxmlformats.org/markup-compatibility/2006" xmlns:mv="urn:schemas-microsoft-com:mac:vml" xmlns:p="http://schemas.openxmlformats.org/presentationml/2006/main" xmlns:c="http://schemas.openxmlformats.org/drawingml/2006/chart" xmlns:dgm="http://schemas.openxmlformats.org/drawingml/2006/diagram" xmlns:o="urn:schemas-microsoft-com:office:office" xmlns:v="urn:schemas-microsoft-com:vml" xmlns:pvml="urn:schemas-microsoft-com:office:powerpoint" xmlns:com="http://schemas.openxmlformats.org/drawingml/2006/compatibility" xmlns:p14="http://schemas.microsoft.com/office/powerpoint/2010/main" xmlns:p15="http://schemas.microsoft.com/office/powerpoint/2012/main" xmlns:ahyp="http://schemas.microsoft.com/office/drawing/2018/hyperlinkcolor">
   <p:cSld>
     <p:spTree>
       <p:nvGrpSpPr>
-        <p:cNvPr id="64" name="Shape 64"/>
+        <p:cNvPr id="237" name="Shape 237"/>
         <p:cNvGrpSpPr/>
         <p:nvPr/>
       </p:nvGrpSpPr>
@@ -18402,7 +17423,7 @@
       </p:grpSpPr>
       <p:sp>
         <p:nvSpPr>
-          <p:cNvPr id="65" name="Google Shape;65;p10"/>
+          <p:cNvPr id="238" name="Google Shape;238;p35"/>
           <p:cNvSpPr txBox="1"/>
           <p:nvPr>
             <p:ph type="title"/>
@@ -18434,7 +17455,7 @@
             </a:pPr>
             <a:r>
               <a:rPr lang="en"/>
-              <a:t>Focus</a:t>
+              <a:t>How to Signal an Error?</a:t>
             </a:r>
             <a:endParaRPr/>
           </a:p>
@@ -18442,7 +17463,7 @@
       </p:sp>
       <p:sp>
         <p:nvSpPr>
-          <p:cNvPr id="66" name="Google Shape;66;p10"/>
+          <p:cNvPr id="239" name="Google Shape;239;p35"/>
           <p:cNvSpPr txBox="1"/>
           <p:nvPr>
             <p:ph idx="1" type="body"/>
@@ -18470,137 +17491,27 @@
               <a:spcAft>
                 <a:spcPts val="0"/>
               </a:spcAft>
-              <a:buClr>
-                <a:schemeClr val="dk1"/>
-              </a:buClr>
-              <a:buSzPts val="1100"/>
-              <a:buFont typeface="Arial"/>
               <a:buNone/>
             </a:pPr>
             <a:r>
               <a:rPr lang="en"/>
-              <a:t>In this lecture, we focus on a subset of [A+04], specifically</a:t>
+              <a:t>A detected error state needs to be logged and signaled</a:t>
             </a:r>
             <a:endParaRPr/>
           </a:p>
           <a:p>
-            <a:pPr indent="-342900" lvl="0" marL="457200" rtl="0" algn="l">
+            <a:pPr indent="0" lvl="0" marL="0" rtl="0" algn="l">
               <a:spcBef>
                 <a:spcPts val="1200"/>
               </a:spcBef>
               <a:spcAft>
-                <a:spcPts val="0"/>
-              </a:spcAft>
-              <a:buSzPts val="1800"/>
-              <a:buChar char="●"/>
+                <a:spcPts val="1200"/>
+              </a:spcAft>
+              <a:buNone/>
             </a:pPr>
             <a:r>
               <a:rPr lang="en"/>
-              <a:t>Errors caused by software faults that are</a:t>
-            </a:r>
-            <a:endParaRPr/>
-          </a:p>
-          <a:p>
-            <a:pPr indent="-317500" lvl="1" marL="914400" rtl="0" algn="l">
-              <a:spcBef>
-                <a:spcPts val="0"/>
-              </a:spcBef>
-              <a:spcAft>
-                <a:spcPts val="0"/>
-              </a:spcAft>
-              <a:buSzPts val="1400"/>
-              <a:buChar char="○"/>
-            </a:pPr>
-            <a:r>
-              <a:rPr lang="en"/>
-              <a:t>Always development, internal, human-made faults</a:t>
-            </a:r>
-            <a:endParaRPr/>
-          </a:p>
-          <a:p>
-            <a:pPr indent="-317500" lvl="1" marL="914400" rtl="0" algn="l">
-              <a:spcBef>
-                <a:spcPts val="0"/>
-              </a:spcBef>
-              <a:spcAft>
-                <a:spcPts val="0"/>
-              </a:spcAft>
-              <a:buSzPts val="1400"/>
-              <a:buChar char="○"/>
-            </a:pPr>
-            <a:r>
-              <a:rPr lang="en"/>
-              <a:t>Typically non-malicious, non-deliberate</a:t>
-            </a:r>
-            <a:endParaRPr/>
-          </a:p>
-          <a:p>
-            <a:pPr indent="-342900" lvl="0" marL="457200" rtl="0" algn="l">
-              <a:spcBef>
-                <a:spcPts val="1000"/>
-              </a:spcBef>
-              <a:spcAft>
-                <a:spcPts val="0"/>
-              </a:spcAft>
-              <a:buSzPts val="1800"/>
-              <a:buChar char="●"/>
-            </a:pPr>
-            <a:r>
-              <a:rPr lang="en"/>
-              <a:t>Error detection by concurrent detection</a:t>
-            </a:r>
-            <a:endParaRPr/>
-          </a:p>
-          <a:p>
-            <a:pPr indent="-342900" lvl="0" marL="457200" rtl="0" algn="l">
-              <a:spcBef>
-                <a:spcPts val="0"/>
-              </a:spcBef>
-              <a:spcAft>
-                <a:spcPts val="0"/>
-              </a:spcAft>
-              <a:buSzPts val="1800"/>
-              <a:buChar char="●"/>
-            </a:pPr>
-            <a:r>
-              <a:rPr lang="en"/>
-              <a:t>Error handling using any matching strategy</a:t>
-            </a:r>
-            <a:endParaRPr/>
-          </a:p>
-          <a:p>
-            <a:pPr indent="0" lvl="0" marL="0" rtl="0" algn="l">
-              <a:spcBef>
-                <a:spcPts val="1200"/>
-              </a:spcBef>
-              <a:spcAft>
-                <a:spcPts val="0"/>
-              </a:spcAft>
-              <a:buClr>
-                <a:schemeClr val="dk1"/>
-              </a:buClr>
-              <a:buSzPts val="1100"/>
-              <a:buFont typeface="Arial"/>
-              <a:buNone/>
-            </a:pPr>
-            <a:r>
-              <a:rPr lang="en"/>
-              <a:t>In other words, errors caused by the common bug</a:t>
-            </a:r>
-            <a:endParaRPr/>
-          </a:p>
-          <a:p>
-            <a:pPr indent="0" lvl="0" marL="0" rtl="0" algn="l">
-              <a:spcBef>
-                <a:spcPts val="1200"/>
-              </a:spcBef>
-              <a:spcAft>
-                <a:spcPts val="1200"/>
-              </a:spcAft>
-              <a:buNone/>
-            </a:pPr>
-            <a:r>
-              <a:t/>
+              <a:t>Transition the system from normal to abnormal program / processing state</a:t>
             </a:r>
             <a:endParaRPr/>
           </a:p>
@@ -18608,7 +17519,7 @@
       </p:sp>
       <p:sp>
         <p:nvSpPr>
-          <p:cNvPr id="67" name="Google Shape;67;p10"/>
+          <p:cNvPr id="240" name="Google Shape;240;p35"/>
           <p:cNvSpPr txBox="1"/>
           <p:nvPr>
             <p:ph idx="12" type="sldNum"/>
@@ -18679,9 +17590,575 @@
           </a:p>
         </p:txBody>
       </p:sp>
+    </p:spTree>
+  </p:cSld>
+  <p:clrMapOvr>
+    <a:masterClrMapping/>
+  </p:clrMapOvr>
+</p:sld>
+</file>
+
+<file path=ppt/slides/slide29.xml><?xml version="1.0" encoding="utf-8"?>
+<p:sld xmlns:a="http://schemas.openxmlformats.org/drawingml/2006/main" xmlns:r="http://schemas.openxmlformats.org/officeDocument/2006/relationships" xmlns:mc="http://schemas.openxmlformats.org/markup-compatibility/2006" xmlns:mv="urn:schemas-microsoft-com:mac:vml" xmlns:p="http://schemas.openxmlformats.org/presentationml/2006/main" xmlns:c="http://schemas.openxmlformats.org/drawingml/2006/chart" xmlns:dgm="http://schemas.openxmlformats.org/drawingml/2006/diagram" xmlns:o="urn:schemas-microsoft-com:office:office" xmlns:v="urn:schemas-microsoft-com:vml" xmlns:pvml="urn:schemas-microsoft-com:office:powerpoint" xmlns:com="http://schemas.openxmlformats.org/drawingml/2006/compatibility" xmlns:p14="http://schemas.microsoft.com/office/powerpoint/2010/main" xmlns:p15="http://schemas.microsoft.com/office/powerpoint/2012/main" xmlns:ahyp="http://schemas.microsoft.com/office/drawing/2018/hyperlinkcolor">
+  <p:cSld>
+    <p:spTree>
+      <p:nvGrpSpPr>
+        <p:cNvPr id="244" name="Shape 244"/>
+        <p:cNvGrpSpPr/>
+        <p:nvPr/>
+      </p:nvGrpSpPr>
+      <p:grpSpPr>
+        <a:xfrm>
+          <a:off x="0" y="0"/>
+          <a:ext cx="0" cy="0"/>
+          <a:chOff x="0" y="0"/>
+          <a:chExt cx="0" cy="0"/>
+        </a:xfrm>
+      </p:grpSpPr>
       <p:sp>
         <p:nvSpPr>
-          <p:cNvPr id="68" name="Google Shape;68;p10"/>
+          <p:cNvPr id="245" name="Google Shape;245;p36"/>
+          <p:cNvSpPr txBox="1"/>
+          <p:nvPr>
+            <p:ph type="title"/>
+          </p:nvPr>
+        </p:nvSpPr>
+        <p:spPr>
+          <a:xfrm>
+            <a:off x="0" y="0"/>
+            <a:ext cx="9144000" cy="685800"/>
+          </a:xfrm>
+          <a:prstGeom prst="rect">
+            <a:avLst/>
+          </a:prstGeom>
+        </p:spPr>
+        <p:txBody>
+          <a:bodyPr anchorCtr="0" anchor="ctr" bIns="91425" lIns="274300" spcFirstLastPara="1" rIns="91425" wrap="square" tIns="91425">
+            <a:noAutofit/>
+          </a:bodyPr>
+          <a:lstStyle/>
+          <a:p>
+            <a:pPr indent="0" lvl="0" marL="0" rtl="0" algn="l">
+              <a:spcBef>
+                <a:spcPts val="0"/>
+              </a:spcBef>
+              <a:spcAft>
+                <a:spcPts val="0"/>
+              </a:spcAft>
+              <a:buNone/>
+            </a:pPr>
+            <a:r>
+              <a:rPr lang="en"/>
+              <a:t>Normal vs. Abnormal Processing State</a:t>
+            </a:r>
+            <a:endParaRPr/>
+          </a:p>
+        </p:txBody>
+      </p:sp>
+      <p:sp>
+        <p:nvSpPr>
+          <p:cNvPr id="246" name="Google Shape;246;p36"/>
+          <p:cNvSpPr txBox="1"/>
+          <p:nvPr>
+            <p:ph idx="1" type="body"/>
+          </p:nvPr>
+        </p:nvSpPr>
+        <p:spPr>
+          <a:xfrm>
+            <a:off x="274320" y="914400"/>
+            <a:ext cx="8595300" cy="4114800"/>
+          </a:xfrm>
+          <a:prstGeom prst="rect">
+            <a:avLst/>
+          </a:prstGeom>
+        </p:spPr>
+        <p:txBody>
+          <a:bodyPr anchorCtr="0" anchor="t" bIns="0" lIns="0" spcFirstLastPara="1" rIns="0" wrap="square" tIns="0">
+            <a:noAutofit/>
+          </a:bodyPr>
+          <a:lstStyle/>
+          <a:p>
+            <a:pPr indent="0" lvl="0" marL="0" rtl="0" algn="l">
+              <a:spcBef>
+                <a:spcPts val="0"/>
+              </a:spcBef>
+              <a:spcAft>
+                <a:spcPts val="0"/>
+              </a:spcAft>
+              <a:buNone/>
+            </a:pPr>
+            <a:r>
+              <a:rPr lang="en"/>
+              <a:t>Normal processing state (NPS)</a:t>
+            </a:r>
+            <a:endParaRPr/>
+          </a:p>
+          <a:p>
+            <a:pPr indent="-342900" lvl="0" marL="457200" rtl="0" algn="l">
+              <a:spcBef>
+                <a:spcPts val="1200"/>
+              </a:spcBef>
+              <a:spcAft>
+                <a:spcPts val="0"/>
+              </a:spcAft>
+              <a:buSzPts val="1800"/>
+              <a:buChar char="●"/>
+            </a:pPr>
+            <a:r>
+              <a:rPr lang="en"/>
+              <a:t>Method performed its services</a:t>
+            </a:r>
+            <a:endParaRPr/>
+          </a:p>
+          <a:p>
+            <a:pPr indent="-342900" lvl="0" marL="457200" rtl="0" algn="l">
+              <a:spcBef>
+                <a:spcPts val="0"/>
+              </a:spcBef>
+              <a:spcAft>
+                <a:spcPts val="0"/>
+              </a:spcAft>
+              <a:buSzPts val="1800"/>
+              <a:buChar char="●"/>
+            </a:pPr>
+            <a:r>
+              <a:rPr lang="en"/>
+              <a:t>Control flow returns via return statement</a:t>
+            </a:r>
+            <a:endParaRPr/>
+          </a:p>
+          <a:p>
+            <a:pPr indent="0" lvl="0" marL="0" rtl="0" algn="l">
+              <a:spcBef>
+                <a:spcPts val="1200"/>
+              </a:spcBef>
+              <a:spcAft>
+                <a:spcPts val="0"/>
+              </a:spcAft>
+              <a:buNone/>
+            </a:pPr>
+            <a:r>
+              <a:rPr lang="en"/>
+              <a:t>Abnormal processing state (APS)</a:t>
+            </a:r>
+            <a:endParaRPr/>
+          </a:p>
+          <a:p>
+            <a:pPr indent="-342900" lvl="0" marL="457200" rtl="0" algn="l">
+              <a:spcBef>
+                <a:spcPts val="1200"/>
+              </a:spcBef>
+              <a:spcAft>
+                <a:spcPts val="0"/>
+              </a:spcAft>
+              <a:buSzPts val="1800"/>
+              <a:buChar char="●"/>
+            </a:pPr>
+            <a:r>
+              <a:rPr lang="en"/>
+              <a:t>Method failed to perform service</a:t>
+            </a:r>
+            <a:endParaRPr/>
+          </a:p>
+          <a:p>
+            <a:pPr indent="-342900" lvl="0" marL="457200" rtl="0" algn="l">
+              <a:spcBef>
+                <a:spcPts val="0"/>
+              </a:spcBef>
+              <a:spcAft>
+                <a:spcPts val="0"/>
+              </a:spcAft>
+              <a:buSzPts val="1800"/>
+              <a:buChar char="●"/>
+            </a:pPr>
+            <a:r>
+              <a:rPr lang="en"/>
+              <a:t>Control flow returns via raising an exception</a:t>
+            </a:r>
+            <a:endParaRPr/>
+          </a:p>
+        </p:txBody>
+      </p:sp>
+      <p:sp>
+        <p:nvSpPr>
+          <p:cNvPr id="247" name="Google Shape;247;p36"/>
+          <p:cNvSpPr txBox="1"/>
+          <p:nvPr>
+            <p:ph idx="12" type="sldNum"/>
+          </p:nvPr>
+        </p:nvSpPr>
+        <p:spPr>
+          <a:xfrm>
+            <a:off x="7315202" y="4416550"/>
+            <a:ext cx="1828800" cy="731400"/>
+          </a:xfrm>
+          <a:prstGeom prst="rect">
+            <a:avLst/>
+          </a:prstGeom>
+        </p:spPr>
+        <p:txBody>
+          <a:bodyPr anchorCtr="0" anchor="b" bIns="91425" lIns="91425" spcFirstLastPara="1" rIns="91425" wrap="square" tIns="91425">
+            <a:noAutofit/>
+          </a:bodyPr>
+          <a:lstStyle/>
+          <a:p>
+            <a:pPr indent="0" lvl="0" marL="0" rtl="0" algn="r">
+              <a:spcBef>
+                <a:spcPts val="0"/>
+              </a:spcBef>
+              <a:spcAft>
+                <a:spcPts val="0"/>
+              </a:spcAft>
+              <a:buNone/>
+            </a:pPr>
+            <a:fld id="{00000000-1234-1234-1234-123412341234}" type="slidenum">
+              <a:rPr lang="en"/>
+              <a:t>‹#›</a:t>
+            </a:fld>
+            <a:endParaRPr/>
+          </a:p>
+          <a:p>
+            <a:pPr indent="0" lvl="0" marL="0" rtl="0" algn="r">
+              <a:spcBef>
+                <a:spcPts val="0"/>
+              </a:spcBef>
+              <a:spcAft>
+                <a:spcPts val="0"/>
+              </a:spcAft>
+              <a:buNone/>
+            </a:pPr>
+            <a:r>
+              <a:rPr b="0" lang="en" sz="900" u="sng">
+                <a:solidFill>
+                  <a:schemeClr val="hlink"/>
+                </a:solidFill>
+                <a:hlinkClick r:id="rId3"/>
+              </a:rPr>
+              <a:t>https://oss.cs.fau.de</a:t>
+            </a:r>
+            <a:r>
+              <a:rPr b="0" lang="en" sz="900">
+                <a:solidFill>
+                  <a:schemeClr val="dk2"/>
+                </a:solidFill>
+              </a:rPr>
+              <a:t> </a:t>
+            </a:r>
+            <a:endParaRPr b="0" sz="900">
+              <a:solidFill>
+                <a:schemeClr val="dk2"/>
+              </a:solidFill>
+            </a:endParaRPr>
+          </a:p>
+        </p:txBody>
+      </p:sp>
+    </p:spTree>
+  </p:cSld>
+  <p:clrMapOvr>
+    <a:masterClrMapping/>
+  </p:clrMapOvr>
+</p:sld>
+</file>
+
+<file path=ppt/slides/slide3.xml><?xml version="1.0" encoding="utf-8"?>
+<p:sld xmlns:a="http://schemas.openxmlformats.org/drawingml/2006/main" xmlns:r="http://schemas.openxmlformats.org/officeDocument/2006/relationships" xmlns:mc="http://schemas.openxmlformats.org/markup-compatibility/2006" xmlns:mv="urn:schemas-microsoft-com:mac:vml" xmlns:p="http://schemas.openxmlformats.org/presentationml/2006/main" xmlns:c="http://schemas.openxmlformats.org/drawingml/2006/chart" xmlns:dgm="http://schemas.openxmlformats.org/drawingml/2006/diagram" xmlns:o="urn:schemas-microsoft-com:office:office" xmlns:v="urn:schemas-microsoft-com:vml" xmlns:pvml="urn:schemas-microsoft-com:office:powerpoint" xmlns:com="http://schemas.openxmlformats.org/drawingml/2006/compatibility" xmlns:p14="http://schemas.microsoft.com/office/powerpoint/2010/main" xmlns:p15="http://schemas.microsoft.com/office/powerpoint/2012/main" xmlns:ahyp="http://schemas.microsoft.com/office/drawing/2018/hyperlinkcolor">
+  <p:cSld>
+    <p:spTree>
+      <p:nvGrpSpPr>
+        <p:cNvPr id="63" name="Shape 63"/>
+        <p:cNvGrpSpPr/>
+        <p:nvPr/>
+      </p:nvGrpSpPr>
+      <p:grpSpPr>
+        <a:xfrm>
+          <a:off x="0" y="0"/>
+          <a:ext cx="0" cy="0"/>
+          <a:chOff x="0" y="0"/>
+          <a:chExt cx="0" cy="0"/>
+        </a:xfrm>
+      </p:grpSpPr>
+      <p:sp>
+        <p:nvSpPr>
+          <p:cNvPr id="64" name="Google Shape;64;p10"/>
+          <p:cNvSpPr txBox="1"/>
+          <p:nvPr>
+            <p:ph type="title"/>
+          </p:nvPr>
+        </p:nvSpPr>
+        <p:spPr>
+          <a:xfrm>
+            <a:off x="0" y="0"/>
+            <a:ext cx="9144000" cy="685800"/>
+          </a:xfrm>
+          <a:prstGeom prst="rect">
+            <a:avLst/>
+          </a:prstGeom>
+        </p:spPr>
+        <p:txBody>
+          <a:bodyPr anchorCtr="0" anchor="ctr" bIns="91425" lIns="274300" spcFirstLastPara="1" rIns="91425" wrap="square" tIns="91425">
+            <a:noAutofit/>
+          </a:bodyPr>
+          <a:lstStyle/>
+          <a:p>
+            <a:pPr indent="0" lvl="0" marL="0" rtl="0" algn="l">
+              <a:spcBef>
+                <a:spcPts val="0"/>
+              </a:spcBef>
+              <a:spcAft>
+                <a:spcPts val="0"/>
+              </a:spcAft>
+              <a:buNone/>
+            </a:pPr>
+            <a:r>
+              <a:rPr lang="en"/>
+              <a:t>Focus</a:t>
+            </a:r>
+            <a:endParaRPr/>
+          </a:p>
+        </p:txBody>
+      </p:sp>
+      <p:sp>
+        <p:nvSpPr>
+          <p:cNvPr id="65" name="Google Shape;65;p10"/>
+          <p:cNvSpPr txBox="1"/>
+          <p:nvPr>
+            <p:ph idx="1" type="body"/>
+          </p:nvPr>
+        </p:nvSpPr>
+        <p:spPr>
+          <a:xfrm>
+            <a:off x="274320" y="914400"/>
+            <a:ext cx="8595300" cy="4114800"/>
+          </a:xfrm>
+          <a:prstGeom prst="rect">
+            <a:avLst/>
+          </a:prstGeom>
+        </p:spPr>
+        <p:txBody>
+          <a:bodyPr anchorCtr="0" anchor="t" bIns="0" lIns="0" spcFirstLastPara="1" rIns="0" wrap="square" tIns="0">
+            <a:noAutofit/>
+          </a:bodyPr>
+          <a:lstStyle/>
+          <a:p>
+            <a:pPr indent="0" lvl="0" marL="0" rtl="0" algn="l">
+              <a:spcBef>
+                <a:spcPts val="0"/>
+              </a:spcBef>
+              <a:spcAft>
+                <a:spcPts val="0"/>
+              </a:spcAft>
+              <a:buClr>
+                <a:schemeClr val="dk1"/>
+              </a:buClr>
+              <a:buSzPts val="1100"/>
+              <a:buFont typeface="Arial"/>
+              <a:buNone/>
+            </a:pPr>
+            <a:r>
+              <a:rPr lang="en"/>
+              <a:t>In this lecture, we focus on a subset of [A+04], specifically</a:t>
+            </a:r>
+            <a:endParaRPr/>
+          </a:p>
+          <a:p>
+            <a:pPr indent="-342900" lvl="0" marL="457200" rtl="0" algn="l">
+              <a:spcBef>
+                <a:spcPts val="1200"/>
+              </a:spcBef>
+              <a:spcAft>
+                <a:spcPts val="0"/>
+              </a:spcAft>
+              <a:buSzPts val="1800"/>
+              <a:buChar char="●"/>
+            </a:pPr>
+            <a:r>
+              <a:rPr lang="en"/>
+              <a:t>Errors caused by software faults that are</a:t>
+            </a:r>
+            <a:endParaRPr/>
+          </a:p>
+          <a:p>
+            <a:pPr indent="-317500" lvl="1" marL="914400" rtl="0" algn="l">
+              <a:spcBef>
+                <a:spcPts val="0"/>
+              </a:spcBef>
+              <a:spcAft>
+                <a:spcPts val="0"/>
+              </a:spcAft>
+              <a:buSzPts val="1400"/>
+              <a:buChar char="○"/>
+            </a:pPr>
+            <a:r>
+              <a:rPr lang="en"/>
+              <a:t>Always development, internal, human-made faults</a:t>
+            </a:r>
+            <a:endParaRPr/>
+          </a:p>
+          <a:p>
+            <a:pPr indent="-317500" lvl="1" marL="914400" rtl="0" algn="l">
+              <a:spcBef>
+                <a:spcPts val="0"/>
+              </a:spcBef>
+              <a:spcAft>
+                <a:spcPts val="0"/>
+              </a:spcAft>
+              <a:buSzPts val="1400"/>
+              <a:buChar char="○"/>
+            </a:pPr>
+            <a:r>
+              <a:rPr lang="en"/>
+              <a:t>Typically non-malicious, non-deliberate</a:t>
+            </a:r>
+            <a:endParaRPr/>
+          </a:p>
+          <a:p>
+            <a:pPr indent="-342900" lvl="0" marL="457200" rtl="0" algn="l">
+              <a:spcBef>
+                <a:spcPts val="1000"/>
+              </a:spcBef>
+              <a:spcAft>
+                <a:spcPts val="0"/>
+              </a:spcAft>
+              <a:buSzPts val="1800"/>
+              <a:buChar char="●"/>
+            </a:pPr>
+            <a:r>
+              <a:rPr lang="en"/>
+              <a:t>Error detection by concurrent detection</a:t>
+            </a:r>
+            <a:endParaRPr/>
+          </a:p>
+          <a:p>
+            <a:pPr indent="-342900" lvl="0" marL="457200" rtl="0" algn="l">
+              <a:spcBef>
+                <a:spcPts val="0"/>
+              </a:spcBef>
+              <a:spcAft>
+                <a:spcPts val="0"/>
+              </a:spcAft>
+              <a:buSzPts val="1800"/>
+              <a:buChar char="●"/>
+            </a:pPr>
+            <a:r>
+              <a:rPr lang="en"/>
+              <a:t>Error handling using any matching strategy</a:t>
+            </a:r>
+            <a:endParaRPr/>
+          </a:p>
+          <a:p>
+            <a:pPr indent="0" lvl="0" marL="0" rtl="0" algn="l">
+              <a:spcBef>
+                <a:spcPts val="1200"/>
+              </a:spcBef>
+              <a:spcAft>
+                <a:spcPts val="0"/>
+              </a:spcAft>
+              <a:buClr>
+                <a:schemeClr val="dk1"/>
+              </a:buClr>
+              <a:buSzPts val="1100"/>
+              <a:buFont typeface="Arial"/>
+              <a:buNone/>
+            </a:pPr>
+            <a:r>
+              <a:rPr lang="en"/>
+              <a:t>In other words, errors caused by the common bug</a:t>
+            </a:r>
+            <a:endParaRPr/>
+          </a:p>
+          <a:p>
+            <a:pPr indent="0" lvl="0" marL="0" rtl="0" algn="l">
+              <a:spcBef>
+                <a:spcPts val="1200"/>
+              </a:spcBef>
+              <a:spcAft>
+                <a:spcPts val="1200"/>
+              </a:spcAft>
+              <a:buNone/>
+            </a:pPr>
+            <a:r>
+              <a:t/>
+            </a:r>
+            <a:endParaRPr/>
+          </a:p>
+        </p:txBody>
+      </p:sp>
+      <p:sp>
+        <p:nvSpPr>
+          <p:cNvPr id="66" name="Google Shape;66;p10"/>
+          <p:cNvSpPr txBox="1"/>
+          <p:nvPr>
+            <p:ph idx="12" type="sldNum"/>
+          </p:nvPr>
+        </p:nvSpPr>
+        <p:spPr>
+          <a:xfrm>
+            <a:off x="7315202" y="4416550"/>
+            <a:ext cx="1828800" cy="731400"/>
+          </a:xfrm>
+          <a:prstGeom prst="rect">
+            <a:avLst/>
+          </a:prstGeom>
+        </p:spPr>
+        <p:txBody>
+          <a:bodyPr anchorCtr="0" anchor="b" bIns="91425" lIns="91425" spcFirstLastPara="1" rIns="91425" wrap="square" tIns="91425">
+            <a:noAutofit/>
+          </a:bodyPr>
+          <a:lstStyle/>
+          <a:p>
+            <a:pPr indent="0" lvl="0" marL="0" rtl="0" algn="r">
+              <a:spcBef>
+                <a:spcPts val="0"/>
+              </a:spcBef>
+              <a:spcAft>
+                <a:spcPts val="0"/>
+              </a:spcAft>
+              <a:buNone/>
+            </a:pPr>
+            <a:fld id="{00000000-1234-1234-1234-123412341234}" type="slidenum">
+              <a:rPr lang="en"/>
+              <a:t>‹#›</a:t>
+            </a:fld>
+            <a:endParaRPr/>
+          </a:p>
+          <a:p>
+            <a:pPr indent="0" lvl="0" marL="0" rtl="0" algn="r">
+              <a:spcBef>
+                <a:spcPts val="0"/>
+              </a:spcBef>
+              <a:spcAft>
+                <a:spcPts val="0"/>
+              </a:spcAft>
+              <a:buNone/>
+            </a:pPr>
+            <a:r>
+              <a:rPr b="0" lang="en" sz="900" u="sng">
+                <a:solidFill>
+                  <a:schemeClr val="hlink"/>
+                </a:solidFill>
+                <a:hlinkClick r:id="rId3"/>
+              </a:rPr>
+              <a:t>https://oss.cs.fau.de</a:t>
+            </a:r>
+            <a:r>
+              <a:rPr b="0" lang="en" sz="900">
+                <a:solidFill>
+                  <a:schemeClr val="dk2"/>
+                </a:solidFill>
+              </a:rPr>
+              <a:t> </a:t>
+            </a:r>
+            <a:endParaRPr b="0" sz="900">
+              <a:solidFill>
+                <a:schemeClr val="dk2"/>
+              </a:solidFill>
+            </a:endParaRPr>
+          </a:p>
+        </p:txBody>
+      </p:sp>
+      <p:sp>
+        <p:nvSpPr>
+          <p:cNvPr id="67" name="Google Shape;67;p10"/>
           <p:cNvSpPr txBox="1"/>
           <p:nvPr/>
         </p:nvSpPr>
@@ -18746,7 +18223,7 @@
   <p:cSld>
     <p:spTree>
       <p:nvGrpSpPr>
-        <p:cNvPr id="254" name="Shape 254"/>
+        <p:cNvPr id="251" name="Shape 251"/>
         <p:cNvGrpSpPr/>
         <p:nvPr/>
       </p:nvGrpSpPr>
@@ -18760,7 +18237,7 @@
       </p:grpSpPr>
       <p:sp>
         <p:nvSpPr>
-          <p:cNvPr id="255" name="Google Shape;255;p37"/>
+          <p:cNvPr id="252" name="Google Shape;252;p37"/>
           <p:cNvSpPr txBox="1"/>
           <p:nvPr>
             <p:ph type="title"/>
@@ -18792,7 +18269,7 @@
             </a:pPr>
             <a:r>
               <a:rPr lang="en"/>
-              <a:t>How to Signal an Error?</a:t>
+              <a:t>Methods for Error Signaling</a:t>
             </a:r>
             <a:endParaRPr/>
           </a:p>
@@ -18800,7 +18277,7 @@
       </p:sp>
       <p:sp>
         <p:nvSpPr>
-          <p:cNvPr id="256" name="Google Shape;256;p37"/>
+          <p:cNvPr id="253" name="Google Shape;253;p37"/>
           <p:cNvSpPr txBox="1"/>
           <p:nvPr>
             <p:ph idx="1" type="body"/>
@@ -18832,23 +18309,57 @@
             </a:pPr>
             <a:r>
               <a:rPr lang="en"/>
-              <a:t>A detected error state needs to be logged and signaled</a:t>
+              <a:t>Using normal control flow (but in abnormal processing state)</a:t>
             </a:r>
             <a:endParaRPr/>
           </a:p>
           <a:p>
+            <a:pPr indent="-342900" lvl="0" marL="457200" rtl="0" algn="l">
+              <a:spcBef>
+                <a:spcPts val="1200"/>
+              </a:spcBef>
+              <a:spcAft>
+                <a:spcPts val="0"/>
+              </a:spcAft>
+              <a:buSzPts val="1800"/>
+              <a:buChar char="●"/>
+            </a:pPr>
+            <a:r>
+              <a:rPr lang="en"/>
+              <a:t>Use return statement but include error code in return value</a:t>
+            </a:r>
+            <a:endParaRPr/>
+          </a:p>
+          <a:p>
             <a:pPr indent="0" lvl="0" marL="0" rtl="0" algn="l">
               <a:spcBef>
                 <a:spcPts val="1200"/>
               </a:spcBef>
               <a:spcAft>
+                <a:spcPts val="0"/>
+              </a:spcAft>
+              <a:buNone/>
+            </a:pPr>
+            <a:r>
+              <a:rPr lang="en"/>
+              <a:t>Using abnormal control flow</a:t>
+            </a:r>
+            <a:endParaRPr/>
+          </a:p>
+          <a:p>
+            <a:pPr indent="-342900" lvl="0" marL="457200" rtl="0" algn="l">
+              <a:spcBef>
                 <a:spcPts val="1200"/>
-              </a:spcAft>
-              <a:buNone/>
+              </a:spcBef>
+              <a:spcAft>
+                <a:spcPts val="0"/>
+              </a:spcAft>
+              <a:buSzPts val="1800"/>
+              <a:buChar char="●"/>
             </a:pPr>
             <a:r>
               <a:rPr lang="en"/>
-              <a:t>Transition the system from normal to abnormal program / processing state</a:t>
+              <a:t>Raise an exception and include information in exception object</a:t>
             </a:r>
             <a:endParaRPr/>
           </a:p>
@@ -18856,7 +18367,7 @@
       </p:sp>
       <p:sp>
         <p:nvSpPr>
-          <p:cNvPr id="257" name="Google Shape;257;p37"/>
+          <p:cNvPr id="254" name="Google Shape;254;p37"/>
           <p:cNvSpPr txBox="1"/>
           <p:nvPr>
             <p:ph idx="12" type="sldNum"/>
@@ -18940,7 +18451,7 @@
   <p:cSld>
     <p:spTree>
       <p:nvGrpSpPr>
-        <p:cNvPr id="261" name="Shape 261"/>
+        <p:cNvPr id="258" name="Shape 258"/>
         <p:cNvGrpSpPr/>
         <p:nvPr/>
       </p:nvGrpSpPr>
@@ -18954,7 +18465,7 @@
       </p:grpSpPr>
       <p:sp>
         <p:nvSpPr>
-          <p:cNvPr id="262" name="Google Shape;262;p38"/>
+          <p:cNvPr id="259" name="Google Shape;259;p38"/>
           <p:cNvSpPr txBox="1"/>
           <p:nvPr>
             <p:ph type="title"/>
@@ -18986,7 +18497,7 @@
             </a:pPr>
             <a:r>
               <a:rPr lang="en"/>
-              <a:t>Normal vs. Abnormal Processing State</a:t>
+              <a:t>Error Code Conventions</a:t>
             </a:r>
             <a:endParaRPr/>
           </a:p>
@@ -18994,7 +18505,7 @@
       </p:sp>
       <p:sp>
         <p:nvSpPr>
-          <p:cNvPr id="263" name="Google Shape;263;p38"/>
+          <p:cNvPr id="260" name="Google Shape;260;p38"/>
           <p:cNvSpPr txBox="1"/>
           <p:nvPr>
             <p:ph idx="1" type="body"/>
@@ -19026,41 +18537,63 @@
             </a:pPr>
             <a:r>
               <a:rPr lang="en"/>
-              <a:t>Normal processing state (NPS)</a:t>
+              <a:t>0</a:t>
+            </a:r>
+            <a:r>
+              <a:rPr lang="en"/>
+              <a:t> </a:t>
+            </a:r>
+            <a:r>
+              <a:rPr lang="en"/>
+              <a:t>= no error</a:t>
             </a:r>
             <a:endParaRPr/>
           </a:p>
           <a:p>
-            <a:pPr indent="-342900" lvl="0" marL="457200" rtl="0" algn="l">
+            <a:pPr indent="0" lvl="0" marL="0" rtl="0" algn="l">
               <a:spcBef>
                 <a:spcPts val="1200"/>
               </a:spcBef>
               <a:spcAft>
                 <a:spcPts val="0"/>
               </a:spcAft>
-              <a:buSzPts val="1800"/>
-              <a:buChar char="●"/>
+              <a:buNone/>
             </a:pPr>
             <a:r>
               <a:rPr lang="en"/>
-              <a:t>Method performed its services</a:t>
+              <a:t>-1</a:t>
+            </a:r>
+            <a:r>
+              <a:rPr lang="en"/>
+              <a:t> </a:t>
+            </a:r>
+            <a:r>
+              <a:rPr lang="en"/>
+              <a:t>= generic error</a:t>
             </a:r>
             <a:endParaRPr/>
           </a:p>
           <a:p>
-            <a:pPr indent="-342900" lvl="0" marL="457200" rtl="0" algn="l">
-              <a:spcBef>
-                <a:spcPts val="0"/>
-              </a:spcBef>
-              <a:spcAft>
-                <a:spcPts val="0"/>
-              </a:spcAft>
-              <a:buSzPts val="1800"/>
-              <a:buChar char="●"/>
+            <a:pPr indent="0" lvl="0" marL="0" rtl="0" algn="l">
+              <a:spcBef>
+                <a:spcPts val="1200"/>
+              </a:spcBef>
+              <a:spcAft>
+                <a:spcPts val="0"/>
+              </a:spcAft>
+              <a:buNone/>
             </a:pPr>
             <a:r>
               <a:rPr lang="en"/>
-              <a:t>Control flow returns via return statement</a:t>
+              <a:t>1..n</a:t>
+            </a:r>
+            <a:r>
+              <a:rPr lang="en"/>
+              <a:t> </a:t>
+            </a:r>
+            <a:r>
+              <a:rPr lang="en"/>
+              <a:t>= specific error</a:t>
             </a:r>
             <a:endParaRPr/>
           </a:p>
@@ -19070,47 +18603,12 @@
                 <a:spcPts val="1200"/>
               </a:spcBef>
               <a:spcAft>
-                <a:spcPts val="0"/>
-              </a:spcAft>
-              <a:buNone/>
-            </a:pPr>
-            <a:r>
-              <a:rPr lang="en"/>
-              <a:t>Abnormal processing state (APS)</a:t>
-            </a:r>
-            <a:endParaRPr/>
-          </a:p>
-          <a:p>
-            <a:pPr indent="-342900" lvl="0" marL="457200" rtl="0" algn="l">
-              <a:spcBef>
                 <a:spcPts val="1200"/>
-              </a:spcBef>
-              <a:spcAft>
-                <a:spcPts val="0"/>
-              </a:spcAft>
-              <a:buSzPts val="1800"/>
-              <a:buChar char="●"/>
-            </a:pPr>
-            <a:r>
-              <a:rPr lang="en"/>
-              <a:t>Method failed to perform service</a:t>
-            </a:r>
-            <a:endParaRPr/>
-          </a:p>
-          <a:p>
-            <a:pPr indent="-342900" lvl="0" marL="457200" rtl="0" algn="l">
-              <a:spcBef>
-                <a:spcPts val="0"/>
-              </a:spcBef>
-              <a:spcAft>
-                <a:spcPts val="0"/>
-              </a:spcAft>
-              <a:buSzPts val="1800"/>
-              <a:buChar char="●"/>
-            </a:pPr>
-            <a:r>
-              <a:rPr lang="en"/>
-              <a:t>Control flow returns via raising an exception</a:t>
+              </a:spcAft>
+              <a:buNone/>
+            </a:pPr>
+            <a:r>
+              <a:t/>
             </a:r>
             <a:endParaRPr/>
           </a:p>
@@ -19118,7 +18616,7 @@
       </p:sp>
       <p:sp>
         <p:nvSpPr>
-          <p:cNvPr id="264" name="Google Shape;264;p38"/>
+          <p:cNvPr id="261" name="Google Shape;261;p38"/>
           <p:cNvSpPr txBox="1"/>
           <p:nvPr>
             <p:ph idx="12" type="sldNum"/>
@@ -19202,7 +18700,7 @@
   <p:cSld>
     <p:spTree>
       <p:nvGrpSpPr>
-        <p:cNvPr id="268" name="Shape 268"/>
+        <p:cNvPr id="265" name="Shape 265"/>
         <p:cNvGrpSpPr/>
         <p:nvPr/>
       </p:nvGrpSpPr>
@@ -19216,7 +18714,7 @@
       </p:grpSpPr>
       <p:sp>
         <p:nvSpPr>
-          <p:cNvPr id="269" name="Google Shape;269;p39"/>
+          <p:cNvPr id="266" name="Google Shape;266;p39"/>
           <p:cNvSpPr txBox="1"/>
           <p:nvPr>
             <p:ph type="title"/>
@@ -19248,7 +18746,7 @@
             </a:pPr>
             <a:r>
               <a:rPr lang="en"/>
-              <a:t>Methods for Error Signaling</a:t>
+              <a:t>Return Objects</a:t>
             </a:r>
             <a:endParaRPr/>
           </a:p>
@@ -19256,7 +18754,7 @@
       </p:sp>
       <p:sp>
         <p:nvSpPr>
-          <p:cNvPr id="270" name="Google Shape;270;p39"/>
+          <p:cNvPr id="267" name="Google Shape;267;p39"/>
           <p:cNvSpPr txBox="1"/>
           <p:nvPr>
             <p:ph idx="1" type="body"/>
@@ -19288,7 +18786,7 @@
             </a:pPr>
             <a:r>
               <a:rPr lang="en"/>
-              <a:t>Using normal control flow (but in abnormal processing state)</a:t>
+              <a:t>A return object is </a:t>
             </a:r>
             <a:endParaRPr/>
           </a:p>
@@ -19305,40 +18803,41 @@
             </a:pPr>
             <a:r>
               <a:rPr lang="en"/>
-              <a:t>Use return statement but include error code in return value</a:t>
+              <a:t>An object that provides both</a:t>
             </a:r>
             <a:endParaRPr/>
           </a:p>
           <a:p>
-            <a:pPr indent="0" lvl="0" marL="0" rtl="0" algn="l">
-              <a:spcBef>
-                <a:spcPts val="1200"/>
-              </a:spcBef>
-              <a:spcAft>
-                <a:spcPts val="0"/>
-              </a:spcAft>
-              <a:buNone/>
+            <a:pPr indent="-317500" lvl="1" marL="914400" rtl="0" algn="l">
+              <a:spcBef>
+                <a:spcPts val="0"/>
+              </a:spcBef>
+              <a:spcAft>
+                <a:spcPts val="0"/>
+              </a:spcAft>
+              <a:buSzPts val="1400"/>
+              <a:buChar char="○"/>
             </a:pPr>
             <a:r>
               <a:rPr lang="en"/>
-              <a:t>Using abnormal control flow</a:t>
+              <a:t>A possible error code, if any</a:t>
             </a:r>
             <a:endParaRPr/>
           </a:p>
           <a:p>
-            <a:pPr indent="-342900" lvl="0" marL="457200" rtl="0" algn="l">
-              <a:spcBef>
-                <a:spcPts val="1200"/>
-              </a:spcBef>
-              <a:spcAft>
-                <a:spcPts val="0"/>
-              </a:spcAft>
-              <a:buSzPts val="1800"/>
-              <a:buChar char="●"/>
+            <a:pPr indent="-317500" lvl="1" marL="914400" rtl="0" algn="l">
+              <a:spcBef>
+                <a:spcPts val="0"/>
+              </a:spcBef>
+              <a:spcAft>
+                <a:spcPts val="0"/>
+              </a:spcAft>
+              <a:buSzPts val="1400"/>
+              <a:buChar char="○"/>
             </a:pPr>
             <a:r>
               <a:rPr lang="en"/>
-              <a:t>Raise an exception and include information in exception object</a:t>
+              <a:t>The actual return results</a:t>
             </a:r>
             <a:endParaRPr/>
           </a:p>
@@ -19346,7 +18845,7 @@
       </p:sp>
       <p:sp>
         <p:nvSpPr>
-          <p:cNvPr id="271" name="Google Shape;271;p39"/>
+          <p:cNvPr id="268" name="Google Shape;268;p39"/>
           <p:cNvSpPr txBox="1"/>
           <p:nvPr>
             <p:ph idx="12" type="sldNum"/>
@@ -19430,7 +18929,7 @@
   <p:cSld>
     <p:spTree>
       <p:nvGrpSpPr>
-        <p:cNvPr id="275" name="Shape 275"/>
+        <p:cNvPr id="272" name="Shape 272"/>
         <p:cNvGrpSpPr/>
         <p:nvPr/>
       </p:nvGrpSpPr>
@@ -19444,7 +18943,7 @@
       </p:grpSpPr>
       <p:sp>
         <p:nvSpPr>
-          <p:cNvPr id="276" name="Google Shape;276;p40"/>
+          <p:cNvPr id="273" name="Google Shape;273;p40"/>
           <p:cNvSpPr txBox="1"/>
           <p:nvPr>
             <p:ph type="title"/>
@@ -19476,7 +18975,7 @@
             </a:pPr>
             <a:r>
               <a:rPr lang="en"/>
-              <a:t>Error Code Conventions</a:t>
+              <a:t>Error Codes vs. Return Objects vs. Exceptions</a:t>
             </a:r>
             <a:endParaRPr/>
           </a:p>
@@ -19484,118 +18983,7 @@
       </p:sp>
       <p:sp>
         <p:nvSpPr>
-          <p:cNvPr id="277" name="Google Shape;277;p40"/>
-          <p:cNvSpPr txBox="1"/>
-          <p:nvPr>
-            <p:ph idx="1" type="body"/>
-          </p:nvPr>
-        </p:nvSpPr>
-        <p:spPr>
-          <a:xfrm>
-            <a:off x="274320" y="914400"/>
-            <a:ext cx="8595300" cy="4114800"/>
-          </a:xfrm>
-          <a:prstGeom prst="rect">
-            <a:avLst/>
-          </a:prstGeom>
-        </p:spPr>
-        <p:txBody>
-          <a:bodyPr anchorCtr="0" anchor="t" bIns="0" lIns="0" spcFirstLastPara="1" rIns="0" wrap="square" tIns="0">
-            <a:noAutofit/>
-          </a:bodyPr>
-          <a:lstStyle/>
-          <a:p>
-            <a:pPr indent="0" lvl="0" marL="0" rtl="0" algn="l">
-              <a:spcBef>
-                <a:spcPts val="0"/>
-              </a:spcBef>
-              <a:spcAft>
-                <a:spcPts val="0"/>
-              </a:spcAft>
-              <a:buNone/>
-            </a:pPr>
-            <a:r>
-              <a:rPr lang="en"/>
-              <a:t>0</a:t>
-            </a:r>
-            <a:r>
-              <a:rPr lang="en"/>
-              <a:t> </a:t>
-            </a:r>
-            <a:r>
-              <a:rPr lang="en"/>
-              <a:t>= no error</a:t>
-            </a:r>
-            <a:endParaRPr/>
-          </a:p>
-          <a:p>
-            <a:pPr indent="0" lvl="0" marL="0" rtl="0" algn="l">
-              <a:spcBef>
-                <a:spcPts val="1200"/>
-              </a:spcBef>
-              <a:spcAft>
-                <a:spcPts val="0"/>
-              </a:spcAft>
-              <a:buNone/>
-            </a:pPr>
-            <a:r>
-              <a:rPr lang="en"/>
-              <a:t>-1</a:t>
-            </a:r>
-            <a:r>
-              <a:rPr lang="en"/>
-              <a:t> </a:t>
-            </a:r>
-            <a:r>
-              <a:rPr lang="en"/>
-              <a:t>= generic error</a:t>
-            </a:r>
-            <a:endParaRPr/>
-          </a:p>
-          <a:p>
-            <a:pPr indent="0" lvl="0" marL="0" rtl="0" algn="l">
-              <a:spcBef>
-                <a:spcPts val="1200"/>
-              </a:spcBef>
-              <a:spcAft>
-                <a:spcPts val="0"/>
-              </a:spcAft>
-              <a:buNone/>
-            </a:pPr>
-            <a:r>
-              <a:rPr lang="en"/>
-              <a:t>1..n</a:t>
-            </a:r>
-            <a:r>
-              <a:rPr lang="en"/>
-              <a:t> </a:t>
-            </a:r>
-            <a:r>
-              <a:rPr lang="en"/>
-              <a:t>= specific error</a:t>
-            </a:r>
-            <a:endParaRPr/>
-          </a:p>
-          <a:p>
-            <a:pPr indent="0" lvl="0" marL="0" rtl="0" algn="l">
-              <a:spcBef>
-                <a:spcPts val="1200"/>
-              </a:spcBef>
-              <a:spcAft>
-                <a:spcPts val="1200"/>
-              </a:spcAft>
-              <a:buNone/>
-            </a:pPr>
-            <a:r>
-              <a:t/>
-            </a:r>
-            <a:endParaRPr/>
-          </a:p>
-        </p:txBody>
-      </p:sp>
-      <p:sp>
-        <p:nvSpPr>
-          <p:cNvPr id="278" name="Google Shape;278;p40"/>
+          <p:cNvPr id="274" name="Google Shape;274;p40"/>
           <p:cNvSpPr txBox="1"/>
           <p:nvPr>
             <p:ph idx="12" type="sldNum"/>
@@ -19666,376 +19054,9 @@
           </a:p>
         </p:txBody>
       </p:sp>
-    </p:spTree>
-  </p:cSld>
-  <p:clrMapOvr>
-    <a:masterClrMapping/>
-  </p:clrMapOvr>
-</p:sld>
-</file>
-
-<file path=ppt/slides/slide34.xml><?xml version="1.0" encoding="utf-8"?>
-<p:sld xmlns:a="http://schemas.openxmlformats.org/drawingml/2006/main" xmlns:r="http://schemas.openxmlformats.org/officeDocument/2006/relationships" xmlns:mc="http://schemas.openxmlformats.org/markup-compatibility/2006" xmlns:mv="urn:schemas-microsoft-com:mac:vml" xmlns:p="http://schemas.openxmlformats.org/presentationml/2006/main" xmlns:c="http://schemas.openxmlformats.org/drawingml/2006/chart" xmlns:dgm="http://schemas.openxmlformats.org/drawingml/2006/diagram" xmlns:o="urn:schemas-microsoft-com:office:office" xmlns:v="urn:schemas-microsoft-com:vml" xmlns:pvml="urn:schemas-microsoft-com:office:powerpoint" xmlns:com="http://schemas.openxmlformats.org/drawingml/2006/compatibility" xmlns:p14="http://schemas.microsoft.com/office/powerpoint/2010/main" xmlns:p15="http://schemas.microsoft.com/office/powerpoint/2012/main" xmlns:ahyp="http://schemas.microsoft.com/office/drawing/2018/hyperlinkcolor">
-  <p:cSld>
-    <p:spTree>
-      <p:nvGrpSpPr>
-        <p:cNvPr id="282" name="Shape 282"/>
-        <p:cNvGrpSpPr/>
-        <p:nvPr/>
-      </p:nvGrpSpPr>
-      <p:grpSpPr>
-        <a:xfrm>
-          <a:off x="0" y="0"/>
-          <a:ext cx="0" cy="0"/>
-          <a:chOff x="0" y="0"/>
-          <a:chExt cx="0" cy="0"/>
-        </a:xfrm>
-      </p:grpSpPr>
-      <p:sp>
-        <p:nvSpPr>
-          <p:cNvPr id="283" name="Google Shape;283;p41"/>
-          <p:cNvSpPr txBox="1"/>
-          <p:nvPr>
-            <p:ph type="title"/>
-          </p:nvPr>
-        </p:nvSpPr>
-        <p:spPr>
-          <a:xfrm>
-            <a:off x="0" y="0"/>
-            <a:ext cx="9144000" cy="685800"/>
-          </a:xfrm>
-          <a:prstGeom prst="rect">
-            <a:avLst/>
-          </a:prstGeom>
-        </p:spPr>
-        <p:txBody>
-          <a:bodyPr anchorCtr="0" anchor="ctr" bIns="91425" lIns="274300" spcFirstLastPara="1" rIns="91425" wrap="square" tIns="91425">
-            <a:noAutofit/>
-          </a:bodyPr>
-          <a:lstStyle/>
-          <a:p>
-            <a:pPr indent="0" lvl="0" marL="0" rtl="0" algn="l">
-              <a:spcBef>
-                <a:spcPts val="0"/>
-              </a:spcBef>
-              <a:spcAft>
-                <a:spcPts val="0"/>
-              </a:spcAft>
-              <a:buNone/>
-            </a:pPr>
-            <a:r>
-              <a:rPr lang="en"/>
-              <a:t>Return Objects</a:t>
-            </a:r>
-            <a:endParaRPr/>
-          </a:p>
-        </p:txBody>
-      </p:sp>
-      <p:sp>
-        <p:nvSpPr>
-          <p:cNvPr id="284" name="Google Shape;284;p41"/>
-          <p:cNvSpPr txBox="1"/>
-          <p:nvPr>
-            <p:ph idx="1" type="body"/>
-          </p:nvPr>
-        </p:nvSpPr>
-        <p:spPr>
-          <a:xfrm>
-            <a:off x="274320" y="914400"/>
-            <a:ext cx="8595300" cy="4114800"/>
-          </a:xfrm>
-          <a:prstGeom prst="rect">
-            <a:avLst/>
-          </a:prstGeom>
-        </p:spPr>
-        <p:txBody>
-          <a:bodyPr anchorCtr="0" anchor="t" bIns="0" lIns="0" spcFirstLastPara="1" rIns="0" wrap="square" tIns="0">
-            <a:noAutofit/>
-          </a:bodyPr>
-          <a:lstStyle/>
-          <a:p>
-            <a:pPr indent="0" lvl="0" marL="0" rtl="0" algn="l">
-              <a:spcBef>
-                <a:spcPts val="0"/>
-              </a:spcBef>
-              <a:spcAft>
-                <a:spcPts val="0"/>
-              </a:spcAft>
-              <a:buNone/>
-            </a:pPr>
-            <a:r>
-              <a:rPr lang="en"/>
-              <a:t>A return object is </a:t>
-            </a:r>
-            <a:endParaRPr/>
-          </a:p>
-          <a:p>
-            <a:pPr indent="-342900" lvl="0" marL="457200" rtl="0" algn="l">
-              <a:spcBef>
-                <a:spcPts val="1200"/>
-              </a:spcBef>
-              <a:spcAft>
-                <a:spcPts val="0"/>
-              </a:spcAft>
-              <a:buSzPts val="1800"/>
-              <a:buChar char="●"/>
-            </a:pPr>
-            <a:r>
-              <a:rPr lang="en"/>
-              <a:t>An object that provides both</a:t>
-            </a:r>
-            <a:endParaRPr/>
-          </a:p>
-          <a:p>
-            <a:pPr indent="-317500" lvl="1" marL="914400" rtl="0" algn="l">
-              <a:spcBef>
-                <a:spcPts val="0"/>
-              </a:spcBef>
-              <a:spcAft>
-                <a:spcPts val="0"/>
-              </a:spcAft>
-              <a:buSzPts val="1400"/>
-              <a:buChar char="○"/>
-            </a:pPr>
-            <a:r>
-              <a:rPr lang="en"/>
-              <a:t>A possible error code, if any</a:t>
-            </a:r>
-            <a:endParaRPr/>
-          </a:p>
-          <a:p>
-            <a:pPr indent="-317500" lvl="1" marL="914400" rtl="0" algn="l">
-              <a:spcBef>
-                <a:spcPts val="0"/>
-              </a:spcBef>
-              <a:spcAft>
-                <a:spcPts val="0"/>
-              </a:spcAft>
-              <a:buSzPts val="1400"/>
-              <a:buChar char="○"/>
-            </a:pPr>
-            <a:r>
-              <a:rPr lang="en"/>
-              <a:t>The actual return results</a:t>
-            </a:r>
-            <a:endParaRPr/>
-          </a:p>
-        </p:txBody>
-      </p:sp>
-      <p:sp>
-        <p:nvSpPr>
-          <p:cNvPr id="285" name="Google Shape;285;p41"/>
-          <p:cNvSpPr txBox="1"/>
-          <p:nvPr>
-            <p:ph idx="12" type="sldNum"/>
-          </p:nvPr>
-        </p:nvSpPr>
-        <p:spPr>
-          <a:xfrm>
-            <a:off x="7315202" y="4416550"/>
-            <a:ext cx="1828800" cy="731400"/>
-          </a:xfrm>
-          <a:prstGeom prst="rect">
-            <a:avLst/>
-          </a:prstGeom>
-        </p:spPr>
-        <p:txBody>
-          <a:bodyPr anchorCtr="0" anchor="b" bIns="91425" lIns="91425" spcFirstLastPara="1" rIns="91425" wrap="square" tIns="91425">
-            <a:noAutofit/>
-          </a:bodyPr>
-          <a:lstStyle/>
-          <a:p>
-            <a:pPr indent="0" lvl="0" marL="0" rtl="0" algn="r">
-              <a:spcBef>
-                <a:spcPts val="0"/>
-              </a:spcBef>
-              <a:spcAft>
-                <a:spcPts val="0"/>
-              </a:spcAft>
-              <a:buNone/>
-            </a:pPr>
-            <a:fld id="{00000000-1234-1234-1234-123412341234}" type="slidenum">
-              <a:rPr lang="en"/>
-              <a:t>‹#›</a:t>
-            </a:fld>
-            <a:endParaRPr/>
-          </a:p>
-          <a:p>
-            <a:pPr indent="0" lvl="0" marL="0" rtl="0" algn="r">
-              <a:spcBef>
-                <a:spcPts val="0"/>
-              </a:spcBef>
-              <a:spcAft>
-                <a:spcPts val="0"/>
-              </a:spcAft>
-              <a:buNone/>
-            </a:pPr>
-            <a:r>
-              <a:rPr b="0" lang="en" sz="900" u="sng">
-                <a:solidFill>
-                  <a:schemeClr val="hlink"/>
-                </a:solidFill>
-                <a:hlinkClick r:id="rId3"/>
-              </a:rPr>
-              <a:t>https://oss.cs.fau.de</a:t>
-            </a:r>
-            <a:r>
-              <a:rPr b="0" lang="en" sz="900">
-                <a:solidFill>
-                  <a:schemeClr val="dk2"/>
-                </a:solidFill>
-              </a:rPr>
-              <a:t> </a:t>
-            </a:r>
-            <a:endParaRPr b="0" sz="900">
-              <a:solidFill>
-                <a:schemeClr val="dk2"/>
-              </a:solidFill>
-            </a:endParaRPr>
-          </a:p>
-        </p:txBody>
-      </p:sp>
-    </p:spTree>
-  </p:cSld>
-  <p:clrMapOvr>
-    <a:masterClrMapping/>
-  </p:clrMapOvr>
-</p:sld>
-</file>
-
-<file path=ppt/slides/slide35.xml><?xml version="1.0" encoding="utf-8"?>
-<p:sld xmlns:a="http://schemas.openxmlformats.org/drawingml/2006/main" xmlns:r="http://schemas.openxmlformats.org/officeDocument/2006/relationships" xmlns:mc="http://schemas.openxmlformats.org/markup-compatibility/2006" xmlns:mv="urn:schemas-microsoft-com:mac:vml" xmlns:p="http://schemas.openxmlformats.org/presentationml/2006/main" xmlns:c="http://schemas.openxmlformats.org/drawingml/2006/chart" xmlns:dgm="http://schemas.openxmlformats.org/drawingml/2006/diagram" xmlns:o="urn:schemas-microsoft-com:office:office" xmlns:v="urn:schemas-microsoft-com:vml" xmlns:pvml="urn:schemas-microsoft-com:office:powerpoint" xmlns:com="http://schemas.openxmlformats.org/drawingml/2006/compatibility" xmlns:p14="http://schemas.microsoft.com/office/powerpoint/2010/main" xmlns:p15="http://schemas.microsoft.com/office/powerpoint/2012/main" xmlns:ahyp="http://schemas.microsoft.com/office/drawing/2018/hyperlinkcolor">
-  <p:cSld>
-    <p:spTree>
-      <p:nvGrpSpPr>
-        <p:cNvPr id="289" name="Shape 289"/>
-        <p:cNvGrpSpPr/>
-        <p:nvPr/>
-      </p:nvGrpSpPr>
-      <p:grpSpPr>
-        <a:xfrm>
-          <a:off x="0" y="0"/>
-          <a:ext cx="0" cy="0"/>
-          <a:chOff x="0" y="0"/>
-          <a:chExt cx="0" cy="0"/>
-        </a:xfrm>
-      </p:grpSpPr>
-      <p:sp>
-        <p:nvSpPr>
-          <p:cNvPr id="290" name="Google Shape;290;p42"/>
-          <p:cNvSpPr txBox="1"/>
-          <p:nvPr>
-            <p:ph type="title"/>
-          </p:nvPr>
-        </p:nvSpPr>
-        <p:spPr>
-          <a:xfrm>
-            <a:off x="0" y="0"/>
-            <a:ext cx="9144000" cy="685800"/>
-          </a:xfrm>
-          <a:prstGeom prst="rect">
-            <a:avLst/>
-          </a:prstGeom>
-        </p:spPr>
-        <p:txBody>
-          <a:bodyPr anchorCtr="0" anchor="ctr" bIns="91425" lIns="274300" spcFirstLastPara="1" rIns="91425" wrap="square" tIns="91425">
-            <a:noAutofit/>
-          </a:bodyPr>
-          <a:lstStyle/>
-          <a:p>
-            <a:pPr indent="0" lvl="0" marL="0" rtl="0" algn="l">
-              <a:spcBef>
-                <a:spcPts val="0"/>
-              </a:spcBef>
-              <a:spcAft>
-                <a:spcPts val="0"/>
-              </a:spcAft>
-              <a:buNone/>
-            </a:pPr>
-            <a:r>
-              <a:rPr lang="en"/>
-              <a:t>Error Codes vs. Return Objects vs. Exceptions</a:t>
-            </a:r>
-            <a:endParaRPr/>
-          </a:p>
-        </p:txBody>
-      </p:sp>
-      <p:sp>
-        <p:nvSpPr>
-          <p:cNvPr id="291" name="Google Shape;291;p42"/>
-          <p:cNvSpPr txBox="1"/>
-          <p:nvPr>
-            <p:ph idx="12" type="sldNum"/>
-          </p:nvPr>
-        </p:nvSpPr>
-        <p:spPr>
-          <a:xfrm>
-            <a:off x="7315202" y="4416550"/>
-            <a:ext cx="1828800" cy="731400"/>
-          </a:xfrm>
-          <a:prstGeom prst="rect">
-            <a:avLst/>
-          </a:prstGeom>
-        </p:spPr>
-        <p:txBody>
-          <a:bodyPr anchorCtr="0" anchor="b" bIns="91425" lIns="91425" spcFirstLastPara="1" rIns="91425" wrap="square" tIns="91425">
-            <a:noAutofit/>
-          </a:bodyPr>
-          <a:lstStyle/>
-          <a:p>
-            <a:pPr indent="0" lvl="0" marL="0" rtl="0" algn="r">
-              <a:spcBef>
-                <a:spcPts val="0"/>
-              </a:spcBef>
-              <a:spcAft>
-                <a:spcPts val="0"/>
-              </a:spcAft>
-              <a:buNone/>
-            </a:pPr>
-            <a:fld id="{00000000-1234-1234-1234-123412341234}" type="slidenum">
-              <a:rPr lang="en"/>
-              <a:t>‹#›</a:t>
-            </a:fld>
-            <a:endParaRPr/>
-          </a:p>
-          <a:p>
-            <a:pPr indent="0" lvl="0" marL="0" rtl="0" algn="r">
-              <a:spcBef>
-                <a:spcPts val="0"/>
-              </a:spcBef>
-              <a:spcAft>
-                <a:spcPts val="0"/>
-              </a:spcAft>
-              <a:buNone/>
-            </a:pPr>
-            <a:r>
-              <a:rPr b="0" lang="en" sz="900" u="sng">
-                <a:solidFill>
-                  <a:schemeClr val="hlink"/>
-                </a:solidFill>
-                <a:hlinkClick r:id="rId3"/>
-              </a:rPr>
-              <a:t>https://oss.cs.fau.de</a:t>
-            </a:r>
-            <a:r>
-              <a:rPr b="0" lang="en" sz="900">
-                <a:solidFill>
-                  <a:schemeClr val="dk2"/>
-                </a:solidFill>
-              </a:rPr>
-              <a:t> </a:t>
-            </a:r>
-            <a:endParaRPr b="0" sz="900">
-              <a:solidFill>
-                <a:schemeClr val="dk2"/>
-              </a:solidFill>
-            </a:endParaRPr>
-          </a:p>
-        </p:txBody>
-      </p:sp>
       <p:graphicFrame>
         <p:nvGraphicFramePr>
-          <p:cNvPr id="292" name="Google Shape;292;p42"/>
+          <p:cNvPr id="275" name="Google Shape;275;p40"/>
           <p:cNvGraphicFramePr/>
           <p:nvPr/>
         </p:nvGraphicFramePr>
@@ -20048,7 +19069,7 @@
             <a:tbl>
               <a:tblPr>
                 <a:noFill/>
-                <a:tableStyleId>{A91D5953-4B23-41B2-98CA-6C26CF92C9B1}</a:tableStyleId>
+                <a:tableStyleId>{0A3D7DEB-E554-408A-9E8B-F5EF3EEBE83F}</a:tableStyleId>
               </a:tblPr>
               <a:tblGrid>
                 <a:gridCol w="2865125"/>
@@ -20871,12 +19892,12 @@
 </p:sld>
 </file>
 
-<file path=ppt/slides/slide36.xml><?xml version="1.0" encoding="utf-8"?>
+<file path=ppt/slides/slide34.xml><?xml version="1.0" encoding="utf-8"?>
 <p:sld xmlns:a="http://schemas.openxmlformats.org/drawingml/2006/main" xmlns:r="http://schemas.openxmlformats.org/officeDocument/2006/relationships" xmlns:mc="http://schemas.openxmlformats.org/markup-compatibility/2006" xmlns:mv="urn:schemas-microsoft-com:mac:vml" xmlns:p="http://schemas.openxmlformats.org/presentationml/2006/main" xmlns:c="http://schemas.openxmlformats.org/drawingml/2006/chart" xmlns:dgm="http://schemas.openxmlformats.org/drawingml/2006/diagram" xmlns:o="urn:schemas-microsoft-com:office:office" xmlns:v="urn:schemas-microsoft-com:vml" xmlns:pvml="urn:schemas-microsoft-com:office:powerpoint" xmlns:com="http://schemas.openxmlformats.org/drawingml/2006/compatibility" xmlns:p14="http://schemas.microsoft.com/office/powerpoint/2010/main" xmlns:p15="http://schemas.microsoft.com/office/powerpoint/2012/main" xmlns:ahyp="http://schemas.microsoft.com/office/drawing/2018/hyperlinkcolor">
   <p:cSld>
     <p:spTree>
       <p:nvGrpSpPr>
-        <p:cNvPr id="296" name="Shape 296"/>
+        <p:cNvPr id="279" name="Shape 279"/>
         <p:cNvGrpSpPr/>
         <p:nvPr/>
       </p:nvGrpSpPr>
@@ -20890,7 +19911,7 @@
       </p:grpSpPr>
       <p:sp>
         <p:nvSpPr>
-          <p:cNvPr id="297" name="Google Shape;297;p43"/>
+          <p:cNvPr id="280" name="Google Shape;280;p41"/>
           <p:cNvSpPr txBox="1"/>
           <p:nvPr>
             <p:ph type="title"/>
@@ -20936,12 +19957,12 @@
 </p:sld>
 </file>
 
-<file path=ppt/slides/slide37.xml><?xml version="1.0" encoding="utf-8"?>
+<file path=ppt/slides/slide35.xml><?xml version="1.0" encoding="utf-8"?>
 <p:sld xmlns:a="http://schemas.openxmlformats.org/drawingml/2006/main" xmlns:r="http://schemas.openxmlformats.org/officeDocument/2006/relationships" xmlns:mc="http://schemas.openxmlformats.org/markup-compatibility/2006" xmlns:mv="urn:schemas-microsoft-com:mac:vml" xmlns:p="http://schemas.openxmlformats.org/presentationml/2006/main" xmlns:c="http://schemas.openxmlformats.org/drawingml/2006/chart" xmlns:dgm="http://schemas.openxmlformats.org/drawingml/2006/diagram" xmlns:o="urn:schemas-microsoft-com:office:office" xmlns:v="urn:schemas-microsoft-com:vml" xmlns:pvml="urn:schemas-microsoft-com:office:powerpoint" xmlns:com="http://schemas.openxmlformats.org/drawingml/2006/compatibility" xmlns:p14="http://schemas.microsoft.com/office/powerpoint/2010/main" xmlns:p15="http://schemas.microsoft.com/office/powerpoint/2012/main" xmlns:ahyp="http://schemas.microsoft.com/office/drawing/2018/hyperlinkcolor">
   <p:cSld>
     <p:spTree>
       <p:nvGrpSpPr>
-        <p:cNvPr id="301" name="Shape 301"/>
+        <p:cNvPr id="284" name="Shape 284"/>
         <p:cNvGrpSpPr/>
         <p:nvPr/>
       </p:nvGrpSpPr>
@@ -20955,7 +19976,7 @@
       </p:grpSpPr>
       <p:sp>
         <p:nvSpPr>
-          <p:cNvPr id="302" name="Google Shape;302;p44"/>
+          <p:cNvPr id="285" name="Google Shape;285;p42"/>
           <p:cNvSpPr txBox="1"/>
           <p:nvPr>
             <p:ph type="title"/>
@@ -20995,7 +20016,7 @@
       </p:sp>
       <p:sp>
         <p:nvSpPr>
-          <p:cNvPr id="303" name="Google Shape;303;p44"/>
+          <p:cNvPr id="286" name="Google Shape;286;p42"/>
           <p:cNvSpPr txBox="1"/>
           <p:nvPr>
             <p:ph idx="12" type="sldNum"/>
@@ -21068,7 +20089,7 @@
       </p:sp>
       <p:pic>
         <p:nvPicPr>
-          <p:cNvPr id="304" name="Google Shape;304;p44"/>
+          <p:cNvPr id="287" name="Google Shape;287;p42"/>
           <p:cNvPicPr preferRelativeResize="0"/>
           <p:nvPr/>
         </p:nvPicPr>
@@ -21102,12 +20123,12 @@
 </p:sld>
 </file>
 
-<file path=ppt/slides/slide38.xml><?xml version="1.0" encoding="utf-8"?>
+<file path=ppt/slides/slide36.xml><?xml version="1.0" encoding="utf-8"?>
 <p:sld xmlns:a="http://schemas.openxmlformats.org/drawingml/2006/main" xmlns:r="http://schemas.openxmlformats.org/officeDocument/2006/relationships" xmlns:mc="http://schemas.openxmlformats.org/markup-compatibility/2006" xmlns:mv="urn:schemas-microsoft-com:mac:vml" xmlns:p="http://schemas.openxmlformats.org/presentationml/2006/main" xmlns:c="http://schemas.openxmlformats.org/drawingml/2006/chart" xmlns:dgm="http://schemas.openxmlformats.org/drawingml/2006/diagram" xmlns:o="urn:schemas-microsoft-com:office:office" xmlns:v="urn:schemas-microsoft-com:vml" xmlns:pvml="urn:schemas-microsoft-com:office:powerpoint" xmlns:com="http://schemas.openxmlformats.org/drawingml/2006/compatibility" xmlns:p14="http://schemas.microsoft.com/office/powerpoint/2010/main" xmlns:p15="http://schemas.microsoft.com/office/powerpoint/2012/main" xmlns:ahyp="http://schemas.microsoft.com/office/drawing/2018/hyperlinkcolor">
   <p:cSld>
     <p:spTree>
       <p:nvGrpSpPr>
-        <p:cNvPr id="308" name="Shape 308"/>
+        <p:cNvPr id="291" name="Shape 291"/>
         <p:cNvGrpSpPr/>
         <p:nvPr/>
       </p:nvGrpSpPr>
@@ -21121,7 +20142,7 @@
       </p:grpSpPr>
       <p:sp>
         <p:nvSpPr>
-          <p:cNvPr id="309" name="Google Shape;309;p45"/>
+          <p:cNvPr id="292" name="Google Shape;292;p43"/>
           <p:cNvSpPr txBox="1"/>
           <p:nvPr>
             <p:ph type="title"/>
@@ -21161,7 +20182,7 @@
       </p:sp>
       <p:sp>
         <p:nvSpPr>
-          <p:cNvPr id="310" name="Google Shape;310;p45"/>
+          <p:cNvPr id="293" name="Google Shape;293;p43"/>
           <p:cNvSpPr txBox="1"/>
           <p:nvPr>
             <p:ph idx="1" type="body"/>
@@ -21303,7 +20324,7 @@
       </p:sp>
       <p:sp>
         <p:nvSpPr>
-          <p:cNvPr id="311" name="Google Shape;311;p45"/>
+          <p:cNvPr id="294" name="Google Shape;294;p43"/>
           <p:cNvSpPr txBox="1"/>
           <p:nvPr>
             <p:ph idx="12" type="sldNum"/>
@@ -21382,12 +20403,12 @@
 </p:sld>
 </file>
 
-<file path=ppt/slides/slide39.xml><?xml version="1.0" encoding="utf-8"?>
+<file path=ppt/slides/slide37.xml><?xml version="1.0" encoding="utf-8"?>
 <p:sld xmlns:a="http://schemas.openxmlformats.org/drawingml/2006/main" xmlns:r="http://schemas.openxmlformats.org/officeDocument/2006/relationships" xmlns:mc="http://schemas.openxmlformats.org/markup-compatibility/2006" xmlns:mv="urn:schemas-microsoft-com:mac:vml" xmlns:p="http://schemas.openxmlformats.org/presentationml/2006/main" xmlns:c="http://schemas.openxmlformats.org/drawingml/2006/chart" xmlns:dgm="http://schemas.openxmlformats.org/drawingml/2006/diagram" xmlns:o="urn:schemas-microsoft-com:office:office" xmlns:v="urn:schemas-microsoft-com:vml" xmlns:pvml="urn:schemas-microsoft-com:office:powerpoint" xmlns:com="http://schemas.openxmlformats.org/drawingml/2006/compatibility" xmlns:p14="http://schemas.microsoft.com/office/powerpoint/2010/main" xmlns:p15="http://schemas.microsoft.com/office/powerpoint/2012/main" xmlns:ahyp="http://schemas.microsoft.com/office/drawing/2018/hyperlinkcolor">
   <p:cSld>
     <p:spTree>
       <p:nvGrpSpPr>
-        <p:cNvPr id="315" name="Shape 315"/>
+        <p:cNvPr id="298" name="Shape 298"/>
         <p:cNvGrpSpPr/>
         <p:nvPr/>
       </p:nvGrpSpPr>
@@ -21401,7 +20422,7 @@
       </p:grpSpPr>
       <p:sp>
         <p:nvSpPr>
-          <p:cNvPr id="316" name="Google Shape;316;p46"/>
+          <p:cNvPr id="299" name="Google Shape;299;p44"/>
           <p:cNvSpPr txBox="1"/>
           <p:nvPr>
             <p:ph type="title"/>
@@ -21441,7 +20462,7 @@
       </p:sp>
       <p:sp>
         <p:nvSpPr>
-          <p:cNvPr id="317" name="Google Shape;317;p46"/>
+          <p:cNvPr id="300" name="Google Shape;300;p44"/>
           <p:cNvSpPr txBox="1"/>
           <p:nvPr>
             <p:ph idx="1" type="body"/>
@@ -23474,7 +22495,7 @@
       </p:sp>
       <p:sp>
         <p:nvSpPr>
-          <p:cNvPr id="318" name="Google Shape;318;p46"/>
+          <p:cNvPr id="301" name="Google Shape;301;p44"/>
           <p:cNvSpPr txBox="1"/>
           <p:nvPr>
             <p:ph idx="12" type="sldNum"/>
@@ -23547,7 +22568,7 @@
       </p:sp>
       <p:grpSp>
         <p:nvGrpSpPr>
-          <p:cNvPr id="319" name="Google Shape;319;p46"/>
+          <p:cNvPr id="302" name="Google Shape;302;p44"/>
           <p:cNvGrpSpPr/>
           <p:nvPr/>
         </p:nvGrpSpPr>
@@ -23561,7 +22582,7 @@
         </p:grpSpPr>
         <p:sp>
           <p:nvSpPr>
-            <p:cNvPr id="320" name="Google Shape;320;p46"/>
+            <p:cNvPr id="303" name="Google Shape;303;p44"/>
             <p:cNvSpPr txBox="1"/>
             <p:nvPr/>
           </p:nvSpPr>
@@ -23865,7 +22886,7 @@
         </p:sp>
         <p:sp>
           <p:nvSpPr>
-            <p:cNvPr id="321" name="Google Shape;321;p46"/>
+            <p:cNvPr id="304" name="Google Shape;304;p44"/>
             <p:cNvSpPr txBox="1"/>
             <p:nvPr/>
           </p:nvSpPr>
@@ -24457,7 +23478,7 @@
         </p:sp>
         <p:sp>
           <p:nvSpPr>
-            <p:cNvPr id="322" name="Google Shape;322;p46"/>
+            <p:cNvPr id="305" name="Google Shape;305;p44"/>
             <p:cNvSpPr txBox="1"/>
             <p:nvPr/>
           </p:nvSpPr>
@@ -24777,7 +23798,7 @@
         </p:sp>
         <p:sp>
           <p:nvSpPr>
-            <p:cNvPr id="323" name="Google Shape;323;p46"/>
+            <p:cNvPr id="306" name="Google Shape;306;p44"/>
             <p:cNvSpPr txBox="1"/>
             <p:nvPr/>
           </p:nvSpPr>
@@ -24985,7 +24006,7 @@
         </p:sp>
         <p:sp>
           <p:nvSpPr>
-            <p:cNvPr id="324" name="Google Shape;324;p46"/>
+            <p:cNvPr id="307" name="Google Shape;307;p44"/>
             <p:cNvSpPr/>
             <p:nvPr/>
           </p:nvSpPr>
@@ -25033,7 +24054,7 @@
         </p:sp>
         <p:sp>
           <p:nvSpPr>
-            <p:cNvPr id="325" name="Google Shape;325;p46"/>
+            <p:cNvPr id="308" name="Google Shape;308;p44"/>
             <p:cNvSpPr/>
             <p:nvPr/>
           </p:nvSpPr>
@@ -25081,7 +24102,7 @@
         </p:sp>
         <p:sp>
           <p:nvSpPr>
-            <p:cNvPr id="326" name="Google Shape;326;p46"/>
+            <p:cNvPr id="309" name="Google Shape;309;p44"/>
             <p:cNvSpPr/>
             <p:nvPr/>
           </p:nvSpPr>
@@ -25129,7 +24150,7 @@
         </p:sp>
         <p:sp>
           <p:nvSpPr>
-            <p:cNvPr id="327" name="Google Shape;327;p46"/>
+            <p:cNvPr id="310" name="Google Shape;310;p44"/>
             <p:cNvSpPr/>
             <p:nvPr/>
           </p:nvSpPr>
@@ -25184,12 +24205,12 @@
 </p:sld>
 </file>
 
-<file path=ppt/slides/slide4.xml><?xml version="1.0" encoding="utf-8"?>
+<file path=ppt/slides/slide38.xml><?xml version="1.0" encoding="utf-8"?>
 <p:sld xmlns:a="http://schemas.openxmlformats.org/drawingml/2006/main" xmlns:r="http://schemas.openxmlformats.org/officeDocument/2006/relationships" xmlns:mc="http://schemas.openxmlformats.org/markup-compatibility/2006" xmlns:mv="urn:schemas-microsoft-com:mac:vml" xmlns:p="http://schemas.openxmlformats.org/presentationml/2006/main" xmlns:c="http://schemas.openxmlformats.org/drawingml/2006/chart" xmlns:dgm="http://schemas.openxmlformats.org/drawingml/2006/diagram" xmlns:o="urn:schemas-microsoft-com:office:office" xmlns:v="urn:schemas-microsoft-com:vml" xmlns:pvml="urn:schemas-microsoft-com:office:powerpoint" xmlns:com="http://schemas.openxmlformats.org/drawingml/2006/compatibility" xmlns:p14="http://schemas.microsoft.com/office/powerpoint/2010/main" xmlns:p15="http://schemas.microsoft.com/office/powerpoint/2012/main" xmlns:ahyp="http://schemas.microsoft.com/office/drawing/2018/hyperlinkcolor">
   <p:cSld>
     <p:spTree>
       <p:nvGrpSpPr>
-        <p:cNvPr id="72" name="Shape 72"/>
+        <p:cNvPr id="314" name="Shape 314"/>
         <p:cNvGrpSpPr/>
         <p:nvPr/>
       </p:nvGrpSpPr>
@@ -25203,7 +24224,546 @@
       </p:grpSpPr>
       <p:sp>
         <p:nvSpPr>
-          <p:cNvPr id="73" name="Google Shape;73;p11"/>
+          <p:cNvPr id="315" name="Google Shape;315;p45"/>
+          <p:cNvSpPr txBox="1"/>
+          <p:nvPr>
+            <p:ph type="title"/>
+          </p:nvPr>
+        </p:nvSpPr>
+        <p:spPr>
+          <a:xfrm>
+            <a:off x="0" y="0"/>
+            <a:ext cx="9144000" cy="685800"/>
+          </a:xfrm>
+          <a:prstGeom prst="rect">
+            <a:avLst/>
+          </a:prstGeom>
+        </p:spPr>
+        <p:txBody>
+          <a:bodyPr anchorCtr="0" anchor="ctr" bIns="91425" lIns="274300" spcFirstLastPara="1" rIns="91425" wrap="square" tIns="91425">
+            <a:noAutofit/>
+          </a:bodyPr>
+          <a:lstStyle/>
+          <a:p>
+            <a:pPr indent="0" lvl="0" marL="0" rtl="0" algn="l">
+              <a:spcBef>
+                <a:spcPts val="0"/>
+              </a:spcBef>
+              <a:spcAft>
+                <a:spcPts val="0"/>
+              </a:spcAft>
+              <a:buNone/>
+            </a:pPr>
+            <a:r>
+              <a:rPr lang="en"/>
+              <a:t>How to Escalate an Error</a:t>
+            </a:r>
+            <a:endParaRPr/>
+          </a:p>
+        </p:txBody>
+      </p:sp>
+      <p:sp>
+        <p:nvSpPr>
+          <p:cNvPr id="316" name="Google Shape;316;p45"/>
+          <p:cNvSpPr txBox="1"/>
+          <p:nvPr>
+            <p:ph idx="1" type="body"/>
+          </p:nvPr>
+        </p:nvSpPr>
+        <p:spPr>
+          <a:xfrm>
+            <a:off x="274320" y="914400"/>
+            <a:ext cx="8595300" cy="4114800"/>
+          </a:xfrm>
+          <a:prstGeom prst="rect">
+            <a:avLst/>
+          </a:prstGeom>
+        </p:spPr>
+        <p:txBody>
+          <a:bodyPr anchorCtr="0" anchor="t" bIns="0" lIns="0" spcFirstLastPara="1" rIns="0" wrap="square" tIns="0">
+            <a:noAutofit/>
+          </a:bodyPr>
+          <a:lstStyle/>
+          <a:p>
+            <a:pPr indent="0" lvl="0" marL="0" rtl="0" algn="l">
+              <a:spcBef>
+                <a:spcPts val="0"/>
+              </a:spcBef>
+              <a:spcAft>
+                <a:spcPts val="0"/>
+              </a:spcAft>
+              <a:buNone/>
+            </a:pPr>
+            <a:r>
+              <a:rPr lang="en"/>
+              <a:t>First, clean up</a:t>
+            </a:r>
+            <a:endParaRPr/>
+          </a:p>
+          <a:p>
+            <a:pPr indent="-342900" lvl="0" marL="457200" rtl="0" algn="l">
+              <a:spcBef>
+                <a:spcPts val="1200"/>
+              </a:spcBef>
+              <a:spcAft>
+                <a:spcPts val="0"/>
+              </a:spcAft>
+              <a:buSzPts val="1800"/>
+              <a:buChar char="●"/>
+            </a:pPr>
+            <a:r>
+              <a:rPr lang="en"/>
+              <a:t>Leave the component in a viable state</a:t>
+            </a:r>
+            <a:endParaRPr/>
+          </a:p>
+          <a:p>
+            <a:pPr indent="-317500" lvl="1" marL="914400" rtl="0" algn="l">
+              <a:spcBef>
+                <a:spcPts val="0"/>
+              </a:spcBef>
+              <a:spcAft>
+                <a:spcPts val="0"/>
+              </a:spcAft>
+              <a:buSzPts val="1400"/>
+              <a:buChar char="○"/>
+            </a:pPr>
+            <a:r>
+              <a:rPr lang="en"/>
+              <a:t>Restore component invariants</a:t>
+            </a:r>
+            <a:endParaRPr/>
+          </a:p>
+          <a:p>
+            <a:pPr indent="-342900" lvl="0" marL="457200" rtl="0" algn="l">
+              <a:spcBef>
+                <a:spcPts val="1000"/>
+              </a:spcBef>
+              <a:spcAft>
+                <a:spcPts val="0"/>
+              </a:spcAft>
+              <a:buSzPts val="1800"/>
+              <a:buChar char="●"/>
+            </a:pPr>
+            <a:r>
+              <a:rPr lang="en"/>
+              <a:t>Release any unneeded resources</a:t>
+            </a:r>
+            <a:endParaRPr/>
+          </a:p>
+          <a:p>
+            <a:pPr indent="-317500" lvl="1" marL="914400" rtl="0" algn="l">
+              <a:spcBef>
+                <a:spcPts val="0"/>
+              </a:spcBef>
+              <a:spcAft>
+                <a:spcPts val="0"/>
+              </a:spcAft>
+              <a:buSzPts val="1400"/>
+              <a:buChar char="○"/>
+            </a:pPr>
+            <a:r>
+              <a:rPr lang="en"/>
+              <a:t>Use finally block to ensure this</a:t>
+            </a:r>
+            <a:endParaRPr/>
+          </a:p>
+          <a:p>
+            <a:pPr indent="0" lvl="0" marL="0" rtl="0" algn="l">
+              <a:spcBef>
+                <a:spcPts val="1200"/>
+              </a:spcBef>
+              <a:spcAft>
+                <a:spcPts val="0"/>
+              </a:spcAft>
+              <a:buNone/>
+            </a:pPr>
+            <a:r>
+              <a:rPr lang="en"/>
+              <a:t>Then, escalate</a:t>
+            </a:r>
+            <a:endParaRPr/>
+          </a:p>
+          <a:p>
+            <a:pPr indent="-342900" lvl="0" marL="457200" rtl="0" algn="l">
+              <a:spcBef>
+                <a:spcPts val="1200"/>
+              </a:spcBef>
+              <a:spcAft>
+                <a:spcPts val="0"/>
+              </a:spcAft>
+              <a:buSzPts val="1800"/>
+              <a:buChar char="●"/>
+            </a:pPr>
+            <a:r>
+              <a:rPr lang="en"/>
+              <a:t>Enhance original error information</a:t>
+            </a:r>
+            <a:endParaRPr/>
+          </a:p>
+          <a:p>
+            <a:pPr indent="-317500" lvl="1" marL="914400" rtl="0" algn="l">
+              <a:spcBef>
+                <a:spcPts val="0"/>
+              </a:spcBef>
+              <a:spcAft>
+                <a:spcPts val="0"/>
+              </a:spcAft>
+              <a:buSzPts val="1400"/>
+              <a:buChar char="○"/>
+            </a:pPr>
+            <a:r>
+              <a:rPr lang="en"/>
+              <a:t>Keep chaining exceptions</a:t>
+            </a:r>
+            <a:endParaRPr/>
+          </a:p>
+          <a:p>
+            <a:pPr indent="0" lvl="0" marL="0" rtl="0" algn="l">
+              <a:spcBef>
+                <a:spcPts val="1200"/>
+              </a:spcBef>
+              <a:spcAft>
+                <a:spcPts val="1200"/>
+              </a:spcAft>
+              <a:buNone/>
+            </a:pPr>
+            <a:r>
+              <a:t/>
+            </a:r>
+            <a:endParaRPr/>
+          </a:p>
+        </p:txBody>
+      </p:sp>
+      <p:sp>
+        <p:nvSpPr>
+          <p:cNvPr id="317" name="Google Shape;317;p45"/>
+          <p:cNvSpPr txBox="1"/>
+          <p:nvPr>
+            <p:ph idx="12" type="sldNum"/>
+          </p:nvPr>
+        </p:nvSpPr>
+        <p:spPr>
+          <a:xfrm>
+            <a:off x="7315202" y="4416550"/>
+            <a:ext cx="1828800" cy="731400"/>
+          </a:xfrm>
+          <a:prstGeom prst="rect">
+            <a:avLst/>
+          </a:prstGeom>
+        </p:spPr>
+        <p:txBody>
+          <a:bodyPr anchorCtr="0" anchor="b" bIns="91425" lIns="91425" spcFirstLastPara="1" rIns="91425" wrap="square" tIns="91425">
+            <a:noAutofit/>
+          </a:bodyPr>
+          <a:lstStyle/>
+          <a:p>
+            <a:pPr indent="0" lvl="0" marL="0" rtl="0" algn="r">
+              <a:spcBef>
+                <a:spcPts val="0"/>
+              </a:spcBef>
+              <a:spcAft>
+                <a:spcPts val="0"/>
+              </a:spcAft>
+              <a:buNone/>
+            </a:pPr>
+            <a:fld id="{00000000-1234-1234-1234-123412341234}" type="slidenum">
+              <a:rPr lang="en"/>
+              <a:t>‹#›</a:t>
+            </a:fld>
+            <a:endParaRPr/>
+          </a:p>
+          <a:p>
+            <a:pPr indent="0" lvl="0" marL="0" rtl="0" algn="r">
+              <a:spcBef>
+                <a:spcPts val="0"/>
+              </a:spcBef>
+              <a:spcAft>
+                <a:spcPts val="0"/>
+              </a:spcAft>
+              <a:buNone/>
+            </a:pPr>
+            <a:r>
+              <a:rPr b="0" lang="en" sz="900" u="sng">
+                <a:solidFill>
+                  <a:schemeClr val="hlink"/>
+                </a:solidFill>
+                <a:hlinkClick r:id="rId3"/>
+              </a:rPr>
+              <a:t>https://oss.cs.fau.de</a:t>
+            </a:r>
+            <a:r>
+              <a:rPr b="0" lang="en" sz="900">
+                <a:solidFill>
+                  <a:schemeClr val="dk2"/>
+                </a:solidFill>
+              </a:rPr>
+              <a:t> </a:t>
+            </a:r>
+            <a:endParaRPr b="0" sz="900">
+              <a:solidFill>
+                <a:schemeClr val="dk2"/>
+              </a:solidFill>
+            </a:endParaRPr>
+          </a:p>
+        </p:txBody>
+      </p:sp>
+    </p:spTree>
+  </p:cSld>
+  <p:clrMapOvr>
+    <a:masterClrMapping/>
+  </p:clrMapOvr>
+</p:sld>
+</file>
+
+<file path=ppt/slides/slide39.xml><?xml version="1.0" encoding="utf-8"?>
+<p:sld xmlns:a="http://schemas.openxmlformats.org/drawingml/2006/main" xmlns:r="http://schemas.openxmlformats.org/officeDocument/2006/relationships" xmlns:mc="http://schemas.openxmlformats.org/markup-compatibility/2006" xmlns:mv="urn:schemas-microsoft-com:mac:vml" xmlns:p="http://schemas.openxmlformats.org/presentationml/2006/main" xmlns:c="http://schemas.openxmlformats.org/drawingml/2006/chart" xmlns:dgm="http://schemas.openxmlformats.org/drawingml/2006/diagram" xmlns:o="urn:schemas-microsoft-com:office:office" xmlns:v="urn:schemas-microsoft-com:vml" xmlns:pvml="urn:schemas-microsoft-com:office:powerpoint" xmlns:com="http://schemas.openxmlformats.org/drawingml/2006/compatibility" xmlns:p14="http://schemas.microsoft.com/office/powerpoint/2010/main" xmlns:p15="http://schemas.microsoft.com/office/powerpoint/2012/main" xmlns:ahyp="http://schemas.microsoft.com/office/drawing/2018/hyperlinkcolor">
+  <p:cSld>
+    <p:spTree>
+      <p:nvGrpSpPr>
+        <p:cNvPr id="321" name="Shape 321"/>
+        <p:cNvGrpSpPr/>
+        <p:nvPr/>
+      </p:nvGrpSpPr>
+      <p:grpSpPr>
+        <a:xfrm>
+          <a:off x="0" y="0"/>
+          <a:ext cx="0" cy="0"/>
+          <a:chOff x="0" y="0"/>
+          <a:chExt cx="0" cy="0"/>
+        </a:xfrm>
+      </p:grpSpPr>
+      <p:sp>
+        <p:nvSpPr>
+          <p:cNvPr id="322" name="Google Shape;322;p46"/>
+          <p:cNvSpPr txBox="1"/>
+          <p:nvPr>
+            <p:ph type="title"/>
+          </p:nvPr>
+        </p:nvSpPr>
+        <p:spPr>
+          <a:xfrm>
+            <a:off x="0" y="0"/>
+            <a:ext cx="9144000" cy="685800"/>
+          </a:xfrm>
+          <a:prstGeom prst="rect">
+            <a:avLst/>
+          </a:prstGeom>
+        </p:spPr>
+        <p:txBody>
+          <a:bodyPr anchorCtr="0" anchor="ctr" bIns="91425" lIns="274300" spcFirstLastPara="1" rIns="91425" wrap="square" tIns="91425">
+            <a:noAutofit/>
+          </a:bodyPr>
+          <a:lstStyle/>
+          <a:p>
+            <a:pPr indent="0" lvl="0" marL="0" rtl="0" algn="l">
+              <a:spcBef>
+                <a:spcPts val="0"/>
+              </a:spcBef>
+              <a:spcAft>
+                <a:spcPts val="0"/>
+              </a:spcAft>
+              <a:buNone/>
+            </a:pPr>
+            <a:r>
+              <a:rPr lang="en"/>
+              <a:t>Checked vs. Unchecked Exceptions</a:t>
+            </a:r>
+            <a:endParaRPr/>
+          </a:p>
+        </p:txBody>
+      </p:sp>
+      <p:sp>
+        <p:nvSpPr>
+          <p:cNvPr id="323" name="Google Shape;323;p46"/>
+          <p:cNvSpPr txBox="1"/>
+          <p:nvPr>
+            <p:ph idx="1" type="body"/>
+          </p:nvPr>
+        </p:nvSpPr>
+        <p:spPr>
+          <a:xfrm>
+            <a:off x="274320" y="914400"/>
+            <a:ext cx="8595300" cy="4114800"/>
+          </a:xfrm>
+          <a:prstGeom prst="rect">
+            <a:avLst/>
+          </a:prstGeom>
+        </p:spPr>
+        <p:txBody>
+          <a:bodyPr anchorCtr="0" anchor="t" bIns="0" lIns="0" spcFirstLastPara="1" rIns="0" wrap="square" tIns="0">
+            <a:noAutofit/>
+          </a:bodyPr>
+          <a:lstStyle/>
+          <a:p>
+            <a:pPr indent="0" lvl="0" marL="0" rtl="0" algn="l">
+              <a:spcBef>
+                <a:spcPts val="0"/>
+              </a:spcBef>
+              <a:spcAft>
+                <a:spcPts val="0"/>
+              </a:spcAft>
+              <a:buNone/>
+            </a:pPr>
+            <a:r>
+              <a:rPr lang="en"/>
+              <a:t>Use unchecked exceptions within a component</a:t>
+            </a:r>
+            <a:endParaRPr/>
+          </a:p>
+          <a:p>
+            <a:pPr indent="-342900" lvl="0" marL="457200" rtl="0" algn="l">
+              <a:spcBef>
+                <a:spcPts val="1200"/>
+              </a:spcBef>
+              <a:spcAft>
+                <a:spcPts val="0"/>
+              </a:spcAft>
+              <a:buSzPts val="1800"/>
+              <a:buChar char="●"/>
+            </a:pPr>
+            <a:r>
+              <a:rPr lang="en"/>
+              <a:t>You also can use checked exceptions, but human psychology suggests that you won’t be able to follow through</a:t>
+            </a:r>
+            <a:endParaRPr/>
+          </a:p>
+          <a:p>
+            <a:pPr indent="0" lvl="0" marL="0" rtl="0" algn="l">
+              <a:spcBef>
+                <a:spcPts val="1200"/>
+              </a:spcBef>
+              <a:spcAft>
+                <a:spcPts val="0"/>
+              </a:spcAft>
+              <a:buNone/>
+            </a:pPr>
+            <a:r>
+              <a:rPr lang="en"/>
+              <a:t>Use checked exceptions at a service’s boundary</a:t>
+            </a:r>
+            <a:endParaRPr/>
+          </a:p>
+          <a:p>
+            <a:pPr indent="-342900" lvl="0" marL="457200" rtl="0" algn="l">
+              <a:spcBef>
+                <a:spcPts val="1200"/>
+              </a:spcBef>
+              <a:spcAft>
+                <a:spcPts val="0"/>
+              </a:spcAft>
+              <a:buSzPts val="1800"/>
+              <a:buChar char="●"/>
+            </a:pPr>
+            <a:r>
+              <a:rPr lang="en"/>
+              <a:t>Typescript does not have checked exceptions, so you may have to find alternative ways of dealing with service boundaries</a:t>
+            </a:r>
+            <a:endParaRPr/>
+          </a:p>
+        </p:txBody>
+      </p:sp>
+      <p:sp>
+        <p:nvSpPr>
+          <p:cNvPr id="324" name="Google Shape;324;p46"/>
+          <p:cNvSpPr txBox="1"/>
+          <p:nvPr>
+            <p:ph idx="12" type="sldNum"/>
+          </p:nvPr>
+        </p:nvSpPr>
+        <p:spPr>
+          <a:xfrm>
+            <a:off x="7315202" y="4416550"/>
+            <a:ext cx="1828800" cy="731400"/>
+          </a:xfrm>
+          <a:prstGeom prst="rect">
+            <a:avLst/>
+          </a:prstGeom>
+        </p:spPr>
+        <p:txBody>
+          <a:bodyPr anchorCtr="0" anchor="b" bIns="91425" lIns="91425" spcFirstLastPara="1" rIns="91425" wrap="square" tIns="91425">
+            <a:noAutofit/>
+          </a:bodyPr>
+          <a:lstStyle/>
+          <a:p>
+            <a:pPr indent="0" lvl="0" marL="0" rtl="0" algn="r">
+              <a:spcBef>
+                <a:spcPts val="0"/>
+              </a:spcBef>
+              <a:spcAft>
+                <a:spcPts val="0"/>
+              </a:spcAft>
+              <a:buNone/>
+            </a:pPr>
+            <a:fld id="{00000000-1234-1234-1234-123412341234}" type="slidenum">
+              <a:rPr lang="en"/>
+              <a:t>‹#›</a:t>
+            </a:fld>
+            <a:endParaRPr/>
+          </a:p>
+          <a:p>
+            <a:pPr indent="0" lvl="0" marL="0" rtl="0" algn="r">
+              <a:spcBef>
+                <a:spcPts val="0"/>
+              </a:spcBef>
+              <a:spcAft>
+                <a:spcPts val="0"/>
+              </a:spcAft>
+              <a:buNone/>
+            </a:pPr>
+            <a:r>
+              <a:rPr b="0" lang="en" sz="900" u="sng">
+                <a:solidFill>
+                  <a:schemeClr val="hlink"/>
+                </a:solidFill>
+                <a:hlinkClick r:id="rId3"/>
+              </a:rPr>
+              <a:t>https://oss.cs.fau.de</a:t>
+            </a:r>
+            <a:r>
+              <a:rPr b="0" lang="en" sz="900">
+                <a:solidFill>
+                  <a:schemeClr val="dk2"/>
+                </a:solidFill>
+              </a:rPr>
+              <a:t> </a:t>
+            </a:r>
+            <a:endParaRPr b="0" sz="900">
+              <a:solidFill>
+                <a:schemeClr val="dk2"/>
+              </a:solidFill>
+            </a:endParaRPr>
+          </a:p>
+        </p:txBody>
+      </p:sp>
+    </p:spTree>
+  </p:cSld>
+  <p:clrMapOvr>
+    <a:masterClrMapping/>
+  </p:clrMapOvr>
+</p:sld>
+</file>
+
+<file path=ppt/slides/slide4.xml><?xml version="1.0" encoding="utf-8"?>
+<p:sld xmlns:a="http://schemas.openxmlformats.org/drawingml/2006/main" xmlns:r="http://schemas.openxmlformats.org/officeDocument/2006/relationships" xmlns:mc="http://schemas.openxmlformats.org/markup-compatibility/2006" xmlns:mv="urn:schemas-microsoft-com:mac:vml" xmlns:p="http://schemas.openxmlformats.org/presentationml/2006/main" xmlns:c="http://schemas.openxmlformats.org/drawingml/2006/chart" xmlns:dgm="http://schemas.openxmlformats.org/drawingml/2006/diagram" xmlns:o="urn:schemas-microsoft-com:office:office" xmlns:v="urn:schemas-microsoft-com:vml" xmlns:pvml="urn:schemas-microsoft-com:office:powerpoint" xmlns:com="http://schemas.openxmlformats.org/drawingml/2006/compatibility" xmlns:p14="http://schemas.microsoft.com/office/powerpoint/2010/main" xmlns:p15="http://schemas.microsoft.com/office/powerpoint/2012/main" xmlns:ahyp="http://schemas.microsoft.com/office/drawing/2018/hyperlinkcolor">
+  <p:cSld>
+    <p:spTree>
+      <p:nvGrpSpPr>
+        <p:cNvPr id="71" name="Shape 71"/>
+        <p:cNvGrpSpPr/>
+        <p:nvPr/>
+      </p:nvGrpSpPr>
+      <p:grpSpPr>
+        <a:xfrm>
+          <a:off x="0" y="0"/>
+          <a:ext cx="0" cy="0"/>
+          <a:chOff x="0" y="0"/>
+          <a:chExt cx="0" cy="0"/>
+        </a:xfrm>
+      </p:grpSpPr>
+      <p:sp>
+        <p:nvSpPr>
+          <p:cNvPr id="72" name="Google Shape;72;p11"/>
           <p:cNvSpPr txBox="1"/>
           <p:nvPr>
             <p:ph type="title"/>
@@ -25254,7 +24814,7 @@
   <p:cSld>
     <p:spTree>
       <p:nvGrpSpPr>
-        <p:cNvPr id="331" name="Shape 331"/>
+        <p:cNvPr id="328" name="Shape 328"/>
         <p:cNvGrpSpPr/>
         <p:nvPr/>
       </p:nvGrpSpPr>
@@ -25268,7 +24828,72 @@
       </p:grpSpPr>
       <p:sp>
         <p:nvSpPr>
-          <p:cNvPr id="332" name="Google Shape;332;p47"/>
+          <p:cNvPr id="329" name="Google Shape;329;p47"/>
+          <p:cNvSpPr txBox="1"/>
+          <p:nvPr>
+            <p:ph type="title"/>
+          </p:nvPr>
+        </p:nvSpPr>
+        <p:spPr>
+          <a:xfrm>
+            <a:off x="0" y="-7"/>
+            <a:ext cx="9144000" cy="2386500"/>
+          </a:xfrm>
+          <a:prstGeom prst="rect">
+            <a:avLst/>
+          </a:prstGeom>
+        </p:spPr>
+        <p:txBody>
+          <a:bodyPr anchorCtr="0" anchor="b" bIns="274300" lIns="91425" spcFirstLastPara="1" rIns="91425" wrap="square" tIns="91425">
+            <a:noAutofit/>
+          </a:bodyPr>
+          <a:lstStyle/>
+          <a:p>
+            <a:pPr indent="0" lvl="0" marL="0" rtl="0" algn="ctr">
+              <a:spcBef>
+                <a:spcPts val="0"/>
+              </a:spcBef>
+              <a:spcAft>
+                <a:spcPts val="0"/>
+              </a:spcAft>
+              <a:buNone/>
+            </a:pPr>
+            <a:r>
+              <a:rPr lang="en"/>
+              <a:t>6. Service Failure</a:t>
+            </a:r>
+            <a:endParaRPr/>
+          </a:p>
+        </p:txBody>
+      </p:sp>
+    </p:spTree>
+  </p:cSld>
+  <p:clrMapOvr>
+    <a:masterClrMapping/>
+  </p:clrMapOvr>
+</p:sld>
+</file>
+
+<file path=ppt/slides/slide41.xml><?xml version="1.0" encoding="utf-8"?>
+<p:sld xmlns:a="http://schemas.openxmlformats.org/drawingml/2006/main" xmlns:r="http://schemas.openxmlformats.org/officeDocument/2006/relationships" xmlns:mc="http://schemas.openxmlformats.org/markup-compatibility/2006" xmlns:mv="urn:schemas-microsoft-com:mac:vml" xmlns:p="http://schemas.openxmlformats.org/presentationml/2006/main" xmlns:c="http://schemas.openxmlformats.org/drawingml/2006/chart" xmlns:dgm="http://schemas.openxmlformats.org/drawingml/2006/diagram" xmlns:o="urn:schemas-microsoft-com:office:office" xmlns:v="urn:schemas-microsoft-com:vml" xmlns:pvml="urn:schemas-microsoft-com:office:powerpoint" xmlns:com="http://schemas.openxmlformats.org/drawingml/2006/compatibility" xmlns:p14="http://schemas.microsoft.com/office/powerpoint/2010/main" xmlns:p15="http://schemas.microsoft.com/office/powerpoint/2012/main" xmlns:ahyp="http://schemas.microsoft.com/office/drawing/2018/hyperlinkcolor">
+  <p:cSld>
+    <p:spTree>
+      <p:nvGrpSpPr>
+        <p:cNvPr id="333" name="Shape 333"/>
+        <p:cNvGrpSpPr/>
+        <p:nvPr/>
+      </p:nvGrpSpPr>
+      <p:grpSpPr>
+        <a:xfrm>
+          <a:off x="0" y="0"/>
+          <a:ext cx="0" cy="0"/>
+          <a:chOff x="0" y="0"/>
+          <a:chExt cx="0" cy="0"/>
+        </a:xfrm>
+      </p:grpSpPr>
+      <p:sp>
+        <p:nvSpPr>
+          <p:cNvPr id="334" name="Google Shape;334;p48"/>
           <p:cNvSpPr txBox="1"/>
           <p:nvPr>
             <p:ph type="title"/>
@@ -25300,7 +24925,7 @@
             </a:pPr>
             <a:r>
               <a:rPr lang="en"/>
-              <a:t>What Should You Do? [1]</a:t>
+              <a:t>Service Failure</a:t>
             </a:r>
             <a:endParaRPr/>
           </a:p>
@@ -25308,7 +24933,97 @@
       </p:sp>
       <p:sp>
         <p:nvSpPr>
-          <p:cNvPr id="333" name="Google Shape;333;p47"/>
+          <p:cNvPr id="335" name="Google Shape;335;p48"/>
+          <p:cNvSpPr txBox="1"/>
+          <p:nvPr>
+            <p:ph idx="1" type="body"/>
+          </p:nvPr>
+        </p:nvSpPr>
+        <p:spPr>
+          <a:xfrm>
+            <a:off x="274320" y="914400"/>
+            <a:ext cx="8595300" cy="4114800"/>
+          </a:xfrm>
+          <a:prstGeom prst="rect">
+            <a:avLst/>
+          </a:prstGeom>
+        </p:spPr>
+        <p:txBody>
+          <a:bodyPr anchorCtr="0" anchor="t" bIns="0" lIns="0" spcFirstLastPara="1" rIns="0" wrap="square" tIns="0">
+            <a:noAutofit/>
+          </a:bodyPr>
+          <a:lstStyle/>
+          <a:p>
+            <a:pPr indent="0" lvl="0" marL="0" rtl="0" algn="l">
+              <a:spcBef>
+                <a:spcPts val="0"/>
+              </a:spcBef>
+              <a:spcAft>
+                <a:spcPts val="0"/>
+              </a:spcAft>
+              <a:buNone/>
+            </a:pPr>
+            <a:r>
+              <a:rPr lang="en"/>
+              <a:t>A service failure is a component failure</a:t>
+            </a:r>
+            <a:endParaRPr/>
+          </a:p>
+          <a:p>
+            <a:pPr indent="-342900" lvl="0" marL="457200" rtl="0" algn="l">
+              <a:spcBef>
+                <a:spcPts val="1200"/>
+              </a:spcBef>
+              <a:spcAft>
+                <a:spcPts val="0"/>
+              </a:spcAft>
+              <a:buSzPts val="1800"/>
+              <a:buChar char="●"/>
+            </a:pPr>
+            <a:r>
+              <a:rPr lang="en"/>
+              <a:t>At the interface to the calling client</a:t>
+            </a:r>
+            <a:endParaRPr/>
+          </a:p>
+          <a:p>
+            <a:pPr indent="0" lvl="0" marL="0" rtl="0" algn="l">
+              <a:spcBef>
+                <a:spcPts val="1200"/>
+              </a:spcBef>
+              <a:spcAft>
+                <a:spcPts val="0"/>
+              </a:spcAft>
+              <a:buNone/>
+            </a:pPr>
+            <a:r>
+              <a:rPr lang="en"/>
+              <a:t>Use checked exceptions to signal service failure</a:t>
+            </a:r>
+            <a:endParaRPr/>
+          </a:p>
+          <a:p>
+            <a:pPr indent="-342900" lvl="0" marL="457200" rtl="0" algn="l">
+              <a:spcBef>
+                <a:spcPts val="1200"/>
+              </a:spcBef>
+              <a:spcAft>
+                <a:spcPts val="0"/>
+              </a:spcAft>
+              <a:buSzPts val="1800"/>
+              <a:buChar char="●"/>
+            </a:pPr>
+            <a:r>
+              <a:rPr lang="en"/>
+              <a:t>Only use exceptions specific to the failure</a:t>
+            </a:r>
+            <a:endParaRPr/>
+          </a:p>
+        </p:txBody>
+      </p:sp>
+      <p:sp>
+        <p:nvSpPr>
+          <p:cNvPr id="336" name="Google Shape;336;p48"/>
           <p:cNvSpPr txBox="1"/>
           <p:nvPr>
             <p:ph idx="12" type="sldNum"/>
@@ -25379,89 +25094,6 @@
           </a:p>
         </p:txBody>
       </p:sp>
-      <p:sp>
-        <p:nvSpPr>
-          <p:cNvPr id="334" name="Google Shape;334;p47"/>
-          <p:cNvSpPr txBox="1"/>
-          <p:nvPr/>
-        </p:nvSpPr>
-        <p:spPr>
-          <a:xfrm>
-            <a:off x="0" y="4233672"/>
-            <a:ext cx="7315200" cy="914400"/>
-          </a:xfrm>
-          <a:prstGeom prst="rect">
-            <a:avLst/>
-          </a:prstGeom>
-          <a:noFill/>
-          <a:ln>
-            <a:noFill/>
-          </a:ln>
-        </p:spPr>
-        <p:txBody>
-          <a:bodyPr anchorCtr="0" anchor="b" bIns="91425" lIns="91425" spcFirstLastPara="1" rIns="91425" wrap="square" tIns="91425">
-            <a:noAutofit/>
-          </a:bodyPr>
-          <a:lstStyle/>
-          <a:p>
-            <a:pPr indent="0" lvl="0" marL="0" rtl="0" algn="l">
-              <a:spcBef>
-                <a:spcPts val="0"/>
-              </a:spcBef>
-              <a:spcAft>
-                <a:spcPts val="0"/>
-              </a:spcAft>
-              <a:buNone/>
-            </a:pPr>
-            <a:r>
-              <a:rPr lang="en"/>
-              <a:t>[1] Also </a:t>
-            </a:r>
-            <a:r>
-              <a:rPr lang="en" u="sng">
-                <a:solidFill>
-                  <a:schemeClr val="hlink"/>
-                </a:solidFill>
-                <a:hlinkClick r:id="rId4"/>
-              </a:rPr>
-              <a:t>https://forms.gle/kw7eHQpnUgTLwnU59</a:t>
-            </a:r>
-            <a:r>
-              <a:rPr lang="en"/>
-              <a:t> </a:t>
-            </a:r>
-            <a:endParaRPr/>
-          </a:p>
-        </p:txBody>
-      </p:sp>
-      <p:pic>
-        <p:nvPicPr>
-          <p:cNvPr id="335" name="Google Shape;335;p47"/>
-          <p:cNvPicPr preferRelativeResize="0"/>
-          <p:nvPr/>
-        </p:nvPicPr>
-        <p:blipFill>
-          <a:blip r:embed="rId5">
-            <a:alphaModFix/>
-          </a:blip>
-          <a:stretch>
-            <a:fillRect/>
-          </a:stretch>
-        </p:blipFill>
-        <p:spPr>
-          <a:xfrm>
-            <a:off x="274320" y="914400"/>
-            <a:ext cx="3657600" cy="3657600"/>
-          </a:xfrm>
-          <a:prstGeom prst="rect">
-            <a:avLst/>
-          </a:prstGeom>
-          <a:noFill/>
-          <a:ln>
-            <a:noFill/>
-          </a:ln>
-        </p:spPr>
-      </p:pic>
     </p:spTree>
   </p:cSld>
   <p:clrMapOvr>
@@ -25470,12 +25102,12 @@
 </p:sld>
 </file>
 
-<file path=ppt/slides/slide41.xml><?xml version="1.0" encoding="utf-8"?>
+<file path=ppt/slides/slide42.xml><?xml version="1.0" encoding="utf-8"?>
 <p:sld xmlns:a="http://schemas.openxmlformats.org/drawingml/2006/main" xmlns:r="http://schemas.openxmlformats.org/officeDocument/2006/relationships" xmlns:mc="http://schemas.openxmlformats.org/markup-compatibility/2006" xmlns:mv="urn:schemas-microsoft-com:mac:vml" xmlns:p="http://schemas.openxmlformats.org/presentationml/2006/main" xmlns:c="http://schemas.openxmlformats.org/drawingml/2006/chart" xmlns:dgm="http://schemas.openxmlformats.org/drawingml/2006/diagram" xmlns:o="urn:schemas-microsoft-com:office:office" xmlns:v="urn:schemas-microsoft-com:vml" xmlns:pvml="urn:schemas-microsoft-com:office:powerpoint" xmlns:com="http://schemas.openxmlformats.org/drawingml/2006/compatibility" xmlns:p14="http://schemas.microsoft.com/office/powerpoint/2010/main" xmlns:p15="http://schemas.microsoft.com/office/powerpoint/2012/main" xmlns:ahyp="http://schemas.microsoft.com/office/drawing/2018/hyperlinkcolor">
   <p:cSld>
     <p:spTree>
       <p:nvGrpSpPr>
-        <p:cNvPr id="339" name="Shape 339"/>
+        <p:cNvPr id="340" name="Shape 340"/>
         <p:cNvGrpSpPr/>
         <p:nvPr/>
       </p:nvGrpSpPr>
@@ -25489,7 +25121,7 @@
       </p:grpSpPr>
       <p:sp>
         <p:nvSpPr>
-          <p:cNvPr id="340" name="Google Shape;340;p48"/>
+          <p:cNvPr id="341" name="Google Shape;341;p49"/>
           <p:cNvSpPr txBox="1"/>
           <p:nvPr>
             <p:ph type="title"/>
@@ -25505,7 +25137,7 @@
           </a:prstGeom>
         </p:spPr>
         <p:txBody>
-          <a:bodyPr anchorCtr="0" anchor="ctr" bIns="91425" lIns="274300" spcFirstLastPara="1" rIns="91425" wrap="square" tIns="91425">
+          <a:bodyPr anchorCtr="0" anchor="ctr" bIns="0" lIns="274300" spcFirstLastPara="1" rIns="0" wrap="square" tIns="0">
             <a:noAutofit/>
           </a:bodyPr>
           <a:lstStyle/>
@@ -25521,7 +25153,7 @@
             </a:pPr>
             <a:r>
               <a:rPr lang="en"/>
-              <a:t>How to Escalate an Error</a:t>
+              <a:t>Client / Service Error Handling State Model</a:t>
             </a:r>
             <a:endParaRPr/>
           </a:p>
@@ -25529,180 +25161,7 @@
       </p:sp>
       <p:sp>
         <p:nvSpPr>
-          <p:cNvPr id="341" name="Google Shape;341;p48"/>
-          <p:cNvSpPr txBox="1"/>
-          <p:nvPr>
-            <p:ph idx="1" type="body"/>
-          </p:nvPr>
-        </p:nvSpPr>
-        <p:spPr>
-          <a:xfrm>
-            <a:off x="274320" y="914400"/>
-            <a:ext cx="8595300" cy="4114800"/>
-          </a:xfrm>
-          <a:prstGeom prst="rect">
-            <a:avLst/>
-          </a:prstGeom>
-        </p:spPr>
-        <p:txBody>
-          <a:bodyPr anchorCtr="0" anchor="t" bIns="0" lIns="0" spcFirstLastPara="1" rIns="0" wrap="square" tIns="0">
-            <a:noAutofit/>
-          </a:bodyPr>
-          <a:lstStyle/>
-          <a:p>
-            <a:pPr indent="0" lvl="0" marL="0" rtl="0" algn="l">
-              <a:spcBef>
-                <a:spcPts val="0"/>
-              </a:spcBef>
-              <a:spcAft>
-                <a:spcPts val="0"/>
-              </a:spcAft>
-              <a:buNone/>
-            </a:pPr>
-            <a:r>
-              <a:rPr lang="en"/>
-              <a:t>First, clean up</a:t>
-            </a:r>
-            <a:endParaRPr/>
-          </a:p>
-          <a:p>
-            <a:pPr indent="-342900" lvl="0" marL="457200" rtl="0" algn="l">
-              <a:spcBef>
-                <a:spcPts val="1200"/>
-              </a:spcBef>
-              <a:spcAft>
-                <a:spcPts val="0"/>
-              </a:spcAft>
-              <a:buSzPts val="1800"/>
-              <a:buChar char="●"/>
-            </a:pPr>
-            <a:r>
-              <a:rPr lang="en"/>
-              <a:t>Leave the component in a viable state</a:t>
-            </a:r>
-            <a:endParaRPr/>
-          </a:p>
-          <a:p>
-            <a:pPr indent="-317500" lvl="1" marL="914400" rtl="0" algn="l">
-              <a:spcBef>
-                <a:spcPts val="0"/>
-              </a:spcBef>
-              <a:spcAft>
-                <a:spcPts val="0"/>
-              </a:spcAft>
-              <a:buSzPts val="1400"/>
-              <a:buChar char="○"/>
-            </a:pPr>
-            <a:r>
-              <a:rPr lang="en"/>
-              <a:t>Restore component invariants</a:t>
-            </a:r>
-            <a:endParaRPr/>
-          </a:p>
-          <a:p>
-            <a:pPr indent="-342900" lvl="0" marL="457200" rtl="0" algn="l">
-              <a:spcBef>
-                <a:spcPts val="1000"/>
-              </a:spcBef>
-              <a:spcAft>
-                <a:spcPts val="0"/>
-              </a:spcAft>
-              <a:buSzPts val="1800"/>
-              <a:buChar char="●"/>
-            </a:pPr>
-            <a:r>
-              <a:rPr lang="en"/>
-              <a:t>Release any unneeded resources</a:t>
-            </a:r>
-            <a:endParaRPr/>
-          </a:p>
-          <a:p>
-            <a:pPr indent="-317500" lvl="1" marL="914400" rtl="0" algn="l">
-              <a:spcBef>
-                <a:spcPts val="0"/>
-              </a:spcBef>
-              <a:spcAft>
-                <a:spcPts val="0"/>
-              </a:spcAft>
-              <a:buSzPts val="1400"/>
-              <a:buChar char="○"/>
-            </a:pPr>
-            <a:r>
-              <a:rPr lang="en"/>
-              <a:t>Use finally block to ensure this</a:t>
-            </a:r>
-            <a:endParaRPr/>
-          </a:p>
-          <a:p>
-            <a:pPr indent="0" lvl="0" marL="0" rtl="0" algn="l">
-              <a:spcBef>
-                <a:spcPts val="1200"/>
-              </a:spcBef>
-              <a:spcAft>
-                <a:spcPts val="0"/>
-              </a:spcAft>
-              <a:buNone/>
-            </a:pPr>
-            <a:r>
-              <a:rPr lang="en"/>
-              <a:t>Then, escalate</a:t>
-            </a:r>
-            <a:endParaRPr/>
-          </a:p>
-          <a:p>
-            <a:pPr indent="-342900" lvl="0" marL="457200" rtl="0" algn="l">
-              <a:spcBef>
-                <a:spcPts val="1200"/>
-              </a:spcBef>
-              <a:spcAft>
-                <a:spcPts val="0"/>
-              </a:spcAft>
-              <a:buSzPts val="1800"/>
-              <a:buChar char="●"/>
-            </a:pPr>
-            <a:r>
-              <a:rPr lang="en"/>
-              <a:t>Enhance original error information</a:t>
-            </a:r>
-            <a:endParaRPr/>
-          </a:p>
-          <a:p>
-            <a:pPr indent="-317500" lvl="1" marL="914400" rtl="0" algn="l">
-              <a:spcBef>
-                <a:spcPts val="0"/>
-              </a:spcBef>
-              <a:spcAft>
-                <a:spcPts val="0"/>
-              </a:spcAft>
-              <a:buSzPts val="1400"/>
-              <a:buChar char="○"/>
-            </a:pPr>
-            <a:r>
-              <a:rPr lang="en"/>
-              <a:t>Keep chaining exceptions</a:t>
-            </a:r>
-            <a:endParaRPr/>
-          </a:p>
-          <a:p>
-            <a:pPr indent="0" lvl="0" marL="0" rtl="0" algn="l">
-              <a:spcBef>
-                <a:spcPts val="1200"/>
-              </a:spcBef>
-              <a:spcAft>
-                <a:spcPts val="1200"/>
-              </a:spcAft>
-              <a:buNone/>
-            </a:pPr>
-            <a:r>
-              <a:t/>
-            </a:r>
-            <a:endParaRPr/>
-          </a:p>
-        </p:txBody>
-      </p:sp>
-      <p:sp>
-        <p:nvSpPr>
-          <p:cNvPr id="342" name="Google Shape;342;p48"/>
+          <p:cNvPr id="342" name="Google Shape;342;p49"/>
           <p:cNvSpPr txBox="1"/>
           <p:nvPr>
             <p:ph idx="12" type="sldNum"/>
@@ -25765,665 +25224,6 @@
               </a:rPr>
               <a:t> </a:t>
             </a:r>
-            <a:endParaRPr b="0" sz="900">
-              <a:solidFill>
-                <a:schemeClr val="dk2"/>
-              </a:solidFill>
-            </a:endParaRPr>
-          </a:p>
-        </p:txBody>
-      </p:sp>
-    </p:spTree>
-  </p:cSld>
-  <p:clrMapOvr>
-    <a:masterClrMapping/>
-  </p:clrMapOvr>
-</p:sld>
-</file>
-
-<file path=ppt/slides/slide42.xml><?xml version="1.0" encoding="utf-8"?>
-<p:sld xmlns:a="http://schemas.openxmlformats.org/drawingml/2006/main" xmlns:r="http://schemas.openxmlformats.org/officeDocument/2006/relationships" xmlns:mc="http://schemas.openxmlformats.org/markup-compatibility/2006" xmlns:mv="urn:schemas-microsoft-com:mac:vml" xmlns:p="http://schemas.openxmlformats.org/presentationml/2006/main" xmlns:c="http://schemas.openxmlformats.org/drawingml/2006/chart" xmlns:dgm="http://schemas.openxmlformats.org/drawingml/2006/diagram" xmlns:o="urn:schemas-microsoft-com:office:office" xmlns:v="urn:schemas-microsoft-com:vml" xmlns:pvml="urn:schemas-microsoft-com:office:powerpoint" xmlns:com="http://schemas.openxmlformats.org/drawingml/2006/compatibility" xmlns:p14="http://schemas.microsoft.com/office/powerpoint/2010/main" xmlns:p15="http://schemas.microsoft.com/office/powerpoint/2012/main" xmlns:ahyp="http://schemas.microsoft.com/office/drawing/2018/hyperlinkcolor">
-  <p:cSld>
-    <p:spTree>
-      <p:nvGrpSpPr>
-        <p:cNvPr id="346" name="Shape 346"/>
-        <p:cNvGrpSpPr/>
-        <p:nvPr/>
-      </p:nvGrpSpPr>
-      <p:grpSpPr>
-        <a:xfrm>
-          <a:off x="0" y="0"/>
-          <a:ext cx="0" cy="0"/>
-          <a:chOff x="0" y="0"/>
-          <a:chExt cx="0" cy="0"/>
-        </a:xfrm>
-      </p:grpSpPr>
-      <p:sp>
-        <p:nvSpPr>
-          <p:cNvPr id="347" name="Google Shape;347;p49"/>
-          <p:cNvSpPr txBox="1"/>
-          <p:nvPr>
-            <p:ph type="title"/>
-          </p:nvPr>
-        </p:nvSpPr>
-        <p:spPr>
-          <a:xfrm>
-            <a:off x="0" y="0"/>
-            <a:ext cx="9144000" cy="685800"/>
-          </a:xfrm>
-          <a:prstGeom prst="rect">
-            <a:avLst/>
-          </a:prstGeom>
-        </p:spPr>
-        <p:txBody>
-          <a:bodyPr anchorCtr="0" anchor="ctr" bIns="91425" lIns="274300" spcFirstLastPara="1" rIns="91425" wrap="square" tIns="91425">
-            <a:noAutofit/>
-          </a:bodyPr>
-          <a:lstStyle/>
-          <a:p>
-            <a:pPr indent="0" lvl="0" marL="0" rtl="0" algn="l">
-              <a:spcBef>
-                <a:spcPts val="0"/>
-              </a:spcBef>
-              <a:spcAft>
-                <a:spcPts val="0"/>
-              </a:spcAft>
-              <a:buNone/>
-            </a:pPr>
-            <a:r>
-              <a:rPr lang="en"/>
-              <a:t>Checked vs. Unchecked Exceptions</a:t>
-            </a:r>
-            <a:endParaRPr/>
-          </a:p>
-        </p:txBody>
-      </p:sp>
-      <p:sp>
-        <p:nvSpPr>
-          <p:cNvPr id="348" name="Google Shape;348;p49"/>
-          <p:cNvSpPr txBox="1"/>
-          <p:nvPr>
-            <p:ph idx="1" type="body"/>
-          </p:nvPr>
-        </p:nvSpPr>
-        <p:spPr>
-          <a:xfrm>
-            <a:off x="274320" y="914400"/>
-            <a:ext cx="8595300" cy="4114800"/>
-          </a:xfrm>
-          <a:prstGeom prst="rect">
-            <a:avLst/>
-          </a:prstGeom>
-        </p:spPr>
-        <p:txBody>
-          <a:bodyPr anchorCtr="0" anchor="t" bIns="0" lIns="0" spcFirstLastPara="1" rIns="0" wrap="square" tIns="0">
-            <a:noAutofit/>
-          </a:bodyPr>
-          <a:lstStyle/>
-          <a:p>
-            <a:pPr indent="0" lvl="0" marL="0" rtl="0" algn="l">
-              <a:spcBef>
-                <a:spcPts val="0"/>
-              </a:spcBef>
-              <a:spcAft>
-                <a:spcPts val="0"/>
-              </a:spcAft>
-              <a:buNone/>
-            </a:pPr>
-            <a:r>
-              <a:rPr lang="en"/>
-              <a:t>Use unchecked exceptions within a component</a:t>
-            </a:r>
-            <a:endParaRPr/>
-          </a:p>
-          <a:p>
-            <a:pPr indent="-342900" lvl="0" marL="457200" rtl="0" algn="l">
-              <a:spcBef>
-                <a:spcPts val="1200"/>
-              </a:spcBef>
-              <a:spcAft>
-                <a:spcPts val="0"/>
-              </a:spcAft>
-              <a:buSzPts val="1800"/>
-              <a:buChar char="●"/>
-            </a:pPr>
-            <a:r>
-              <a:rPr lang="en"/>
-              <a:t>You also can use checked exceptions, but human psychology suggests that you won’t be able to follow through</a:t>
-            </a:r>
-            <a:endParaRPr/>
-          </a:p>
-          <a:p>
-            <a:pPr indent="0" lvl="0" marL="0" rtl="0" algn="l">
-              <a:spcBef>
-                <a:spcPts val="1200"/>
-              </a:spcBef>
-              <a:spcAft>
-                <a:spcPts val="0"/>
-              </a:spcAft>
-              <a:buNone/>
-            </a:pPr>
-            <a:r>
-              <a:rPr lang="en"/>
-              <a:t>Use checked exceptions at a service’s boundary</a:t>
-            </a:r>
-            <a:endParaRPr/>
-          </a:p>
-          <a:p>
-            <a:pPr indent="-342900" lvl="0" marL="457200" rtl="0" algn="l">
-              <a:spcBef>
-                <a:spcPts val="1200"/>
-              </a:spcBef>
-              <a:spcAft>
-                <a:spcPts val="0"/>
-              </a:spcAft>
-              <a:buSzPts val="1800"/>
-              <a:buChar char="●"/>
-            </a:pPr>
-            <a:r>
-              <a:rPr lang="en"/>
-              <a:t>Typescript does not have checked exceptions, so you may have to find alternative ways of dealing with service boundaries</a:t>
-            </a:r>
-            <a:endParaRPr/>
-          </a:p>
-        </p:txBody>
-      </p:sp>
-      <p:sp>
-        <p:nvSpPr>
-          <p:cNvPr id="349" name="Google Shape;349;p49"/>
-          <p:cNvSpPr txBox="1"/>
-          <p:nvPr>
-            <p:ph idx="12" type="sldNum"/>
-          </p:nvPr>
-        </p:nvSpPr>
-        <p:spPr>
-          <a:xfrm>
-            <a:off x="7315202" y="4416550"/>
-            <a:ext cx="1828800" cy="731400"/>
-          </a:xfrm>
-          <a:prstGeom prst="rect">
-            <a:avLst/>
-          </a:prstGeom>
-        </p:spPr>
-        <p:txBody>
-          <a:bodyPr anchorCtr="0" anchor="b" bIns="91425" lIns="91425" spcFirstLastPara="1" rIns="91425" wrap="square" tIns="91425">
-            <a:noAutofit/>
-          </a:bodyPr>
-          <a:lstStyle/>
-          <a:p>
-            <a:pPr indent="0" lvl="0" marL="0" rtl="0" algn="r">
-              <a:spcBef>
-                <a:spcPts val="0"/>
-              </a:spcBef>
-              <a:spcAft>
-                <a:spcPts val="0"/>
-              </a:spcAft>
-              <a:buNone/>
-            </a:pPr>
-            <a:fld id="{00000000-1234-1234-1234-123412341234}" type="slidenum">
-              <a:rPr lang="en"/>
-              <a:t>‹#›</a:t>
-            </a:fld>
-            <a:endParaRPr/>
-          </a:p>
-          <a:p>
-            <a:pPr indent="0" lvl="0" marL="0" rtl="0" algn="r">
-              <a:spcBef>
-                <a:spcPts val="0"/>
-              </a:spcBef>
-              <a:spcAft>
-                <a:spcPts val="0"/>
-              </a:spcAft>
-              <a:buNone/>
-            </a:pPr>
-            <a:r>
-              <a:rPr b="0" lang="en" sz="900" u="sng">
-                <a:solidFill>
-                  <a:schemeClr val="hlink"/>
-                </a:solidFill>
-                <a:hlinkClick r:id="rId3"/>
-              </a:rPr>
-              <a:t>https://oss.cs.fau.de</a:t>
-            </a:r>
-            <a:r>
-              <a:rPr b="0" lang="en" sz="900">
-                <a:solidFill>
-                  <a:schemeClr val="dk2"/>
-                </a:solidFill>
-              </a:rPr>
-              <a:t> </a:t>
-            </a:r>
-            <a:endParaRPr b="0" sz="900">
-              <a:solidFill>
-                <a:schemeClr val="dk2"/>
-              </a:solidFill>
-            </a:endParaRPr>
-          </a:p>
-        </p:txBody>
-      </p:sp>
-    </p:spTree>
-  </p:cSld>
-  <p:clrMapOvr>
-    <a:masterClrMapping/>
-  </p:clrMapOvr>
-</p:sld>
-</file>
-
-<file path=ppt/slides/slide43.xml><?xml version="1.0" encoding="utf-8"?>
-<p:sld xmlns:a="http://schemas.openxmlformats.org/drawingml/2006/main" xmlns:r="http://schemas.openxmlformats.org/officeDocument/2006/relationships" xmlns:mc="http://schemas.openxmlformats.org/markup-compatibility/2006" xmlns:mv="urn:schemas-microsoft-com:mac:vml" xmlns:p="http://schemas.openxmlformats.org/presentationml/2006/main" xmlns:c="http://schemas.openxmlformats.org/drawingml/2006/chart" xmlns:dgm="http://schemas.openxmlformats.org/drawingml/2006/diagram" xmlns:o="urn:schemas-microsoft-com:office:office" xmlns:v="urn:schemas-microsoft-com:vml" xmlns:pvml="urn:schemas-microsoft-com:office:powerpoint" xmlns:com="http://schemas.openxmlformats.org/drawingml/2006/compatibility" xmlns:p14="http://schemas.microsoft.com/office/powerpoint/2010/main" xmlns:p15="http://schemas.microsoft.com/office/powerpoint/2012/main" xmlns:ahyp="http://schemas.microsoft.com/office/drawing/2018/hyperlinkcolor">
-  <p:cSld>
-    <p:spTree>
-      <p:nvGrpSpPr>
-        <p:cNvPr id="353" name="Shape 353"/>
-        <p:cNvGrpSpPr/>
-        <p:nvPr/>
-      </p:nvGrpSpPr>
-      <p:grpSpPr>
-        <a:xfrm>
-          <a:off x="0" y="0"/>
-          <a:ext cx="0" cy="0"/>
-          <a:chOff x="0" y="0"/>
-          <a:chExt cx="0" cy="0"/>
-        </a:xfrm>
-      </p:grpSpPr>
-      <p:sp>
-        <p:nvSpPr>
-          <p:cNvPr id="354" name="Google Shape;354;p50"/>
-          <p:cNvSpPr txBox="1"/>
-          <p:nvPr>
-            <p:ph type="title"/>
-          </p:nvPr>
-        </p:nvSpPr>
-        <p:spPr>
-          <a:xfrm>
-            <a:off x="0" y="-7"/>
-            <a:ext cx="9144000" cy="2386500"/>
-          </a:xfrm>
-          <a:prstGeom prst="rect">
-            <a:avLst/>
-          </a:prstGeom>
-        </p:spPr>
-        <p:txBody>
-          <a:bodyPr anchorCtr="0" anchor="b" bIns="274300" lIns="91425" spcFirstLastPara="1" rIns="91425" wrap="square" tIns="91425">
-            <a:noAutofit/>
-          </a:bodyPr>
-          <a:lstStyle/>
-          <a:p>
-            <a:pPr indent="0" lvl="0" marL="0" rtl="0" algn="ctr">
-              <a:spcBef>
-                <a:spcPts val="0"/>
-              </a:spcBef>
-              <a:spcAft>
-                <a:spcPts val="0"/>
-              </a:spcAft>
-              <a:buNone/>
-            </a:pPr>
-            <a:r>
-              <a:rPr lang="en"/>
-              <a:t>6. Service Failure</a:t>
-            </a:r>
-            <a:endParaRPr/>
-          </a:p>
-        </p:txBody>
-      </p:sp>
-    </p:spTree>
-  </p:cSld>
-  <p:clrMapOvr>
-    <a:masterClrMapping/>
-  </p:clrMapOvr>
-</p:sld>
-</file>
-
-<file path=ppt/slides/slide44.xml><?xml version="1.0" encoding="utf-8"?>
-<p:sld xmlns:a="http://schemas.openxmlformats.org/drawingml/2006/main" xmlns:r="http://schemas.openxmlformats.org/officeDocument/2006/relationships" xmlns:mc="http://schemas.openxmlformats.org/markup-compatibility/2006" xmlns:mv="urn:schemas-microsoft-com:mac:vml" xmlns:p="http://schemas.openxmlformats.org/presentationml/2006/main" xmlns:c="http://schemas.openxmlformats.org/drawingml/2006/chart" xmlns:dgm="http://schemas.openxmlformats.org/drawingml/2006/diagram" xmlns:o="urn:schemas-microsoft-com:office:office" xmlns:v="urn:schemas-microsoft-com:vml" xmlns:pvml="urn:schemas-microsoft-com:office:powerpoint" xmlns:com="http://schemas.openxmlformats.org/drawingml/2006/compatibility" xmlns:p14="http://schemas.microsoft.com/office/powerpoint/2010/main" xmlns:p15="http://schemas.microsoft.com/office/powerpoint/2012/main" xmlns:ahyp="http://schemas.microsoft.com/office/drawing/2018/hyperlinkcolor">
-  <p:cSld>
-    <p:spTree>
-      <p:nvGrpSpPr>
-        <p:cNvPr id="358" name="Shape 358"/>
-        <p:cNvGrpSpPr/>
-        <p:nvPr/>
-      </p:nvGrpSpPr>
-      <p:grpSpPr>
-        <a:xfrm>
-          <a:off x="0" y="0"/>
-          <a:ext cx="0" cy="0"/>
-          <a:chOff x="0" y="0"/>
-          <a:chExt cx="0" cy="0"/>
-        </a:xfrm>
-      </p:grpSpPr>
-      <p:sp>
-        <p:nvSpPr>
-          <p:cNvPr id="359" name="Google Shape;359;p51"/>
-          <p:cNvSpPr txBox="1"/>
-          <p:nvPr>
-            <p:ph type="title"/>
-          </p:nvPr>
-        </p:nvSpPr>
-        <p:spPr>
-          <a:xfrm>
-            <a:off x="0" y="0"/>
-            <a:ext cx="9144000" cy="685800"/>
-          </a:xfrm>
-          <a:prstGeom prst="rect">
-            <a:avLst/>
-          </a:prstGeom>
-        </p:spPr>
-        <p:txBody>
-          <a:bodyPr anchorCtr="0" anchor="ctr" bIns="91425" lIns="274300" spcFirstLastPara="1" rIns="91425" wrap="square" tIns="91425">
-            <a:noAutofit/>
-          </a:bodyPr>
-          <a:lstStyle/>
-          <a:p>
-            <a:pPr indent="0" lvl="0" marL="0" rtl="0" algn="l">
-              <a:spcBef>
-                <a:spcPts val="0"/>
-              </a:spcBef>
-              <a:spcAft>
-                <a:spcPts val="0"/>
-              </a:spcAft>
-              <a:buNone/>
-            </a:pPr>
-            <a:r>
-              <a:rPr lang="en"/>
-              <a:t>Service Failure</a:t>
-            </a:r>
-            <a:endParaRPr/>
-          </a:p>
-        </p:txBody>
-      </p:sp>
-      <p:sp>
-        <p:nvSpPr>
-          <p:cNvPr id="360" name="Google Shape;360;p51"/>
-          <p:cNvSpPr txBox="1"/>
-          <p:nvPr>
-            <p:ph idx="1" type="body"/>
-          </p:nvPr>
-        </p:nvSpPr>
-        <p:spPr>
-          <a:xfrm>
-            <a:off x="274320" y="914400"/>
-            <a:ext cx="8595300" cy="4114800"/>
-          </a:xfrm>
-          <a:prstGeom prst="rect">
-            <a:avLst/>
-          </a:prstGeom>
-        </p:spPr>
-        <p:txBody>
-          <a:bodyPr anchorCtr="0" anchor="t" bIns="0" lIns="0" spcFirstLastPara="1" rIns="0" wrap="square" tIns="0">
-            <a:noAutofit/>
-          </a:bodyPr>
-          <a:lstStyle/>
-          <a:p>
-            <a:pPr indent="0" lvl="0" marL="0" rtl="0" algn="l">
-              <a:spcBef>
-                <a:spcPts val="0"/>
-              </a:spcBef>
-              <a:spcAft>
-                <a:spcPts val="0"/>
-              </a:spcAft>
-              <a:buNone/>
-            </a:pPr>
-            <a:r>
-              <a:rPr lang="en"/>
-              <a:t>A service failure is a component failure</a:t>
-            </a:r>
-            <a:endParaRPr/>
-          </a:p>
-          <a:p>
-            <a:pPr indent="-342900" lvl="0" marL="457200" rtl="0" algn="l">
-              <a:spcBef>
-                <a:spcPts val="1200"/>
-              </a:spcBef>
-              <a:spcAft>
-                <a:spcPts val="0"/>
-              </a:spcAft>
-              <a:buSzPts val="1800"/>
-              <a:buChar char="●"/>
-            </a:pPr>
-            <a:r>
-              <a:rPr lang="en"/>
-              <a:t>At the interface to the calling client</a:t>
-            </a:r>
-            <a:endParaRPr/>
-          </a:p>
-          <a:p>
-            <a:pPr indent="0" lvl="0" marL="0" rtl="0" algn="l">
-              <a:spcBef>
-                <a:spcPts val="1200"/>
-              </a:spcBef>
-              <a:spcAft>
-                <a:spcPts val="0"/>
-              </a:spcAft>
-              <a:buNone/>
-            </a:pPr>
-            <a:r>
-              <a:rPr lang="en"/>
-              <a:t>Use checked exceptions to signal service failure</a:t>
-            </a:r>
-            <a:endParaRPr/>
-          </a:p>
-          <a:p>
-            <a:pPr indent="-342900" lvl="0" marL="457200" rtl="0" algn="l">
-              <a:spcBef>
-                <a:spcPts val="1200"/>
-              </a:spcBef>
-              <a:spcAft>
-                <a:spcPts val="0"/>
-              </a:spcAft>
-              <a:buSzPts val="1800"/>
-              <a:buChar char="●"/>
-            </a:pPr>
-            <a:r>
-              <a:rPr lang="en"/>
-              <a:t>Only use exceptions specific to the failure</a:t>
-            </a:r>
-            <a:endParaRPr/>
-          </a:p>
-        </p:txBody>
-      </p:sp>
-      <p:sp>
-        <p:nvSpPr>
-          <p:cNvPr id="361" name="Google Shape;361;p51"/>
-          <p:cNvSpPr txBox="1"/>
-          <p:nvPr>
-            <p:ph idx="12" type="sldNum"/>
-          </p:nvPr>
-        </p:nvSpPr>
-        <p:spPr>
-          <a:xfrm>
-            <a:off x="7315202" y="4416550"/>
-            <a:ext cx="1828800" cy="731400"/>
-          </a:xfrm>
-          <a:prstGeom prst="rect">
-            <a:avLst/>
-          </a:prstGeom>
-        </p:spPr>
-        <p:txBody>
-          <a:bodyPr anchorCtr="0" anchor="b" bIns="91425" lIns="91425" spcFirstLastPara="1" rIns="91425" wrap="square" tIns="91425">
-            <a:noAutofit/>
-          </a:bodyPr>
-          <a:lstStyle/>
-          <a:p>
-            <a:pPr indent="0" lvl="0" marL="0" rtl="0" algn="r">
-              <a:spcBef>
-                <a:spcPts val="0"/>
-              </a:spcBef>
-              <a:spcAft>
-                <a:spcPts val="0"/>
-              </a:spcAft>
-              <a:buNone/>
-            </a:pPr>
-            <a:fld id="{00000000-1234-1234-1234-123412341234}" type="slidenum">
-              <a:rPr lang="en"/>
-              <a:t>‹#›</a:t>
-            </a:fld>
-            <a:endParaRPr/>
-          </a:p>
-          <a:p>
-            <a:pPr indent="0" lvl="0" marL="0" rtl="0" algn="r">
-              <a:spcBef>
-                <a:spcPts val="0"/>
-              </a:spcBef>
-              <a:spcAft>
-                <a:spcPts val="0"/>
-              </a:spcAft>
-              <a:buNone/>
-            </a:pPr>
-            <a:r>
-              <a:rPr b="0" lang="en" sz="900" u="sng">
-                <a:solidFill>
-                  <a:schemeClr val="hlink"/>
-                </a:solidFill>
-                <a:hlinkClick r:id="rId3"/>
-              </a:rPr>
-              <a:t>https://oss.cs.fau.de</a:t>
-            </a:r>
-            <a:r>
-              <a:rPr b="0" lang="en" sz="900">
-                <a:solidFill>
-                  <a:schemeClr val="dk2"/>
-                </a:solidFill>
-              </a:rPr>
-              <a:t> </a:t>
-            </a:r>
-            <a:endParaRPr b="0" sz="900">
-              <a:solidFill>
-                <a:schemeClr val="dk2"/>
-              </a:solidFill>
-            </a:endParaRPr>
-          </a:p>
-        </p:txBody>
-      </p:sp>
-    </p:spTree>
-  </p:cSld>
-  <p:clrMapOvr>
-    <a:masterClrMapping/>
-  </p:clrMapOvr>
-</p:sld>
-</file>
-
-<file path=ppt/slides/slide45.xml><?xml version="1.0" encoding="utf-8"?>
-<p:sld xmlns:a="http://schemas.openxmlformats.org/drawingml/2006/main" xmlns:r="http://schemas.openxmlformats.org/officeDocument/2006/relationships" xmlns:mc="http://schemas.openxmlformats.org/markup-compatibility/2006" xmlns:mv="urn:schemas-microsoft-com:mac:vml" xmlns:p="http://schemas.openxmlformats.org/presentationml/2006/main" xmlns:c="http://schemas.openxmlformats.org/drawingml/2006/chart" xmlns:dgm="http://schemas.openxmlformats.org/drawingml/2006/diagram" xmlns:o="urn:schemas-microsoft-com:office:office" xmlns:v="urn:schemas-microsoft-com:vml" xmlns:pvml="urn:schemas-microsoft-com:office:powerpoint" xmlns:com="http://schemas.openxmlformats.org/drawingml/2006/compatibility" xmlns:p14="http://schemas.microsoft.com/office/powerpoint/2010/main" xmlns:p15="http://schemas.microsoft.com/office/powerpoint/2012/main" xmlns:ahyp="http://schemas.microsoft.com/office/drawing/2018/hyperlinkcolor">
-  <p:cSld>
-    <p:spTree>
-      <p:nvGrpSpPr>
-        <p:cNvPr id="365" name="Shape 365"/>
-        <p:cNvGrpSpPr/>
-        <p:nvPr/>
-      </p:nvGrpSpPr>
-      <p:grpSpPr>
-        <a:xfrm>
-          <a:off x="0" y="0"/>
-          <a:ext cx="0" cy="0"/>
-          <a:chOff x="0" y="0"/>
-          <a:chExt cx="0" cy="0"/>
-        </a:xfrm>
-      </p:grpSpPr>
-      <p:sp>
-        <p:nvSpPr>
-          <p:cNvPr id="366" name="Google Shape;366;p52"/>
-          <p:cNvSpPr txBox="1"/>
-          <p:nvPr>
-            <p:ph type="title"/>
-          </p:nvPr>
-        </p:nvSpPr>
-        <p:spPr>
-          <a:xfrm>
-            <a:off x="0" y="0"/>
-            <a:ext cx="9144000" cy="685800"/>
-          </a:xfrm>
-          <a:prstGeom prst="rect">
-            <a:avLst/>
-          </a:prstGeom>
-        </p:spPr>
-        <p:txBody>
-          <a:bodyPr anchorCtr="0" anchor="ctr" bIns="0" lIns="274300" spcFirstLastPara="1" rIns="0" wrap="square" tIns="0">
-            <a:noAutofit/>
-          </a:bodyPr>
-          <a:lstStyle/>
-          <a:p>
-            <a:pPr indent="0" lvl="0" marL="0" rtl="0" algn="l">
-              <a:spcBef>
-                <a:spcPts val="0"/>
-              </a:spcBef>
-              <a:spcAft>
-                <a:spcPts val="0"/>
-              </a:spcAft>
-              <a:buNone/>
-            </a:pPr>
-            <a:r>
-              <a:rPr lang="en"/>
-              <a:t>Client / Service Error Handling State Model</a:t>
-            </a:r>
-            <a:endParaRPr/>
-          </a:p>
-        </p:txBody>
-      </p:sp>
-      <p:sp>
-        <p:nvSpPr>
-          <p:cNvPr id="367" name="Google Shape;367;p52"/>
-          <p:cNvSpPr txBox="1"/>
-          <p:nvPr>
-            <p:ph idx="12" type="sldNum"/>
-          </p:nvPr>
-        </p:nvSpPr>
-        <p:spPr>
-          <a:xfrm>
-            <a:off x="7315202" y="4416550"/>
-            <a:ext cx="1828800" cy="731400"/>
-          </a:xfrm>
-          <a:prstGeom prst="rect">
-            <a:avLst/>
-          </a:prstGeom>
-        </p:spPr>
-        <p:txBody>
-          <a:bodyPr anchorCtr="0" anchor="b" bIns="91425" lIns="91425" spcFirstLastPara="1" rIns="91425" wrap="square" tIns="91425">
-            <a:noAutofit/>
-          </a:bodyPr>
-          <a:lstStyle/>
-          <a:p>
-            <a:pPr indent="0" lvl="0" marL="0" rtl="0" algn="r">
-              <a:spcBef>
-                <a:spcPts val="0"/>
-              </a:spcBef>
-              <a:spcAft>
-                <a:spcPts val="0"/>
-              </a:spcAft>
-              <a:buNone/>
-            </a:pPr>
-            <a:fld id="{00000000-1234-1234-1234-123412341234}" type="slidenum">
-              <a:rPr lang="en"/>
-              <a:t>‹#›</a:t>
-            </a:fld>
-            <a:endParaRPr/>
-          </a:p>
-          <a:p>
-            <a:pPr indent="0" lvl="0" marL="0" rtl="0" algn="r">
-              <a:spcBef>
-                <a:spcPts val="0"/>
-              </a:spcBef>
-              <a:spcAft>
-                <a:spcPts val="0"/>
-              </a:spcAft>
-              <a:buNone/>
-            </a:pPr>
-            <a:r>
-              <a:rPr b="0" lang="en" sz="900" u="sng">
-                <a:solidFill>
-                  <a:schemeClr val="hlink"/>
-                </a:solidFill>
-                <a:hlinkClick r:id="rId3"/>
-              </a:rPr>
-              <a:t>https://oss.cs.fau.de</a:t>
-            </a:r>
-            <a:r>
-              <a:rPr b="0" lang="en" sz="900">
-                <a:solidFill>
-                  <a:schemeClr val="dk2"/>
-                </a:solidFill>
-              </a:rPr>
-              <a:t> </a:t>
-            </a:r>
             <a:endParaRPr>
               <a:solidFill>
                 <a:schemeClr val="dk2"/>
@@ -26434,7 +25234,7 @@
       </p:sp>
       <p:pic>
         <p:nvPicPr>
-          <p:cNvPr id="368" name="Google Shape;368;p52"/>
+          <p:cNvPr id="343" name="Google Shape;343;p49"/>
           <p:cNvPicPr preferRelativeResize="0"/>
           <p:nvPr/>
         </p:nvPicPr>
@@ -26468,12 +25268,12 @@
 </p:sld>
 </file>
 
-<file path=ppt/slides/slide46.xml><?xml version="1.0" encoding="utf-8"?>
+<file path=ppt/slides/slide43.xml><?xml version="1.0" encoding="utf-8"?>
 <p:sld xmlns:a="http://schemas.openxmlformats.org/drawingml/2006/main" xmlns:r="http://schemas.openxmlformats.org/officeDocument/2006/relationships" xmlns:mc="http://schemas.openxmlformats.org/markup-compatibility/2006" xmlns:mv="urn:schemas-microsoft-com:mac:vml" xmlns:p="http://schemas.openxmlformats.org/presentationml/2006/main" xmlns:c="http://schemas.openxmlformats.org/drawingml/2006/chart" xmlns:dgm="http://schemas.openxmlformats.org/drawingml/2006/diagram" xmlns:o="urn:schemas-microsoft-com:office:office" xmlns:v="urn:schemas-microsoft-com:vml" xmlns:pvml="urn:schemas-microsoft-com:office:powerpoint" xmlns:com="http://schemas.openxmlformats.org/drawingml/2006/compatibility" xmlns:p14="http://schemas.microsoft.com/office/powerpoint/2010/main" xmlns:p15="http://schemas.microsoft.com/office/powerpoint/2012/main" xmlns:ahyp="http://schemas.microsoft.com/office/drawing/2018/hyperlinkcolor">
   <p:cSld>
     <p:spTree>
       <p:nvGrpSpPr>
-        <p:cNvPr id="372" name="Shape 372"/>
+        <p:cNvPr id="347" name="Shape 347"/>
         <p:cNvGrpSpPr/>
         <p:nvPr/>
       </p:nvGrpSpPr>
@@ -26487,7 +25287,7 @@
       </p:grpSpPr>
       <p:sp>
         <p:nvSpPr>
-          <p:cNvPr id="373" name="Google Shape;373;p53"/>
+          <p:cNvPr id="348" name="Google Shape;348;p50"/>
           <p:cNvSpPr txBox="1"/>
           <p:nvPr>
             <p:ph type="title"/>
@@ -26527,7 +25327,7 @@
       </p:sp>
       <p:sp>
         <p:nvSpPr>
-          <p:cNvPr id="374" name="Google Shape;374;p53"/>
+          <p:cNvPr id="349" name="Google Shape;349;p50"/>
           <p:cNvSpPr txBox="1"/>
           <p:nvPr>
             <p:ph idx="12" type="sldNum"/>
@@ -26600,7 +25400,7 @@
       </p:sp>
       <p:sp>
         <p:nvSpPr>
-          <p:cNvPr id="375" name="Google Shape;375;p53"/>
+          <p:cNvPr id="350" name="Google Shape;350;p50"/>
           <p:cNvSpPr txBox="1"/>
           <p:nvPr>
             <p:ph idx="1" type="body"/>
@@ -26673,7 +25473,7 @@
       </p:sp>
       <p:sp>
         <p:nvSpPr>
-          <p:cNvPr id="376" name="Google Shape;376;p53"/>
+          <p:cNvPr id="351" name="Google Shape;351;p50"/>
           <p:cNvSpPr txBox="1"/>
           <p:nvPr/>
         </p:nvSpPr>
@@ -26721,12 +25521,12 @@
 </p:sld>
 </file>
 
-<file path=ppt/slides/slide47.xml><?xml version="1.0" encoding="utf-8"?>
+<file path=ppt/slides/slide44.xml><?xml version="1.0" encoding="utf-8"?>
 <p:sld xmlns:a="http://schemas.openxmlformats.org/drawingml/2006/main" xmlns:r="http://schemas.openxmlformats.org/officeDocument/2006/relationships" xmlns:mc="http://schemas.openxmlformats.org/markup-compatibility/2006" xmlns:mv="urn:schemas-microsoft-com:mac:vml" xmlns:p="http://schemas.openxmlformats.org/presentationml/2006/main" xmlns:c="http://schemas.openxmlformats.org/drawingml/2006/chart" xmlns:dgm="http://schemas.openxmlformats.org/drawingml/2006/diagram" xmlns:o="urn:schemas-microsoft-com:office:office" xmlns:v="urn:schemas-microsoft-com:vml" xmlns:pvml="urn:schemas-microsoft-com:office:powerpoint" xmlns:com="http://schemas.openxmlformats.org/drawingml/2006/compatibility" xmlns:p14="http://schemas.microsoft.com/office/powerpoint/2010/main" xmlns:p15="http://schemas.microsoft.com/office/powerpoint/2012/main" xmlns:ahyp="http://schemas.microsoft.com/office/drawing/2018/hyperlinkcolor">
   <p:cSld>
     <p:spTree>
       <p:nvGrpSpPr>
-        <p:cNvPr id="380" name="Shape 380"/>
+        <p:cNvPr id="355" name="Shape 355"/>
         <p:cNvGrpSpPr/>
         <p:nvPr/>
       </p:nvGrpSpPr>
@@ -26740,7 +25540,7 @@
       </p:grpSpPr>
       <p:sp>
         <p:nvSpPr>
-          <p:cNvPr id="381" name="Google Shape;381;p54"/>
+          <p:cNvPr id="356" name="Google Shape;356;p51"/>
           <p:cNvSpPr txBox="1"/>
           <p:nvPr>
             <p:ph type="title"/>
@@ -26780,7 +25580,7 @@
       </p:sp>
       <p:sp>
         <p:nvSpPr>
-          <p:cNvPr id="382" name="Google Shape;382;p54"/>
+          <p:cNvPr id="357" name="Google Shape;357;p51"/>
           <p:cNvSpPr txBox="1"/>
           <p:nvPr>
             <p:ph idx="1" type="body"/>
@@ -26853,7 +25653,7 @@
       </p:sp>
       <p:sp>
         <p:nvSpPr>
-          <p:cNvPr id="383" name="Google Shape;383;p54"/>
+          <p:cNvPr id="358" name="Google Shape;358;p51"/>
           <p:cNvSpPr txBox="1"/>
           <p:nvPr>
             <p:ph idx="12" type="sldNum"/>
@@ -26932,12 +25732,12 @@
 </p:sld>
 </file>
 
-<file path=ppt/slides/slide48.xml><?xml version="1.0" encoding="utf-8"?>
+<file path=ppt/slides/slide45.xml><?xml version="1.0" encoding="utf-8"?>
 <p:sld xmlns:a="http://schemas.openxmlformats.org/drawingml/2006/main" xmlns:r="http://schemas.openxmlformats.org/officeDocument/2006/relationships" xmlns:mc="http://schemas.openxmlformats.org/markup-compatibility/2006" xmlns:mv="urn:schemas-microsoft-com:mac:vml" xmlns:p="http://schemas.openxmlformats.org/presentationml/2006/main" xmlns:c="http://schemas.openxmlformats.org/drawingml/2006/chart" xmlns:dgm="http://schemas.openxmlformats.org/drawingml/2006/diagram" xmlns:o="urn:schemas-microsoft-com:office:office" xmlns:v="urn:schemas-microsoft-com:vml" xmlns:pvml="urn:schemas-microsoft-com:office:powerpoint" xmlns:com="http://schemas.openxmlformats.org/drawingml/2006/compatibility" xmlns:p14="http://schemas.microsoft.com/office/powerpoint/2010/main" xmlns:p15="http://schemas.microsoft.com/office/powerpoint/2012/main" xmlns:ahyp="http://schemas.microsoft.com/office/drawing/2018/hyperlinkcolor">
   <p:cSld>
     <p:spTree>
       <p:nvGrpSpPr>
-        <p:cNvPr id="387" name="Shape 387"/>
+        <p:cNvPr id="362" name="Shape 362"/>
         <p:cNvGrpSpPr/>
         <p:nvPr/>
       </p:nvGrpSpPr>
@@ -26951,7 +25751,7 @@
       </p:grpSpPr>
       <p:sp>
         <p:nvSpPr>
-          <p:cNvPr id="388" name="Google Shape;388;p55"/>
+          <p:cNvPr id="363" name="Google Shape;363;p52"/>
           <p:cNvSpPr txBox="1"/>
           <p:nvPr>
             <p:ph type="title"/>
@@ -26991,7 +25791,7 @@
       </p:sp>
       <p:sp>
         <p:nvSpPr>
-          <p:cNvPr id="389" name="Google Shape;389;p55"/>
+          <p:cNvPr id="364" name="Google Shape;364;p52"/>
           <p:cNvSpPr txBox="1"/>
           <p:nvPr>
             <p:ph idx="1" type="body"/>
@@ -27048,7 +25848,7 @@
       </p:sp>
       <p:sp>
         <p:nvSpPr>
-          <p:cNvPr id="390" name="Google Shape;390;p55"/>
+          <p:cNvPr id="365" name="Google Shape;365;p52"/>
           <p:cNvSpPr txBox="1"/>
           <p:nvPr>
             <p:ph idx="12" type="sldNum"/>
@@ -27121,7 +25921,7 @@
       </p:sp>
       <p:pic>
         <p:nvPicPr>
-          <p:cNvPr id="391" name="Google Shape;391;p55"/>
+          <p:cNvPr id="366" name="Google Shape;366;p52"/>
           <p:cNvPicPr preferRelativeResize="0"/>
           <p:nvPr/>
         </p:nvPicPr>
@@ -27161,12 +25961,12 @@
 </p:sld>
 </file>
 
-<file path=ppt/slides/slide49.xml><?xml version="1.0" encoding="utf-8"?>
+<file path=ppt/slides/slide46.xml><?xml version="1.0" encoding="utf-8"?>
 <p:sld xmlns:a="http://schemas.openxmlformats.org/drawingml/2006/main" xmlns:r="http://schemas.openxmlformats.org/officeDocument/2006/relationships" xmlns:mc="http://schemas.openxmlformats.org/markup-compatibility/2006" xmlns:mv="urn:schemas-microsoft-com:mac:vml" xmlns:p="http://schemas.openxmlformats.org/presentationml/2006/main" xmlns:c="http://schemas.openxmlformats.org/drawingml/2006/chart" xmlns:dgm="http://schemas.openxmlformats.org/drawingml/2006/diagram" xmlns:o="urn:schemas-microsoft-com:office:office" xmlns:v="urn:schemas-microsoft-com:vml" xmlns:pvml="urn:schemas-microsoft-com:office:powerpoint" xmlns:com="http://schemas.openxmlformats.org/drawingml/2006/compatibility" xmlns:p14="http://schemas.microsoft.com/office/powerpoint/2010/main" xmlns:p15="http://schemas.microsoft.com/office/powerpoint/2012/main" xmlns:ahyp="http://schemas.microsoft.com/office/drawing/2018/hyperlinkcolor">
   <p:cSld>
     <p:spTree>
       <p:nvGrpSpPr>
-        <p:cNvPr id="395" name="Shape 395"/>
+        <p:cNvPr id="370" name="Shape 370"/>
         <p:cNvGrpSpPr/>
         <p:nvPr/>
       </p:nvGrpSpPr>
@@ -27180,72 +25980,7 @@
       </p:grpSpPr>
       <p:sp>
         <p:nvSpPr>
-          <p:cNvPr id="396" name="Google Shape;396;p56"/>
-          <p:cNvSpPr txBox="1"/>
-          <p:nvPr>
-            <p:ph type="title"/>
-          </p:nvPr>
-        </p:nvSpPr>
-        <p:spPr>
-          <a:xfrm>
-            <a:off x="0" y="-7"/>
-            <a:ext cx="9144000" cy="2386500"/>
-          </a:xfrm>
-          <a:prstGeom prst="rect">
-            <a:avLst/>
-          </a:prstGeom>
-        </p:spPr>
-        <p:txBody>
-          <a:bodyPr anchorCtr="0" anchor="b" bIns="274300" lIns="91425" spcFirstLastPara="1" rIns="91425" wrap="square" tIns="91425">
-            <a:noAutofit/>
-          </a:bodyPr>
-          <a:lstStyle/>
-          <a:p>
-            <a:pPr indent="0" lvl="0" marL="0" rtl="0" algn="ctr">
-              <a:spcBef>
-                <a:spcPts val="0"/>
-              </a:spcBef>
-              <a:spcAft>
-                <a:spcPts val="0"/>
-              </a:spcAft>
-              <a:buNone/>
-            </a:pPr>
-            <a:r>
-              <a:rPr lang="en"/>
-              <a:t>Homework</a:t>
-            </a:r>
-            <a:endParaRPr/>
-          </a:p>
-        </p:txBody>
-      </p:sp>
-    </p:spTree>
-  </p:cSld>
-  <p:clrMapOvr>
-    <a:masterClrMapping/>
-  </p:clrMapOvr>
-</p:sld>
-</file>
-
-<file path=ppt/slides/slide5.xml><?xml version="1.0" encoding="utf-8"?>
-<p:sld xmlns:a="http://schemas.openxmlformats.org/drawingml/2006/main" xmlns:r="http://schemas.openxmlformats.org/officeDocument/2006/relationships" xmlns:mc="http://schemas.openxmlformats.org/markup-compatibility/2006" xmlns:mv="urn:schemas-microsoft-com:mac:vml" xmlns:p="http://schemas.openxmlformats.org/presentationml/2006/main" xmlns:c="http://schemas.openxmlformats.org/drawingml/2006/chart" xmlns:dgm="http://schemas.openxmlformats.org/drawingml/2006/diagram" xmlns:o="urn:schemas-microsoft-com:office:office" xmlns:v="urn:schemas-microsoft-com:vml" xmlns:pvml="urn:schemas-microsoft-com:office:powerpoint" xmlns:com="http://schemas.openxmlformats.org/drawingml/2006/compatibility" xmlns:p14="http://schemas.microsoft.com/office/powerpoint/2010/main" xmlns:p15="http://schemas.microsoft.com/office/powerpoint/2012/main" xmlns:ahyp="http://schemas.microsoft.com/office/drawing/2018/hyperlinkcolor">
-  <p:cSld>
-    <p:spTree>
-      <p:nvGrpSpPr>
-        <p:cNvPr id="77" name="Shape 77"/>
-        <p:cNvGrpSpPr/>
-        <p:nvPr/>
-      </p:nvGrpSpPr>
-      <p:grpSpPr>
-        <a:xfrm>
-          <a:off x="0" y="0"/>
-          <a:ext cx="0" cy="0"/>
-          <a:chOff x="0" y="0"/>
-          <a:chExt cx="0" cy="0"/>
-        </a:xfrm>
-      </p:grpSpPr>
-      <p:sp>
-        <p:nvSpPr>
-          <p:cNvPr id="78" name="Google Shape;78;p12"/>
+          <p:cNvPr id="371" name="Google Shape;371;p53"/>
           <p:cNvSpPr txBox="1"/>
           <p:nvPr>
             <p:ph type="title"/>
@@ -27277,7 +26012,7 @@
             </a:pPr>
             <a:r>
               <a:rPr lang="en"/>
-              <a:t>Catching the Common Bug</a:t>
+              <a:t>The Final Word on Exceptions</a:t>
             </a:r>
             <a:endParaRPr/>
           </a:p>
@@ -27285,63 +26020,7 @@
       </p:sp>
       <p:sp>
         <p:nvSpPr>
-          <p:cNvPr id="79" name="Google Shape;79;p12"/>
-          <p:cNvSpPr txBox="1"/>
-          <p:nvPr>
-            <p:ph idx="1" type="body"/>
-          </p:nvPr>
-        </p:nvSpPr>
-        <p:spPr>
-          <a:xfrm>
-            <a:off x="274320" y="914400"/>
-            <a:ext cx="8595300" cy="4114800"/>
-          </a:xfrm>
-          <a:prstGeom prst="rect">
-            <a:avLst/>
-          </a:prstGeom>
-        </p:spPr>
-        <p:txBody>
-          <a:bodyPr anchorCtr="0" anchor="t" bIns="0" lIns="0" spcFirstLastPara="1" rIns="0" wrap="square" tIns="0">
-            <a:noAutofit/>
-          </a:bodyPr>
-          <a:lstStyle/>
-          <a:p>
-            <a:pPr indent="0" lvl="0" marL="0" rtl="0" algn="l">
-              <a:spcBef>
-                <a:spcPts val="0"/>
-              </a:spcBef>
-              <a:spcAft>
-                <a:spcPts val="0"/>
-              </a:spcAft>
-              <a:buNone/>
-            </a:pPr>
-            <a:r>
-              <a:rPr lang="en"/>
-              <a:t>Best done during development (earlier is better)</a:t>
-            </a:r>
-            <a:endParaRPr/>
-          </a:p>
-          <a:p>
-            <a:pPr indent="0" lvl="0" marL="0" rtl="0" algn="l">
-              <a:spcBef>
-                <a:spcPts val="1200"/>
-              </a:spcBef>
-              <a:spcAft>
-                <a:spcPts val="1200"/>
-              </a:spcAft>
-              <a:buNone/>
-            </a:pPr>
-            <a:r>
-              <a:rPr lang="en"/>
-              <a:t>But you can’t avoid errors at runtime</a:t>
-            </a:r>
-            <a:endParaRPr/>
-          </a:p>
-        </p:txBody>
-      </p:sp>
-      <p:sp>
-        <p:nvSpPr>
-          <p:cNvPr id="80" name="Google Shape;80;p12"/>
+          <p:cNvPr id="372" name="Google Shape;372;p53"/>
           <p:cNvSpPr txBox="1"/>
           <p:nvPr>
             <p:ph idx="12" type="sldNum"/>
@@ -27412,445 +26091,9 @@
           </a:p>
         </p:txBody>
       </p:sp>
-    </p:spTree>
-  </p:cSld>
-  <p:clrMapOvr>
-    <a:masterClrMapping/>
-  </p:clrMapOvr>
-</p:sld>
-</file>
-
-<file path=ppt/slides/slide50.xml><?xml version="1.0" encoding="utf-8"?>
-<p:sld xmlns:a="http://schemas.openxmlformats.org/drawingml/2006/main" xmlns:r="http://schemas.openxmlformats.org/officeDocument/2006/relationships" xmlns:mc="http://schemas.openxmlformats.org/markup-compatibility/2006" xmlns:mv="urn:schemas-microsoft-com:mac:vml" xmlns:p="http://schemas.openxmlformats.org/presentationml/2006/main" xmlns:c="http://schemas.openxmlformats.org/drawingml/2006/chart" xmlns:dgm="http://schemas.openxmlformats.org/drawingml/2006/diagram" xmlns:o="urn:schemas-microsoft-com:office:office" xmlns:v="urn:schemas-microsoft-com:vml" xmlns:pvml="urn:schemas-microsoft-com:office:powerpoint" xmlns:com="http://schemas.openxmlformats.org/drawingml/2006/compatibility" xmlns:p14="http://schemas.microsoft.com/office/powerpoint/2010/main" xmlns:p15="http://schemas.microsoft.com/office/powerpoint/2012/main" xmlns:ahyp="http://schemas.microsoft.com/office/drawing/2018/hyperlinkcolor">
-  <p:cSld>
-    <p:spTree>
-      <p:nvGrpSpPr>
-        <p:cNvPr id="400" name="Shape 400"/>
-        <p:cNvGrpSpPr/>
-        <p:nvPr/>
-      </p:nvGrpSpPr>
-      <p:grpSpPr>
-        <a:xfrm>
-          <a:off x="0" y="0"/>
-          <a:ext cx="0" cy="0"/>
-          <a:chOff x="0" y="0"/>
-          <a:chExt cx="0" cy="0"/>
-        </a:xfrm>
-      </p:grpSpPr>
       <p:sp>
         <p:nvSpPr>
-          <p:cNvPr id="401" name="Google Shape;401;p57"/>
-          <p:cNvSpPr txBox="1"/>
-          <p:nvPr>
-            <p:ph idx="1" type="body"/>
-          </p:nvPr>
-        </p:nvSpPr>
-        <p:spPr>
-          <a:xfrm>
-            <a:off x="274320" y="914400"/>
-            <a:ext cx="8595300" cy="4114800"/>
-          </a:xfrm>
-          <a:prstGeom prst="rect">
-            <a:avLst/>
-          </a:prstGeom>
-        </p:spPr>
-        <p:txBody>
-          <a:bodyPr anchorCtr="0" anchor="t" bIns="0" lIns="0" spcFirstLastPara="1" rIns="0" wrap="square" tIns="0">
-            <a:noAutofit/>
-          </a:bodyPr>
-          <a:lstStyle/>
-          <a:p>
-            <a:pPr indent="-342900" lvl="0" marL="457200" rtl="0" algn="l">
-              <a:spcBef>
-                <a:spcPts val="0"/>
-              </a:spcBef>
-              <a:spcAft>
-                <a:spcPts val="0"/>
-              </a:spcAft>
-              <a:buSzPts val="1800"/>
-              <a:buChar char="●"/>
-            </a:pPr>
-            <a:r>
-              <a:rPr lang="en"/>
-              <a:t>Implement findNodes() for the Node class hierarchy</a:t>
-            </a:r>
-            <a:endParaRPr/>
-          </a:p>
-          <a:p>
-            <a:pPr indent="-317500" lvl="1" marL="914400" rtl="0" algn="l">
-              <a:spcBef>
-                <a:spcPts val="0"/>
-              </a:spcBef>
-              <a:spcAft>
-                <a:spcPts val="0"/>
-              </a:spcAft>
-              <a:buSzPts val="1400"/>
-              <a:buChar char="○"/>
-            </a:pPr>
-            <a:r>
-              <a:rPr lang="en"/>
-              <a:t>View a file system as a service with the root node as its interface</a:t>
-            </a:r>
-            <a:endParaRPr/>
-          </a:p>
-          <a:p>
-            <a:pPr indent="-317500" lvl="1" marL="914400" rtl="0" algn="l">
-              <a:spcBef>
-                <a:spcPts val="0"/>
-              </a:spcBef>
-              <a:spcAft>
-                <a:spcPts val="0"/>
-              </a:spcAft>
-              <a:buSzPts val="1400"/>
-              <a:buChar char="○"/>
-            </a:pPr>
-            <a:r>
-              <a:rPr lang="en"/>
-              <a:t>View the names as just a component used within the file system</a:t>
-            </a:r>
-            <a:endParaRPr/>
-          </a:p>
-          <a:p>
-            <a:pPr indent="-342900" lvl="0" marL="457200" rtl="0" algn="l">
-              <a:spcBef>
-                <a:spcPts val="1000"/>
-              </a:spcBef>
-              <a:spcAft>
-                <a:spcPts val="0"/>
-              </a:spcAft>
-              <a:buSzPts val="1800"/>
-              <a:buChar char="●"/>
-            </a:pPr>
-            <a:r>
-              <a:rPr lang="en"/>
-              <a:t>Make the buggy file setup test work as intended</a:t>
-            </a:r>
-            <a:endParaRPr/>
-          </a:p>
-          <a:p>
-            <a:pPr indent="-317500" lvl="1" marL="914400" rtl="0" algn="l">
-              <a:spcBef>
-                <a:spcPts val="0"/>
-              </a:spcBef>
-              <a:spcAft>
-                <a:spcPts val="0"/>
-              </a:spcAft>
-              <a:buSzPts val="1400"/>
-              <a:buChar char="○"/>
-            </a:pPr>
-            <a:r>
-              <a:rPr lang="en"/>
-              <a:t>Please see the injected fault in BuggyFile.ts</a:t>
-            </a:r>
-            <a:endParaRPr/>
-          </a:p>
-          <a:p>
-            <a:pPr indent="-317500" lvl="1" marL="914400" rtl="0" algn="l">
-              <a:spcBef>
-                <a:spcPts val="0"/>
-              </a:spcBef>
-              <a:spcAft>
-                <a:spcPts val="0"/>
-              </a:spcAft>
-              <a:buSzPts val="1400"/>
-              <a:buChar char="○"/>
-            </a:pPr>
-            <a:r>
-              <a:rPr lang="en"/>
-              <a:t>No need to complete the file implementations</a:t>
-            </a:r>
-            <a:endParaRPr/>
-          </a:p>
-          <a:p>
-            <a:pPr indent="-342900" lvl="0" marL="457200" rtl="0" algn="l">
-              <a:spcBef>
-                <a:spcPts val="1000"/>
-              </a:spcBef>
-              <a:spcAft>
-                <a:spcPts val="0"/>
-              </a:spcAft>
-              <a:buSzPts val="1800"/>
-              <a:buChar char="●"/>
-            </a:pPr>
-            <a:r>
-              <a:rPr lang="en"/>
-              <a:t>Adapt your previous work to this homework as you see fit</a:t>
-            </a:r>
-            <a:endParaRPr/>
-          </a:p>
-          <a:p>
-            <a:pPr indent="-342900" lvl="0" marL="457200" rtl="0" algn="l">
-              <a:spcBef>
-                <a:spcPts val="0"/>
-              </a:spcBef>
-              <a:spcAft>
-                <a:spcPts val="0"/>
-              </a:spcAft>
-              <a:buSzPts val="1800"/>
-              <a:buChar char="●"/>
-            </a:pPr>
-            <a:r>
-              <a:rPr lang="en"/>
-              <a:t>Commit homework by deadline to homework repository</a:t>
-            </a:r>
-            <a:endParaRPr/>
-          </a:p>
-        </p:txBody>
-      </p:sp>
-      <p:sp>
-        <p:nvSpPr>
-          <p:cNvPr id="402" name="Google Shape;402;p57"/>
-          <p:cNvSpPr txBox="1"/>
-          <p:nvPr>
-            <p:ph type="title"/>
-          </p:nvPr>
-        </p:nvSpPr>
-        <p:spPr>
-          <a:xfrm>
-            <a:off x="0" y="0"/>
-            <a:ext cx="9144000" cy="685800"/>
-          </a:xfrm>
-          <a:prstGeom prst="rect">
-            <a:avLst/>
-          </a:prstGeom>
-        </p:spPr>
-        <p:txBody>
-          <a:bodyPr anchorCtr="0" anchor="ctr" bIns="91425" lIns="274300" spcFirstLastPara="1" rIns="91425" wrap="square" tIns="91425">
-            <a:noAutofit/>
-          </a:bodyPr>
-          <a:lstStyle/>
-          <a:p>
-            <a:pPr indent="0" lvl="0" marL="0" rtl="0" algn="l">
-              <a:spcBef>
-                <a:spcPts val="0"/>
-              </a:spcBef>
-              <a:spcAft>
-                <a:spcPts val="0"/>
-              </a:spcAft>
-              <a:buNone/>
-            </a:pPr>
-            <a:r>
-              <a:rPr lang="en"/>
-              <a:t>Homework</a:t>
-            </a:r>
-            <a:endParaRPr/>
-          </a:p>
-        </p:txBody>
-      </p:sp>
-      <p:sp>
-        <p:nvSpPr>
-          <p:cNvPr id="403" name="Google Shape;403;p57"/>
-          <p:cNvSpPr txBox="1"/>
-          <p:nvPr>
-            <p:ph idx="12" type="sldNum"/>
-          </p:nvPr>
-        </p:nvSpPr>
-        <p:spPr>
-          <a:xfrm>
-            <a:off x="7315202" y="4416550"/>
-            <a:ext cx="1828800" cy="731400"/>
-          </a:xfrm>
-          <a:prstGeom prst="rect">
-            <a:avLst/>
-          </a:prstGeom>
-        </p:spPr>
-        <p:txBody>
-          <a:bodyPr anchorCtr="0" anchor="b" bIns="91425" lIns="91425" spcFirstLastPara="1" rIns="91425" wrap="square" tIns="91425">
-            <a:noAutofit/>
-          </a:bodyPr>
-          <a:lstStyle/>
-          <a:p>
-            <a:pPr indent="0" lvl="0" marL="0" rtl="0" algn="r">
-              <a:spcBef>
-                <a:spcPts val="0"/>
-              </a:spcBef>
-              <a:spcAft>
-                <a:spcPts val="0"/>
-              </a:spcAft>
-              <a:buNone/>
-            </a:pPr>
-            <a:fld id="{00000000-1234-1234-1234-123412341234}" type="slidenum">
-              <a:rPr lang="en"/>
-              <a:t>‹#›</a:t>
-            </a:fld>
-            <a:endParaRPr/>
-          </a:p>
-          <a:p>
-            <a:pPr indent="0" lvl="0" marL="0" rtl="0" algn="r">
-              <a:spcBef>
-                <a:spcPts val="0"/>
-              </a:spcBef>
-              <a:spcAft>
-                <a:spcPts val="0"/>
-              </a:spcAft>
-              <a:buNone/>
-            </a:pPr>
-            <a:r>
-              <a:rPr b="0" lang="en" sz="900" u="sng">
-                <a:solidFill>
-                  <a:schemeClr val="hlink"/>
-                </a:solidFill>
-                <a:hlinkClick r:id="rId3"/>
-              </a:rPr>
-              <a:t>https://oss.cs.fau.de</a:t>
-            </a:r>
-            <a:r>
-              <a:rPr b="0" lang="en" sz="900">
-                <a:solidFill>
-                  <a:schemeClr val="dk2"/>
-                </a:solidFill>
-              </a:rPr>
-              <a:t> </a:t>
-            </a:r>
-            <a:endParaRPr b="0" sz="900">
-              <a:solidFill>
-                <a:schemeClr val="dk2"/>
-              </a:solidFill>
-            </a:endParaRPr>
-          </a:p>
-        </p:txBody>
-      </p:sp>
-    </p:spTree>
-  </p:cSld>
-  <p:clrMapOvr>
-    <a:masterClrMapping/>
-  </p:clrMapOvr>
-</p:sld>
-</file>
-
-<file path=ppt/slides/slide51.xml><?xml version="1.0" encoding="utf-8"?>
-<p:sld xmlns:a="http://schemas.openxmlformats.org/drawingml/2006/main" xmlns:r="http://schemas.openxmlformats.org/officeDocument/2006/relationships" xmlns:mc="http://schemas.openxmlformats.org/markup-compatibility/2006" xmlns:mv="urn:schemas-microsoft-com:mac:vml" xmlns:p="http://schemas.openxmlformats.org/presentationml/2006/main" xmlns:c="http://schemas.openxmlformats.org/drawingml/2006/chart" xmlns:dgm="http://schemas.openxmlformats.org/drawingml/2006/diagram" xmlns:o="urn:schemas-microsoft-com:office:office" xmlns:v="urn:schemas-microsoft-com:vml" xmlns:pvml="urn:schemas-microsoft-com:office:powerpoint" xmlns:com="http://schemas.openxmlformats.org/drawingml/2006/compatibility" xmlns:p14="http://schemas.microsoft.com/office/powerpoint/2010/main" xmlns:p15="http://schemas.microsoft.com/office/powerpoint/2012/main" xmlns:ahyp="http://schemas.microsoft.com/office/drawing/2018/hyperlinkcolor">
-  <p:cSld>
-    <p:spTree>
-      <p:nvGrpSpPr>
-        <p:cNvPr id="407" name="Shape 407"/>
-        <p:cNvGrpSpPr/>
-        <p:nvPr/>
-      </p:nvGrpSpPr>
-      <p:grpSpPr>
-        <a:xfrm>
-          <a:off x="0" y="0"/>
-          <a:ext cx="0" cy="0"/>
-          <a:chOff x="0" y="0"/>
-          <a:chExt cx="0" cy="0"/>
-        </a:xfrm>
-      </p:grpSpPr>
-      <p:sp>
-        <p:nvSpPr>
-          <p:cNvPr id="408" name="Google Shape;408;p58"/>
-          <p:cNvSpPr txBox="1"/>
-          <p:nvPr>
-            <p:ph type="title"/>
-          </p:nvPr>
-        </p:nvSpPr>
-        <p:spPr>
-          <a:xfrm>
-            <a:off x="0" y="0"/>
-            <a:ext cx="9144000" cy="685800"/>
-          </a:xfrm>
-          <a:prstGeom prst="rect">
-            <a:avLst/>
-          </a:prstGeom>
-        </p:spPr>
-        <p:txBody>
-          <a:bodyPr anchorCtr="0" anchor="ctr" bIns="91425" lIns="274300" spcFirstLastPara="1" rIns="91425" wrap="square" tIns="91425">
-            <a:noAutofit/>
-          </a:bodyPr>
-          <a:lstStyle/>
-          <a:p>
-            <a:pPr indent="0" lvl="0" marL="0" rtl="0" algn="l">
-              <a:spcBef>
-                <a:spcPts val="0"/>
-              </a:spcBef>
-              <a:spcAft>
-                <a:spcPts val="0"/>
-              </a:spcAft>
-              <a:buNone/>
-            </a:pPr>
-            <a:r>
-              <a:rPr lang="en"/>
-              <a:t>The Final Word on Exceptions</a:t>
-            </a:r>
-            <a:endParaRPr/>
-          </a:p>
-        </p:txBody>
-      </p:sp>
-      <p:sp>
-        <p:nvSpPr>
-          <p:cNvPr id="409" name="Google Shape;409;p58"/>
-          <p:cNvSpPr txBox="1"/>
-          <p:nvPr>
-            <p:ph idx="12" type="sldNum"/>
-          </p:nvPr>
-        </p:nvSpPr>
-        <p:spPr>
-          <a:xfrm>
-            <a:off x="7315202" y="4416550"/>
-            <a:ext cx="1828800" cy="731400"/>
-          </a:xfrm>
-          <a:prstGeom prst="rect">
-            <a:avLst/>
-          </a:prstGeom>
-        </p:spPr>
-        <p:txBody>
-          <a:bodyPr anchorCtr="0" anchor="b" bIns="91425" lIns="91425" spcFirstLastPara="1" rIns="91425" wrap="square" tIns="91425">
-            <a:noAutofit/>
-          </a:bodyPr>
-          <a:lstStyle/>
-          <a:p>
-            <a:pPr indent="0" lvl="0" marL="0" rtl="0" algn="r">
-              <a:spcBef>
-                <a:spcPts val="0"/>
-              </a:spcBef>
-              <a:spcAft>
-                <a:spcPts val="0"/>
-              </a:spcAft>
-              <a:buNone/>
-            </a:pPr>
-            <a:fld id="{00000000-1234-1234-1234-123412341234}" type="slidenum">
-              <a:rPr lang="en"/>
-              <a:t>‹#›</a:t>
-            </a:fld>
-            <a:endParaRPr/>
-          </a:p>
-          <a:p>
-            <a:pPr indent="0" lvl="0" marL="0" rtl="0" algn="r">
-              <a:spcBef>
-                <a:spcPts val="0"/>
-              </a:spcBef>
-              <a:spcAft>
-                <a:spcPts val="0"/>
-              </a:spcAft>
-              <a:buNone/>
-            </a:pPr>
-            <a:r>
-              <a:rPr b="0" lang="en" sz="900" u="sng">
-                <a:solidFill>
-                  <a:schemeClr val="hlink"/>
-                </a:solidFill>
-                <a:hlinkClick r:id="rId3"/>
-              </a:rPr>
-              <a:t>https://oss.cs.fau.de</a:t>
-            </a:r>
-            <a:r>
-              <a:rPr b="0" lang="en" sz="900">
-                <a:solidFill>
-                  <a:schemeClr val="dk2"/>
-                </a:solidFill>
-              </a:rPr>
-              <a:t> </a:t>
-            </a:r>
-            <a:endParaRPr b="0" sz="900">
-              <a:solidFill>
-                <a:schemeClr val="dk2"/>
-              </a:solidFill>
-            </a:endParaRPr>
-          </a:p>
-        </p:txBody>
-      </p:sp>
-      <p:sp>
-        <p:nvSpPr>
-          <p:cNvPr id="410" name="Google Shape;410;p58"/>
+          <p:cNvPr id="373" name="Google Shape;373;p53"/>
           <p:cNvSpPr txBox="1"/>
           <p:nvPr/>
         </p:nvSpPr>
@@ -28263,12 +26506,12 @@
 </p:sld>
 </file>
 
-<file path=ppt/slides/slide52.xml><?xml version="1.0" encoding="utf-8"?>
+<file path=ppt/slides/slide47.xml><?xml version="1.0" encoding="utf-8"?>
 <p:sld xmlns:a="http://schemas.openxmlformats.org/drawingml/2006/main" xmlns:r="http://schemas.openxmlformats.org/officeDocument/2006/relationships" xmlns:mc="http://schemas.openxmlformats.org/markup-compatibility/2006" xmlns:mv="urn:schemas-microsoft-com:mac:vml" xmlns:p="http://schemas.openxmlformats.org/presentationml/2006/main" xmlns:c="http://schemas.openxmlformats.org/drawingml/2006/chart" xmlns:dgm="http://schemas.openxmlformats.org/drawingml/2006/diagram" xmlns:o="urn:schemas-microsoft-com:office:office" xmlns:v="urn:schemas-microsoft-com:vml" xmlns:pvml="urn:schemas-microsoft-com:office:powerpoint" xmlns:com="http://schemas.openxmlformats.org/drawingml/2006/compatibility" xmlns:p14="http://schemas.microsoft.com/office/powerpoint/2010/main" xmlns:p15="http://schemas.microsoft.com/office/powerpoint/2012/main" xmlns:ahyp="http://schemas.microsoft.com/office/drawing/2018/hyperlinkcolor">
   <p:cSld>
     <p:spTree>
       <p:nvGrpSpPr>
-        <p:cNvPr id="414" name="Shape 414"/>
+        <p:cNvPr id="377" name="Shape 377"/>
         <p:cNvGrpSpPr/>
         <p:nvPr/>
       </p:nvGrpSpPr>
@@ -28282,7 +26525,7 @@
       </p:grpSpPr>
       <p:sp>
         <p:nvSpPr>
-          <p:cNvPr id="415" name="Google Shape;415;p59"/>
+          <p:cNvPr id="378" name="Google Shape;378;p54"/>
           <p:cNvSpPr txBox="1"/>
           <p:nvPr>
             <p:ph type="title"/>
@@ -28322,7 +26565,7 @@
       </p:sp>
       <p:sp>
         <p:nvSpPr>
-          <p:cNvPr id="416" name="Google Shape;416;p59"/>
+          <p:cNvPr id="379" name="Google Shape;379;p54"/>
           <p:cNvSpPr txBox="1"/>
           <p:nvPr>
             <p:ph idx="1" type="body"/>
@@ -28483,7 +26726,7 @@
       </p:sp>
       <p:sp>
         <p:nvSpPr>
-          <p:cNvPr id="417" name="Google Shape;417;p59"/>
+          <p:cNvPr id="380" name="Google Shape;380;p54"/>
           <p:cNvSpPr txBox="1"/>
           <p:nvPr>
             <p:ph idx="12" type="sldNum"/>
@@ -28562,12 +26805,12 @@
 </p:sld>
 </file>
 
-<file path=ppt/slides/slide53.xml><?xml version="1.0" encoding="utf-8"?>
+<file path=ppt/slides/slide48.xml><?xml version="1.0" encoding="utf-8"?>
 <p:sld xmlns:a="http://schemas.openxmlformats.org/drawingml/2006/main" xmlns:r="http://schemas.openxmlformats.org/officeDocument/2006/relationships" xmlns:mc="http://schemas.openxmlformats.org/markup-compatibility/2006" xmlns:mv="urn:schemas-microsoft-com:mac:vml" xmlns:p="http://schemas.openxmlformats.org/presentationml/2006/main" xmlns:c="http://schemas.openxmlformats.org/drawingml/2006/chart" xmlns:dgm="http://schemas.openxmlformats.org/drawingml/2006/diagram" xmlns:o="urn:schemas-microsoft-com:office:office" xmlns:v="urn:schemas-microsoft-com:vml" xmlns:pvml="urn:schemas-microsoft-com:office:powerpoint" xmlns:com="http://schemas.openxmlformats.org/drawingml/2006/compatibility" xmlns:p14="http://schemas.microsoft.com/office/powerpoint/2010/main" xmlns:p15="http://schemas.microsoft.com/office/powerpoint/2012/main" xmlns:ahyp="http://schemas.microsoft.com/office/drawing/2018/hyperlinkcolor">
   <p:cSld>
     <p:spTree>
       <p:nvGrpSpPr>
-        <p:cNvPr id="421" name="Shape 421"/>
+        <p:cNvPr id="384" name="Shape 384"/>
         <p:cNvGrpSpPr/>
         <p:nvPr/>
       </p:nvGrpSpPr>
@@ -28581,7 +26824,7 @@
       </p:grpSpPr>
       <p:sp>
         <p:nvSpPr>
-          <p:cNvPr id="422" name="Google Shape;422;p60"/>
+          <p:cNvPr id="385" name="Google Shape;385;p55"/>
           <p:cNvSpPr txBox="1"/>
           <p:nvPr>
             <p:ph type="ctrTitle"/>
@@ -28621,7 +26864,7 @@
       </p:sp>
       <p:sp>
         <p:nvSpPr>
-          <p:cNvPr id="423" name="Google Shape;423;p60"/>
+          <p:cNvPr id="386" name="Google Shape;386;p55"/>
           <p:cNvSpPr txBox="1"/>
           <p:nvPr>
             <p:ph idx="1" type="subTitle"/>
@@ -28746,12 +26989,12 @@
 </p:sld>
 </file>
 
-<file path=ppt/slides/slide54.xml><?xml version="1.0" encoding="utf-8"?>
+<file path=ppt/slides/slide49.xml><?xml version="1.0" encoding="utf-8"?>
 <p:sld xmlns:a="http://schemas.openxmlformats.org/drawingml/2006/main" xmlns:r="http://schemas.openxmlformats.org/officeDocument/2006/relationships" xmlns:mc="http://schemas.openxmlformats.org/markup-compatibility/2006" xmlns:mv="urn:schemas-microsoft-com:mac:vml" xmlns:p="http://schemas.openxmlformats.org/presentationml/2006/main" xmlns:c="http://schemas.openxmlformats.org/drawingml/2006/chart" xmlns:dgm="http://schemas.openxmlformats.org/drawingml/2006/diagram" xmlns:o="urn:schemas-microsoft-com:office:office" xmlns:v="urn:schemas-microsoft-com:vml" xmlns:pvml="urn:schemas-microsoft-com:office:powerpoint" xmlns:com="http://schemas.openxmlformats.org/drawingml/2006/compatibility" xmlns:p14="http://schemas.microsoft.com/office/powerpoint/2010/main" xmlns:p15="http://schemas.microsoft.com/office/powerpoint/2012/main" xmlns:ahyp="http://schemas.microsoft.com/office/drawing/2018/hyperlinkcolor">
   <p:cSld>
     <p:spTree>
       <p:nvGrpSpPr>
-        <p:cNvPr id="427" name="Shape 427"/>
+        <p:cNvPr id="390" name="Shape 390"/>
         <p:cNvGrpSpPr/>
         <p:nvPr/>
       </p:nvGrpSpPr>
@@ -28765,7 +27008,7 @@
       </p:grpSpPr>
       <p:sp>
         <p:nvSpPr>
-          <p:cNvPr id="428" name="Google Shape;428;p61"/>
+          <p:cNvPr id="391" name="Google Shape;391;p56"/>
           <p:cNvSpPr txBox="1"/>
           <p:nvPr>
             <p:ph type="title"/>
@@ -28805,7 +27048,7 @@
       </p:sp>
       <p:sp>
         <p:nvSpPr>
-          <p:cNvPr id="429" name="Google Shape;429;p61"/>
+          <p:cNvPr id="392" name="Google Shape;392;p56"/>
           <p:cNvSpPr txBox="1"/>
           <p:nvPr>
             <p:ph idx="12" type="sldNum"/>
@@ -28878,7 +27121,7 @@
       </p:sp>
       <p:sp>
         <p:nvSpPr>
-          <p:cNvPr id="430" name="Google Shape;430;p61"/>
+          <p:cNvPr id="393" name="Google Shape;393;p56"/>
           <p:cNvSpPr txBox="1"/>
           <p:nvPr>
             <p:ph idx="1" type="body"/>
@@ -29002,12 +27245,12 @@
 </p:sld>
 </file>
 
-<file path=ppt/slides/slide6.xml><?xml version="1.0" encoding="utf-8"?>
+<file path=ppt/slides/slide5.xml><?xml version="1.0" encoding="utf-8"?>
 <p:sld xmlns:a="http://schemas.openxmlformats.org/drawingml/2006/main" xmlns:r="http://schemas.openxmlformats.org/officeDocument/2006/relationships" xmlns:mc="http://schemas.openxmlformats.org/markup-compatibility/2006" xmlns:mv="urn:schemas-microsoft-com:mac:vml" xmlns:p="http://schemas.openxmlformats.org/presentationml/2006/main" xmlns:c="http://schemas.openxmlformats.org/drawingml/2006/chart" xmlns:dgm="http://schemas.openxmlformats.org/drawingml/2006/diagram" xmlns:o="urn:schemas-microsoft-com:office:office" xmlns:v="urn:schemas-microsoft-com:vml" xmlns:pvml="urn:schemas-microsoft-com:office:powerpoint" xmlns:com="http://schemas.openxmlformats.org/drawingml/2006/compatibility" xmlns:p14="http://schemas.microsoft.com/office/powerpoint/2010/main" xmlns:p15="http://schemas.microsoft.com/office/powerpoint/2012/main" xmlns:ahyp="http://schemas.microsoft.com/office/drawing/2018/hyperlinkcolor">
   <p:cSld>
     <p:spTree>
       <p:nvGrpSpPr>
-        <p:cNvPr id="84" name="Shape 84"/>
+        <p:cNvPr id="76" name="Shape 76"/>
         <p:cNvGrpSpPr/>
         <p:nvPr/>
       </p:nvGrpSpPr>
@@ -29021,7 +27264,7 @@
       </p:grpSpPr>
       <p:sp>
         <p:nvSpPr>
-          <p:cNvPr id="85" name="Google Shape;85;p13"/>
+          <p:cNvPr id="77" name="Google Shape;77;p12"/>
           <p:cNvSpPr txBox="1"/>
           <p:nvPr>
             <p:ph type="title"/>
@@ -29053,7 +27296,7 @@
             </a:pPr>
             <a:r>
               <a:rPr lang="en"/>
-              <a:t>Deliberately Bad Java Example [1]</a:t>
+              <a:t>Catching the Common Bug</a:t>
             </a:r>
             <a:endParaRPr/>
           </a:p>
@@ -29061,7 +27304,63 @@
       </p:sp>
       <p:sp>
         <p:nvSpPr>
-          <p:cNvPr id="86" name="Google Shape;86;p13"/>
+          <p:cNvPr id="78" name="Google Shape;78;p12"/>
+          <p:cNvSpPr txBox="1"/>
+          <p:nvPr>
+            <p:ph idx="1" type="body"/>
+          </p:nvPr>
+        </p:nvSpPr>
+        <p:spPr>
+          <a:xfrm>
+            <a:off x="274320" y="914400"/>
+            <a:ext cx="8595300" cy="4114800"/>
+          </a:xfrm>
+          <a:prstGeom prst="rect">
+            <a:avLst/>
+          </a:prstGeom>
+        </p:spPr>
+        <p:txBody>
+          <a:bodyPr anchorCtr="0" anchor="t" bIns="0" lIns="0" spcFirstLastPara="1" rIns="0" wrap="square" tIns="0">
+            <a:noAutofit/>
+          </a:bodyPr>
+          <a:lstStyle/>
+          <a:p>
+            <a:pPr indent="0" lvl="0" marL="0" rtl="0" algn="l">
+              <a:spcBef>
+                <a:spcPts val="0"/>
+              </a:spcBef>
+              <a:spcAft>
+                <a:spcPts val="0"/>
+              </a:spcAft>
+              <a:buNone/>
+            </a:pPr>
+            <a:r>
+              <a:rPr lang="en"/>
+              <a:t>Best done during development (earlier is better)</a:t>
+            </a:r>
+            <a:endParaRPr/>
+          </a:p>
+          <a:p>
+            <a:pPr indent="0" lvl="0" marL="0" rtl="0" algn="l">
+              <a:spcBef>
+                <a:spcPts val="1200"/>
+              </a:spcBef>
+              <a:spcAft>
+                <a:spcPts val="1200"/>
+              </a:spcAft>
+              <a:buNone/>
+            </a:pPr>
+            <a:r>
+              <a:rPr lang="en"/>
+              <a:t>But you can’t avoid errors at runtime</a:t>
+            </a:r>
+            <a:endParaRPr/>
+          </a:p>
+        </p:txBody>
+      </p:sp>
+      <p:sp>
+        <p:nvSpPr>
+          <p:cNvPr id="79" name="Google Shape;79;p12"/>
           <p:cNvSpPr txBox="1"/>
           <p:nvPr>
             <p:ph idx="12" type="sldNum"/>
@@ -29132,9 +27431,147 @@
           </a:p>
         </p:txBody>
       </p:sp>
+    </p:spTree>
+  </p:cSld>
+  <p:clrMapOvr>
+    <a:masterClrMapping/>
+  </p:clrMapOvr>
+</p:sld>
+</file>
+
+<file path=ppt/slides/slide6.xml><?xml version="1.0" encoding="utf-8"?>
+<p:sld xmlns:a="http://schemas.openxmlformats.org/drawingml/2006/main" xmlns:r="http://schemas.openxmlformats.org/officeDocument/2006/relationships" xmlns:mc="http://schemas.openxmlformats.org/markup-compatibility/2006" xmlns:mv="urn:schemas-microsoft-com:mac:vml" xmlns:p="http://schemas.openxmlformats.org/presentationml/2006/main" xmlns:c="http://schemas.openxmlformats.org/drawingml/2006/chart" xmlns:dgm="http://schemas.openxmlformats.org/drawingml/2006/diagram" xmlns:o="urn:schemas-microsoft-com:office:office" xmlns:v="urn:schemas-microsoft-com:vml" xmlns:pvml="urn:schemas-microsoft-com:office:powerpoint" xmlns:com="http://schemas.openxmlformats.org/drawingml/2006/compatibility" xmlns:p14="http://schemas.microsoft.com/office/powerpoint/2010/main" xmlns:p15="http://schemas.microsoft.com/office/powerpoint/2012/main" xmlns:ahyp="http://schemas.microsoft.com/office/drawing/2018/hyperlinkcolor">
+  <p:cSld>
+    <p:spTree>
+      <p:nvGrpSpPr>
+        <p:cNvPr id="83" name="Shape 83"/>
+        <p:cNvGrpSpPr/>
+        <p:nvPr/>
+      </p:nvGrpSpPr>
+      <p:grpSpPr>
+        <a:xfrm>
+          <a:off x="0" y="0"/>
+          <a:ext cx="0" cy="0"/>
+          <a:chOff x="0" y="0"/>
+          <a:chExt cx="0" cy="0"/>
+        </a:xfrm>
+      </p:grpSpPr>
       <p:sp>
         <p:nvSpPr>
-          <p:cNvPr id="87" name="Google Shape;87;p13"/>
+          <p:cNvPr id="84" name="Google Shape;84;p13"/>
+          <p:cNvSpPr txBox="1"/>
+          <p:nvPr>
+            <p:ph type="title"/>
+          </p:nvPr>
+        </p:nvSpPr>
+        <p:spPr>
+          <a:xfrm>
+            <a:off x="0" y="0"/>
+            <a:ext cx="9144000" cy="685800"/>
+          </a:xfrm>
+          <a:prstGeom prst="rect">
+            <a:avLst/>
+          </a:prstGeom>
+        </p:spPr>
+        <p:txBody>
+          <a:bodyPr anchorCtr="0" anchor="ctr" bIns="91425" lIns="274300" spcFirstLastPara="1" rIns="91425" wrap="square" tIns="91425">
+            <a:noAutofit/>
+          </a:bodyPr>
+          <a:lstStyle/>
+          <a:p>
+            <a:pPr indent="0" lvl="0" marL="0" rtl="0" algn="l">
+              <a:spcBef>
+                <a:spcPts val="0"/>
+              </a:spcBef>
+              <a:spcAft>
+                <a:spcPts val="0"/>
+              </a:spcAft>
+              <a:buNone/>
+            </a:pPr>
+            <a:r>
+              <a:rPr lang="en"/>
+              <a:t>Deliberately Bad Java Example [1]</a:t>
+            </a:r>
+            <a:endParaRPr/>
+          </a:p>
+        </p:txBody>
+      </p:sp>
+      <p:sp>
+        <p:nvSpPr>
+          <p:cNvPr id="85" name="Google Shape;85;p13"/>
+          <p:cNvSpPr txBox="1"/>
+          <p:nvPr>
+            <p:ph idx="12" type="sldNum"/>
+          </p:nvPr>
+        </p:nvSpPr>
+        <p:spPr>
+          <a:xfrm>
+            <a:off x="7315202" y="4416550"/>
+            <a:ext cx="1828800" cy="731400"/>
+          </a:xfrm>
+          <a:prstGeom prst="rect">
+            <a:avLst/>
+          </a:prstGeom>
+        </p:spPr>
+        <p:txBody>
+          <a:bodyPr anchorCtr="0" anchor="b" bIns="91425" lIns="91425" spcFirstLastPara="1" rIns="91425" wrap="square" tIns="91425">
+            <a:noAutofit/>
+          </a:bodyPr>
+          <a:lstStyle/>
+          <a:p>
+            <a:pPr indent="0" lvl="0" marL="0" rtl="0" algn="r">
+              <a:spcBef>
+                <a:spcPts val="0"/>
+              </a:spcBef>
+              <a:spcAft>
+                <a:spcPts val="0"/>
+              </a:spcAft>
+              <a:buNone/>
+            </a:pPr>
+            <a:fld id="{00000000-1234-1234-1234-123412341234}" type="slidenum">
+              <a:rPr lang="en"/>
+              <a:t>‹#›</a:t>
+            </a:fld>
+            <a:endParaRPr/>
+          </a:p>
+          <a:p>
+            <a:pPr indent="0" lvl="0" marL="0" rtl="0" algn="r">
+              <a:spcBef>
+                <a:spcPts val="0"/>
+              </a:spcBef>
+              <a:spcAft>
+                <a:spcPts val="0"/>
+              </a:spcAft>
+              <a:buNone/>
+            </a:pPr>
+            <a:r>
+              <a:rPr b="0" lang="en" sz="900" u="sng">
+                <a:solidFill>
+                  <a:schemeClr val="hlink"/>
+                </a:solidFill>
+                <a:hlinkClick r:id="rId3"/>
+              </a:rPr>
+              <a:t>https://oss.cs.fau.de</a:t>
+            </a:r>
+            <a:r>
+              <a:rPr b="0" lang="en" sz="900">
+                <a:solidFill>
+                  <a:schemeClr val="dk2"/>
+                </a:solidFill>
+              </a:rPr>
+              <a:t> </a:t>
+            </a:r>
+            <a:endParaRPr b="0" sz="900">
+              <a:solidFill>
+                <a:schemeClr val="dk2"/>
+              </a:solidFill>
+            </a:endParaRPr>
+          </a:p>
+        </p:txBody>
+      </p:sp>
+      <p:sp>
+        <p:nvSpPr>
+          <p:cNvPr id="86" name="Google Shape;86;p13"/>
           <p:cNvSpPr txBox="1"/>
           <p:nvPr>
             <p:ph idx="1" type="body"/>
@@ -31319,7 +29756,7 @@
       </p:sp>
       <p:sp>
         <p:nvSpPr>
-          <p:cNvPr id="88" name="Google Shape;88;p13"/>
+          <p:cNvPr id="87" name="Google Shape;87;p13"/>
           <p:cNvSpPr txBox="1"/>
           <p:nvPr/>
         </p:nvSpPr>
@@ -31372,7 +29809,7 @@
   <p:cSld>
     <p:spTree>
       <p:nvGrpSpPr>
-        <p:cNvPr id="92" name="Shape 92"/>
+        <p:cNvPr id="91" name="Shape 91"/>
         <p:cNvGrpSpPr/>
         <p:nvPr/>
       </p:nvGrpSpPr>
@@ -31386,7 +29823,7 @@
       </p:grpSpPr>
       <p:sp>
         <p:nvSpPr>
-          <p:cNvPr id="93" name="Google Shape;93;p14"/>
+          <p:cNvPr id="92" name="Google Shape;92;p14"/>
           <p:cNvSpPr txBox="1"/>
           <p:nvPr>
             <p:ph type="title"/>
@@ -31426,7 +29863,7 @@
       </p:sp>
       <p:sp>
         <p:nvSpPr>
-          <p:cNvPr id="94" name="Google Shape;94;p14"/>
+          <p:cNvPr id="93" name="Google Shape;93;p14"/>
           <p:cNvSpPr txBox="1"/>
           <p:nvPr>
             <p:ph idx="1" type="body"/>
@@ -31628,7 +30065,7 @@
       </p:sp>
       <p:sp>
         <p:nvSpPr>
-          <p:cNvPr id="95" name="Google Shape;95;p14"/>
+          <p:cNvPr id="94" name="Google Shape;94;p14"/>
           <p:cNvSpPr txBox="1"/>
           <p:nvPr>
             <p:ph idx="12" type="sldNum"/>
@@ -31712,7 +30149,7 @@
   <p:cSld>
     <p:spTree>
       <p:nvGrpSpPr>
-        <p:cNvPr id="99" name="Shape 99"/>
+        <p:cNvPr id="98" name="Shape 98"/>
         <p:cNvGrpSpPr/>
         <p:nvPr/>
       </p:nvGrpSpPr>
@@ -31726,7 +30163,7 @@
       </p:grpSpPr>
       <p:sp>
         <p:nvSpPr>
-          <p:cNvPr id="100" name="Google Shape;100;p15"/>
+          <p:cNvPr id="99" name="Google Shape;99;p15"/>
           <p:cNvSpPr txBox="1"/>
           <p:nvPr>
             <p:ph type="title"/>
@@ -31766,7 +30203,7 @@
       </p:sp>
       <p:sp>
         <p:nvSpPr>
-          <p:cNvPr id="101" name="Google Shape;101;p15"/>
+          <p:cNvPr id="100" name="Google Shape;100;p15"/>
           <p:cNvSpPr txBox="1"/>
           <p:nvPr>
             <p:ph idx="1" type="body"/>
@@ -31806,7 +30243,7 @@
       </p:sp>
       <p:sp>
         <p:nvSpPr>
-          <p:cNvPr id="102" name="Google Shape;102;p15"/>
+          <p:cNvPr id="101" name="Google Shape;101;p15"/>
           <p:cNvSpPr txBox="1"/>
           <p:nvPr>
             <p:ph idx="12" type="sldNum"/>
@@ -31890,7 +30327,7 @@
   <p:cSld>
     <p:spTree>
       <p:nvGrpSpPr>
-        <p:cNvPr id="106" name="Shape 106"/>
+        <p:cNvPr id="105" name="Shape 105"/>
         <p:cNvGrpSpPr/>
         <p:nvPr/>
       </p:nvGrpSpPr>
@@ -31904,7 +30341,7 @@
       </p:grpSpPr>
       <p:sp>
         <p:nvSpPr>
-          <p:cNvPr id="107" name="Google Shape;107;p16"/>
+          <p:cNvPr id="106" name="Google Shape;106;p16"/>
           <p:cNvSpPr txBox="1"/>
           <p:nvPr>
             <p:ph type="title"/>

--- a/Lecture slides/ADAP B05 - Error and Exception Handling.pptx
+++ b/Lecture slides/ADAP B05 - Error and Exception Handling.pptx
@@ -9878,7 +9878,7 @@
             </a:pPr>
             <a:r>
               <a:rPr lang="en"/>
-              <a:t>Code Layers</a:t>
+              <a:t>(Static) Code Layers</a:t>
             </a:r>
             <a:endParaRPr/>
           </a:p>
@@ -11443,7 +11443,7 @@
             <a:tbl>
               <a:tblPr>
                 <a:noFill/>
-                <a:tableStyleId>{0A3D7DEB-E554-408A-9E8B-F5EF3EEBE83F}</a:tableStyleId>
+                <a:tableStyleId>{7B657F08-89A6-429C-9532-F9CB1B2E76FD}</a:tableStyleId>
               </a:tblPr>
               <a:tblGrid>
                 <a:gridCol w="2865125"/>
@@ -19069,7 +19069,7 @@
             <a:tbl>
               <a:tblPr>
                 <a:noFill/>
-                <a:tableStyleId>{0A3D7DEB-E554-408A-9E8B-F5EF3EEBE83F}</a:tableStyleId>
+                <a:tableStyleId>{7B657F08-89A6-429C-9532-F9CB1B2E76FD}</a:tableStyleId>
               </a:tblPr>
               <a:tblGrid>
                 <a:gridCol w="2865125"/>
@@ -29301,7 +29301,7 @@
                 <a:cs typeface="Courier New"/>
                 <a:sym typeface="Courier New"/>
               </a:rPr>
-              <a:t>(“</a:t>
+              <a:t>(</a:t>
             </a:r>
             <a:r>
               <a:rPr lang="en" sz="1000">
@@ -29309,14 +29309,44 @@
                   <a:srgbClr val="001080"/>
                 </a:solidFill>
                 <a:highlight>
-                  <a:srgbClr val="FFFFFF"/>
-                </a:highlight>
-                <a:latin typeface="Courier New"/>
-                <a:ea typeface="Courier New"/>
-                <a:cs typeface="Courier New"/>
-                <a:sym typeface="Courier New"/>
-              </a:rPr>
-              <a:t>something</a:t>
+                  <a:schemeClr val="lt1"/>
+                </a:highlight>
+                <a:latin typeface="Courier New"/>
+                <a:ea typeface="Courier New"/>
+                <a:cs typeface="Courier New"/>
+                <a:sym typeface="Courier New"/>
+              </a:rPr>
+              <a:t>"</a:t>
+            </a:r>
+            <a:r>
+              <a:rPr lang="en" sz="1000">
+                <a:solidFill>
+                  <a:srgbClr val="001080"/>
+                </a:solidFill>
+                <a:highlight>
+                  <a:srgbClr val="FFFFFF"/>
+                </a:highlight>
+                <a:latin typeface="Courier New"/>
+                <a:ea typeface="Courier New"/>
+                <a:cs typeface="Courier New"/>
+                <a:sym typeface="Courier New"/>
+              </a:rPr>
+              <a:t>something went wrong!</a:t>
+            </a:r>
+            <a:r>
+              <a:rPr lang="en" sz="1000">
+                <a:solidFill>
+                  <a:srgbClr val="001080"/>
+                </a:solidFill>
+                <a:highlight>
+                  <a:schemeClr val="lt1"/>
+                </a:highlight>
+                <a:latin typeface="Courier New"/>
+                <a:ea typeface="Courier New"/>
+                <a:cs typeface="Courier New"/>
+                <a:sym typeface="Courier New"/>
+              </a:rPr>
+              <a:t>"</a:t>
             </a:r>
             <a:r>
               <a:rPr lang="en" sz="1000">
@@ -29331,79 +29361,7 @@
                 <a:cs typeface="Courier New"/>
                 <a:sym typeface="Courier New"/>
               </a:rPr>
-              <a:t> </a:t>
-            </a:r>
-            <a:r>
-              <a:rPr lang="en" sz="1000">
-                <a:solidFill>
-                  <a:srgbClr val="001080"/>
-                </a:solidFill>
-                <a:highlight>
-                  <a:srgbClr val="FFFFFF"/>
-                </a:highlight>
-                <a:latin typeface="Courier New"/>
-                <a:ea typeface="Courier New"/>
-                <a:cs typeface="Courier New"/>
-                <a:sym typeface="Courier New"/>
-              </a:rPr>
-              <a:t>went</a:t>
-            </a:r>
-            <a:r>
-              <a:rPr lang="en" sz="1000">
-                <a:solidFill>
-                  <a:srgbClr val="3B3B3B"/>
-                </a:solidFill>
-                <a:highlight>
-                  <a:srgbClr val="FFFFFF"/>
-                </a:highlight>
-                <a:latin typeface="Courier New"/>
-                <a:ea typeface="Courier New"/>
-                <a:cs typeface="Courier New"/>
-                <a:sym typeface="Courier New"/>
-              </a:rPr>
-              <a:t> </a:t>
-            </a:r>
-            <a:r>
-              <a:rPr lang="en" sz="1000">
-                <a:solidFill>
-                  <a:srgbClr val="001080"/>
-                </a:solidFill>
-                <a:highlight>
-                  <a:srgbClr val="FFFFFF"/>
-                </a:highlight>
-                <a:latin typeface="Courier New"/>
-                <a:ea typeface="Courier New"/>
-                <a:cs typeface="Courier New"/>
-                <a:sym typeface="Courier New"/>
-              </a:rPr>
-              <a:t>wrong</a:t>
-            </a:r>
-            <a:r>
-              <a:rPr lang="en" sz="1000">
-                <a:highlight>
-                  <a:srgbClr val="FFFFFF"/>
-                </a:highlight>
-                <a:latin typeface="Courier New"/>
-                <a:ea typeface="Courier New"/>
-                <a:cs typeface="Courier New"/>
-                <a:sym typeface="Courier New"/>
-              </a:rPr>
-              <a:t>!</a:t>
-            </a:r>
-            <a:r>
-              <a:rPr lang="en" sz="1000">
-                <a:solidFill>
-                  <a:srgbClr val="3B3B3B"/>
-                </a:solidFill>
-                <a:highlight>
-                  <a:srgbClr val="FFFFFF"/>
-                </a:highlight>
-                <a:latin typeface="Courier New"/>
-                <a:ea typeface="Courier New"/>
-                <a:cs typeface="Courier New"/>
-                <a:sym typeface="Courier New"/>
-              </a:rPr>
-              <a:t>”);</a:t>
+              <a:t>);</a:t>
             </a:r>
             <a:endParaRPr sz="1000">
               <a:solidFill>
@@ -30388,6 +30346,285 @@
 </file>
 
 <file path=ppt/theme/theme1.xml><?xml version="1.0" encoding="utf-8"?>
+<a:theme xmlns:a="http://schemas.openxmlformats.org/drawingml/2006/main" xmlns:r="http://schemas.openxmlformats.org/officeDocument/2006/relationships" name="POSS Slides Template">
+  <a:themeElements>
+    <a:clrScheme name="Simple Light">
+      <a:dk1>
+        <a:srgbClr val="000000"/>
+      </a:dk1>
+      <a:lt1>
+        <a:srgbClr val="FFFFFF"/>
+      </a:lt1>
+      <a:dk2>
+        <a:srgbClr val="404040"/>
+      </a:dk2>
+      <a:lt2>
+        <a:srgbClr val="808080"/>
+      </a:lt2>
+      <a:accent1>
+        <a:srgbClr val="D0D0D0"/>
+      </a:accent1>
+      <a:accent2>
+        <a:srgbClr val="4169E1"/>
+      </a:accent2>
+      <a:accent3>
+        <a:srgbClr val="4CAF50"/>
+      </a:accent3>
+      <a:accent4>
+        <a:srgbClr val="FEB612"/>
+      </a:accent4>
+      <a:accent5>
+        <a:srgbClr val="F36838"/>
+      </a:accent5>
+      <a:accent6>
+        <a:srgbClr val="8E44AD"/>
+      </a:accent6>
+      <a:hlink>
+        <a:srgbClr val="1E90FF"/>
+      </a:hlink>
+      <a:folHlink>
+        <a:srgbClr val="0097A7"/>
+      </a:folHlink>
+    </a:clrScheme>
+    <a:fontScheme name="Office">
+      <a:majorFont>
+        <a:latin typeface="Arial"/>
+        <a:ea typeface=""/>
+        <a:cs typeface=""/>
+        <a:font script="Jpan" typeface="ＭＳ Ｐゴシック"/>
+        <a:font script="Hang" typeface="맑은 고딕"/>
+        <a:font script="Hans" typeface="宋体"/>
+        <a:font script="Hant" typeface="新細明體"/>
+        <a:font script="Arab" typeface="Times New Roman"/>
+        <a:font script="Hebr" typeface="Times New Roman"/>
+        <a:font script="Thai" typeface="Angsana New"/>
+        <a:font script="Ethi" typeface="Nyala"/>
+        <a:font script="Beng" typeface="Vrinda"/>
+        <a:font script="Gujr" typeface="Shruti"/>
+        <a:font script="Khmr" typeface="MoolBoran"/>
+        <a:font script="Knda" typeface="Tunga"/>
+        <a:font script="Guru" typeface="Raavi"/>
+        <a:font script="Cans" typeface="Euphemia"/>
+        <a:font script="Cher" typeface="Plantagenet Cherokee"/>
+        <a:font script="Yiii" typeface="Microsoft Yi Baiti"/>
+        <a:font script="Tibt" typeface="Microsoft Himalaya"/>
+        <a:font script="Thaa" typeface="MV Boli"/>
+        <a:font script="Deva" typeface="Mangal"/>
+        <a:font script="Telu" typeface="Gautami"/>
+        <a:font script="Taml" typeface="Latha"/>
+        <a:font script="Syrc" typeface="Estrangelo Edessa"/>
+        <a:font script="Orya" typeface="Kalinga"/>
+        <a:font script="Mlym" typeface="Kartika"/>
+        <a:font script="Laoo" typeface="DokChampa"/>
+        <a:font script="Sinh" typeface="Iskoola Pota"/>
+        <a:font script="Mong" typeface="Mongolian Baiti"/>
+        <a:font script="Viet" typeface="Times New Roman"/>
+        <a:font script="Uigh" typeface="Microsoft Uighur"/>
+        <a:font script="Geor" typeface="Sylfaen"/>
+      </a:majorFont>
+      <a:minorFont>
+        <a:latin typeface="Arial"/>
+        <a:ea typeface=""/>
+        <a:cs typeface=""/>
+        <a:font script="Jpan" typeface="ＭＳ Ｐゴシック"/>
+        <a:font script="Hang" typeface="맑은 고딕"/>
+        <a:font script="Hans" typeface="宋体"/>
+        <a:font script="Hant" typeface="新細明體"/>
+        <a:font script="Arab" typeface="Arial"/>
+        <a:font script="Hebr" typeface="Arial"/>
+        <a:font script="Thai" typeface="Cordia New"/>
+        <a:font script="Ethi" typeface="Nyala"/>
+        <a:font script="Beng" typeface="Vrinda"/>
+        <a:font script="Gujr" typeface="Shruti"/>
+        <a:font script="Khmr" typeface="DaunPenh"/>
+        <a:font script="Knda" typeface="Tunga"/>
+        <a:font script="Guru" typeface="Raavi"/>
+        <a:font script="Cans" typeface="Euphemia"/>
+        <a:font script="Cher" typeface="Plantagenet Cherokee"/>
+        <a:font script="Yiii" typeface="Microsoft Yi Baiti"/>
+        <a:font script="Tibt" typeface="Microsoft Himalaya"/>
+        <a:font script="Thaa" typeface="MV Boli"/>
+        <a:font script="Deva" typeface="Mangal"/>
+        <a:font script="Telu" typeface="Gautami"/>
+        <a:font script="Taml" typeface="Latha"/>
+        <a:font script="Syrc" typeface="Estrangelo Edessa"/>
+        <a:font script="Orya" typeface="Kalinga"/>
+        <a:font script="Mlym" typeface="Kartika"/>
+        <a:font script="Laoo" typeface="DokChampa"/>
+        <a:font script="Sinh" typeface="Iskoola Pota"/>
+        <a:font script="Mong" typeface="Mongolian Baiti"/>
+        <a:font script="Viet" typeface="Arial"/>
+        <a:font script="Uigh" typeface="Microsoft Uighur"/>
+        <a:font script="Geor" typeface="Sylfaen"/>
+      </a:minorFont>
+    </a:fontScheme>
+    <a:fmtScheme name="Office">
+      <a:fillStyleLst>
+        <a:solidFill>
+          <a:schemeClr val="phClr"/>
+        </a:solidFill>
+        <a:gradFill rotWithShape="1">
+          <a:gsLst>
+            <a:gs pos="0">
+              <a:schemeClr val="phClr">
+                <a:tint val="50000"/>
+                <a:satMod val="300000"/>
+              </a:schemeClr>
+            </a:gs>
+            <a:gs pos="35000">
+              <a:schemeClr val="phClr">
+                <a:tint val="37000"/>
+                <a:satMod val="300000"/>
+              </a:schemeClr>
+            </a:gs>
+            <a:gs pos="100000">
+              <a:schemeClr val="phClr">
+                <a:tint val="15000"/>
+                <a:satMod val="350000"/>
+              </a:schemeClr>
+            </a:gs>
+          </a:gsLst>
+          <a:lin ang="16200000" scaled="1"/>
+        </a:gradFill>
+        <a:gradFill rotWithShape="1">
+          <a:gsLst>
+            <a:gs pos="0">
+              <a:schemeClr val="phClr">
+                <a:tint val="100000"/>
+                <a:shade val="100000"/>
+                <a:satMod val="130000"/>
+              </a:schemeClr>
+            </a:gs>
+            <a:gs pos="100000">
+              <a:schemeClr val="phClr">
+                <a:tint val="50000"/>
+                <a:shade val="100000"/>
+                <a:satMod val="350000"/>
+              </a:schemeClr>
+            </a:gs>
+          </a:gsLst>
+          <a:lin ang="16200000" scaled="0"/>
+        </a:gradFill>
+      </a:fillStyleLst>
+      <a:lnStyleLst>
+        <a:ln w="9525" cap="flat" cmpd="sng" algn="ctr">
+          <a:solidFill>
+            <a:schemeClr val="phClr">
+              <a:shade val="95000"/>
+              <a:satMod val="105000"/>
+            </a:schemeClr>
+          </a:solidFill>
+          <a:prstDash val="solid"/>
+        </a:ln>
+        <a:ln w="25400" cap="flat" cmpd="sng" algn="ctr">
+          <a:solidFill>
+            <a:schemeClr val="phClr"/>
+          </a:solidFill>
+          <a:prstDash val="solid"/>
+        </a:ln>
+        <a:ln w="38100" cap="flat" cmpd="sng" algn="ctr">
+          <a:solidFill>
+            <a:schemeClr val="phClr"/>
+          </a:solidFill>
+          <a:prstDash val="solid"/>
+        </a:ln>
+      </a:lnStyleLst>
+      <a:effectStyleLst>
+        <a:effectStyle>
+          <a:effectLst>
+            <a:outerShdw blurRad="40000" dist="20000" dir="5400000" rotWithShape="0">
+              <a:srgbClr val="000000">
+                <a:alpha val="38000"/>
+              </a:srgbClr>
+            </a:outerShdw>
+          </a:effectLst>
+        </a:effectStyle>
+        <a:effectStyle>
+          <a:effectLst>
+            <a:outerShdw blurRad="40000" dist="23000" dir="5400000" rotWithShape="0">
+              <a:srgbClr val="000000">
+                <a:alpha val="35000"/>
+              </a:srgbClr>
+            </a:outerShdw>
+          </a:effectLst>
+        </a:effectStyle>
+        <a:effectStyle>
+          <a:effectLst>
+            <a:outerShdw blurRad="40000" dist="23000" dir="5400000" rotWithShape="0">
+              <a:srgbClr val="000000">
+                <a:alpha val="35000"/>
+              </a:srgbClr>
+            </a:outerShdw>
+          </a:effectLst>
+          <a:scene3d>
+            <a:camera prst="orthographicFront">
+              <a:rot lat="0" lon="0" rev="0"/>
+            </a:camera>
+            <a:lightRig rig="threePt" dir="t">
+              <a:rot lat="0" lon="0" rev="1200000"/>
+            </a:lightRig>
+          </a:scene3d>
+          <a:sp3d>
+            <a:bevelT w="63500" h="25400"/>
+          </a:sp3d>
+        </a:effectStyle>
+      </a:effectStyleLst>
+      <a:bgFillStyleLst>
+        <a:solidFill>
+          <a:schemeClr val="phClr"/>
+        </a:solidFill>
+        <a:gradFill rotWithShape="1">
+          <a:gsLst>
+            <a:gs pos="0">
+              <a:schemeClr val="phClr">
+                <a:tint val="40000"/>
+                <a:satMod val="350000"/>
+              </a:schemeClr>
+            </a:gs>
+            <a:gs pos="40000">
+              <a:schemeClr val="phClr">
+                <a:tint val="45000"/>
+                <a:shade val="99000"/>
+                <a:satMod val="350000"/>
+              </a:schemeClr>
+            </a:gs>
+            <a:gs pos="100000">
+              <a:schemeClr val="phClr">
+                <a:shade val="20000"/>
+                <a:satMod val="255000"/>
+              </a:schemeClr>
+            </a:gs>
+          </a:gsLst>
+          <a:path path="circle">
+            <a:fillToRect l="50000" t="-80000" r="50000" b="180000"/>
+          </a:path>
+        </a:gradFill>
+        <a:gradFill rotWithShape="1">
+          <a:gsLst>
+            <a:gs pos="0">
+              <a:schemeClr val="phClr">
+                <a:tint val="80000"/>
+                <a:satMod val="300000"/>
+              </a:schemeClr>
+            </a:gs>
+            <a:gs pos="100000">
+              <a:schemeClr val="phClr">
+                <a:shade val="30000"/>
+                <a:satMod val="200000"/>
+              </a:schemeClr>
+            </a:gs>
+          </a:gsLst>
+          <a:path path="circle">
+            <a:fillToRect l="50000" t="50000" r="50000" b="50000"/>
+          </a:path>
+        </a:gradFill>
+      </a:bgFillStyleLst>
+    </a:fmtScheme>
+  </a:themeElements>
+</a:theme>
+</file>
+
+<file path=ppt/theme/theme2.xml><?xml version="1.0" encoding="utf-8"?>
 <a:theme xmlns:a="http://schemas.openxmlformats.org/drawingml/2006/main" xmlns:r="http://schemas.openxmlformats.org/officeDocument/2006/relationships">
   <a:themeElements>
     <a:clrScheme name="Default">
@@ -30664,283 +30901,4 @@
     </a:fmtScheme>
   </a:themeElements>
 </a:theme>
-</file>
-
-<file path=ppt/theme/theme2.xml><?xml version="1.0" encoding="utf-8"?>
-<a:theme xmlns:a="http://schemas.openxmlformats.org/drawingml/2006/main" xmlns:r="http://schemas.openxmlformats.org/officeDocument/2006/relationships" name="POSS Slides Template">
-  <a:themeElements>
-    <a:clrScheme name="Simple Light">
-      <a:dk1>
-        <a:srgbClr val="000000"/>
-      </a:dk1>
-      <a:lt1>
-        <a:srgbClr val="FFFFFF"/>
-      </a:lt1>
-      <a:dk2>
-        <a:srgbClr val="404040"/>
-      </a:dk2>
-      <a:lt2>
-        <a:srgbClr val="808080"/>
-      </a:lt2>
-      <a:accent1>
-        <a:srgbClr val="D0D0D0"/>
-      </a:accent1>
-      <a:accent2>
-        <a:srgbClr val="4169E1"/>
-      </a:accent2>
-      <a:accent3>
-        <a:srgbClr val="4CAF50"/>
-      </a:accent3>
-      <a:accent4>
-        <a:srgbClr val="FEB612"/>
-      </a:accent4>
-      <a:accent5>
-        <a:srgbClr val="F36838"/>
-      </a:accent5>
-      <a:accent6>
-        <a:srgbClr val="8E44AD"/>
-      </a:accent6>
-      <a:hlink>
-        <a:srgbClr val="1E90FF"/>
-      </a:hlink>
-      <a:folHlink>
-        <a:srgbClr val="0097A7"/>
-      </a:folHlink>
-    </a:clrScheme>
-    <a:fontScheme name="Office">
-      <a:majorFont>
-        <a:latin typeface="Arial"/>
-        <a:ea typeface=""/>
-        <a:cs typeface=""/>
-        <a:font script="Jpan" typeface="ＭＳ Ｐゴシック"/>
-        <a:font script="Hang" typeface="맑은 고딕"/>
-        <a:font script="Hans" typeface="宋体"/>
-        <a:font script="Hant" typeface="新細明體"/>
-        <a:font script="Arab" typeface="Times New Roman"/>
-        <a:font script="Hebr" typeface="Times New Roman"/>
-        <a:font script="Thai" typeface="Angsana New"/>
-        <a:font script="Ethi" typeface="Nyala"/>
-        <a:font script="Beng" typeface="Vrinda"/>
-        <a:font script="Gujr" typeface="Shruti"/>
-        <a:font script="Khmr" typeface="MoolBoran"/>
-        <a:font script="Knda" typeface="Tunga"/>
-        <a:font script="Guru" typeface="Raavi"/>
-        <a:font script="Cans" typeface="Euphemia"/>
-        <a:font script="Cher" typeface="Plantagenet Cherokee"/>
-        <a:font script="Yiii" typeface="Microsoft Yi Baiti"/>
-        <a:font script="Tibt" typeface="Microsoft Himalaya"/>
-        <a:font script="Thaa" typeface="MV Boli"/>
-        <a:font script="Deva" typeface="Mangal"/>
-        <a:font script="Telu" typeface="Gautami"/>
-        <a:font script="Taml" typeface="Latha"/>
-        <a:font script="Syrc" typeface="Estrangelo Edessa"/>
-        <a:font script="Orya" typeface="Kalinga"/>
-        <a:font script="Mlym" typeface="Kartika"/>
-        <a:font script="Laoo" typeface="DokChampa"/>
-        <a:font script="Sinh" typeface="Iskoola Pota"/>
-        <a:font script="Mong" typeface="Mongolian Baiti"/>
-        <a:font script="Viet" typeface="Times New Roman"/>
-        <a:font script="Uigh" typeface="Microsoft Uighur"/>
-        <a:font script="Geor" typeface="Sylfaen"/>
-      </a:majorFont>
-      <a:minorFont>
-        <a:latin typeface="Arial"/>
-        <a:ea typeface=""/>
-        <a:cs typeface=""/>
-        <a:font script="Jpan" typeface="ＭＳ Ｐゴシック"/>
-        <a:font script="Hang" typeface="맑은 고딕"/>
-        <a:font script="Hans" typeface="宋体"/>
-        <a:font script="Hant" typeface="新細明體"/>
-        <a:font script="Arab" typeface="Arial"/>
-        <a:font script="Hebr" typeface="Arial"/>
-        <a:font script="Thai" typeface="Cordia New"/>
-        <a:font script="Ethi" typeface="Nyala"/>
-        <a:font script="Beng" typeface="Vrinda"/>
-        <a:font script="Gujr" typeface="Shruti"/>
-        <a:font script="Khmr" typeface="DaunPenh"/>
-        <a:font script="Knda" typeface="Tunga"/>
-        <a:font script="Guru" typeface="Raavi"/>
-        <a:font script="Cans" typeface="Euphemia"/>
-        <a:font script="Cher" typeface="Plantagenet Cherokee"/>
-        <a:font script="Yiii" typeface="Microsoft Yi Baiti"/>
-        <a:font script="Tibt" typeface="Microsoft Himalaya"/>
-        <a:font script="Thaa" typeface="MV Boli"/>
-        <a:font script="Deva" typeface="Mangal"/>
-        <a:font script="Telu" typeface="Gautami"/>
-        <a:font script="Taml" typeface="Latha"/>
-        <a:font script="Syrc" typeface="Estrangelo Edessa"/>
-        <a:font script="Orya" typeface="Kalinga"/>
-        <a:font script="Mlym" typeface="Kartika"/>
-        <a:font script="Laoo" typeface="DokChampa"/>
-        <a:font script="Sinh" typeface="Iskoola Pota"/>
-        <a:font script="Mong" typeface="Mongolian Baiti"/>
-        <a:font script="Viet" typeface="Arial"/>
-        <a:font script="Uigh" typeface="Microsoft Uighur"/>
-        <a:font script="Geor" typeface="Sylfaen"/>
-      </a:minorFont>
-    </a:fontScheme>
-    <a:fmtScheme name="Office">
-      <a:fillStyleLst>
-        <a:solidFill>
-          <a:schemeClr val="phClr"/>
-        </a:solidFill>
-        <a:gradFill rotWithShape="1">
-          <a:gsLst>
-            <a:gs pos="0">
-              <a:schemeClr val="phClr">
-                <a:tint val="50000"/>
-                <a:satMod val="300000"/>
-              </a:schemeClr>
-            </a:gs>
-            <a:gs pos="35000">
-              <a:schemeClr val="phClr">
-                <a:tint val="37000"/>
-                <a:satMod val="300000"/>
-              </a:schemeClr>
-            </a:gs>
-            <a:gs pos="100000">
-              <a:schemeClr val="phClr">
-                <a:tint val="15000"/>
-                <a:satMod val="350000"/>
-              </a:schemeClr>
-            </a:gs>
-          </a:gsLst>
-          <a:lin ang="16200000" scaled="1"/>
-        </a:gradFill>
-        <a:gradFill rotWithShape="1">
-          <a:gsLst>
-            <a:gs pos="0">
-              <a:schemeClr val="phClr">
-                <a:tint val="100000"/>
-                <a:shade val="100000"/>
-                <a:satMod val="130000"/>
-              </a:schemeClr>
-            </a:gs>
-            <a:gs pos="100000">
-              <a:schemeClr val="phClr">
-                <a:tint val="50000"/>
-                <a:shade val="100000"/>
-                <a:satMod val="350000"/>
-              </a:schemeClr>
-            </a:gs>
-          </a:gsLst>
-          <a:lin ang="16200000" scaled="0"/>
-        </a:gradFill>
-      </a:fillStyleLst>
-      <a:lnStyleLst>
-        <a:ln w="9525" cap="flat" cmpd="sng" algn="ctr">
-          <a:solidFill>
-            <a:schemeClr val="phClr">
-              <a:shade val="95000"/>
-              <a:satMod val="105000"/>
-            </a:schemeClr>
-          </a:solidFill>
-          <a:prstDash val="solid"/>
-        </a:ln>
-        <a:ln w="25400" cap="flat" cmpd="sng" algn="ctr">
-          <a:solidFill>
-            <a:schemeClr val="phClr"/>
-          </a:solidFill>
-          <a:prstDash val="solid"/>
-        </a:ln>
-        <a:ln w="38100" cap="flat" cmpd="sng" algn="ctr">
-          <a:solidFill>
-            <a:schemeClr val="phClr"/>
-          </a:solidFill>
-          <a:prstDash val="solid"/>
-        </a:ln>
-      </a:lnStyleLst>
-      <a:effectStyleLst>
-        <a:effectStyle>
-          <a:effectLst>
-            <a:outerShdw blurRad="40000" dist="20000" dir="5400000" rotWithShape="0">
-              <a:srgbClr val="000000">
-                <a:alpha val="38000"/>
-              </a:srgbClr>
-            </a:outerShdw>
-          </a:effectLst>
-        </a:effectStyle>
-        <a:effectStyle>
-          <a:effectLst>
-            <a:outerShdw blurRad="40000" dist="23000" dir="5400000" rotWithShape="0">
-              <a:srgbClr val="000000">
-                <a:alpha val="35000"/>
-              </a:srgbClr>
-            </a:outerShdw>
-          </a:effectLst>
-        </a:effectStyle>
-        <a:effectStyle>
-          <a:effectLst>
-            <a:outerShdw blurRad="40000" dist="23000" dir="5400000" rotWithShape="0">
-              <a:srgbClr val="000000">
-                <a:alpha val="35000"/>
-              </a:srgbClr>
-            </a:outerShdw>
-          </a:effectLst>
-          <a:scene3d>
-            <a:camera prst="orthographicFront">
-              <a:rot lat="0" lon="0" rev="0"/>
-            </a:camera>
-            <a:lightRig rig="threePt" dir="t">
-              <a:rot lat="0" lon="0" rev="1200000"/>
-            </a:lightRig>
-          </a:scene3d>
-          <a:sp3d>
-            <a:bevelT w="63500" h="25400"/>
-          </a:sp3d>
-        </a:effectStyle>
-      </a:effectStyleLst>
-      <a:bgFillStyleLst>
-        <a:solidFill>
-          <a:schemeClr val="phClr"/>
-        </a:solidFill>
-        <a:gradFill rotWithShape="1">
-          <a:gsLst>
-            <a:gs pos="0">
-              <a:schemeClr val="phClr">
-                <a:tint val="40000"/>
-                <a:satMod val="350000"/>
-              </a:schemeClr>
-            </a:gs>
-            <a:gs pos="40000">
-              <a:schemeClr val="phClr">
-                <a:tint val="45000"/>
-                <a:shade val="99000"/>
-                <a:satMod val="350000"/>
-              </a:schemeClr>
-            </a:gs>
-            <a:gs pos="100000">
-              <a:schemeClr val="phClr">
-                <a:shade val="20000"/>
-                <a:satMod val="255000"/>
-              </a:schemeClr>
-            </a:gs>
-          </a:gsLst>
-          <a:path path="circle">
-            <a:fillToRect l="50000" t="-80000" r="50000" b="180000"/>
-          </a:path>
-        </a:gradFill>
-        <a:gradFill rotWithShape="1">
-          <a:gsLst>
-            <a:gs pos="0">
-              <a:schemeClr val="phClr">
-                <a:tint val="80000"/>
-                <a:satMod val="300000"/>
-              </a:schemeClr>
-            </a:gs>
-            <a:gs pos="100000">
-              <a:schemeClr val="phClr">
-                <a:shade val="30000"/>
-                <a:satMod val="200000"/>
-              </a:schemeClr>
-            </a:gs>
-          </a:gsLst>
-          <a:path path="circle">
-            <a:fillToRect l="50000" t="50000" r="50000" b="50000"/>
-          </a:path>
-        </a:gradFill>
-      </a:bgFillStyleLst>
-    </a:fmtScheme>
-  </a:themeElements>
-</a:theme>
 </file>